--- a/冷原子物理图片.pptx
+++ b/冷原子物理图片.pptx
@@ -206,7 +206,7 @@
           <a:p>
             <a:fld id="{13E984C5-265D-4B12-94E2-5039F96D2B20}" type="datetimeFigureOut">
               <a:rPr lang="zh-CN" altLang="en-US" smtClean="0"/>
-              <a:t>2025/10/14</a:t>
+              <a:t>2025/11/8</a:t>
             </a:fld>
             <a:endParaRPr lang="zh-CN" altLang="en-US"/>
           </a:p>
@@ -704,7 +704,7 @@
           <a:p>
             <a:fld id="{4E881B28-E9AF-4079-A117-83858D6A027B}" type="datetimeFigureOut">
               <a:rPr lang="zh-CN" altLang="en-US" smtClean="0"/>
-              <a:t>2025/10/14</a:t>
+              <a:t>2025/11/8</a:t>
             </a:fld>
             <a:endParaRPr lang="zh-CN" altLang="en-US"/>
           </a:p>
@@ -902,7 +902,7 @@
           <a:p>
             <a:fld id="{4E881B28-E9AF-4079-A117-83858D6A027B}" type="datetimeFigureOut">
               <a:rPr lang="zh-CN" altLang="en-US" smtClean="0"/>
-              <a:t>2025/10/14</a:t>
+              <a:t>2025/11/8</a:t>
             </a:fld>
             <a:endParaRPr lang="zh-CN" altLang="en-US"/>
           </a:p>
@@ -1110,7 +1110,7 @@
           <a:p>
             <a:fld id="{4E881B28-E9AF-4079-A117-83858D6A027B}" type="datetimeFigureOut">
               <a:rPr lang="zh-CN" altLang="en-US" smtClean="0"/>
-              <a:t>2025/10/14</a:t>
+              <a:t>2025/11/8</a:t>
             </a:fld>
             <a:endParaRPr lang="zh-CN" altLang="en-US"/>
           </a:p>
@@ -1308,7 +1308,7 @@
           <a:p>
             <a:fld id="{4E881B28-E9AF-4079-A117-83858D6A027B}" type="datetimeFigureOut">
               <a:rPr lang="zh-CN" altLang="en-US" smtClean="0"/>
-              <a:t>2025/10/14</a:t>
+              <a:t>2025/11/8</a:t>
             </a:fld>
             <a:endParaRPr lang="zh-CN" altLang="en-US"/>
           </a:p>
@@ -1583,7 +1583,7 @@
           <a:p>
             <a:fld id="{4E881B28-E9AF-4079-A117-83858D6A027B}" type="datetimeFigureOut">
               <a:rPr lang="zh-CN" altLang="en-US" smtClean="0"/>
-              <a:t>2025/10/14</a:t>
+              <a:t>2025/11/8</a:t>
             </a:fld>
             <a:endParaRPr lang="zh-CN" altLang="en-US"/>
           </a:p>
@@ -1848,7 +1848,7 @@
           <a:p>
             <a:fld id="{4E881B28-E9AF-4079-A117-83858D6A027B}" type="datetimeFigureOut">
               <a:rPr lang="zh-CN" altLang="en-US" smtClean="0"/>
-              <a:t>2025/10/14</a:t>
+              <a:t>2025/11/8</a:t>
             </a:fld>
             <a:endParaRPr lang="zh-CN" altLang="en-US"/>
           </a:p>
@@ -2260,7 +2260,7 @@
           <a:p>
             <a:fld id="{4E881B28-E9AF-4079-A117-83858D6A027B}" type="datetimeFigureOut">
               <a:rPr lang="zh-CN" altLang="en-US" smtClean="0"/>
-              <a:t>2025/10/14</a:t>
+              <a:t>2025/11/8</a:t>
             </a:fld>
             <a:endParaRPr lang="zh-CN" altLang="en-US"/>
           </a:p>
@@ -2401,7 +2401,7 @@
           <a:p>
             <a:fld id="{4E881B28-E9AF-4079-A117-83858D6A027B}" type="datetimeFigureOut">
               <a:rPr lang="zh-CN" altLang="en-US" smtClean="0"/>
-              <a:t>2025/10/14</a:t>
+              <a:t>2025/11/8</a:t>
             </a:fld>
             <a:endParaRPr lang="zh-CN" altLang="en-US"/>
           </a:p>
@@ -2514,7 +2514,7 @@
           <a:p>
             <a:fld id="{4E881B28-E9AF-4079-A117-83858D6A027B}" type="datetimeFigureOut">
               <a:rPr lang="zh-CN" altLang="en-US" smtClean="0"/>
-              <a:t>2025/10/14</a:t>
+              <a:t>2025/11/8</a:t>
             </a:fld>
             <a:endParaRPr lang="zh-CN" altLang="en-US"/>
           </a:p>
@@ -2825,7 +2825,7 @@
           <a:p>
             <a:fld id="{4E881B28-E9AF-4079-A117-83858D6A027B}" type="datetimeFigureOut">
               <a:rPr lang="zh-CN" altLang="en-US" smtClean="0"/>
-              <a:t>2025/10/14</a:t>
+              <a:t>2025/11/8</a:t>
             </a:fld>
             <a:endParaRPr lang="zh-CN" altLang="en-US"/>
           </a:p>
@@ -3113,7 +3113,7 @@
           <a:p>
             <a:fld id="{4E881B28-E9AF-4079-A117-83858D6A027B}" type="datetimeFigureOut">
               <a:rPr lang="zh-CN" altLang="en-US" smtClean="0"/>
-              <a:t>2025/10/14</a:t>
+              <a:t>2025/11/8</a:t>
             </a:fld>
             <a:endParaRPr lang="zh-CN" altLang="en-US"/>
           </a:p>
@@ -3354,7 +3354,7 @@
           <a:p>
             <a:fld id="{4E881B28-E9AF-4079-A117-83858D6A027B}" type="datetimeFigureOut">
               <a:rPr lang="zh-CN" altLang="en-US" smtClean="0"/>
-              <a:t>2025/10/14</a:t>
+              <a:t>2025/11/8</a:t>
             </a:fld>
             <a:endParaRPr lang="zh-CN" altLang="en-US"/>
           </a:p>
@@ -3901,7 +3901,7 @@
             <a:graphicData uri="http://schemas.openxmlformats.org/presentationml/2006/ole">
               <mc:AlternateContent xmlns:mc="http://schemas.openxmlformats.org/markup-compatibility/2006">
                 <mc:Choice xmlns:v="urn:schemas-microsoft-com:vml" Requires="v">
-                  <p:oleObj spid="_x0000_s1685" name="AxMath" r:id="rId3" imgW="258840" imgH="235800" progId="Equation.AxMath">
+                  <p:oleObj spid="_x0000_s1748" name="AxMath" r:id="rId3" imgW="258840" imgH="235800" progId="Equation.AxMath">
                     <p:embed/>
                   </p:oleObj>
                 </mc:Choice>
@@ -3964,7 +3964,7 @@
             <a:graphicData uri="http://schemas.openxmlformats.org/presentationml/2006/ole">
               <mc:AlternateContent xmlns:mc="http://schemas.openxmlformats.org/markup-compatibility/2006">
                 <mc:Choice xmlns:v="urn:schemas-microsoft-com:vml" Requires="v">
-                  <p:oleObj spid="_x0000_s1686" name="AxMath" r:id="rId5" imgW="255960" imgH="235800" progId="Equation.AxMath">
+                  <p:oleObj spid="_x0000_s1749" name="AxMath" r:id="rId5" imgW="255960" imgH="235800" progId="Equation.AxMath">
                     <p:embed/>
                   </p:oleObj>
                 </mc:Choice>
@@ -4115,7 +4115,7 @@
             <a:graphicData uri="http://schemas.openxmlformats.org/presentationml/2006/ole">
               <mc:AlternateContent xmlns:mc="http://schemas.openxmlformats.org/markup-compatibility/2006">
                 <mc:Choice xmlns:v="urn:schemas-microsoft-com:vml" Requires="v">
-                  <p:oleObj spid="_x0000_s1687" name="AxMath" r:id="rId7" imgW="187200" imgH="228600" progId="Equation.AxMath">
+                  <p:oleObj spid="_x0000_s1750" name="AxMath" r:id="rId7" imgW="187200" imgH="228600" progId="Equation.AxMath">
                     <p:embed/>
                   </p:oleObj>
                 </mc:Choice>
@@ -4178,7 +4178,7 @@
             <a:graphicData uri="http://schemas.openxmlformats.org/presentationml/2006/ole">
               <mc:AlternateContent xmlns:mc="http://schemas.openxmlformats.org/markup-compatibility/2006">
                 <mc:Choice xmlns:v="urn:schemas-microsoft-com:vml" Requires="v">
-                  <p:oleObj spid="_x0000_s1688" name="AxMath" r:id="rId9" imgW="169920" imgH="228600" progId="Equation.AxMath">
+                  <p:oleObj spid="_x0000_s1751" name="AxMath" r:id="rId9" imgW="169920" imgH="228600" progId="Equation.AxMath">
                     <p:embed/>
                   </p:oleObj>
                 </mc:Choice>
@@ -4286,7 +4286,7 @@
             <a:graphicData uri="http://schemas.openxmlformats.org/presentationml/2006/ole">
               <mc:AlternateContent xmlns:mc="http://schemas.openxmlformats.org/markup-compatibility/2006">
                 <mc:Choice xmlns:v="urn:schemas-microsoft-com:vml" Requires="v">
-                  <p:oleObj spid="_x0000_s1689" name="AxMath" r:id="rId11" imgW="187200" imgH="228600" progId="Equation.AxMath">
+                  <p:oleObj spid="_x0000_s1752" name="AxMath" r:id="rId11" imgW="187200" imgH="228600" progId="Equation.AxMath">
                     <p:embed/>
                   </p:oleObj>
                 </mc:Choice>
@@ -4399,7 +4399,7 @@
             <a:graphicData uri="http://schemas.openxmlformats.org/presentationml/2006/ole">
               <mc:AlternateContent xmlns:mc="http://schemas.openxmlformats.org/markup-compatibility/2006">
                 <mc:Choice xmlns:v="urn:schemas-microsoft-com:vml" Requires="v">
-                  <p:oleObj spid="_x0000_s1690" name="AxMath" r:id="rId13" imgW="169920" imgH="228600" progId="Equation.AxMath">
+                  <p:oleObj spid="_x0000_s1753" name="AxMath" r:id="rId13" imgW="169920" imgH="228600" progId="Equation.AxMath">
                     <p:embed/>
                   </p:oleObj>
                 </mc:Choice>
@@ -4513,7 +4513,7 @@
             <a:graphicData uri="http://schemas.openxmlformats.org/presentationml/2006/ole">
               <mc:AlternateContent xmlns:mc="http://schemas.openxmlformats.org/markup-compatibility/2006">
                 <mc:Choice xmlns:v="urn:schemas-microsoft-com:vml" Requires="v">
-                  <p:oleObj spid="_x0000_s1691" name="AxMath" r:id="rId15" imgW="119160" imgH="226440" progId="Equation.AxMath">
+                  <p:oleObj spid="_x0000_s1754" name="AxMath" r:id="rId15" imgW="119160" imgH="226440" progId="Equation.AxMath">
                     <p:embed/>
                   </p:oleObj>
                 </mc:Choice>
@@ -4579,6 +4579,1346 @@
           <a:chExt cx="0" cy="0"/>
         </a:xfrm>
       </p:grpSpPr>
+      <p:grpSp>
+        <p:nvGrpSpPr>
+          <p:cNvPr id="26" name="组合 25">
+            <a:extLst>
+              <a:ext uri="{FF2B5EF4-FFF2-40B4-BE49-F238E27FC236}">
+                <a16:creationId xmlns:a16="http://schemas.microsoft.com/office/drawing/2014/main" id="{7A34DEE0-5E90-4437-A7C3-17BC87E6EB68}"/>
+              </a:ext>
+            </a:extLst>
+          </p:cNvPr>
+          <p:cNvGrpSpPr/>
+          <p:nvPr/>
+        </p:nvGrpSpPr>
+        <p:grpSpPr>
+          <a:xfrm>
+            <a:off x="1250302" y="664872"/>
+            <a:ext cx="9766041" cy="4632616"/>
+            <a:chOff x="1250302" y="664872"/>
+            <a:chExt cx="9766041" cy="4632616"/>
+          </a:xfrm>
+        </p:grpSpPr>
+        <p:sp>
+          <p:nvSpPr>
+            <p:cNvPr id="2" name="椭圆 1">
+              <a:extLst>
+                <a:ext uri="{FF2B5EF4-FFF2-40B4-BE49-F238E27FC236}">
+                  <a16:creationId xmlns:a16="http://schemas.microsoft.com/office/drawing/2014/main" id="{4D879C98-EF42-4FA1-89C2-B2A2480743D4}"/>
+                </a:ext>
+              </a:extLst>
+            </p:cNvPr>
+            <p:cNvSpPr/>
+            <p:nvPr/>
+          </p:nvSpPr>
+          <p:spPr>
+            <a:xfrm>
+              <a:off x="2718318" y="1412032"/>
+              <a:ext cx="199053" cy="199053"/>
+            </a:xfrm>
+            <a:prstGeom prst="ellipse">
+              <a:avLst/>
+            </a:prstGeom>
+            <a:solidFill>
+              <a:schemeClr val="tx1"/>
+            </a:solidFill>
+            <a:ln>
+              <a:solidFill>
+                <a:schemeClr val="tx1"/>
+              </a:solidFill>
+            </a:ln>
+          </p:spPr>
+          <p:style>
+            <a:lnRef idx="2">
+              <a:schemeClr val="accent1">
+                <a:shade val="50000"/>
+              </a:schemeClr>
+            </a:lnRef>
+            <a:fillRef idx="1">
+              <a:schemeClr val="accent1"/>
+            </a:fillRef>
+            <a:effectRef idx="0">
+              <a:schemeClr val="accent1"/>
+            </a:effectRef>
+            <a:fontRef idx="minor">
+              <a:schemeClr val="lt1"/>
+            </a:fontRef>
+          </p:style>
+          <p:txBody>
+            <a:bodyPr rtlCol="0" anchor="ctr"/>
+            <a:lstStyle/>
+            <a:p>
+              <a:pPr algn="ctr"/>
+              <a:endParaRPr lang="zh-CN" altLang="en-US"/>
+            </a:p>
+          </p:txBody>
+        </p:sp>
+        <p:sp>
+          <p:nvSpPr>
+            <p:cNvPr id="3" name="椭圆 2">
+              <a:extLst>
+                <a:ext uri="{FF2B5EF4-FFF2-40B4-BE49-F238E27FC236}">
+                  <a16:creationId xmlns:a16="http://schemas.microsoft.com/office/drawing/2014/main" id="{DCEDDC31-727C-4564-91B1-FF07CE4CD8B8}"/>
+                </a:ext>
+              </a:extLst>
+            </p:cNvPr>
+            <p:cNvSpPr/>
+            <p:nvPr/>
+          </p:nvSpPr>
+          <p:spPr>
+            <a:xfrm>
+              <a:off x="8671248" y="1412032"/>
+              <a:ext cx="199053" cy="199053"/>
+            </a:xfrm>
+            <a:prstGeom prst="ellipse">
+              <a:avLst/>
+            </a:prstGeom>
+            <a:solidFill>
+              <a:schemeClr val="tx1"/>
+            </a:solidFill>
+            <a:ln>
+              <a:solidFill>
+                <a:schemeClr val="tx1"/>
+              </a:solidFill>
+            </a:ln>
+          </p:spPr>
+          <p:style>
+            <a:lnRef idx="2">
+              <a:schemeClr val="accent1">
+                <a:shade val="50000"/>
+              </a:schemeClr>
+            </a:lnRef>
+            <a:fillRef idx="1">
+              <a:schemeClr val="accent1"/>
+            </a:fillRef>
+            <a:effectRef idx="0">
+              <a:schemeClr val="accent1"/>
+            </a:effectRef>
+            <a:fontRef idx="minor">
+              <a:schemeClr val="lt1"/>
+            </a:fontRef>
+          </p:style>
+          <p:txBody>
+            <a:bodyPr rtlCol="0" anchor="ctr"/>
+            <a:lstStyle/>
+            <a:p>
+              <a:pPr algn="ctr"/>
+              <a:endParaRPr lang="zh-CN" altLang="en-US"/>
+            </a:p>
+          </p:txBody>
+        </p:sp>
+        <p:sp>
+          <p:nvSpPr>
+            <p:cNvPr id="4" name="椭圆 3">
+              <a:extLst>
+                <a:ext uri="{FF2B5EF4-FFF2-40B4-BE49-F238E27FC236}">
+                  <a16:creationId xmlns:a16="http://schemas.microsoft.com/office/drawing/2014/main" id="{54A07568-3F00-45AE-8188-F4655A261312}"/>
+                </a:ext>
+              </a:extLst>
+            </p:cNvPr>
+            <p:cNvSpPr/>
+            <p:nvPr/>
+          </p:nvSpPr>
+          <p:spPr>
+            <a:xfrm>
+              <a:off x="2718318" y="1013926"/>
+              <a:ext cx="46800" cy="46800"/>
+            </a:xfrm>
+            <a:prstGeom prst="ellipse">
+              <a:avLst/>
+            </a:prstGeom>
+            <a:solidFill>
+              <a:srgbClr val="FF0000"/>
+            </a:solidFill>
+            <a:ln>
+              <a:solidFill>
+                <a:srgbClr val="FF0000"/>
+              </a:solidFill>
+            </a:ln>
+          </p:spPr>
+          <p:style>
+            <a:lnRef idx="2">
+              <a:schemeClr val="accent1">
+                <a:shade val="50000"/>
+              </a:schemeClr>
+            </a:lnRef>
+            <a:fillRef idx="1">
+              <a:schemeClr val="accent1"/>
+            </a:fillRef>
+            <a:effectRef idx="0">
+              <a:schemeClr val="accent1"/>
+            </a:effectRef>
+            <a:fontRef idx="minor">
+              <a:schemeClr val="lt1"/>
+            </a:fontRef>
+          </p:style>
+          <p:txBody>
+            <a:bodyPr rtlCol="0" anchor="ctr"/>
+            <a:lstStyle/>
+            <a:p>
+              <a:pPr algn="ctr"/>
+              <a:endParaRPr lang="zh-CN" altLang="en-US"/>
+            </a:p>
+          </p:txBody>
+        </p:sp>
+        <p:sp>
+          <p:nvSpPr>
+            <p:cNvPr id="5" name="椭圆 4">
+              <a:extLst>
+                <a:ext uri="{FF2B5EF4-FFF2-40B4-BE49-F238E27FC236}">
+                  <a16:creationId xmlns:a16="http://schemas.microsoft.com/office/drawing/2014/main" id="{753198CD-030E-45F0-9EC7-107615FE8223}"/>
+                </a:ext>
+              </a:extLst>
+            </p:cNvPr>
+            <p:cNvSpPr/>
+            <p:nvPr/>
+          </p:nvSpPr>
+          <p:spPr>
+            <a:xfrm>
+              <a:off x="9044473" y="1060726"/>
+              <a:ext cx="46800" cy="46800"/>
+            </a:xfrm>
+            <a:prstGeom prst="ellipse">
+              <a:avLst/>
+            </a:prstGeom>
+            <a:solidFill>
+              <a:srgbClr val="FF0000"/>
+            </a:solidFill>
+            <a:ln>
+              <a:solidFill>
+                <a:srgbClr val="FF0000"/>
+              </a:solidFill>
+            </a:ln>
+          </p:spPr>
+          <p:style>
+            <a:lnRef idx="2">
+              <a:schemeClr val="accent1">
+                <a:shade val="50000"/>
+              </a:schemeClr>
+            </a:lnRef>
+            <a:fillRef idx="1">
+              <a:schemeClr val="accent1"/>
+            </a:fillRef>
+            <a:effectRef idx="0">
+              <a:schemeClr val="accent1"/>
+            </a:effectRef>
+            <a:fontRef idx="minor">
+              <a:schemeClr val="lt1"/>
+            </a:fontRef>
+          </p:style>
+          <p:txBody>
+            <a:bodyPr rtlCol="0" anchor="ctr"/>
+            <a:lstStyle/>
+            <a:p>
+              <a:pPr algn="ctr"/>
+              <a:endParaRPr lang="zh-CN" altLang="en-US"/>
+            </a:p>
+          </p:txBody>
+        </p:sp>
+        <p:graphicFrame>
+          <p:nvGraphicFramePr>
+            <p:cNvPr id="6" name="对象 5">
+              <a:extLst>
+                <a:ext uri="{FF2B5EF4-FFF2-40B4-BE49-F238E27FC236}">
+                  <a16:creationId xmlns:a16="http://schemas.microsoft.com/office/drawing/2014/main" id="{08FB6F5E-E8C2-49A2-B893-08EA2BC24A67}"/>
+                </a:ext>
+              </a:extLst>
+            </p:cNvPr>
+            <p:cNvGraphicFramePr>
+              <a:graphicFrameLocks noChangeAspect="1"/>
+            </p:cNvGraphicFramePr>
+            <p:nvPr>
+              <p:extLst>
+                <p:ext uri="{D42A27DB-BD31-4B8C-83A1-F6EECF244321}">
+                  <p14:modId xmlns:p14="http://schemas.microsoft.com/office/powerpoint/2010/main" val="2073770965"/>
+                </p:ext>
+              </p:extLst>
+            </p:nvPr>
+          </p:nvGraphicFramePr>
+          <p:xfrm>
+            <a:off x="2765118" y="664872"/>
+            <a:ext cx="196850" cy="454025"/>
+          </p:xfrm>
+          <a:graphic>
+            <a:graphicData uri="http://schemas.openxmlformats.org/presentationml/2006/ole">
+              <mc:AlternateContent xmlns:mc="http://schemas.openxmlformats.org/markup-compatibility/2006">
+                <mc:Choice xmlns:v="urn:schemas-microsoft-com:vml" Requires="v">
+                  <p:oleObj spid="_x0000_s13434" name="AxMath" r:id="rId3" imgW="99000" imgH="226440" progId="Equation.AxMath">
+                    <p:embed/>
+                  </p:oleObj>
+                </mc:Choice>
+                <mc:Fallback>
+                  <p:oleObj name="AxMath" r:id="rId3" imgW="99000" imgH="226440" progId="Equation.AxMath">
+                    <p:embed/>
+                    <p:pic>
+                      <p:nvPicPr>
+                        <p:cNvPr id="0" name=""/>
+                        <p:cNvPicPr/>
+                        <p:nvPr/>
+                      </p:nvPicPr>
+                      <p:blipFill>
+                        <a:blip r:embed="rId4"/>
+                        <a:stretch>
+                          <a:fillRect/>
+                        </a:stretch>
+                      </p:blipFill>
+                      <p:spPr>
+                        <a:xfrm>
+                          <a:off x="2765118" y="664872"/>
+                          <a:ext cx="196850" cy="454025"/>
+                        </a:xfrm>
+                        <a:prstGeom prst="rect">
+                          <a:avLst/>
+                        </a:prstGeom>
+                      </p:spPr>
+                    </p:pic>
+                  </p:oleObj>
+                </mc:Fallback>
+              </mc:AlternateContent>
+            </a:graphicData>
+          </a:graphic>
+        </p:graphicFrame>
+        <p:graphicFrame>
+          <p:nvGraphicFramePr>
+            <p:cNvPr id="7" name="对象 6">
+              <a:extLst>
+                <a:ext uri="{FF2B5EF4-FFF2-40B4-BE49-F238E27FC236}">
+                  <a16:creationId xmlns:a16="http://schemas.microsoft.com/office/drawing/2014/main" id="{7573A4F9-662F-4374-84E5-DF1B15AAEBB1}"/>
+                </a:ext>
+              </a:extLst>
+            </p:cNvPr>
+            <p:cNvGraphicFramePr>
+              <a:graphicFrameLocks noChangeAspect="1"/>
+            </p:cNvGraphicFramePr>
+            <p:nvPr>
+              <p:extLst>
+                <p:ext uri="{D42A27DB-BD31-4B8C-83A1-F6EECF244321}">
+                  <p14:modId xmlns:p14="http://schemas.microsoft.com/office/powerpoint/2010/main" val="1527914906"/>
+                </p:ext>
+              </p:extLst>
+            </p:nvPr>
+          </p:nvGraphicFramePr>
+          <p:xfrm>
+            <a:off x="9159697" y="739516"/>
+            <a:ext cx="196850" cy="454025"/>
+          </p:xfrm>
+          <a:graphic>
+            <a:graphicData uri="http://schemas.openxmlformats.org/presentationml/2006/ole">
+              <mc:AlternateContent xmlns:mc="http://schemas.openxmlformats.org/markup-compatibility/2006">
+                <mc:Choice xmlns:v="urn:schemas-microsoft-com:vml" Requires="v">
+                  <p:oleObj spid="_x0000_s13435" name="AxMath" r:id="rId5" imgW="99000" imgH="226440" progId="Equation.AxMath">
+                    <p:embed/>
+                  </p:oleObj>
+                </mc:Choice>
+                <mc:Fallback>
+                  <p:oleObj name="AxMath" r:id="rId5" imgW="99000" imgH="226440" progId="Equation.AxMath">
+                    <p:embed/>
+                    <p:pic>
+                      <p:nvPicPr>
+                        <p:cNvPr id="6" name="对象 5">
+                          <a:extLst>
+                            <a:ext uri="{FF2B5EF4-FFF2-40B4-BE49-F238E27FC236}">
+                              <a16:creationId xmlns:a16="http://schemas.microsoft.com/office/drawing/2014/main" id="{08FB6F5E-E8C2-49A2-B893-08EA2BC24A67}"/>
+                            </a:ext>
+                          </a:extLst>
+                        </p:cNvPr>
+                        <p:cNvPicPr/>
+                        <p:nvPr/>
+                      </p:nvPicPr>
+                      <p:blipFill>
+                        <a:blip r:embed="rId4"/>
+                        <a:stretch>
+                          <a:fillRect/>
+                        </a:stretch>
+                      </p:blipFill>
+                      <p:spPr>
+                        <a:xfrm>
+                          <a:off x="9159697" y="739516"/>
+                          <a:ext cx="196850" cy="454025"/>
+                        </a:xfrm>
+                        <a:prstGeom prst="rect">
+                          <a:avLst/>
+                        </a:prstGeom>
+                      </p:spPr>
+                    </p:pic>
+                  </p:oleObj>
+                </mc:Fallback>
+              </mc:AlternateContent>
+            </a:graphicData>
+          </a:graphic>
+        </p:graphicFrame>
+        <p:graphicFrame>
+          <p:nvGraphicFramePr>
+            <p:cNvPr id="8" name="对象 7">
+              <a:extLst>
+                <a:ext uri="{FF2B5EF4-FFF2-40B4-BE49-F238E27FC236}">
+                  <a16:creationId xmlns:a16="http://schemas.microsoft.com/office/drawing/2014/main" id="{F11EE96A-1CC4-4311-B25D-094CF8445E98}"/>
+                </a:ext>
+              </a:extLst>
+            </p:cNvPr>
+            <p:cNvGraphicFramePr>
+              <a:graphicFrameLocks noChangeAspect="1"/>
+            </p:cNvGraphicFramePr>
+            <p:nvPr>
+              <p:extLst>
+                <p:ext uri="{D42A27DB-BD31-4B8C-83A1-F6EECF244321}">
+                  <p14:modId xmlns:p14="http://schemas.microsoft.com/office/powerpoint/2010/main" val="4246815959"/>
+                </p:ext>
+              </p:extLst>
+            </p:nvPr>
+          </p:nvGraphicFramePr>
+          <p:xfrm>
+            <a:off x="3047028" y="1284545"/>
+            <a:ext cx="203200" cy="454025"/>
+          </p:xfrm>
+          <a:graphic>
+            <a:graphicData uri="http://schemas.openxmlformats.org/presentationml/2006/ole">
+              <mc:AlternateContent xmlns:mc="http://schemas.openxmlformats.org/markup-compatibility/2006">
+                <mc:Choice xmlns:v="urn:schemas-microsoft-com:vml" Requires="v">
+                  <p:oleObj spid="_x0000_s13436" name="AxMath" r:id="rId6" imgW="101520" imgH="226440" progId="Equation.AxMath">
+                    <p:embed/>
+                  </p:oleObj>
+                </mc:Choice>
+                <mc:Fallback>
+                  <p:oleObj name="AxMath" r:id="rId6" imgW="101520" imgH="226440" progId="Equation.AxMath">
+                    <p:embed/>
+                    <p:pic>
+                      <p:nvPicPr>
+                        <p:cNvPr id="0" name=""/>
+                        <p:cNvPicPr/>
+                        <p:nvPr/>
+                      </p:nvPicPr>
+                      <p:blipFill>
+                        <a:blip r:embed="rId7"/>
+                        <a:stretch>
+                          <a:fillRect/>
+                        </a:stretch>
+                      </p:blipFill>
+                      <p:spPr>
+                        <a:xfrm>
+                          <a:off x="3047028" y="1284545"/>
+                          <a:ext cx="203200" cy="454025"/>
+                        </a:xfrm>
+                        <a:prstGeom prst="rect">
+                          <a:avLst/>
+                        </a:prstGeom>
+                      </p:spPr>
+                    </p:pic>
+                  </p:oleObj>
+                </mc:Fallback>
+              </mc:AlternateContent>
+            </a:graphicData>
+          </a:graphic>
+        </p:graphicFrame>
+        <p:graphicFrame>
+          <p:nvGraphicFramePr>
+            <p:cNvPr id="9" name="对象 8">
+              <a:extLst>
+                <a:ext uri="{FF2B5EF4-FFF2-40B4-BE49-F238E27FC236}">
+                  <a16:creationId xmlns:a16="http://schemas.microsoft.com/office/drawing/2014/main" id="{DA9C3F5E-BA33-4555-AF07-FF657983C1F2}"/>
+                </a:ext>
+              </a:extLst>
+            </p:cNvPr>
+            <p:cNvGraphicFramePr>
+              <a:graphicFrameLocks noChangeAspect="1"/>
+            </p:cNvGraphicFramePr>
+            <p:nvPr>
+              <p:extLst>
+                <p:ext uri="{D42A27DB-BD31-4B8C-83A1-F6EECF244321}">
+                  <p14:modId xmlns:p14="http://schemas.microsoft.com/office/powerpoint/2010/main" val="2613322616"/>
+                </p:ext>
+              </p:extLst>
+            </p:nvPr>
+          </p:nvGraphicFramePr>
+          <p:xfrm>
+            <a:off x="9043372" y="1296985"/>
+            <a:ext cx="203200" cy="454025"/>
+          </p:xfrm>
+          <a:graphic>
+            <a:graphicData uri="http://schemas.openxmlformats.org/presentationml/2006/ole">
+              <mc:AlternateContent xmlns:mc="http://schemas.openxmlformats.org/markup-compatibility/2006">
+                <mc:Choice xmlns:v="urn:schemas-microsoft-com:vml" Requires="v">
+                  <p:oleObj spid="_x0000_s13437" name="AxMath" r:id="rId8" imgW="101520" imgH="226440" progId="Equation.AxMath">
+                    <p:embed/>
+                  </p:oleObj>
+                </mc:Choice>
+                <mc:Fallback>
+                  <p:oleObj name="AxMath" r:id="rId8" imgW="101520" imgH="226440" progId="Equation.AxMath">
+                    <p:embed/>
+                    <p:pic>
+                      <p:nvPicPr>
+                        <p:cNvPr id="8" name="对象 7">
+                          <a:extLst>
+                            <a:ext uri="{FF2B5EF4-FFF2-40B4-BE49-F238E27FC236}">
+                              <a16:creationId xmlns:a16="http://schemas.microsoft.com/office/drawing/2014/main" id="{F11EE96A-1CC4-4311-B25D-094CF8445E98}"/>
+                            </a:ext>
+                          </a:extLst>
+                        </p:cNvPr>
+                        <p:cNvPicPr/>
+                        <p:nvPr/>
+                      </p:nvPicPr>
+                      <p:blipFill>
+                        <a:blip r:embed="rId7"/>
+                        <a:stretch>
+                          <a:fillRect/>
+                        </a:stretch>
+                      </p:blipFill>
+                      <p:spPr>
+                        <a:xfrm>
+                          <a:off x="9043372" y="1296985"/>
+                          <a:ext cx="203200" cy="454025"/>
+                        </a:xfrm>
+                        <a:prstGeom prst="rect">
+                          <a:avLst/>
+                        </a:prstGeom>
+                      </p:spPr>
+                    </p:pic>
+                  </p:oleObj>
+                </mc:Fallback>
+              </mc:AlternateContent>
+            </a:graphicData>
+          </a:graphic>
+        </p:graphicFrame>
+        <p:graphicFrame>
+          <p:nvGraphicFramePr>
+            <p:cNvPr id="10" name="对象 9">
+              <a:extLst>
+                <a:ext uri="{FF2B5EF4-FFF2-40B4-BE49-F238E27FC236}">
+                  <a16:creationId xmlns:a16="http://schemas.microsoft.com/office/drawing/2014/main" id="{D71BB619-6253-4D7A-9552-A0A4F4770AE0}"/>
+                </a:ext>
+              </a:extLst>
+            </p:cNvPr>
+            <p:cNvGraphicFramePr>
+              <a:graphicFrameLocks noChangeAspect="1"/>
+            </p:cNvGraphicFramePr>
+            <p:nvPr>
+              <p:extLst>
+                <p:ext uri="{D42A27DB-BD31-4B8C-83A1-F6EECF244321}">
+                  <p14:modId xmlns:p14="http://schemas.microsoft.com/office/powerpoint/2010/main" val="915711471"/>
+                </p:ext>
+              </p:extLst>
+            </p:nvPr>
+          </p:nvGraphicFramePr>
+          <p:xfrm>
+            <a:off x="2051081" y="1731280"/>
+            <a:ext cx="1533525" cy="568325"/>
+          </p:xfrm>
+          <a:graphic>
+            <a:graphicData uri="http://schemas.openxmlformats.org/presentationml/2006/ole">
+              <mc:AlternateContent xmlns:mc="http://schemas.openxmlformats.org/markup-compatibility/2006">
+                <mc:Choice xmlns:v="urn:schemas-microsoft-com:vml" Requires="v">
+                  <p:oleObj spid="_x0000_s13438" name="AxMath" r:id="rId9" imgW="766800" imgH="283680" progId="Equation.AxMath">
+                    <p:embed/>
+                  </p:oleObj>
+                </mc:Choice>
+                <mc:Fallback>
+                  <p:oleObj name="AxMath" r:id="rId9" imgW="766800" imgH="283680" progId="Equation.AxMath">
+                    <p:embed/>
+                    <p:pic>
+                      <p:nvPicPr>
+                        <p:cNvPr id="0" name=""/>
+                        <p:cNvPicPr/>
+                        <p:nvPr/>
+                      </p:nvPicPr>
+                      <p:blipFill>
+                        <a:blip r:embed="rId10"/>
+                        <a:stretch>
+                          <a:fillRect/>
+                        </a:stretch>
+                      </p:blipFill>
+                      <p:spPr>
+                        <a:xfrm>
+                          <a:off x="2051081" y="1731280"/>
+                          <a:ext cx="1533525" cy="568325"/>
+                        </a:xfrm>
+                        <a:prstGeom prst="rect">
+                          <a:avLst/>
+                        </a:prstGeom>
+                      </p:spPr>
+                    </p:pic>
+                  </p:oleObj>
+                </mc:Fallback>
+              </mc:AlternateContent>
+            </a:graphicData>
+          </a:graphic>
+        </p:graphicFrame>
+        <p:graphicFrame>
+          <p:nvGraphicFramePr>
+            <p:cNvPr id="11" name="对象 10">
+              <a:extLst>
+                <a:ext uri="{FF2B5EF4-FFF2-40B4-BE49-F238E27FC236}">
+                  <a16:creationId xmlns:a16="http://schemas.microsoft.com/office/drawing/2014/main" id="{DAED14C2-5ACF-487A-BE0E-0BBC05807DFA}"/>
+                </a:ext>
+              </a:extLst>
+            </p:cNvPr>
+            <p:cNvGraphicFramePr>
+              <a:graphicFrameLocks noChangeAspect="1"/>
+            </p:cNvGraphicFramePr>
+            <p:nvPr>
+              <p:extLst>
+                <p:ext uri="{D42A27DB-BD31-4B8C-83A1-F6EECF244321}">
+                  <p14:modId xmlns:p14="http://schemas.microsoft.com/office/powerpoint/2010/main" val="3534801064"/>
+                </p:ext>
+              </p:extLst>
+            </p:nvPr>
+          </p:nvGraphicFramePr>
+          <p:xfrm>
+            <a:off x="8051800" y="1728788"/>
+            <a:ext cx="1638300" cy="568325"/>
+          </p:xfrm>
+          <a:graphic>
+            <a:graphicData uri="http://schemas.openxmlformats.org/presentationml/2006/ole">
+              <mc:AlternateContent xmlns:mc="http://schemas.openxmlformats.org/markup-compatibility/2006">
+                <mc:Choice xmlns:v="urn:schemas-microsoft-com:vml" Requires="v">
+                  <p:oleObj spid="_x0000_s13439" name="AxMath" r:id="rId11" imgW="818640" imgH="283680" progId="Equation.AxMath">
+                    <p:embed/>
+                  </p:oleObj>
+                </mc:Choice>
+                <mc:Fallback>
+                  <p:oleObj name="AxMath" r:id="rId11" imgW="818640" imgH="283680" progId="Equation.AxMath">
+                    <p:embed/>
+                    <p:pic>
+                      <p:nvPicPr>
+                        <p:cNvPr id="10" name="对象 9">
+                          <a:extLst>
+                            <a:ext uri="{FF2B5EF4-FFF2-40B4-BE49-F238E27FC236}">
+                              <a16:creationId xmlns:a16="http://schemas.microsoft.com/office/drawing/2014/main" id="{D71BB619-6253-4D7A-9552-A0A4F4770AE0}"/>
+                            </a:ext>
+                          </a:extLst>
+                        </p:cNvPr>
+                        <p:cNvPicPr/>
+                        <p:nvPr/>
+                      </p:nvPicPr>
+                      <p:blipFill>
+                        <a:blip r:embed="rId12"/>
+                        <a:stretch>
+                          <a:fillRect/>
+                        </a:stretch>
+                      </p:blipFill>
+                      <p:spPr>
+                        <a:xfrm>
+                          <a:off x="8051800" y="1728788"/>
+                          <a:ext cx="1638300" cy="568325"/>
+                        </a:xfrm>
+                        <a:prstGeom prst="rect">
+                          <a:avLst/>
+                        </a:prstGeom>
+                      </p:spPr>
+                    </p:pic>
+                  </p:oleObj>
+                </mc:Fallback>
+              </mc:AlternateContent>
+            </a:graphicData>
+          </a:graphic>
+        </p:graphicFrame>
+        <p:graphicFrame>
+          <p:nvGraphicFramePr>
+            <p:cNvPr id="12" name="对象 11">
+              <a:extLst>
+                <a:ext uri="{FF2B5EF4-FFF2-40B4-BE49-F238E27FC236}">
+                  <a16:creationId xmlns:a16="http://schemas.microsoft.com/office/drawing/2014/main" id="{B4FBBB5C-AC02-41B2-9DD2-7860A14B8A7D}"/>
+                </a:ext>
+              </a:extLst>
+            </p:cNvPr>
+            <p:cNvGraphicFramePr>
+              <a:graphicFrameLocks noChangeAspect="1"/>
+            </p:cNvGraphicFramePr>
+            <p:nvPr>
+              <p:extLst>
+                <p:ext uri="{D42A27DB-BD31-4B8C-83A1-F6EECF244321}">
+                  <p14:modId xmlns:p14="http://schemas.microsoft.com/office/powerpoint/2010/main" val="1720421083"/>
+                </p:ext>
+              </p:extLst>
+            </p:nvPr>
+          </p:nvGraphicFramePr>
+          <p:xfrm>
+            <a:off x="5128630" y="1371372"/>
+            <a:ext cx="1489075" cy="479425"/>
+          </p:xfrm>
+          <a:graphic>
+            <a:graphicData uri="http://schemas.openxmlformats.org/presentationml/2006/ole">
+              <mc:AlternateContent xmlns:mc="http://schemas.openxmlformats.org/markup-compatibility/2006">
+                <mc:Choice xmlns:v="urn:schemas-microsoft-com:vml" Requires="v">
+                  <p:oleObj spid="_x0000_s13440" name="AxMath" r:id="rId13" imgW="744120" imgH="239400" progId="Equation.AxMath">
+                    <p:embed/>
+                  </p:oleObj>
+                </mc:Choice>
+                <mc:Fallback>
+                  <p:oleObj name="AxMath" r:id="rId13" imgW="744120" imgH="239400" progId="Equation.AxMath">
+                    <p:embed/>
+                    <p:pic>
+                      <p:nvPicPr>
+                        <p:cNvPr id="0" name=""/>
+                        <p:cNvPicPr/>
+                        <p:nvPr/>
+                      </p:nvPicPr>
+                      <p:blipFill>
+                        <a:blip r:embed="rId14"/>
+                        <a:stretch>
+                          <a:fillRect/>
+                        </a:stretch>
+                      </p:blipFill>
+                      <p:spPr>
+                        <a:xfrm>
+                          <a:off x="5128630" y="1371372"/>
+                          <a:ext cx="1489075" cy="479425"/>
+                        </a:xfrm>
+                        <a:prstGeom prst="rect">
+                          <a:avLst/>
+                        </a:prstGeom>
+                      </p:spPr>
+                    </p:pic>
+                  </p:oleObj>
+                </mc:Fallback>
+              </mc:AlternateContent>
+            </a:graphicData>
+          </a:graphic>
+        </p:graphicFrame>
+        <p:sp>
+          <p:nvSpPr>
+            <p:cNvPr id="13" name="椭圆 12">
+              <a:extLst>
+                <a:ext uri="{FF2B5EF4-FFF2-40B4-BE49-F238E27FC236}">
+                  <a16:creationId xmlns:a16="http://schemas.microsoft.com/office/drawing/2014/main" id="{2599EC08-095C-403B-A57E-DBE6F1BD8152}"/>
+                </a:ext>
+              </a:extLst>
+            </p:cNvPr>
+            <p:cNvSpPr/>
+            <p:nvPr/>
+          </p:nvSpPr>
+          <p:spPr>
+            <a:xfrm>
+              <a:off x="4883020" y="4037044"/>
+              <a:ext cx="199053" cy="199053"/>
+            </a:xfrm>
+            <a:prstGeom prst="ellipse">
+              <a:avLst/>
+            </a:prstGeom>
+            <a:solidFill>
+              <a:schemeClr val="tx1"/>
+            </a:solidFill>
+            <a:ln>
+              <a:solidFill>
+                <a:schemeClr val="tx1"/>
+              </a:solidFill>
+            </a:ln>
+          </p:spPr>
+          <p:style>
+            <a:lnRef idx="2">
+              <a:schemeClr val="accent1">
+                <a:shade val="50000"/>
+              </a:schemeClr>
+            </a:lnRef>
+            <a:fillRef idx="1">
+              <a:schemeClr val="accent1"/>
+            </a:fillRef>
+            <a:effectRef idx="0">
+              <a:schemeClr val="accent1"/>
+            </a:effectRef>
+            <a:fontRef idx="minor">
+              <a:schemeClr val="lt1"/>
+            </a:fontRef>
+          </p:style>
+          <p:txBody>
+            <a:bodyPr rtlCol="0" anchor="ctr"/>
+            <a:lstStyle/>
+            <a:p>
+              <a:pPr algn="ctr"/>
+              <a:endParaRPr lang="zh-CN" altLang="en-US"/>
+            </a:p>
+          </p:txBody>
+        </p:sp>
+        <p:sp>
+          <p:nvSpPr>
+            <p:cNvPr id="14" name="椭圆 13">
+              <a:extLst>
+                <a:ext uri="{FF2B5EF4-FFF2-40B4-BE49-F238E27FC236}">
+                  <a16:creationId xmlns:a16="http://schemas.microsoft.com/office/drawing/2014/main" id="{CFB69704-818D-4CED-A8D5-AC23C3739FAE}"/>
+                </a:ext>
+              </a:extLst>
+            </p:cNvPr>
+            <p:cNvSpPr/>
+            <p:nvPr/>
+          </p:nvSpPr>
+          <p:spPr>
+            <a:xfrm>
+              <a:off x="6611484" y="4037043"/>
+              <a:ext cx="199053" cy="199053"/>
+            </a:xfrm>
+            <a:prstGeom prst="ellipse">
+              <a:avLst/>
+            </a:prstGeom>
+            <a:solidFill>
+              <a:schemeClr val="tx1"/>
+            </a:solidFill>
+            <a:ln>
+              <a:solidFill>
+                <a:schemeClr val="tx1"/>
+              </a:solidFill>
+            </a:ln>
+          </p:spPr>
+          <p:style>
+            <a:lnRef idx="2">
+              <a:schemeClr val="accent1">
+                <a:shade val="50000"/>
+              </a:schemeClr>
+            </a:lnRef>
+            <a:fillRef idx="1">
+              <a:schemeClr val="accent1"/>
+            </a:fillRef>
+            <a:effectRef idx="0">
+              <a:schemeClr val="accent1"/>
+            </a:effectRef>
+            <a:fontRef idx="minor">
+              <a:schemeClr val="lt1"/>
+            </a:fontRef>
+          </p:style>
+          <p:txBody>
+            <a:bodyPr rtlCol="0" anchor="ctr"/>
+            <a:lstStyle/>
+            <a:p>
+              <a:pPr algn="ctr"/>
+              <a:endParaRPr lang="zh-CN" altLang="en-US"/>
+            </a:p>
+          </p:txBody>
+        </p:sp>
+        <p:sp>
+          <p:nvSpPr>
+            <p:cNvPr id="15" name="椭圆 14">
+              <a:extLst>
+                <a:ext uri="{FF2B5EF4-FFF2-40B4-BE49-F238E27FC236}">
+                  <a16:creationId xmlns:a16="http://schemas.microsoft.com/office/drawing/2014/main" id="{D716C3D2-C26A-4BCD-B56D-DF9B7AFEAB3E}"/>
+                </a:ext>
+              </a:extLst>
+            </p:cNvPr>
+            <p:cNvSpPr/>
+            <p:nvPr/>
+          </p:nvSpPr>
+          <p:spPr>
+            <a:xfrm>
+              <a:off x="5386873" y="3595396"/>
+              <a:ext cx="46800" cy="46800"/>
+            </a:xfrm>
+            <a:prstGeom prst="ellipse">
+              <a:avLst/>
+            </a:prstGeom>
+            <a:solidFill>
+              <a:srgbClr val="FF0000"/>
+            </a:solidFill>
+            <a:ln>
+              <a:solidFill>
+                <a:srgbClr val="FF0000"/>
+              </a:solidFill>
+            </a:ln>
+          </p:spPr>
+          <p:style>
+            <a:lnRef idx="2">
+              <a:schemeClr val="accent1">
+                <a:shade val="50000"/>
+              </a:schemeClr>
+            </a:lnRef>
+            <a:fillRef idx="1">
+              <a:schemeClr val="accent1"/>
+            </a:fillRef>
+            <a:effectRef idx="0">
+              <a:schemeClr val="accent1"/>
+            </a:effectRef>
+            <a:fontRef idx="minor">
+              <a:schemeClr val="lt1"/>
+            </a:fontRef>
+          </p:style>
+          <p:txBody>
+            <a:bodyPr rtlCol="0" anchor="ctr"/>
+            <a:lstStyle/>
+            <a:p>
+              <a:pPr algn="ctr"/>
+              <a:endParaRPr lang="zh-CN" altLang="en-US"/>
+            </a:p>
+          </p:txBody>
+        </p:sp>
+        <p:sp>
+          <p:nvSpPr>
+            <p:cNvPr id="16" name="椭圆 15">
+              <a:extLst>
+                <a:ext uri="{FF2B5EF4-FFF2-40B4-BE49-F238E27FC236}">
+                  <a16:creationId xmlns:a16="http://schemas.microsoft.com/office/drawing/2014/main" id="{A73315A1-904F-4981-8A23-E776400E9C5B}"/>
+                </a:ext>
+              </a:extLst>
+            </p:cNvPr>
+            <p:cNvSpPr/>
+            <p:nvPr/>
+          </p:nvSpPr>
+          <p:spPr>
+            <a:xfrm>
+              <a:off x="6183085" y="4534677"/>
+              <a:ext cx="46800" cy="46800"/>
+            </a:xfrm>
+            <a:prstGeom prst="ellipse">
+              <a:avLst/>
+            </a:prstGeom>
+            <a:solidFill>
+              <a:srgbClr val="FF0000"/>
+            </a:solidFill>
+            <a:ln>
+              <a:solidFill>
+                <a:srgbClr val="FF0000"/>
+              </a:solidFill>
+            </a:ln>
+          </p:spPr>
+          <p:style>
+            <a:lnRef idx="2">
+              <a:schemeClr val="accent1">
+                <a:shade val="50000"/>
+              </a:schemeClr>
+            </a:lnRef>
+            <a:fillRef idx="1">
+              <a:schemeClr val="accent1"/>
+            </a:fillRef>
+            <a:effectRef idx="0">
+              <a:schemeClr val="accent1"/>
+            </a:effectRef>
+            <a:fontRef idx="minor">
+              <a:schemeClr val="lt1"/>
+            </a:fontRef>
+          </p:style>
+          <p:txBody>
+            <a:bodyPr rtlCol="0" anchor="ctr"/>
+            <a:lstStyle/>
+            <a:p>
+              <a:pPr algn="ctr"/>
+              <a:endParaRPr lang="zh-CN" altLang="en-US"/>
+            </a:p>
+          </p:txBody>
+        </p:sp>
+        <p:sp>
+          <p:nvSpPr>
+            <p:cNvPr id="17" name="椭圆 16">
+              <a:extLst>
+                <a:ext uri="{FF2B5EF4-FFF2-40B4-BE49-F238E27FC236}">
+                  <a16:creationId xmlns:a16="http://schemas.microsoft.com/office/drawing/2014/main" id="{ECAF6E12-7DB9-492C-B04C-6335A1BBFC3C}"/>
+                </a:ext>
+              </a:extLst>
+            </p:cNvPr>
+            <p:cNvSpPr/>
+            <p:nvPr/>
+          </p:nvSpPr>
+          <p:spPr>
+            <a:xfrm rot="2974040">
+              <a:off x="4918311" y="3903698"/>
+              <a:ext cx="1839089" cy="465742"/>
+            </a:xfrm>
+            <a:prstGeom prst="ellipse">
+              <a:avLst/>
+            </a:prstGeom>
+            <a:noFill/>
+            <a:ln>
+              <a:solidFill>
+                <a:schemeClr val="tx1"/>
+              </a:solidFill>
+              <a:prstDash val="lgDash"/>
+            </a:ln>
+          </p:spPr>
+          <p:style>
+            <a:lnRef idx="2">
+              <a:schemeClr val="accent1">
+                <a:shade val="50000"/>
+              </a:schemeClr>
+            </a:lnRef>
+            <a:fillRef idx="1">
+              <a:schemeClr val="accent1"/>
+            </a:fillRef>
+            <a:effectRef idx="0">
+              <a:schemeClr val="accent1"/>
+            </a:effectRef>
+            <a:fontRef idx="minor">
+              <a:schemeClr val="lt1"/>
+            </a:fontRef>
+          </p:style>
+          <p:txBody>
+            <a:bodyPr rtlCol="0" anchor="ctr"/>
+            <a:lstStyle/>
+            <a:p>
+              <a:pPr algn="ctr"/>
+              <a:endParaRPr lang="zh-CN" altLang="en-US"/>
+            </a:p>
+          </p:txBody>
+        </p:sp>
+        <p:graphicFrame>
+          <p:nvGraphicFramePr>
+            <p:cNvPr id="18" name="对象 17">
+              <a:extLst>
+                <a:ext uri="{FF2B5EF4-FFF2-40B4-BE49-F238E27FC236}">
+                  <a16:creationId xmlns:a16="http://schemas.microsoft.com/office/drawing/2014/main" id="{7B45B27B-7910-4A1A-8B77-B5A4EBF3E2CB}"/>
+                </a:ext>
+              </a:extLst>
+            </p:cNvPr>
+            <p:cNvGraphicFramePr>
+              <a:graphicFrameLocks noChangeAspect="1"/>
+            </p:cNvGraphicFramePr>
+            <p:nvPr>
+              <p:extLst>
+                <p:ext uri="{D42A27DB-BD31-4B8C-83A1-F6EECF244321}">
+                  <p14:modId xmlns:p14="http://schemas.microsoft.com/office/powerpoint/2010/main" val="235261176"/>
+                </p:ext>
+              </p:extLst>
+            </p:nvPr>
+          </p:nvGraphicFramePr>
+          <p:xfrm>
+            <a:off x="5356225" y="3057525"/>
+            <a:ext cx="273050" cy="457200"/>
+          </p:xfrm>
+          <a:graphic>
+            <a:graphicData uri="http://schemas.openxmlformats.org/presentationml/2006/ole">
+              <mc:AlternateContent xmlns:mc="http://schemas.openxmlformats.org/markup-compatibility/2006">
+                <mc:Choice xmlns:v="urn:schemas-microsoft-com:vml" Requires="v">
+                  <p:oleObj spid="_x0000_s13441" name="AxMath" r:id="rId15" imgW="136800" imgH="228600" progId="Equation.AxMath">
+                    <p:embed/>
+                  </p:oleObj>
+                </mc:Choice>
+                <mc:Fallback>
+                  <p:oleObj name="AxMath" r:id="rId15" imgW="136800" imgH="228600" progId="Equation.AxMath">
+                    <p:embed/>
+                    <p:pic>
+                      <p:nvPicPr>
+                        <p:cNvPr id="6" name="对象 5">
+                          <a:extLst>
+                            <a:ext uri="{FF2B5EF4-FFF2-40B4-BE49-F238E27FC236}">
+                              <a16:creationId xmlns:a16="http://schemas.microsoft.com/office/drawing/2014/main" id="{08FB6F5E-E8C2-49A2-B893-08EA2BC24A67}"/>
+                            </a:ext>
+                          </a:extLst>
+                        </p:cNvPr>
+                        <p:cNvPicPr/>
+                        <p:nvPr/>
+                      </p:nvPicPr>
+                      <p:blipFill>
+                        <a:blip r:embed="rId16"/>
+                        <a:stretch>
+                          <a:fillRect/>
+                        </a:stretch>
+                      </p:blipFill>
+                      <p:spPr>
+                        <a:xfrm>
+                          <a:off x="5356225" y="3057525"/>
+                          <a:ext cx="273050" cy="457200"/>
+                        </a:xfrm>
+                        <a:prstGeom prst="rect">
+                          <a:avLst/>
+                        </a:prstGeom>
+                      </p:spPr>
+                    </p:pic>
+                  </p:oleObj>
+                </mc:Fallback>
+              </mc:AlternateContent>
+            </a:graphicData>
+          </a:graphic>
+        </p:graphicFrame>
+        <p:graphicFrame>
+          <p:nvGraphicFramePr>
+            <p:cNvPr id="19" name="对象 18">
+              <a:extLst>
+                <a:ext uri="{FF2B5EF4-FFF2-40B4-BE49-F238E27FC236}">
+                  <a16:creationId xmlns:a16="http://schemas.microsoft.com/office/drawing/2014/main" id="{BE9E69C6-0E26-4112-A8A0-5165B505EB5F}"/>
+                </a:ext>
+              </a:extLst>
+            </p:cNvPr>
+            <p:cNvGraphicFramePr>
+              <a:graphicFrameLocks noChangeAspect="1"/>
+            </p:cNvGraphicFramePr>
+            <p:nvPr>
+              <p:extLst>
+                <p:ext uri="{D42A27DB-BD31-4B8C-83A1-F6EECF244321}">
+                  <p14:modId xmlns:p14="http://schemas.microsoft.com/office/powerpoint/2010/main" val="2646282512"/>
+                </p:ext>
+              </p:extLst>
+            </p:nvPr>
+          </p:nvGraphicFramePr>
+          <p:xfrm>
+            <a:off x="6451600" y="4383088"/>
+            <a:ext cx="307975" cy="457200"/>
+          </p:xfrm>
+          <a:graphic>
+            <a:graphicData uri="http://schemas.openxmlformats.org/presentationml/2006/ole">
+              <mc:AlternateContent xmlns:mc="http://schemas.openxmlformats.org/markup-compatibility/2006">
+                <mc:Choice xmlns:v="urn:schemas-microsoft-com:vml" Requires="v">
+                  <p:oleObj spid="_x0000_s13442" name="AxMath" r:id="rId17" imgW="154440" imgH="228600" progId="Equation.AxMath">
+                    <p:embed/>
+                  </p:oleObj>
+                </mc:Choice>
+                <mc:Fallback>
+                  <p:oleObj name="AxMath" r:id="rId17" imgW="154440" imgH="228600" progId="Equation.AxMath">
+                    <p:embed/>
+                    <p:pic>
+                      <p:nvPicPr>
+                        <p:cNvPr id="18" name="对象 17">
+                          <a:extLst>
+                            <a:ext uri="{FF2B5EF4-FFF2-40B4-BE49-F238E27FC236}">
+                              <a16:creationId xmlns:a16="http://schemas.microsoft.com/office/drawing/2014/main" id="{7B45B27B-7910-4A1A-8B77-B5A4EBF3E2CB}"/>
+                            </a:ext>
+                          </a:extLst>
+                        </p:cNvPr>
+                        <p:cNvPicPr/>
+                        <p:nvPr/>
+                      </p:nvPicPr>
+                      <p:blipFill>
+                        <a:blip r:embed="rId18"/>
+                        <a:stretch>
+                          <a:fillRect/>
+                        </a:stretch>
+                      </p:blipFill>
+                      <p:spPr>
+                        <a:xfrm>
+                          <a:off x="6451600" y="4383088"/>
+                          <a:ext cx="307975" cy="457200"/>
+                        </a:xfrm>
+                        <a:prstGeom prst="rect">
+                          <a:avLst/>
+                        </a:prstGeom>
+                      </p:spPr>
+                    </p:pic>
+                  </p:oleObj>
+                </mc:Fallback>
+              </mc:AlternateContent>
+            </a:graphicData>
+          </a:graphic>
+        </p:graphicFrame>
+        <p:graphicFrame>
+          <p:nvGraphicFramePr>
+            <p:cNvPr id="20" name="对象 19">
+              <a:extLst>
+                <a:ext uri="{FF2B5EF4-FFF2-40B4-BE49-F238E27FC236}">
+                  <a16:creationId xmlns:a16="http://schemas.microsoft.com/office/drawing/2014/main" id="{5B4F160E-FAAC-419D-BEAB-38DF9A8491DD}"/>
+                </a:ext>
+              </a:extLst>
+            </p:cNvPr>
+            <p:cNvGraphicFramePr>
+              <a:graphicFrameLocks noChangeAspect="1"/>
+            </p:cNvGraphicFramePr>
+            <p:nvPr>
+              <p:extLst>
+                <p:ext uri="{D42A27DB-BD31-4B8C-83A1-F6EECF244321}">
+                  <p14:modId xmlns:p14="http://schemas.microsoft.com/office/powerpoint/2010/main" val="3572501297"/>
+                </p:ext>
+              </p:extLst>
+            </p:nvPr>
+          </p:nvGraphicFramePr>
+          <p:xfrm>
+            <a:off x="4802673" y="4306077"/>
+            <a:ext cx="279400" cy="457200"/>
+          </p:xfrm>
+          <a:graphic>
+            <a:graphicData uri="http://schemas.openxmlformats.org/presentationml/2006/ole">
+              <mc:AlternateContent xmlns:mc="http://schemas.openxmlformats.org/markup-compatibility/2006">
+                <mc:Choice xmlns:v="urn:schemas-microsoft-com:vml" Requires="v">
+                  <p:oleObj spid="_x0000_s13443" name="AxMath" r:id="rId19" imgW="139680" imgH="228600" progId="Equation.AxMath">
+                    <p:embed/>
+                  </p:oleObj>
+                </mc:Choice>
+                <mc:Fallback>
+                  <p:oleObj name="AxMath" r:id="rId19" imgW="139680" imgH="228600" progId="Equation.AxMath">
+                    <p:embed/>
+                    <p:pic>
+                      <p:nvPicPr>
+                        <p:cNvPr id="0" name=""/>
+                        <p:cNvPicPr/>
+                        <p:nvPr/>
+                      </p:nvPicPr>
+                      <p:blipFill>
+                        <a:blip r:embed="rId20"/>
+                        <a:stretch>
+                          <a:fillRect/>
+                        </a:stretch>
+                      </p:blipFill>
+                      <p:spPr>
+                        <a:xfrm>
+                          <a:off x="4802673" y="4306077"/>
+                          <a:ext cx="279400" cy="457200"/>
+                        </a:xfrm>
+                        <a:prstGeom prst="rect">
+                          <a:avLst/>
+                        </a:prstGeom>
+                      </p:spPr>
+                    </p:pic>
+                  </p:oleObj>
+                </mc:Fallback>
+              </mc:AlternateContent>
+            </a:graphicData>
+          </a:graphic>
+        </p:graphicFrame>
+        <p:graphicFrame>
+          <p:nvGraphicFramePr>
+            <p:cNvPr id="21" name="对象 20">
+              <a:extLst>
+                <a:ext uri="{FF2B5EF4-FFF2-40B4-BE49-F238E27FC236}">
+                  <a16:creationId xmlns:a16="http://schemas.microsoft.com/office/drawing/2014/main" id="{34BC9303-7FE5-4DC5-BA1A-DCFE7D0113F3}"/>
+                </a:ext>
+              </a:extLst>
+            </p:cNvPr>
+            <p:cNvGraphicFramePr>
+              <a:graphicFrameLocks noChangeAspect="1"/>
+            </p:cNvGraphicFramePr>
+            <p:nvPr>
+              <p:extLst>
+                <p:ext uri="{D42A27DB-BD31-4B8C-83A1-F6EECF244321}">
+                  <p14:modId xmlns:p14="http://schemas.microsoft.com/office/powerpoint/2010/main" val="3386023532"/>
+                </p:ext>
+              </p:extLst>
+            </p:nvPr>
+          </p:nvGraphicFramePr>
+          <p:xfrm>
+            <a:off x="6964363" y="4305300"/>
+            <a:ext cx="314325" cy="457200"/>
+          </p:xfrm>
+          <a:graphic>
+            <a:graphicData uri="http://schemas.openxmlformats.org/presentationml/2006/ole">
+              <mc:AlternateContent xmlns:mc="http://schemas.openxmlformats.org/markup-compatibility/2006">
+                <mc:Choice xmlns:v="urn:schemas-microsoft-com:vml" Requires="v">
+                  <p:oleObj spid="_x0000_s13444" name="AxMath" r:id="rId21" imgW="156960" imgH="228600" progId="Equation.AxMath">
+                    <p:embed/>
+                  </p:oleObj>
+                </mc:Choice>
+                <mc:Fallback>
+                  <p:oleObj name="AxMath" r:id="rId21" imgW="156960" imgH="228600" progId="Equation.AxMath">
+                    <p:embed/>
+                    <p:pic>
+                      <p:nvPicPr>
+                        <p:cNvPr id="20" name="对象 19">
+                          <a:extLst>
+                            <a:ext uri="{FF2B5EF4-FFF2-40B4-BE49-F238E27FC236}">
+                              <a16:creationId xmlns:a16="http://schemas.microsoft.com/office/drawing/2014/main" id="{5B4F160E-FAAC-419D-BEAB-38DF9A8491DD}"/>
+                            </a:ext>
+                          </a:extLst>
+                        </p:cNvPr>
+                        <p:cNvPicPr/>
+                        <p:nvPr/>
+                      </p:nvPicPr>
+                      <p:blipFill>
+                        <a:blip r:embed="rId22"/>
+                        <a:stretch>
+                          <a:fillRect/>
+                        </a:stretch>
+                      </p:blipFill>
+                      <p:spPr>
+                        <a:xfrm>
+                          <a:off x="6964363" y="4305300"/>
+                          <a:ext cx="314325" cy="457200"/>
+                        </a:xfrm>
+                        <a:prstGeom prst="rect">
+                          <a:avLst/>
+                        </a:prstGeom>
+                      </p:spPr>
+                    </p:pic>
+                  </p:oleObj>
+                </mc:Fallback>
+              </mc:AlternateContent>
+            </a:graphicData>
+          </a:graphic>
+        </p:graphicFrame>
+        <p:graphicFrame>
+          <p:nvGraphicFramePr>
+            <p:cNvPr id="22" name="对象 21">
+              <a:extLst>
+                <a:ext uri="{FF2B5EF4-FFF2-40B4-BE49-F238E27FC236}">
+                  <a16:creationId xmlns:a16="http://schemas.microsoft.com/office/drawing/2014/main" id="{F635C6E3-63E1-4673-BCEB-9A9B86CBA77F}"/>
+                </a:ext>
+              </a:extLst>
+            </p:cNvPr>
+            <p:cNvGraphicFramePr>
+              <a:graphicFrameLocks noChangeAspect="1"/>
+            </p:cNvGraphicFramePr>
+            <p:nvPr>
+              <p:extLst>
+                <p:ext uri="{D42A27DB-BD31-4B8C-83A1-F6EECF244321}">
+                  <p14:modId xmlns:p14="http://schemas.microsoft.com/office/powerpoint/2010/main" val="288620016"/>
+                </p:ext>
+              </p:extLst>
+            </p:nvPr>
+          </p:nvGraphicFramePr>
+          <p:xfrm>
+            <a:off x="5179429" y="4840288"/>
+            <a:ext cx="1387475" cy="457200"/>
+          </p:xfrm>
+          <a:graphic>
+            <a:graphicData uri="http://schemas.openxmlformats.org/presentationml/2006/ole">
+              <mc:AlternateContent xmlns:mc="http://schemas.openxmlformats.org/markup-compatibility/2006">
+                <mc:Choice xmlns:v="urn:schemas-microsoft-com:vml" Requires="v">
+                  <p:oleObj spid="_x0000_s13445" name="AxMath" r:id="rId23" imgW="694440" imgH="228600" progId="Equation.AxMath">
+                    <p:embed/>
+                  </p:oleObj>
+                </mc:Choice>
+                <mc:Fallback>
+                  <p:oleObj name="AxMath" r:id="rId23" imgW="694440" imgH="228600" progId="Equation.AxMath">
+                    <p:embed/>
+                    <p:pic>
+                      <p:nvPicPr>
+                        <p:cNvPr id="0" name=""/>
+                        <p:cNvPicPr/>
+                        <p:nvPr/>
+                      </p:nvPicPr>
+                      <p:blipFill>
+                        <a:blip r:embed="rId24"/>
+                        <a:stretch>
+                          <a:fillRect/>
+                        </a:stretch>
+                      </p:blipFill>
+                      <p:spPr>
+                        <a:xfrm>
+                          <a:off x="5179429" y="4840288"/>
+                          <a:ext cx="1387475" cy="457200"/>
+                        </a:xfrm>
+                        <a:prstGeom prst="rect">
+                          <a:avLst/>
+                        </a:prstGeom>
+                      </p:spPr>
+                    </p:pic>
+                  </p:oleObj>
+                </mc:Fallback>
+              </mc:AlternateContent>
+            </a:graphicData>
+          </a:graphic>
+        </p:graphicFrame>
+        <p:cxnSp>
+          <p:nvCxnSpPr>
+            <p:cNvPr id="24" name="直接连接符 23">
+              <a:extLst>
+                <a:ext uri="{FF2B5EF4-FFF2-40B4-BE49-F238E27FC236}">
+                  <a16:creationId xmlns:a16="http://schemas.microsoft.com/office/drawing/2014/main" id="{B3EA5858-7C76-4994-8472-A760F1E7472D}"/>
+                </a:ext>
+              </a:extLst>
+            </p:cNvPr>
+            <p:cNvCxnSpPr/>
+            <p:nvPr/>
+          </p:nvCxnSpPr>
+          <p:spPr>
+            <a:xfrm>
+              <a:off x="1250302" y="2892490"/>
+              <a:ext cx="9766041" cy="0"/>
+            </a:xfrm>
+            <a:prstGeom prst="line">
+              <a:avLst/>
+            </a:prstGeom>
+            <a:ln w="22225">
+              <a:solidFill>
+                <a:srgbClr val="00B050"/>
+              </a:solidFill>
+              <a:prstDash val="lgDash"/>
+            </a:ln>
+          </p:spPr>
+          <p:style>
+            <a:lnRef idx="1">
+              <a:schemeClr val="accent1"/>
+            </a:lnRef>
+            <a:fillRef idx="0">
+              <a:schemeClr val="accent1"/>
+            </a:fillRef>
+            <a:effectRef idx="0">
+              <a:schemeClr val="accent1"/>
+            </a:effectRef>
+            <a:fontRef idx="minor">
+              <a:schemeClr val="tx1"/>
+            </a:fontRef>
+          </p:style>
+        </p:cxnSp>
+      </p:grpSp>
     </p:spTree>
     <p:extLst>
       <p:ext uri="{BB962C8B-B14F-4D97-AF65-F5344CB8AC3E}">
@@ -4741,7 +6081,7 @@
             <a:graphicData uri="http://schemas.openxmlformats.org/presentationml/2006/ole">
               <mc:AlternateContent xmlns:mc="http://schemas.openxmlformats.org/markup-compatibility/2006">
                 <mc:Choice xmlns:v="urn:schemas-microsoft-com:vml" Requires="v">
-                  <p:oleObj spid="_x0000_s2400" name="AxMath" r:id="rId3" imgW="409680" imgH="228600" progId="Equation.AxMath">
+                  <p:oleObj spid="_x0000_s2436" name="AxMath" r:id="rId3" imgW="409680" imgH="228600" progId="Equation.AxMath">
                     <p:embed/>
                   </p:oleObj>
                 </mc:Choice>
@@ -4804,7 +6144,7 @@
             <a:graphicData uri="http://schemas.openxmlformats.org/presentationml/2006/ole">
               <mc:AlternateContent xmlns:mc="http://schemas.openxmlformats.org/markup-compatibility/2006">
                 <mc:Choice xmlns:v="urn:schemas-microsoft-com:vml" Requires="v">
-                  <p:oleObj spid="_x0000_s2401" name="AxMath" r:id="rId5" imgW="325080" imgH="226440" progId="Equation.AxMath">
+                  <p:oleObj spid="_x0000_s2437" name="AxMath" r:id="rId5" imgW="325080" imgH="226440" progId="Equation.AxMath">
                     <p:embed/>
                   </p:oleObj>
                 </mc:Choice>
@@ -5272,7 +6612,7 @@
             <a:graphicData uri="http://schemas.openxmlformats.org/presentationml/2006/ole">
               <mc:AlternateContent xmlns:mc="http://schemas.openxmlformats.org/markup-compatibility/2006">
                 <mc:Choice xmlns:v="urn:schemas-microsoft-com:vml" Requires="v">
-                  <p:oleObj spid="_x0000_s2402" name="AxMath" r:id="rId7" imgW="831600" imgH="228600" progId="Equation.AxMath">
+                  <p:oleObj spid="_x0000_s2438" name="AxMath" r:id="rId7" imgW="831600" imgH="228600" progId="Equation.AxMath">
                     <p:embed/>
                   </p:oleObj>
                 </mc:Choice>
@@ -5335,7 +6675,7 @@
             <a:graphicData uri="http://schemas.openxmlformats.org/presentationml/2006/ole">
               <mc:AlternateContent xmlns:mc="http://schemas.openxmlformats.org/markup-compatibility/2006">
                 <mc:Choice xmlns:v="urn:schemas-microsoft-com:vml" Requires="v">
-                  <p:oleObj spid="_x0000_s2403" name="AxMath" r:id="rId9" imgW="480240" imgH="228600" progId="Equation.AxMath">
+                  <p:oleObj spid="_x0000_s2439" name="AxMath" r:id="rId9" imgW="480240" imgH="228600" progId="Equation.AxMath">
                     <p:embed/>
                   </p:oleObj>
                 </mc:Choice>
@@ -5517,7 +6857,7 @@
           <a:graphicData uri="http://schemas.openxmlformats.org/presentationml/2006/ole">
             <mc:AlternateContent xmlns:mc="http://schemas.openxmlformats.org/markup-compatibility/2006">
               <mc:Choice xmlns:v="urn:schemas-microsoft-com:vml" Requires="v">
-                <p:oleObj spid="_x0000_s3494" name="AxMath" r:id="rId3" imgW="214920" imgH="235800" progId="Equation.AxMath">
+                <p:oleObj spid="_x0000_s3539" name="AxMath" r:id="rId3" imgW="214920" imgH="235800" progId="Equation.AxMath">
                   <p:embed/>
                 </p:oleObj>
               </mc:Choice>
@@ -5580,7 +6920,7 @@
           <a:graphicData uri="http://schemas.openxmlformats.org/presentationml/2006/ole">
             <mc:AlternateContent xmlns:mc="http://schemas.openxmlformats.org/markup-compatibility/2006">
               <mc:Choice xmlns:v="urn:schemas-microsoft-com:vml" Requires="v">
-                <p:oleObj spid="_x0000_s3495" name="AxMath" r:id="rId5" imgW="242280" imgH="235800" progId="Equation.AxMath">
+                <p:oleObj spid="_x0000_s3540" name="AxMath" r:id="rId5" imgW="242280" imgH="235800" progId="Equation.AxMath">
                   <p:embed/>
                 </p:oleObj>
               </mc:Choice>
@@ -5643,7 +6983,7 @@
           <a:graphicData uri="http://schemas.openxmlformats.org/presentationml/2006/ole">
             <mc:AlternateContent xmlns:mc="http://schemas.openxmlformats.org/markup-compatibility/2006">
               <mc:Choice xmlns:v="urn:schemas-microsoft-com:vml" Requires="v">
-                <p:oleObj spid="_x0000_s3496" name="AxMath" r:id="rId7" imgW="822600" imgH="825840" progId="Equation.AxMath">
+                <p:oleObj spid="_x0000_s3541" name="AxMath" r:id="rId7" imgW="822600" imgH="825840" progId="Equation.AxMath">
                   <p:embed/>
                 </p:oleObj>
               </mc:Choice>
@@ -5884,7 +7224,7 @@
           <a:graphicData uri="http://schemas.openxmlformats.org/presentationml/2006/ole">
             <mc:AlternateContent xmlns:mc="http://schemas.openxmlformats.org/markup-compatibility/2006">
               <mc:Choice xmlns:v="urn:schemas-microsoft-com:vml" Requires="v">
-                <p:oleObj spid="_x0000_s3497" name="AxMath" r:id="rId9" imgW="214920" imgH="235800" progId="Equation.AxMath">
+                <p:oleObj spid="_x0000_s3542" name="AxMath" r:id="rId9" imgW="214920" imgH="235800" progId="Equation.AxMath">
                   <p:embed/>
                 </p:oleObj>
               </mc:Choice>
@@ -5953,7 +7293,7 @@
           <a:graphicData uri="http://schemas.openxmlformats.org/presentationml/2006/ole">
             <mc:AlternateContent xmlns:mc="http://schemas.openxmlformats.org/markup-compatibility/2006">
               <mc:Choice xmlns:v="urn:schemas-microsoft-com:vml" Requires="v">
-                <p:oleObj spid="_x0000_s3498" name="AxMath" r:id="rId10" imgW="242280" imgH="235800" progId="Equation.AxMath">
+                <p:oleObj spid="_x0000_s3543" name="AxMath" r:id="rId10" imgW="242280" imgH="235800" progId="Equation.AxMath">
                   <p:embed/>
                 </p:oleObj>
               </mc:Choice>
@@ -6245,7 +7585,7 @@
             <a:graphicData uri="http://schemas.openxmlformats.org/presentationml/2006/ole">
               <mc:AlternateContent xmlns:mc="http://schemas.openxmlformats.org/markup-compatibility/2006">
                 <mc:Choice xmlns:v="urn:schemas-microsoft-com:vml" Requires="v">
-                  <p:oleObj spid="_x0000_s9522" name="AxMath" r:id="rId3" imgW="214920" imgH="235800" progId="Equation.AxMath">
+                  <p:oleObj spid="_x0000_s9684" name="AxMath" r:id="rId3" imgW="214920" imgH="235800" progId="Equation.AxMath">
                     <p:embed/>
                   </p:oleObj>
                 </mc:Choice>
@@ -6314,7 +7654,7 @@
             <a:graphicData uri="http://schemas.openxmlformats.org/presentationml/2006/ole">
               <mc:AlternateContent xmlns:mc="http://schemas.openxmlformats.org/markup-compatibility/2006">
                 <mc:Choice xmlns:v="urn:schemas-microsoft-com:vml" Requires="v">
-                  <p:oleObj spid="_x0000_s9523" name="AxMath" r:id="rId5" imgW="242280" imgH="235800" progId="Equation.AxMath">
+                  <p:oleObj spid="_x0000_s9685" name="AxMath" r:id="rId5" imgW="242280" imgH="235800" progId="Equation.AxMath">
                     <p:embed/>
                   </p:oleObj>
                 </mc:Choice>
@@ -6478,7 +7818,7 @@
             <a:graphicData uri="http://schemas.openxmlformats.org/presentationml/2006/ole">
               <mc:AlternateContent xmlns:mc="http://schemas.openxmlformats.org/markup-compatibility/2006">
                 <mc:Choice xmlns:v="urn:schemas-microsoft-com:vml" Requires="v">
-                  <p:oleObj spid="_x0000_s9524" name="AxMath" r:id="rId7" imgW="282600" imgH="235800" progId="Equation.AxMath">
+                  <p:oleObj spid="_x0000_s9686" name="AxMath" r:id="rId7" imgW="282600" imgH="235800" progId="Equation.AxMath">
                     <p:embed/>
                   </p:oleObj>
                 </mc:Choice>
@@ -6719,7 +8059,7 @@
             <a:graphicData uri="http://schemas.openxmlformats.org/presentationml/2006/ole">
               <mc:AlternateContent xmlns:mc="http://schemas.openxmlformats.org/markup-compatibility/2006">
                 <mc:Choice xmlns:v="urn:schemas-microsoft-com:vml" Requires="v">
-                  <p:oleObj spid="_x0000_s9525" name="AxMath" r:id="rId9" imgW="191520" imgH="228600" progId="Equation.AxMath">
+                  <p:oleObj spid="_x0000_s9687" name="AxMath" r:id="rId9" imgW="191520" imgH="228600" progId="Equation.AxMath">
                     <p:embed/>
                   </p:oleObj>
                 </mc:Choice>
@@ -6782,7 +8122,7 @@
             <a:graphicData uri="http://schemas.openxmlformats.org/presentationml/2006/ole">
               <mc:AlternateContent xmlns:mc="http://schemas.openxmlformats.org/markup-compatibility/2006">
                 <mc:Choice xmlns:v="urn:schemas-microsoft-com:vml" Requires="v">
-                  <p:oleObj spid="_x0000_s9526" name="AxMath" r:id="rId11" imgW="207720" imgH="228600" progId="Equation.AxMath">
+                  <p:oleObj spid="_x0000_s9688" name="AxMath" r:id="rId11" imgW="207720" imgH="228600" progId="Equation.AxMath">
                     <p:embed/>
                   </p:oleObj>
                 </mc:Choice>
@@ -6845,7 +8185,7 @@
             <a:graphicData uri="http://schemas.openxmlformats.org/presentationml/2006/ole">
               <mc:AlternateContent xmlns:mc="http://schemas.openxmlformats.org/markup-compatibility/2006">
                 <mc:Choice xmlns:v="urn:schemas-microsoft-com:vml" Requires="v">
-                  <p:oleObj spid="_x0000_s9527" name="AxMath" r:id="rId13" imgW="1371960" imgH="228600" progId="Equation.AxMath">
+                  <p:oleObj spid="_x0000_s9689" name="AxMath" r:id="rId13" imgW="1371960" imgH="228600" progId="Equation.AxMath">
                     <p:embed/>
                   </p:oleObj>
                 </mc:Choice>
@@ -6908,7 +8248,7 @@
             <a:graphicData uri="http://schemas.openxmlformats.org/presentationml/2006/ole">
               <mc:AlternateContent xmlns:mc="http://schemas.openxmlformats.org/markup-compatibility/2006">
                 <mc:Choice xmlns:v="urn:schemas-microsoft-com:vml" Requires="v">
-                  <p:oleObj spid="_x0000_s9528" name="AxMath" r:id="rId15" imgW="1390320" imgH="228600" progId="Equation.AxMath">
+                  <p:oleObj spid="_x0000_s9690" name="AxMath" r:id="rId15" imgW="1390320" imgH="228600" progId="Equation.AxMath">
                     <p:embed/>
                   </p:oleObj>
                 </mc:Choice>
@@ -6977,7 +8317,7 @@
             <a:graphicData uri="http://schemas.openxmlformats.org/presentationml/2006/ole">
               <mc:AlternateContent xmlns:mc="http://schemas.openxmlformats.org/markup-compatibility/2006">
                 <mc:Choice xmlns:v="urn:schemas-microsoft-com:vml" Requires="v">
-                  <p:oleObj spid="_x0000_s9529" name="AxMath" r:id="rId17" imgW="1400040" imgH="664560" progId="Equation.AxMath">
+                  <p:oleObj spid="_x0000_s9691" name="AxMath" r:id="rId17" imgW="1400040" imgH="664560" progId="Equation.AxMath">
                     <p:embed/>
                   </p:oleObj>
                 </mc:Choice>
@@ -7040,7 +8380,7 @@
             <a:graphicData uri="http://schemas.openxmlformats.org/presentationml/2006/ole">
               <mc:AlternateContent xmlns:mc="http://schemas.openxmlformats.org/markup-compatibility/2006">
                 <mc:Choice xmlns:v="urn:schemas-microsoft-com:vml" Requires="v">
-                  <p:oleObj spid="_x0000_s9530" name="AxMath" r:id="rId19" imgW="889920" imgH="228600" progId="Equation.AxMath">
+                  <p:oleObj spid="_x0000_s9692" name="AxMath" r:id="rId19" imgW="889920" imgH="228600" progId="Equation.AxMath">
                     <p:embed/>
                   </p:oleObj>
                 </mc:Choice>
@@ -7354,7 +8694,7 @@
             <a:graphicData uri="http://schemas.openxmlformats.org/presentationml/2006/ole">
               <mc:AlternateContent xmlns:mc="http://schemas.openxmlformats.org/markup-compatibility/2006">
                 <mc:Choice xmlns:v="urn:schemas-microsoft-com:vml" Requires="v">
-                  <p:oleObj spid="_x0000_s9531" name="AxMath" r:id="rId21" imgW="887400" imgH="263520" progId="Equation.AxMath">
+                  <p:oleObj spid="_x0000_s9693" name="AxMath" r:id="rId21" imgW="887400" imgH="263520" progId="Equation.AxMath">
                     <p:embed/>
                   </p:oleObj>
                 </mc:Choice>
@@ -7417,7 +8757,7 @@
             <a:graphicData uri="http://schemas.openxmlformats.org/presentationml/2006/ole">
               <mc:AlternateContent xmlns:mc="http://schemas.openxmlformats.org/markup-compatibility/2006">
                 <mc:Choice xmlns:v="urn:schemas-microsoft-com:vml" Requires="v">
-                  <p:oleObj spid="_x0000_s9532" name="AxMath" r:id="rId23" imgW="286920" imgH="235800" progId="Equation.AxMath">
+                  <p:oleObj spid="_x0000_s9694" name="AxMath" r:id="rId23" imgW="286920" imgH="235800" progId="Equation.AxMath">
                     <p:embed/>
                   </p:oleObj>
                 </mc:Choice>
@@ -7648,7 +8988,7 @@
             <a:graphicData uri="http://schemas.openxmlformats.org/presentationml/2006/ole">
               <mc:AlternateContent xmlns:mc="http://schemas.openxmlformats.org/markup-compatibility/2006">
                 <mc:Choice xmlns:v="urn:schemas-microsoft-com:vml" Requires="v">
-                  <p:oleObj spid="_x0000_s9533" name="AxMath" r:id="rId25" imgW="214920" imgH="235800" progId="Equation.AxMath">
+                  <p:oleObj spid="_x0000_s9695" name="AxMath" r:id="rId25" imgW="214920" imgH="235800" progId="Equation.AxMath">
                     <p:embed/>
                   </p:oleObj>
                 </mc:Choice>
@@ -7717,7 +9057,7 @@
             <a:graphicData uri="http://schemas.openxmlformats.org/presentationml/2006/ole">
               <mc:AlternateContent xmlns:mc="http://schemas.openxmlformats.org/markup-compatibility/2006">
                 <mc:Choice xmlns:v="urn:schemas-microsoft-com:vml" Requires="v">
-                  <p:oleObj spid="_x0000_s9534" name="AxMath" r:id="rId26" imgW="242280" imgH="235800" progId="Equation.AxMath">
+                  <p:oleObj spid="_x0000_s9696" name="AxMath" r:id="rId26" imgW="242280" imgH="235800" progId="Equation.AxMath">
                     <p:embed/>
                   </p:oleObj>
                 </mc:Choice>
@@ -7786,7 +9126,7 @@
             <a:graphicData uri="http://schemas.openxmlformats.org/presentationml/2006/ole">
               <mc:AlternateContent xmlns:mc="http://schemas.openxmlformats.org/markup-compatibility/2006">
                 <mc:Choice xmlns:v="urn:schemas-microsoft-com:vml" Requires="v">
-                  <p:oleObj spid="_x0000_s9535" name="AxMath" r:id="rId27" imgW="980640" imgH="228600" progId="Equation.AxMath">
+                  <p:oleObj spid="_x0000_s9697" name="AxMath" r:id="rId27" imgW="980640" imgH="228600" progId="Equation.AxMath">
                     <p:embed/>
                   </p:oleObj>
                 </mc:Choice>
@@ -7849,7 +9189,7 @@
             <a:graphicData uri="http://schemas.openxmlformats.org/presentationml/2006/ole">
               <mc:AlternateContent xmlns:mc="http://schemas.openxmlformats.org/markup-compatibility/2006">
                 <mc:Choice xmlns:v="urn:schemas-microsoft-com:vml" Requires="v">
-                  <p:oleObj spid="_x0000_s9536" name="AxMath" r:id="rId29" imgW="980640" imgH="228600" progId="Equation.AxMath">
+                  <p:oleObj spid="_x0000_s9698" name="AxMath" r:id="rId29" imgW="980640" imgH="228600" progId="Equation.AxMath">
                     <p:embed/>
                   </p:oleObj>
                 </mc:Choice>
@@ -7971,7 +9311,7 @@
             <a:graphicData uri="http://schemas.openxmlformats.org/presentationml/2006/ole">
               <mc:AlternateContent xmlns:mc="http://schemas.openxmlformats.org/markup-compatibility/2006">
                 <mc:Choice xmlns:v="urn:schemas-microsoft-com:vml" Requires="v">
-                  <p:oleObj spid="_x0000_s9537" name="AxMath" r:id="rId31" imgW="286920" imgH="235800" progId="Equation.AxMath">
+                  <p:oleObj spid="_x0000_s9699" name="AxMath" r:id="rId31" imgW="286920" imgH="235800" progId="Equation.AxMath">
                     <p:embed/>
                   </p:oleObj>
                 </mc:Choice>
@@ -8040,7 +9380,7 @@
             <a:graphicData uri="http://schemas.openxmlformats.org/presentationml/2006/ole">
               <mc:AlternateContent xmlns:mc="http://schemas.openxmlformats.org/markup-compatibility/2006">
                 <mc:Choice xmlns:v="urn:schemas-microsoft-com:vml" Requires="v">
-                  <p:oleObj spid="_x0000_s9538" name="AxMath" r:id="rId32" imgW="891360" imgH="235800" progId="Equation.AxMath">
+                  <p:oleObj spid="_x0000_s9700" name="AxMath" r:id="rId32" imgW="891360" imgH="235800" progId="Equation.AxMath">
                     <p:embed/>
                   </p:oleObj>
                 </mc:Choice>
@@ -8103,7 +9443,7 @@
             <a:graphicData uri="http://schemas.openxmlformats.org/presentationml/2006/ole">
               <mc:AlternateContent xmlns:mc="http://schemas.openxmlformats.org/markup-compatibility/2006">
                 <mc:Choice xmlns:v="urn:schemas-microsoft-com:vml" Requires="v">
-                  <p:oleObj spid="_x0000_s9539" name="AxMath" r:id="rId34" imgW="969120" imgH="235800" progId="Equation.AxMath">
+                  <p:oleObj spid="_x0000_s9701" name="AxMath" r:id="rId34" imgW="969120" imgH="235800" progId="Equation.AxMath">
                     <p:embed/>
                   </p:oleObj>
                 </mc:Choice>
@@ -8354,7 +9694,7 @@
             <a:graphicData uri="http://schemas.openxmlformats.org/presentationml/2006/ole">
               <mc:AlternateContent xmlns:mc="http://schemas.openxmlformats.org/markup-compatibility/2006">
                 <mc:Choice xmlns:v="urn:schemas-microsoft-com:vml" Requires="v">
-                  <p:oleObj spid="_x0000_s5677" name="AxMath" r:id="rId3" imgW="826200" imgH="239400" progId="Equation.AxMath">
+                  <p:oleObj spid="_x0000_s5758" name="AxMath" r:id="rId3" imgW="826200" imgH="239400" progId="Equation.AxMath">
                     <p:embed/>
                   </p:oleObj>
                 </mc:Choice>
@@ -8417,7 +9757,7 @@
             <a:graphicData uri="http://schemas.openxmlformats.org/presentationml/2006/ole">
               <mc:AlternateContent xmlns:mc="http://schemas.openxmlformats.org/markup-compatibility/2006">
                 <mc:Choice xmlns:v="urn:schemas-microsoft-com:vml" Requires="v">
-                  <p:oleObj spid="_x0000_s5678" name="AxMath" r:id="rId5" imgW="354240" imgH="235800" progId="Equation.AxMath">
+                  <p:oleObj spid="_x0000_s5759" name="AxMath" r:id="rId5" imgW="354240" imgH="235800" progId="Equation.AxMath">
                     <p:embed/>
                   </p:oleObj>
                 </mc:Choice>
@@ -8630,7 +9970,7 @@
             <a:graphicData uri="http://schemas.openxmlformats.org/presentationml/2006/ole">
               <mc:AlternateContent xmlns:mc="http://schemas.openxmlformats.org/markup-compatibility/2006">
                 <mc:Choice xmlns:v="urn:schemas-microsoft-com:vml" Requires="v">
-                  <p:oleObj spid="_x0000_s5679" name="AxMath" r:id="rId7" imgW="396360" imgH="417600" progId="Equation.AxMath">
+                  <p:oleObj spid="_x0000_s5760" name="AxMath" r:id="rId7" imgW="396360" imgH="417600" progId="Equation.AxMath">
                     <p:embed/>
                   </p:oleObj>
                 </mc:Choice>
@@ -8693,7 +10033,7 @@
             <a:graphicData uri="http://schemas.openxmlformats.org/presentationml/2006/ole">
               <mc:AlternateContent xmlns:mc="http://schemas.openxmlformats.org/markup-compatibility/2006">
                 <mc:Choice xmlns:v="urn:schemas-microsoft-com:vml" Requires="v">
-                  <p:oleObj spid="_x0000_s5680" name="AxMath" r:id="rId9" imgW="438840" imgH="417600" progId="Equation.AxMath">
+                  <p:oleObj spid="_x0000_s5761" name="AxMath" r:id="rId9" imgW="438840" imgH="417600" progId="Equation.AxMath">
                     <p:embed/>
                   </p:oleObj>
                 </mc:Choice>
@@ -8762,7 +10102,7 @@
             <a:graphicData uri="http://schemas.openxmlformats.org/presentationml/2006/ole">
               <mc:AlternateContent xmlns:mc="http://schemas.openxmlformats.org/markup-compatibility/2006">
                 <mc:Choice xmlns:v="urn:schemas-microsoft-com:vml" Requires="v">
-                  <p:oleObj spid="_x0000_s5681" name="AxMath" r:id="rId11" imgW="149760" imgH="228600" progId="Equation.AxMath">
+                  <p:oleObj spid="_x0000_s5762" name="AxMath" r:id="rId11" imgW="149760" imgH="228600" progId="Equation.AxMath">
                     <p:embed/>
                   </p:oleObj>
                 </mc:Choice>
@@ -8825,7 +10165,7 @@
             <a:graphicData uri="http://schemas.openxmlformats.org/presentationml/2006/ole">
               <mc:AlternateContent xmlns:mc="http://schemas.openxmlformats.org/markup-compatibility/2006">
                 <mc:Choice xmlns:v="urn:schemas-microsoft-com:vml" Requires="v">
-                  <p:oleObj spid="_x0000_s5682" name="AxMath" r:id="rId13" imgW="427680" imgH="228600" progId="Equation.AxMath">
+                  <p:oleObj spid="_x0000_s5763" name="AxMath" r:id="rId13" imgW="427680" imgH="228600" progId="Equation.AxMath">
                     <p:embed/>
                   </p:oleObj>
                 </mc:Choice>
@@ -8976,7 +10316,7 @@
             <a:graphicData uri="http://schemas.openxmlformats.org/presentationml/2006/ole">
               <mc:AlternateContent xmlns:mc="http://schemas.openxmlformats.org/markup-compatibility/2006">
                 <mc:Choice xmlns:v="urn:schemas-microsoft-com:vml" Requires="v">
-                  <p:oleObj spid="_x0000_s5683" name="AxMath" r:id="rId15" imgW="558720" imgH="228600" progId="Equation.AxMath">
+                  <p:oleObj spid="_x0000_s5764" name="AxMath" r:id="rId15" imgW="558720" imgH="228600" progId="Equation.AxMath">
                     <p:embed/>
                   </p:oleObj>
                 </mc:Choice>
@@ -9039,7 +10379,7 @@
             <a:graphicData uri="http://schemas.openxmlformats.org/presentationml/2006/ole">
               <mc:AlternateContent xmlns:mc="http://schemas.openxmlformats.org/markup-compatibility/2006">
                 <mc:Choice xmlns:v="urn:schemas-microsoft-com:vml" Requires="v">
-                  <p:oleObj spid="_x0000_s5684" name="AxMath" r:id="rId17" imgW="2189520" imgH="420840" progId="Equation.AxMath">
+                  <p:oleObj spid="_x0000_s5765" name="AxMath" r:id="rId17" imgW="2189520" imgH="420840" progId="Equation.AxMath">
                     <p:embed/>
                   </p:oleObj>
                 </mc:Choice>
@@ -9102,7 +10442,7 @@
             <a:graphicData uri="http://schemas.openxmlformats.org/presentationml/2006/ole">
               <mc:AlternateContent xmlns:mc="http://schemas.openxmlformats.org/markup-compatibility/2006">
                 <mc:Choice xmlns:v="urn:schemas-microsoft-com:vml" Requires="v">
-                  <p:oleObj spid="_x0000_s5685" name="AxMath" r:id="rId19" imgW="1568880" imgH="415800" progId="Equation.AxMath">
+                  <p:oleObj spid="_x0000_s5766" name="AxMath" r:id="rId19" imgW="1568880" imgH="415800" progId="Equation.AxMath">
                     <p:embed/>
                   </p:oleObj>
                 </mc:Choice>
@@ -9689,7 +11029,7 @@
             <a:graphicData uri="http://schemas.openxmlformats.org/presentationml/2006/ole">
               <mc:AlternateContent xmlns:mc="http://schemas.openxmlformats.org/markup-compatibility/2006">
                 <mc:Choice xmlns:v="urn:schemas-microsoft-com:vml" Requires="v">
-                  <p:oleObj spid="_x0000_s6305" name="AxMath" r:id="rId3" imgW="826200" imgH="239400" progId="Equation.AxMath">
+                  <p:oleObj spid="_x0000_s6332" name="AxMath" r:id="rId3" imgW="826200" imgH="239400" progId="Equation.AxMath">
                     <p:embed/>
                   </p:oleObj>
                 </mc:Choice>
@@ -9758,7 +11098,7 @@
             <a:graphicData uri="http://schemas.openxmlformats.org/presentationml/2006/ole">
               <mc:AlternateContent xmlns:mc="http://schemas.openxmlformats.org/markup-compatibility/2006">
                 <mc:Choice xmlns:v="urn:schemas-microsoft-com:vml" Requires="v">
-                  <p:oleObj spid="_x0000_s6306" name="AxMath" r:id="rId5" imgW="354240" imgH="235800" progId="Equation.AxMath">
+                  <p:oleObj spid="_x0000_s6333" name="AxMath" r:id="rId5" imgW="354240" imgH="235800" progId="Equation.AxMath">
                     <p:embed/>
                   </p:oleObj>
                 </mc:Choice>
@@ -9977,7 +11317,7 @@
             <a:graphicData uri="http://schemas.openxmlformats.org/presentationml/2006/ole">
               <mc:AlternateContent xmlns:mc="http://schemas.openxmlformats.org/markup-compatibility/2006">
                 <mc:Choice xmlns:v="urn:schemas-microsoft-com:vml" Requires="v">
-                  <p:oleObj spid="_x0000_s6307" name="AxMath" r:id="rId7" imgW="149760" imgH="228600" progId="Equation.AxMath">
+                  <p:oleObj spid="_x0000_s6334" name="AxMath" r:id="rId7" imgW="149760" imgH="228600" progId="Equation.AxMath">
                     <p:embed/>
                   </p:oleObj>
                 </mc:Choice>
@@ -10187,7 +11527,7 @@
           <a:graphicData uri="http://schemas.openxmlformats.org/presentationml/2006/ole">
             <mc:AlternateContent xmlns:mc="http://schemas.openxmlformats.org/markup-compatibility/2006">
               <mc:Choice xmlns:v="urn:schemas-microsoft-com:vml" Requires="v">
-                <p:oleObj spid="_x0000_s7221" name="AxMath" r:id="rId3" imgW="2948040" imgH="946800" progId="Equation.AxMath">
+                <p:oleObj spid="_x0000_s7230" name="AxMath" r:id="rId3" imgW="2948040" imgH="946800" progId="Equation.AxMath">
                   <p:embed/>
                 </p:oleObj>
               </mc:Choice>
@@ -10429,7 +11769,7 @@
             <a:graphicData uri="http://schemas.openxmlformats.org/presentationml/2006/ole">
               <mc:AlternateContent xmlns:mc="http://schemas.openxmlformats.org/markup-compatibility/2006">
                 <mc:Choice xmlns:v="urn:schemas-microsoft-com:vml" Requires="v">
-                  <p:oleObj spid="_x0000_s9196" name="AxMath" r:id="rId3" imgW="419760" imgH="228600" progId="Equation.AxMath">
+                  <p:oleObj spid="_x0000_s12466" name="AxMath" r:id="rId3" imgW="419760" imgH="228600" progId="Equation.AxMath">
                     <p:embed/>
                   </p:oleObj>
                 </mc:Choice>
@@ -10492,7 +11832,7 @@
             <a:graphicData uri="http://schemas.openxmlformats.org/presentationml/2006/ole">
               <mc:AlternateContent xmlns:mc="http://schemas.openxmlformats.org/markup-compatibility/2006">
                 <mc:Choice xmlns:v="urn:schemas-microsoft-com:vml" Requires="v">
-                  <p:oleObj spid="_x0000_s9197" name="AxMath" r:id="rId5" imgW="159120" imgH="228600" progId="Equation.AxMath">
+                  <p:oleObj spid="_x0000_s12467" name="AxMath" r:id="rId5" imgW="159120" imgH="228600" progId="Equation.AxMath">
                     <p:embed/>
                   </p:oleObj>
                 </mc:Choice>
@@ -10555,7 +11895,7 @@
             <a:graphicData uri="http://schemas.openxmlformats.org/presentationml/2006/ole">
               <mc:AlternateContent xmlns:mc="http://schemas.openxmlformats.org/markup-compatibility/2006">
                 <mc:Choice xmlns:v="urn:schemas-microsoft-com:vml" Requires="v">
-                  <p:oleObj spid="_x0000_s9198" name="AxMath" r:id="rId7" imgW="113760" imgH="226440" progId="Equation.AxMath">
+                  <p:oleObj spid="_x0000_s12468" name="AxMath" r:id="rId7" imgW="113760" imgH="226440" progId="Equation.AxMath">
                     <p:embed/>
                   </p:oleObj>
                 </mc:Choice>
@@ -10661,7 +12001,7 @@
             <a:graphicData uri="http://schemas.openxmlformats.org/presentationml/2006/ole">
               <mc:AlternateContent xmlns:mc="http://schemas.openxmlformats.org/markup-compatibility/2006">
                 <mc:Choice xmlns:v="urn:schemas-microsoft-com:vml" Requires="v">
-                  <p:oleObj spid="_x0000_s9199" name="AxMath" r:id="rId9" imgW="344880" imgH="228600" progId="Equation.AxMath">
+                  <p:oleObj spid="_x0000_s12469" name="AxMath" r:id="rId9" imgW="344880" imgH="228600" progId="Equation.AxMath">
                     <p:embed/>
                   </p:oleObj>
                 </mc:Choice>
@@ -10724,7 +12064,7 @@
             <a:graphicData uri="http://schemas.openxmlformats.org/presentationml/2006/ole">
               <mc:AlternateContent xmlns:mc="http://schemas.openxmlformats.org/markup-compatibility/2006">
                 <mc:Choice xmlns:v="urn:schemas-microsoft-com:vml" Requires="v">
-                  <p:oleObj spid="_x0000_s9200" name="AxMath" r:id="rId11" imgW="712800" imgH="228600" progId="Equation.AxMath">
+                  <p:oleObj spid="_x0000_s12470" name="AxMath" r:id="rId11" imgW="712800" imgH="228600" progId="Equation.AxMath">
                     <p:embed/>
                   </p:oleObj>
                 </mc:Choice>
@@ -10895,7 +12235,7 @@
             <a:graphicData uri="http://schemas.openxmlformats.org/presentationml/2006/ole">
               <mc:AlternateContent xmlns:mc="http://schemas.openxmlformats.org/markup-compatibility/2006">
                 <mc:Choice xmlns:v="urn:schemas-microsoft-com:vml" Requires="v">
-                  <p:oleObj spid="_x0000_s9201" name="AxMath" r:id="rId13" imgW="296280" imgH="415800" progId="Equation.AxMath">
+                  <p:oleObj spid="_x0000_s12471" name="AxMath" r:id="rId13" imgW="296280" imgH="415800" progId="Equation.AxMath">
                     <p:embed/>
                   </p:oleObj>
                 </mc:Choice>
@@ -11398,7 +12738,7 @@
             <a:graphicData uri="http://schemas.openxmlformats.org/presentationml/2006/ole">
               <mc:AlternateContent xmlns:mc="http://schemas.openxmlformats.org/markup-compatibility/2006">
                 <mc:Choice xmlns:v="urn:schemas-microsoft-com:vml" Requires="v">
-                  <p:oleObj spid="_x0000_s9202" name="AxMath" r:id="rId15" imgW="153360" imgH="228600" progId="Equation.AxMath">
+                  <p:oleObj spid="_x0000_s12472" name="AxMath" r:id="rId15" imgW="153360" imgH="228600" progId="Equation.AxMath">
                     <p:embed/>
                   </p:oleObj>
                 </mc:Choice>
@@ -11461,7 +12801,7 @@
             <a:graphicData uri="http://schemas.openxmlformats.org/presentationml/2006/ole">
               <mc:AlternateContent xmlns:mc="http://schemas.openxmlformats.org/markup-compatibility/2006">
                 <mc:Choice xmlns:v="urn:schemas-microsoft-com:vml" Requires="v">
-                  <p:oleObj spid="_x0000_s9203" name="AxMath" r:id="rId17" imgW="178560" imgH="228600" progId="Equation.AxMath">
+                  <p:oleObj spid="_x0000_s12473" name="AxMath" r:id="rId17" imgW="178560" imgH="228600" progId="Equation.AxMath">
                     <p:embed/>
                   </p:oleObj>
                 </mc:Choice>
@@ -11793,7 +13133,7 @@
             <a:graphicData uri="http://schemas.openxmlformats.org/presentationml/2006/ole">
               <mc:AlternateContent xmlns:mc="http://schemas.openxmlformats.org/markup-compatibility/2006">
                 <mc:Choice xmlns:v="urn:schemas-microsoft-com:vml" Requires="v">
-                  <p:oleObj spid="_x0000_s9204" name="AxMath" r:id="rId19" imgW="419760" imgH="228600" progId="Equation.AxMath">
+                  <p:oleObj spid="_x0000_s12474" name="AxMath" r:id="rId19" imgW="419760" imgH="228600" progId="Equation.AxMath">
                     <p:embed/>
                   </p:oleObj>
                 </mc:Choice>
@@ -11970,7 +13310,7 @@
             <a:graphicData uri="http://schemas.openxmlformats.org/presentationml/2006/ole">
               <mc:AlternateContent xmlns:mc="http://schemas.openxmlformats.org/markup-compatibility/2006">
                 <mc:Choice xmlns:v="urn:schemas-microsoft-com:vml" Requires="v">
-                  <p:oleObj spid="_x0000_s9205" name="AxMath" r:id="rId21" imgW="186840" imgH="415800" progId="Equation.AxMath">
+                  <p:oleObj spid="_x0000_s12475" name="AxMath" r:id="rId21" imgW="186840" imgH="415800" progId="Equation.AxMath">
                     <p:embed/>
                   </p:oleObj>
                 </mc:Choice>
@@ -12310,7 +13650,7 @@
             <a:graphicData uri="http://schemas.openxmlformats.org/presentationml/2006/ole">
               <mc:AlternateContent xmlns:mc="http://schemas.openxmlformats.org/markup-compatibility/2006">
                 <mc:Choice xmlns:v="urn:schemas-microsoft-com:vml" Requires="v">
-                  <p:oleObj spid="_x0000_s9206" name="AxMath" r:id="rId23" imgW="724320" imgH="230400" progId="Equation.AxMath">
+                  <p:oleObj spid="_x0000_s12476" name="AxMath" r:id="rId23" imgW="724320" imgH="230400" progId="Equation.AxMath">
                     <p:embed/>
                   </p:oleObj>
                 </mc:Choice>
@@ -12460,7 +13800,7 @@
             <a:graphicData uri="http://schemas.openxmlformats.org/presentationml/2006/ole">
               <mc:AlternateContent xmlns:mc="http://schemas.openxmlformats.org/markup-compatibility/2006">
                 <mc:Choice xmlns:v="urn:schemas-microsoft-com:vml" Requires="v">
-                  <p:oleObj spid="_x0000_s9207" name="AxMath" r:id="rId25" imgW="451080" imgH="228600" progId="Equation.AxMath">
+                  <p:oleObj spid="_x0000_s12477" name="AxMath" r:id="rId25" imgW="451080" imgH="228600" progId="Equation.AxMath">
                     <p:embed/>
                   </p:oleObj>
                 </mc:Choice>
@@ -12899,7 +14239,7 @@
             <a:graphicData uri="http://schemas.openxmlformats.org/presentationml/2006/ole">
               <mc:AlternateContent xmlns:mc="http://schemas.openxmlformats.org/markup-compatibility/2006">
                 <mc:Choice xmlns:v="urn:schemas-microsoft-com:vml" Requires="v">
-                  <p:oleObj spid="_x0000_s9208" name="AxMath" r:id="rId27" imgW="474840" imgH="228600" progId="Equation.AxMath">
+                  <p:oleObj spid="_x0000_s12478" name="AxMath" r:id="rId27" imgW="474840" imgH="228600" progId="Equation.AxMath">
                     <p:embed/>
                   </p:oleObj>
                 </mc:Choice>
@@ -13134,7 +14474,7 @@
             <a:graphicData uri="http://schemas.openxmlformats.org/presentationml/2006/ole">
               <mc:AlternateContent xmlns:mc="http://schemas.openxmlformats.org/markup-compatibility/2006">
                 <mc:Choice xmlns:v="urn:schemas-microsoft-com:vml" Requires="v">
-                  <p:oleObj spid="_x0000_s9209" name="AxMath" r:id="rId29" imgW="354240" imgH="235800" progId="Equation.AxMath">
+                  <p:oleObj spid="_x0000_s12479" name="AxMath" r:id="rId29" imgW="354240" imgH="235800" progId="Equation.AxMath">
                     <p:embed/>
                   </p:oleObj>
                 </mc:Choice>
@@ -13197,7 +14537,7 @@
             <a:graphicData uri="http://schemas.openxmlformats.org/presentationml/2006/ole">
               <mc:AlternateContent xmlns:mc="http://schemas.openxmlformats.org/markup-compatibility/2006">
                 <mc:Choice xmlns:v="urn:schemas-microsoft-com:vml" Requires="v">
-                  <p:oleObj spid="_x0000_s9210" name="AxMath" r:id="rId31" imgW="110520" imgH="226440" progId="Equation.AxMath">
+                  <p:oleObj spid="_x0000_s12480" name="AxMath" r:id="rId31" imgW="110520" imgH="226440" progId="Equation.AxMath">
                     <p:embed/>
                   </p:oleObj>
                 </mc:Choice>
@@ -13260,7 +14600,7 @@
             <a:graphicData uri="http://schemas.openxmlformats.org/presentationml/2006/ole">
               <mc:AlternateContent xmlns:mc="http://schemas.openxmlformats.org/markup-compatibility/2006">
                 <mc:Choice xmlns:v="urn:schemas-microsoft-com:vml" Requires="v">
-                  <p:oleObj spid="_x0000_s9211" name="AxMath" r:id="rId33" imgW="149760" imgH="228600" progId="Equation.AxMath">
+                  <p:oleObj spid="_x0000_s12481" name="AxMath" r:id="rId33" imgW="149760" imgH="228600" progId="Equation.AxMath">
                     <p:embed/>
                   </p:oleObj>
                 </mc:Choice>
@@ -13365,7 +14705,7 @@
             <a:graphicData uri="http://schemas.openxmlformats.org/presentationml/2006/ole">
               <mc:AlternateContent xmlns:mc="http://schemas.openxmlformats.org/markup-compatibility/2006">
                 <mc:Choice xmlns:v="urn:schemas-microsoft-com:vml" Requires="v">
-                  <p:oleObj spid="_x0000_s9212" name="AxMath" r:id="rId35" imgW="178560" imgH="228600" progId="Equation.AxMath">
+                  <p:oleObj spid="_x0000_s12482" name="AxMath" r:id="rId35" imgW="178560" imgH="228600" progId="Equation.AxMath">
                     <p:embed/>
                   </p:oleObj>
                 </mc:Choice>
@@ -14653,7 +15993,7 @@
             <a:graphicData uri="http://schemas.openxmlformats.org/presentationml/2006/ole">
               <mc:AlternateContent xmlns:mc="http://schemas.openxmlformats.org/markup-compatibility/2006">
                 <mc:Choice xmlns:v="urn:schemas-microsoft-com:vml" Requires="v">
-                  <p:oleObj spid="_x0000_s9213" name="AxMath" r:id="rId36" imgW="332640" imgH="226440" progId="Equation.AxMath">
+                  <p:oleObj spid="_x0000_s12483" name="AxMath" r:id="rId36" imgW="332640" imgH="226440" progId="Equation.AxMath">
                     <p:embed/>
                   </p:oleObj>
                 </mc:Choice>
@@ -15468,7 +16808,7 @@
             <a:graphicData uri="http://schemas.openxmlformats.org/presentationml/2006/ole">
               <mc:AlternateContent xmlns:mc="http://schemas.openxmlformats.org/markup-compatibility/2006">
                 <mc:Choice xmlns:v="urn:schemas-microsoft-com:vml" Requires="v">
-                  <p:oleObj spid="_x0000_s9214" name="AxMath" r:id="rId38" imgW="110520" imgH="226440" progId="Equation.AxMath">
+                  <p:oleObj spid="_x0000_s12484" name="AxMath" r:id="rId38" imgW="110520" imgH="226440" progId="Equation.AxMath">
                     <p:embed/>
                   </p:oleObj>
                 </mc:Choice>
@@ -15537,7 +16877,7 @@
             <a:graphicData uri="http://schemas.openxmlformats.org/presentationml/2006/ole">
               <mc:AlternateContent xmlns:mc="http://schemas.openxmlformats.org/markup-compatibility/2006">
                 <mc:Choice xmlns:v="urn:schemas-microsoft-com:vml" Requires="v">
-                  <p:oleObj spid="_x0000_s9215" name="AxMath" r:id="rId39" imgW="150480" imgH="226440" progId="Equation.AxMath">
+                  <p:oleObj spid="_x0000_s12485" name="AxMath" r:id="rId39" imgW="150480" imgH="226440" progId="Equation.AxMath">
                     <p:embed/>
                   </p:oleObj>
                 </mc:Choice>
@@ -15606,7 +16946,7 @@
             <a:graphicData uri="http://schemas.openxmlformats.org/presentationml/2006/ole">
               <mc:AlternateContent xmlns:mc="http://schemas.openxmlformats.org/markup-compatibility/2006">
                 <mc:Choice xmlns:v="urn:schemas-microsoft-com:vml" Requires="v">
-                  <p:oleObj spid="_x0000_s12288" name="AxMath" r:id="rId41" imgW="799920" imgH="228600" progId="Equation.AxMath">
+                  <p:oleObj spid="_x0000_s12486" name="AxMath" r:id="rId41" imgW="799920" imgH="228600" progId="Equation.AxMath">
                     <p:embed/>
                   </p:oleObj>
                 </mc:Choice>
@@ -15675,7 +17015,7 @@
             <a:graphicData uri="http://schemas.openxmlformats.org/presentationml/2006/ole">
               <mc:AlternateContent xmlns:mc="http://schemas.openxmlformats.org/markup-compatibility/2006">
                 <mc:Choice xmlns:v="urn:schemas-microsoft-com:vml" Requires="v">
-                  <p:oleObj spid="_x0000_s12289" name="AxMath" r:id="rId43" imgW="652680" imgH="228600" progId="Equation.AxMath">
+                  <p:oleObj spid="_x0000_s12487" name="AxMath" r:id="rId43" imgW="652680" imgH="228600" progId="Equation.AxMath">
                     <p:embed/>
                   </p:oleObj>
                 </mc:Choice>
@@ -16137,7 +17477,7 @@
           <a:graphicData uri="http://schemas.openxmlformats.org/presentationml/2006/ole">
             <mc:AlternateContent xmlns:mc="http://schemas.openxmlformats.org/markup-compatibility/2006">
               <mc:Choice xmlns:v="urn:schemas-microsoft-com:vml" Requires="v">
-                <p:oleObj spid="_x0000_s10259" name="AxMath" r:id="rId4" imgW="110160" imgH="226440" progId="Equation.AxMath">
+                <p:oleObj spid="_x0000_s10268" name="AxMath" r:id="rId4" imgW="110160" imgH="226440" progId="Equation.AxMath">
                   <p:embed/>
                 </p:oleObj>
               </mc:Choice>

--- a/冷原子物理图片.pptx
+++ b/冷原子物理图片.pptx
@@ -5,7 +5,7 @@
     <p:sldMasterId id="2147483648" r:id="rId1"/>
   </p:sldMasterIdLst>
   <p:notesMasterIdLst>
-    <p:notesMasterId r:id="rId12"/>
+    <p:notesMasterId r:id="rId13"/>
   </p:notesMasterIdLst>
   <p:sldIdLst>
     <p:sldId id="256" r:id="rId2"/>
@@ -18,6 +18,7 @@
     <p:sldId id="263" r:id="rId9"/>
     <p:sldId id="264" r:id="rId10"/>
     <p:sldId id="265" r:id="rId11"/>
+    <p:sldId id="266" r:id="rId12"/>
   </p:sldIdLst>
   <p:sldSz cx="12192000" cy="6858000"/>
   <p:notesSz cx="6858000" cy="9144000"/>
@@ -206,7 +207,7 @@
           <a:p>
             <a:fld id="{13E984C5-265D-4B12-94E2-5039F96D2B20}" type="datetimeFigureOut">
               <a:rPr lang="zh-CN" altLang="en-US" smtClean="0"/>
-              <a:t>2025/11/8</a:t>
+              <a:t>2025/11/22</a:t>
             </a:fld>
             <a:endParaRPr lang="zh-CN" altLang="en-US"/>
           </a:p>
@@ -704,7 +705,7 @@
           <a:p>
             <a:fld id="{4E881B28-E9AF-4079-A117-83858D6A027B}" type="datetimeFigureOut">
               <a:rPr lang="zh-CN" altLang="en-US" smtClean="0"/>
-              <a:t>2025/11/8</a:t>
+              <a:t>2025/11/22</a:t>
             </a:fld>
             <a:endParaRPr lang="zh-CN" altLang="en-US"/>
           </a:p>
@@ -902,7 +903,7 @@
           <a:p>
             <a:fld id="{4E881B28-E9AF-4079-A117-83858D6A027B}" type="datetimeFigureOut">
               <a:rPr lang="zh-CN" altLang="en-US" smtClean="0"/>
-              <a:t>2025/11/8</a:t>
+              <a:t>2025/11/22</a:t>
             </a:fld>
             <a:endParaRPr lang="zh-CN" altLang="en-US"/>
           </a:p>
@@ -1110,7 +1111,7 @@
           <a:p>
             <a:fld id="{4E881B28-E9AF-4079-A117-83858D6A027B}" type="datetimeFigureOut">
               <a:rPr lang="zh-CN" altLang="en-US" smtClean="0"/>
-              <a:t>2025/11/8</a:t>
+              <a:t>2025/11/22</a:t>
             </a:fld>
             <a:endParaRPr lang="zh-CN" altLang="en-US"/>
           </a:p>
@@ -1308,7 +1309,7 @@
           <a:p>
             <a:fld id="{4E881B28-E9AF-4079-A117-83858D6A027B}" type="datetimeFigureOut">
               <a:rPr lang="zh-CN" altLang="en-US" smtClean="0"/>
-              <a:t>2025/11/8</a:t>
+              <a:t>2025/11/22</a:t>
             </a:fld>
             <a:endParaRPr lang="zh-CN" altLang="en-US"/>
           </a:p>
@@ -1583,7 +1584,7 @@
           <a:p>
             <a:fld id="{4E881B28-E9AF-4079-A117-83858D6A027B}" type="datetimeFigureOut">
               <a:rPr lang="zh-CN" altLang="en-US" smtClean="0"/>
-              <a:t>2025/11/8</a:t>
+              <a:t>2025/11/22</a:t>
             </a:fld>
             <a:endParaRPr lang="zh-CN" altLang="en-US"/>
           </a:p>
@@ -1848,7 +1849,7 @@
           <a:p>
             <a:fld id="{4E881B28-E9AF-4079-A117-83858D6A027B}" type="datetimeFigureOut">
               <a:rPr lang="zh-CN" altLang="en-US" smtClean="0"/>
-              <a:t>2025/11/8</a:t>
+              <a:t>2025/11/22</a:t>
             </a:fld>
             <a:endParaRPr lang="zh-CN" altLang="en-US"/>
           </a:p>
@@ -2260,7 +2261,7 @@
           <a:p>
             <a:fld id="{4E881B28-E9AF-4079-A117-83858D6A027B}" type="datetimeFigureOut">
               <a:rPr lang="zh-CN" altLang="en-US" smtClean="0"/>
-              <a:t>2025/11/8</a:t>
+              <a:t>2025/11/22</a:t>
             </a:fld>
             <a:endParaRPr lang="zh-CN" altLang="en-US"/>
           </a:p>
@@ -2401,7 +2402,7 @@
           <a:p>
             <a:fld id="{4E881B28-E9AF-4079-A117-83858D6A027B}" type="datetimeFigureOut">
               <a:rPr lang="zh-CN" altLang="en-US" smtClean="0"/>
-              <a:t>2025/11/8</a:t>
+              <a:t>2025/11/22</a:t>
             </a:fld>
             <a:endParaRPr lang="zh-CN" altLang="en-US"/>
           </a:p>
@@ -2514,7 +2515,7 @@
           <a:p>
             <a:fld id="{4E881B28-E9AF-4079-A117-83858D6A027B}" type="datetimeFigureOut">
               <a:rPr lang="zh-CN" altLang="en-US" smtClean="0"/>
-              <a:t>2025/11/8</a:t>
+              <a:t>2025/11/22</a:t>
             </a:fld>
             <a:endParaRPr lang="zh-CN" altLang="en-US"/>
           </a:p>
@@ -2825,7 +2826,7 @@
           <a:p>
             <a:fld id="{4E881B28-E9AF-4079-A117-83858D6A027B}" type="datetimeFigureOut">
               <a:rPr lang="zh-CN" altLang="en-US" smtClean="0"/>
-              <a:t>2025/11/8</a:t>
+              <a:t>2025/11/22</a:t>
             </a:fld>
             <a:endParaRPr lang="zh-CN" altLang="en-US"/>
           </a:p>
@@ -3113,7 +3114,7 @@
           <a:p>
             <a:fld id="{4E881B28-E9AF-4079-A117-83858D6A027B}" type="datetimeFigureOut">
               <a:rPr lang="zh-CN" altLang="en-US" smtClean="0"/>
-              <a:t>2025/11/8</a:t>
+              <a:t>2025/11/22</a:t>
             </a:fld>
             <a:endParaRPr lang="zh-CN" altLang="en-US"/>
           </a:p>
@@ -3354,7 +3355,7 @@
           <a:p>
             <a:fld id="{4E881B28-E9AF-4079-A117-83858D6A027B}" type="datetimeFigureOut">
               <a:rPr lang="zh-CN" altLang="en-US" smtClean="0"/>
-              <a:t>2025/11/8</a:t>
+              <a:t>2025/11/22</a:t>
             </a:fld>
             <a:endParaRPr lang="zh-CN" altLang="en-US"/>
           </a:p>
@@ -3901,7 +3902,7 @@
             <a:graphicData uri="http://schemas.openxmlformats.org/presentationml/2006/ole">
               <mc:AlternateContent xmlns:mc="http://schemas.openxmlformats.org/markup-compatibility/2006">
                 <mc:Choice xmlns:v="urn:schemas-microsoft-com:vml" Requires="v">
-                  <p:oleObj spid="_x0000_s1748" name="AxMath" r:id="rId3" imgW="258840" imgH="235800" progId="Equation.AxMath">
+                  <p:oleObj spid="_x0000_s1762" name="AxMath" r:id="rId3" imgW="258840" imgH="235800" progId="Equation.AxMath">
                     <p:embed/>
                   </p:oleObj>
                 </mc:Choice>
@@ -3964,7 +3965,7 @@
             <a:graphicData uri="http://schemas.openxmlformats.org/presentationml/2006/ole">
               <mc:AlternateContent xmlns:mc="http://schemas.openxmlformats.org/markup-compatibility/2006">
                 <mc:Choice xmlns:v="urn:schemas-microsoft-com:vml" Requires="v">
-                  <p:oleObj spid="_x0000_s1749" name="AxMath" r:id="rId5" imgW="255960" imgH="235800" progId="Equation.AxMath">
+                  <p:oleObj spid="_x0000_s1763" name="AxMath" r:id="rId5" imgW="255960" imgH="235800" progId="Equation.AxMath">
                     <p:embed/>
                   </p:oleObj>
                 </mc:Choice>
@@ -4115,7 +4116,7 @@
             <a:graphicData uri="http://schemas.openxmlformats.org/presentationml/2006/ole">
               <mc:AlternateContent xmlns:mc="http://schemas.openxmlformats.org/markup-compatibility/2006">
                 <mc:Choice xmlns:v="urn:schemas-microsoft-com:vml" Requires="v">
-                  <p:oleObj spid="_x0000_s1750" name="AxMath" r:id="rId7" imgW="187200" imgH="228600" progId="Equation.AxMath">
+                  <p:oleObj spid="_x0000_s1764" name="AxMath" r:id="rId7" imgW="187200" imgH="228600" progId="Equation.AxMath">
                     <p:embed/>
                   </p:oleObj>
                 </mc:Choice>
@@ -4178,7 +4179,7 @@
             <a:graphicData uri="http://schemas.openxmlformats.org/presentationml/2006/ole">
               <mc:AlternateContent xmlns:mc="http://schemas.openxmlformats.org/markup-compatibility/2006">
                 <mc:Choice xmlns:v="urn:schemas-microsoft-com:vml" Requires="v">
-                  <p:oleObj spid="_x0000_s1751" name="AxMath" r:id="rId9" imgW="169920" imgH="228600" progId="Equation.AxMath">
+                  <p:oleObj spid="_x0000_s1765" name="AxMath" r:id="rId9" imgW="169920" imgH="228600" progId="Equation.AxMath">
                     <p:embed/>
                   </p:oleObj>
                 </mc:Choice>
@@ -4286,7 +4287,7 @@
             <a:graphicData uri="http://schemas.openxmlformats.org/presentationml/2006/ole">
               <mc:AlternateContent xmlns:mc="http://schemas.openxmlformats.org/markup-compatibility/2006">
                 <mc:Choice xmlns:v="urn:schemas-microsoft-com:vml" Requires="v">
-                  <p:oleObj spid="_x0000_s1752" name="AxMath" r:id="rId11" imgW="187200" imgH="228600" progId="Equation.AxMath">
+                  <p:oleObj spid="_x0000_s1766" name="AxMath" r:id="rId11" imgW="187200" imgH="228600" progId="Equation.AxMath">
                     <p:embed/>
                   </p:oleObj>
                 </mc:Choice>
@@ -4399,7 +4400,7 @@
             <a:graphicData uri="http://schemas.openxmlformats.org/presentationml/2006/ole">
               <mc:AlternateContent xmlns:mc="http://schemas.openxmlformats.org/markup-compatibility/2006">
                 <mc:Choice xmlns:v="urn:schemas-microsoft-com:vml" Requires="v">
-                  <p:oleObj spid="_x0000_s1753" name="AxMath" r:id="rId13" imgW="169920" imgH="228600" progId="Equation.AxMath">
+                  <p:oleObj spid="_x0000_s1767" name="AxMath" r:id="rId13" imgW="169920" imgH="228600" progId="Equation.AxMath">
                     <p:embed/>
                   </p:oleObj>
                 </mc:Choice>
@@ -4513,7 +4514,7 @@
             <a:graphicData uri="http://schemas.openxmlformats.org/presentationml/2006/ole">
               <mc:AlternateContent xmlns:mc="http://schemas.openxmlformats.org/markup-compatibility/2006">
                 <mc:Choice xmlns:v="urn:schemas-microsoft-com:vml" Requires="v">
-                  <p:oleObj spid="_x0000_s1754" name="AxMath" r:id="rId15" imgW="119160" imgH="226440" progId="Equation.AxMath">
+                  <p:oleObj spid="_x0000_s1768" name="AxMath" r:id="rId15" imgW="119160" imgH="226440" progId="Equation.AxMath">
                     <p:embed/>
                   </p:oleObj>
                 </mc:Choice>
@@ -4843,7 +4844,7 @@
             <a:graphicData uri="http://schemas.openxmlformats.org/presentationml/2006/ole">
               <mc:AlternateContent xmlns:mc="http://schemas.openxmlformats.org/markup-compatibility/2006">
                 <mc:Choice xmlns:v="urn:schemas-microsoft-com:vml" Requires="v">
-                  <p:oleObj spid="_x0000_s13434" name="AxMath" r:id="rId3" imgW="99000" imgH="226440" progId="Equation.AxMath">
+                  <p:oleObj spid="_x0000_s13458" name="AxMath" r:id="rId3" imgW="99000" imgH="226440" progId="Equation.AxMath">
                     <p:embed/>
                   </p:oleObj>
                 </mc:Choice>
@@ -4906,7 +4907,7 @@
             <a:graphicData uri="http://schemas.openxmlformats.org/presentationml/2006/ole">
               <mc:AlternateContent xmlns:mc="http://schemas.openxmlformats.org/markup-compatibility/2006">
                 <mc:Choice xmlns:v="urn:schemas-microsoft-com:vml" Requires="v">
-                  <p:oleObj spid="_x0000_s13435" name="AxMath" r:id="rId5" imgW="99000" imgH="226440" progId="Equation.AxMath">
+                  <p:oleObj spid="_x0000_s13459" name="AxMath" r:id="rId5" imgW="99000" imgH="226440" progId="Equation.AxMath">
                     <p:embed/>
                   </p:oleObj>
                 </mc:Choice>
@@ -4975,7 +4976,7 @@
             <a:graphicData uri="http://schemas.openxmlformats.org/presentationml/2006/ole">
               <mc:AlternateContent xmlns:mc="http://schemas.openxmlformats.org/markup-compatibility/2006">
                 <mc:Choice xmlns:v="urn:schemas-microsoft-com:vml" Requires="v">
-                  <p:oleObj spid="_x0000_s13436" name="AxMath" r:id="rId6" imgW="101520" imgH="226440" progId="Equation.AxMath">
+                  <p:oleObj spid="_x0000_s13460" name="AxMath" r:id="rId6" imgW="101520" imgH="226440" progId="Equation.AxMath">
                     <p:embed/>
                   </p:oleObj>
                 </mc:Choice>
@@ -5038,7 +5039,7 @@
             <a:graphicData uri="http://schemas.openxmlformats.org/presentationml/2006/ole">
               <mc:AlternateContent xmlns:mc="http://schemas.openxmlformats.org/markup-compatibility/2006">
                 <mc:Choice xmlns:v="urn:schemas-microsoft-com:vml" Requires="v">
-                  <p:oleObj spid="_x0000_s13437" name="AxMath" r:id="rId8" imgW="101520" imgH="226440" progId="Equation.AxMath">
+                  <p:oleObj spid="_x0000_s13461" name="AxMath" r:id="rId8" imgW="101520" imgH="226440" progId="Equation.AxMath">
                     <p:embed/>
                   </p:oleObj>
                 </mc:Choice>
@@ -5107,7 +5108,7 @@
             <a:graphicData uri="http://schemas.openxmlformats.org/presentationml/2006/ole">
               <mc:AlternateContent xmlns:mc="http://schemas.openxmlformats.org/markup-compatibility/2006">
                 <mc:Choice xmlns:v="urn:schemas-microsoft-com:vml" Requires="v">
-                  <p:oleObj spid="_x0000_s13438" name="AxMath" r:id="rId9" imgW="766800" imgH="283680" progId="Equation.AxMath">
+                  <p:oleObj spid="_x0000_s13462" name="AxMath" r:id="rId9" imgW="766800" imgH="283680" progId="Equation.AxMath">
                     <p:embed/>
                   </p:oleObj>
                 </mc:Choice>
@@ -5170,7 +5171,7 @@
             <a:graphicData uri="http://schemas.openxmlformats.org/presentationml/2006/ole">
               <mc:AlternateContent xmlns:mc="http://schemas.openxmlformats.org/markup-compatibility/2006">
                 <mc:Choice xmlns:v="urn:schemas-microsoft-com:vml" Requires="v">
-                  <p:oleObj spid="_x0000_s13439" name="AxMath" r:id="rId11" imgW="818640" imgH="283680" progId="Equation.AxMath">
+                  <p:oleObj spid="_x0000_s13463" name="AxMath" r:id="rId11" imgW="818640" imgH="283680" progId="Equation.AxMath">
                     <p:embed/>
                   </p:oleObj>
                 </mc:Choice>
@@ -5239,7 +5240,7 @@
             <a:graphicData uri="http://schemas.openxmlformats.org/presentationml/2006/ole">
               <mc:AlternateContent xmlns:mc="http://schemas.openxmlformats.org/markup-compatibility/2006">
                 <mc:Choice xmlns:v="urn:schemas-microsoft-com:vml" Requires="v">
-                  <p:oleObj spid="_x0000_s13440" name="AxMath" r:id="rId13" imgW="744120" imgH="239400" progId="Equation.AxMath">
+                  <p:oleObj spid="_x0000_s13464" name="AxMath" r:id="rId13" imgW="744120" imgH="239400" progId="Equation.AxMath">
                     <p:embed/>
                   </p:oleObj>
                 </mc:Choice>
@@ -5571,7 +5572,7 @@
             <a:graphicData uri="http://schemas.openxmlformats.org/presentationml/2006/ole">
               <mc:AlternateContent xmlns:mc="http://schemas.openxmlformats.org/markup-compatibility/2006">
                 <mc:Choice xmlns:v="urn:schemas-microsoft-com:vml" Requires="v">
-                  <p:oleObj spid="_x0000_s13441" name="AxMath" r:id="rId15" imgW="136800" imgH="228600" progId="Equation.AxMath">
+                  <p:oleObj spid="_x0000_s13465" name="AxMath" r:id="rId15" imgW="136800" imgH="228600" progId="Equation.AxMath">
                     <p:embed/>
                   </p:oleObj>
                 </mc:Choice>
@@ -5640,7 +5641,7 @@
             <a:graphicData uri="http://schemas.openxmlformats.org/presentationml/2006/ole">
               <mc:AlternateContent xmlns:mc="http://schemas.openxmlformats.org/markup-compatibility/2006">
                 <mc:Choice xmlns:v="urn:schemas-microsoft-com:vml" Requires="v">
-                  <p:oleObj spid="_x0000_s13442" name="AxMath" r:id="rId17" imgW="154440" imgH="228600" progId="Equation.AxMath">
+                  <p:oleObj spid="_x0000_s13466" name="AxMath" r:id="rId17" imgW="154440" imgH="228600" progId="Equation.AxMath">
                     <p:embed/>
                   </p:oleObj>
                 </mc:Choice>
@@ -5709,7 +5710,7 @@
             <a:graphicData uri="http://schemas.openxmlformats.org/presentationml/2006/ole">
               <mc:AlternateContent xmlns:mc="http://schemas.openxmlformats.org/markup-compatibility/2006">
                 <mc:Choice xmlns:v="urn:schemas-microsoft-com:vml" Requires="v">
-                  <p:oleObj spid="_x0000_s13443" name="AxMath" r:id="rId19" imgW="139680" imgH="228600" progId="Equation.AxMath">
+                  <p:oleObj spid="_x0000_s13467" name="AxMath" r:id="rId19" imgW="139680" imgH="228600" progId="Equation.AxMath">
                     <p:embed/>
                   </p:oleObj>
                 </mc:Choice>
@@ -5772,7 +5773,7 @@
             <a:graphicData uri="http://schemas.openxmlformats.org/presentationml/2006/ole">
               <mc:AlternateContent xmlns:mc="http://schemas.openxmlformats.org/markup-compatibility/2006">
                 <mc:Choice xmlns:v="urn:schemas-microsoft-com:vml" Requires="v">
-                  <p:oleObj spid="_x0000_s13444" name="AxMath" r:id="rId21" imgW="156960" imgH="228600" progId="Equation.AxMath">
+                  <p:oleObj spid="_x0000_s13468" name="AxMath" r:id="rId21" imgW="156960" imgH="228600" progId="Equation.AxMath">
                     <p:embed/>
                   </p:oleObj>
                 </mc:Choice>
@@ -5841,7 +5842,7 @@
             <a:graphicData uri="http://schemas.openxmlformats.org/presentationml/2006/ole">
               <mc:AlternateContent xmlns:mc="http://schemas.openxmlformats.org/markup-compatibility/2006">
                 <mc:Choice xmlns:v="urn:schemas-microsoft-com:vml" Requires="v">
-                  <p:oleObj spid="_x0000_s13445" name="AxMath" r:id="rId23" imgW="694440" imgH="228600" progId="Equation.AxMath">
+                  <p:oleObj spid="_x0000_s13469" name="AxMath" r:id="rId23" imgW="694440" imgH="228600" progId="Equation.AxMath">
                     <p:embed/>
                   </p:oleObj>
                 </mc:Choice>
@@ -5923,6 +5924,620 @@
     <p:extLst>
       <p:ext uri="{BB962C8B-B14F-4D97-AF65-F5344CB8AC3E}">
         <p14:creationId xmlns:p14="http://schemas.microsoft.com/office/powerpoint/2010/main" val="3813727399"/>
+      </p:ext>
+    </p:extLst>
+  </p:cSld>
+  <p:clrMapOvr>
+    <a:masterClrMapping/>
+  </p:clrMapOvr>
+</p:sld>
+</file>
+
+<file path=ppt/slides/slide11.xml><?xml version="1.0" encoding="utf-8"?>
+<p:sld xmlns:a="http://schemas.openxmlformats.org/drawingml/2006/main" xmlns:r="http://schemas.openxmlformats.org/officeDocument/2006/relationships" xmlns:p="http://schemas.openxmlformats.org/presentationml/2006/main">
+  <p:cSld>
+    <p:spTree>
+      <p:nvGrpSpPr>
+        <p:cNvPr id="1" name=""/>
+        <p:cNvGrpSpPr/>
+        <p:nvPr/>
+      </p:nvGrpSpPr>
+      <p:grpSpPr>
+        <a:xfrm>
+          <a:off x="0" y="0"/>
+          <a:ext cx="0" cy="0"/>
+          <a:chOff x="0" y="0"/>
+          <a:chExt cx="0" cy="0"/>
+        </a:xfrm>
+      </p:grpSpPr>
+      <p:graphicFrame>
+        <p:nvGraphicFramePr>
+          <p:cNvPr id="4" name="对象 3">
+            <a:extLst>
+              <a:ext uri="{FF2B5EF4-FFF2-40B4-BE49-F238E27FC236}">
+                <a16:creationId xmlns:a16="http://schemas.microsoft.com/office/drawing/2014/main" id="{C1C703F2-74DE-4364-A93D-41055EE9BAD7}"/>
+              </a:ext>
+            </a:extLst>
+          </p:cNvPr>
+          <p:cNvGraphicFramePr>
+            <a:graphicFrameLocks noChangeAspect="1"/>
+          </p:cNvGraphicFramePr>
+          <p:nvPr>
+            <p:extLst>
+              <p:ext uri="{D42A27DB-BD31-4B8C-83A1-F6EECF244321}">
+                <p14:modId xmlns:p14="http://schemas.microsoft.com/office/powerpoint/2010/main" val="962549989"/>
+              </p:ext>
+            </p:extLst>
+          </p:nvPr>
+        </p:nvGraphicFramePr>
+        <p:xfrm>
+          <a:off x="2536274" y="1126217"/>
+          <a:ext cx="6823076" cy="930275"/>
+        </p:xfrm>
+        <a:graphic>
+          <a:graphicData uri="http://schemas.openxmlformats.org/presentationml/2006/ole">
+            <mc:AlternateContent xmlns:mc="http://schemas.openxmlformats.org/markup-compatibility/2006">
+              <mc:Choice xmlns:v="urn:schemas-microsoft-com:vml" Requires="v">
+                <p:oleObj spid="_x0000_s14338" name="AxMath" r:id="rId3" imgW="3411000" imgH="465840" progId="Equation.AxMath">
+                  <p:embed/>
+                </p:oleObj>
+              </mc:Choice>
+              <mc:Fallback>
+                <p:oleObj name="AxMath" r:id="rId3" imgW="3411000" imgH="465840" progId="Equation.AxMath">
+                  <p:embed/>
+                  <p:pic>
+                    <p:nvPicPr>
+                      <p:cNvPr id="0" name=""/>
+                      <p:cNvPicPr/>
+                      <p:nvPr/>
+                    </p:nvPicPr>
+                    <p:blipFill>
+                      <a:blip r:embed="rId4"/>
+                      <a:stretch>
+                        <a:fillRect/>
+                      </a:stretch>
+                    </p:blipFill>
+                    <p:spPr>
+                      <a:xfrm>
+                        <a:off x="2536274" y="1126217"/>
+                        <a:ext cx="6823076" cy="930275"/>
+                      </a:xfrm>
+                      <a:prstGeom prst="rect">
+                        <a:avLst/>
+                      </a:prstGeom>
+                    </p:spPr>
+                  </p:pic>
+                </p:oleObj>
+              </mc:Fallback>
+            </mc:AlternateContent>
+          </a:graphicData>
+        </a:graphic>
+      </p:graphicFrame>
+      <p:sp>
+        <p:nvSpPr>
+          <p:cNvPr id="5" name="文本框 4">
+            <a:extLst>
+              <a:ext uri="{FF2B5EF4-FFF2-40B4-BE49-F238E27FC236}">
+                <a16:creationId xmlns:a16="http://schemas.microsoft.com/office/drawing/2014/main" id="{344B83E4-2E6B-4E73-A0B9-122F0EBA3CFC}"/>
+              </a:ext>
+            </a:extLst>
+          </p:cNvPr>
+          <p:cNvSpPr txBox="1"/>
+          <p:nvPr/>
+        </p:nvSpPr>
+        <p:spPr>
+          <a:xfrm>
+            <a:off x="491411" y="360783"/>
+            <a:ext cx="2725426" cy="523220"/>
+          </a:xfrm>
+          <a:prstGeom prst="rect">
+            <a:avLst/>
+          </a:prstGeom>
+          <a:noFill/>
+        </p:spPr>
+        <p:txBody>
+          <a:bodyPr wrap="none" rtlCol="0">
+            <a:spAutoFit/>
+          </a:bodyPr>
+          <a:lstStyle/>
+          <a:p>
+            <a:r>
+              <a:rPr lang="en-US" altLang="zh-CN" sz="2800" dirty="0">
+                <a:latin typeface="Times New Roman" panose="02020603050405020304" pitchFamily="18" charset="0"/>
+                <a:cs typeface="Times New Roman" panose="02020603050405020304" pitchFamily="18" charset="0"/>
+              </a:rPr>
+              <a:t>Simplified Model</a:t>
+            </a:r>
+            <a:endParaRPr lang="zh-CN" altLang="en-US" sz="2800" dirty="0">
+              <a:latin typeface="Times New Roman" panose="02020603050405020304" pitchFamily="18" charset="0"/>
+              <a:cs typeface="Times New Roman" panose="02020603050405020304" pitchFamily="18" charset="0"/>
+            </a:endParaRPr>
+          </a:p>
+        </p:txBody>
+      </p:sp>
+      <p:cxnSp>
+        <p:nvCxnSpPr>
+          <p:cNvPr id="7" name="直接连接符 6">
+            <a:extLst>
+              <a:ext uri="{FF2B5EF4-FFF2-40B4-BE49-F238E27FC236}">
+                <a16:creationId xmlns:a16="http://schemas.microsoft.com/office/drawing/2014/main" id="{9CAA1026-83D2-40ED-8360-5702728231C4}"/>
+              </a:ext>
+            </a:extLst>
+          </p:cNvPr>
+          <p:cNvCxnSpPr>
+            <a:cxnSpLocks/>
+          </p:cNvCxnSpPr>
+          <p:nvPr/>
+        </p:nvCxnSpPr>
+        <p:spPr>
+          <a:xfrm>
+            <a:off x="2065176" y="2487930"/>
+            <a:ext cx="0" cy="4031058"/>
+          </a:xfrm>
+          <a:prstGeom prst="line">
+            <a:avLst/>
+          </a:prstGeom>
+          <a:ln w="19050">
+            <a:solidFill>
+              <a:schemeClr val="tx1"/>
+            </a:solidFill>
+          </a:ln>
+        </p:spPr>
+        <p:style>
+          <a:lnRef idx="1">
+            <a:schemeClr val="accent1"/>
+          </a:lnRef>
+          <a:fillRef idx="0">
+            <a:schemeClr val="accent1"/>
+          </a:fillRef>
+          <a:effectRef idx="0">
+            <a:schemeClr val="accent1"/>
+          </a:effectRef>
+          <a:fontRef idx="minor">
+            <a:schemeClr val="tx1"/>
+          </a:fontRef>
+        </p:style>
+      </p:cxnSp>
+      <p:cxnSp>
+        <p:nvCxnSpPr>
+          <p:cNvPr id="9" name="直接连接符 8">
+            <a:extLst>
+              <a:ext uri="{FF2B5EF4-FFF2-40B4-BE49-F238E27FC236}">
+                <a16:creationId xmlns:a16="http://schemas.microsoft.com/office/drawing/2014/main" id="{C05B5B75-4705-4198-86D5-8387797716B2}"/>
+              </a:ext>
+            </a:extLst>
+          </p:cNvPr>
+          <p:cNvCxnSpPr/>
+          <p:nvPr/>
+        </p:nvCxnSpPr>
+        <p:spPr>
+          <a:xfrm>
+            <a:off x="3216837" y="3931298"/>
+            <a:ext cx="2556588" cy="0"/>
+          </a:xfrm>
+          <a:prstGeom prst="line">
+            <a:avLst/>
+          </a:prstGeom>
+          <a:ln w="19050">
+            <a:solidFill>
+              <a:schemeClr val="tx1"/>
+            </a:solidFill>
+            <a:headEnd type="oval" w="lg" len="lg"/>
+          </a:ln>
+        </p:spPr>
+        <p:style>
+          <a:lnRef idx="1">
+            <a:schemeClr val="accent1"/>
+          </a:lnRef>
+          <a:fillRef idx="0">
+            <a:schemeClr val="accent1"/>
+          </a:fillRef>
+          <a:effectRef idx="0">
+            <a:schemeClr val="accent1"/>
+          </a:effectRef>
+          <a:fontRef idx="minor">
+            <a:schemeClr val="tx1"/>
+          </a:fontRef>
+        </p:style>
+      </p:cxnSp>
+      <p:cxnSp>
+        <p:nvCxnSpPr>
+          <p:cNvPr id="11" name="直接连接符 10">
+            <a:extLst>
+              <a:ext uri="{FF2B5EF4-FFF2-40B4-BE49-F238E27FC236}">
+                <a16:creationId xmlns:a16="http://schemas.microsoft.com/office/drawing/2014/main" id="{59FD50B6-9F8B-42E9-921D-3B66C3F8D7FB}"/>
+              </a:ext>
+            </a:extLst>
+          </p:cNvPr>
+          <p:cNvCxnSpPr>
+            <a:cxnSpLocks/>
+          </p:cNvCxnSpPr>
+          <p:nvPr/>
+        </p:nvCxnSpPr>
+        <p:spPr>
+          <a:xfrm flipV="1">
+            <a:off x="3216837" y="2716530"/>
+            <a:ext cx="0" cy="1157618"/>
+          </a:xfrm>
+          <a:prstGeom prst="line">
+            <a:avLst/>
+          </a:prstGeom>
+          <a:ln w="19050">
+            <a:solidFill>
+              <a:srgbClr val="FF0000"/>
+            </a:solidFill>
+          </a:ln>
+        </p:spPr>
+        <p:style>
+          <a:lnRef idx="1">
+            <a:schemeClr val="accent1"/>
+          </a:lnRef>
+          <a:fillRef idx="0">
+            <a:schemeClr val="accent1"/>
+          </a:fillRef>
+          <a:effectRef idx="0">
+            <a:schemeClr val="accent1"/>
+          </a:effectRef>
+          <a:fontRef idx="minor">
+            <a:schemeClr val="tx1"/>
+          </a:fontRef>
+        </p:style>
+      </p:cxnSp>
+      <p:graphicFrame>
+        <p:nvGraphicFramePr>
+          <p:cNvPr id="14" name="对象 13">
+            <a:extLst>
+              <a:ext uri="{FF2B5EF4-FFF2-40B4-BE49-F238E27FC236}">
+                <a16:creationId xmlns:a16="http://schemas.microsoft.com/office/drawing/2014/main" id="{5787646C-7B68-4E9C-8D06-701445BE9CD1}"/>
+              </a:ext>
+            </a:extLst>
+          </p:cNvPr>
+          <p:cNvGraphicFramePr>
+            <a:graphicFrameLocks noChangeAspect="1"/>
+          </p:cNvGraphicFramePr>
+          <p:nvPr>
+            <p:extLst>
+              <p:ext uri="{D42A27DB-BD31-4B8C-83A1-F6EECF244321}">
+                <p14:modId xmlns:p14="http://schemas.microsoft.com/office/powerpoint/2010/main" val="294085603"/>
+              </p:ext>
+            </p:extLst>
+          </p:nvPr>
+        </p:nvGraphicFramePr>
+        <p:xfrm>
+          <a:off x="3314700" y="3554413"/>
+          <a:ext cx="298450" cy="457200"/>
+        </p:xfrm>
+        <a:graphic>
+          <a:graphicData uri="http://schemas.openxmlformats.org/presentationml/2006/ole">
+            <mc:AlternateContent xmlns:mc="http://schemas.openxmlformats.org/markup-compatibility/2006">
+              <mc:Choice xmlns:v="urn:schemas-microsoft-com:vml" Requires="v">
+                <p:oleObj spid="_x0000_s14339" name="AxMath" r:id="rId5" imgW="149760" imgH="228600" progId="Equation.AxMath">
+                  <p:embed/>
+                </p:oleObj>
+              </mc:Choice>
+              <mc:Fallback>
+                <p:oleObj name="AxMath" r:id="rId5" imgW="149760" imgH="228600" progId="Equation.AxMath">
+                  <p:embed/>
+                  <p:pic>
+                    <p:nvPicPr>
+                      <p:cNvPr id="0" name=""/>
+                      <p:cNvPicPr/>
+                      <p:nvPr/>
+                    </p:nvPicPr>
+                    <p:blipFill>
+                      <a:blip r:embed="rId6"/>
+                      <a:stretch>
+                        <a:fillRect/>
+                      </a:stretch>
+                    </p:blipFill>
+                    <p:spPr>
+                      <a:xfrm>
+                        <a:off x="3314700" y="3554413"/>
+                        <a:ext cx="298450" cy="457200"/>
+                      </a:xfrm>
+                      <a:prstGeom prst="rect">
+                        <a:avLst/>
+                      </a:prstGeom>
+                    </p:spPr>
+                  </p:pic>
+                </p:oleObj>
+              </mc:Fallback>
+            </mc:AlternateContent>
+          </a:graphicData>
+        </a:graphic>
+      </p:graphicFrame>
+      <p:cxnSp>
+        <p:nvCxnSpPr>
+          <p:cNvPr id="16" name="直接连接符 15">
+            <a:extLst>
+              <a:ext uri="{FF2B5EF4-FFF2-40B4-BE49-F238E27FC236}">
+                <a16:creationId xmlns:a16="http://schemas.microsoft.com/office/drawing/2014/main" id="{F0CFAF4E-E4B4-492B-A8F5-73D526C7A125}"/>
+              </a:ext>
+            </a:extLst>
+          </p:cNvPr>
+          <p:cNvCxnSpPr>
+            <a:cxnSpLocks/>
+          </p:cNvCxnSpPr>
+          <p:nvPr/>
+        </p:nvCxnSpPr>
+        <p:spPr>
+          <a:xfrm>
+            <a:off x="3216837" y="4011613"/>
+            <a:ext cx="0" cy="1949450"/>
+          </a:xfrm>
+          <a:prstGeom prst="line">
+            <a:avLst/>
+          </a:prstGeom>
+          <a:ln w="19050">
+            <a:solidFill>
+              <a:srgbClr val="00B0F0"/>
+            </a:solidFill>
+          </a:ln>
+        </p:spPr>
+        <p:style>
+          <a:lnRef idx="1">
+            <a:schemeClr val="accent1"/>
+          </a:lnRef>
+          <a:fillRef idx="0">
+            <a:schemeClr val="accent1"/>
+          </a:fillRef>
+          <a:effectRef idx="0">
+            <a:schemeClr val="accent1"/>
+          </a:effectRef>
+          <a:fontRef idx="minor">
+            <a:schemeClr val="tx1"/>
+          </a:fontRef>
+        </p:style>
+      </p:cxnSp>
+      <p:cxnSp>
+        <p:nvCxnSpPr>
+          <p:cNvPr id="19" name="直接连接符 18">
+            <a:extLst>
+              <a:ext uri="{FF2B5EF4-FFF2-40B4-BE49-F238E27FC236}">
+                <a16:creationId xmlns:a16="http://schemas.microsoft.com/office/drawing/2014/main" id="{9B7F2BEA-8623-4015-8DEC-3E3F6774C845}"/>
+              </a:ext>
+            </a:extLst>
+          </p:cNvPr>
+          <p:cNvCxnSpPr>
+            <a:cxnSpLocks/>
+          </p:cNvCxnSpPr>
+          <p:nvPr/>
+        </p:nvCxnSpPr>
+        <p:spPr>
+          <a:xfrm>
+            <a:off x="2065176" y="5961063"/>
+            <a:ext cx="1151661" cy="0"/>
+          </a:xfrm>
+          <a:prstGeom prst="line">
+            <a:avLst/>
+          </a:prstGeom>
+          <a:ln w="19050">
+            <a:solidFill>
+              <a:srgbClr val="00B0F0"/>
+            </a:solidFill>
+          </a:ln>
+        </p:spPr>
+        <p:style>
+          <a:lnRef idx="1">
+            <a:schemeClr val="accent1"/>
+          </a:lnRef>
+          <a:fillRef idx="0">
+            <a:schemeClr val="accent1"/>
+          </a:fillRef>
+          <a:effectRef idx="0">
+            <a:schemeClr val="accent1"/>
+          </a:effectRef>
+          <a:fontRef idx="minor">
+            <a:schemeClr val="tx1"/>
+          </a:fontRef>
+        </p:style>
+      </p:cxnSp>
+      <p:sp>
+        <p:nvSpPr>
+          <p:cNvPr id="28" name="文本框 27">
+            <a:extLst>
+              <a:ext uri="{FF2B5EF4-FFF2-40B4-BE49-F238E27FC236}">
+                <a16:creationId xmlns:a16="http://schemas.microsoft.com/office/drawing/2014/main" id="{904F7AD1-6845-49BE-ADE8-B5358BFD712D}"/>
+              </a:ext>
+            </a:extLst>
+          </p:cNvPr>
+          <p:cNvSpPr txBox="1"/>
+          <p:nvPr/>
+        </p:nvSpPr>
+        <p:spPr>
+          <a:xfrm>
+            <a:off x="3216286" y="5748954"/>
+            <a:ext cx="522900" cy="461665"/>
+          </a:xfrm>
+          <a:prstGeom prst="rect">
+            <a:avLst/>
+          </a:prstGeom>
+          <a:noFill/>
+        </p:spPr>
+        <p:txBody>
+          <a:bodyPr wrap="none" rtlCol="0">
+            <a:spAutoFit/>
+          </a:bodyPr>
+          <a:lstStyle/>
+          <a:p>
+            <a:r>
+              <a:rPr lang="en-US" altLang="zh-CN" sz="2400" dirty="0">
+                <a:solidFill>
+                  <a:srgbClr val="00B0F0"/>
+                </a:solidFill>
+                <a:latin typeface="Times New Roman" panose="02020603050405020304" pitchFamily="18" charset="0"/>
+                <a:cs typeface="Times New Roman" panose="02020603050405020304" pitchFamily="18" charset="0"/>
+              </a:rPr>
+              <a:t>V</a:t>
+            </a:r>
+            <a:r>
+              <a:rPr lang="en-US" altLang="zh-CN" sz="2400" baseline="-25000" dirty="0">
+                <a:solidFill>
+                  <a:srgbClr val="00B0F0"/>
+                </a:solidFill>
+                <a:latin typeface="Times New Roman" panose="02020603050405020304" pitchFamily="18" charset="0"/>
+                <a:cs typeface="Times New Roman" panose="02020603050405020304" pitchFamily="18" charset="0"/>
+              </a:rPr>
+              <a:t>+</a:t>
+            </a:r>
+            <a:endParaRPr lang="zh-CN" altLang="en-US" sz="2400" baseline="-25000" dirty="0">
+              <a:solidFill>
+                <a:srgbClr val="00B0F0"/>
+              </a:solidFill>
+              <a:latin typeface="Times New Roman" panose="02020603050405020304" pitchFamily="18" charset="0"/>
+              <a:cs typeface="Times New Roman" panose="02020603050405020304" pitchFamily="18" charset="0"/>
+            </a:endParaRPr>
+          </a:p>
+        </p:txBody>
+      </p:sp>
+      <p:cxnSp>
+        <p:nvCxnSpPr>
+          <p:cNvPr id="29" name="直接连接符 28">
+            <a:extLst>
+              <a:ext uri="{FF2B5EF4-FFF2-40B4-BE49-F238E27FC236}">
+                <a16:creationId xmlns:a16="http://schemas.microsoft.com/office/drawing/2014/main" id="{4858FFD5-C6E0-4520-AF72-5C2C5F8C1E8D}"/>
+              </a:ext>
+            </a:extLst>
+          </p:cNvPr>
+          <p:cNvCxnSpPr>
+            <a:cxnSpLocks/>
+          </p:cNvCxnSpPr>
+          <p:nvPr/>
+        </p:nvCxnSpPr>
+        <p:spPr>
+          <a:xfrm>
+            <a:off x="3173975" y="4011613"/>
+            <a:ext cx="0" cy="622300"/>
+          </a:xfrm>
+          <a:prstGeom prst="line">
+            <a:avLst/>
+          </a:prstGeom>
+          <a:ln w="19050">
+            <a:solidFill>
+              <a:srgbClr val="FFC000"/>
+            </a:solidFill>
+          </a:ln>
+        </p:spPr>
+        <p:style>
+          <a:lnRef idx="1">
+            <a:schemeClr val="accent1"/>
+          </a:lnRef>
+          <a:fillRef idx="0">
+            <a:schemeClr val="accent1"/>
+          </a:fillRef>
+          <a:effectRef idx="0">
+            <a:schemeClr val="accent1"/>
+          </a:effectRef>
+          <a:fontRef idx="minor">
+            <a:schemeClr val="tx1"/>
+          </a:fontRef>
+        </p:style>
+      </p:cxnSp>
+      <p:cxnSp>
+        <p:nvCxnSpPr>
+          <p:cNvPr id="31" name="直接连接符 30">
+            <a:extLst>
+              <a:ext uri="{FF2B5EF4-FFF2-40B4-BE49-F238E27FC236}">
+                <a16:creationId xmlns:a16="http://schemas.microsoft.com/office/drawing/2014/main" id="{76DE7D40-8EAF-4371-A5C3-66CDC1E1FA86}"/>
+              </a:ext>
+            </a:extLst>
+          </p:cNvPr>
+          <p:cNvCxnSpPr>
+            <a:cxnSpLocks/>
+          </p:cNvCxnSpPr>
+          <p:nvPr/>
+        </p:nvCxnSpPr>
+        <p:spPr>
+          <a:xfrm>
+            <a:off x="2065176" y="4633913"/>
+            <a:ext cx="1108799" cy="0"/>
+          </a:xfrm>
+          <a:prstGeom prst="line">
+            <a:avLst/>
+          </a:prstGeom>
+          <a:ln w="19050">
+            <a:solidFill>
+              <a:srgbClr val="FFC000"/>
+            </a:solidFill>
+          </a:ln>
+        </p:spPr>
+        <p:style>
+          <a:lnRef idx="1">
+            <a:schemeClr val="accent1"/>
+          </a:lnRef>
+          <a:fillRef idx="0">
+            <a:schemeClr val="accent1"/>
+          </a:fillRef>
+          <a:effectRef idx="0">
+            <a:schemeClr val="accent1"/>
+          </a:effectRef>
+          <a:fontRef idx="minor">
+            <a:schemeClr val="tx1"/>
+          </a:fontRef>
+        </p:style>
+      </p:cxnSp>
+      <p:sp>
+        <p:nvSpPr>
+          <p:cNvPr id="33" name="文本框 32">
+            <a:extLst>
+              <a:ext uri="{FF2B5EF4-FFF2-40B4-BE49-F238E27FC236}">
+                <a16:creationId xmlns:a16="http://schemas.microsoft.com/office/drawing/2014/main" id="{45AFE223-B05F-465B-908E-1CD7616163CF}"/>
+              </a:ext>
+            </a:extLst>
+          </p:cNvPr>
+          <p:cNvSpPr txBox="1"/>
+          <p:nvPr/>
+        </p:nvSpPr>
+        <p:spPr>
+          <a:xfrm>
+            <a:off x="3211082" y="4119054"/>
+            <a:ext cx="448136" cy="461665"/>
+          </a:xfrm>
+          <a:prstGeom prst="rect">
+            <a:avLst/>
+          </a:prstGeom>
+          <a:noFill/>
+        </p:spPr>
+        <p:txBody>
+          <a:bodyPr wrap="none" rtlCol="0">
+            <a:spAutoFit/>
+          </a:bodyPr>
+          <a:lstStyle/>
+          <a:p>
+            <a:r>
+              <a:rPr lang="en-US" altLang="zh-CN" sz="2400" dirty="0">
+                <a:solidFill>
+                  <a:srgbClr val="FFC000"/>
+                </a:solidFill>
+                <a:latin typeface="Times New Roman" panose="02020603050405020304" pitchFamily="18" charset="0"/>
+                <a:cs typeface="Times New Roman" panose="02020603050405020304" pitchFamily="18" charset="0"/>
+              </a:rPr>
+              <a:t>V</a:t>
+            </a:r>
+            <a:r>
+              <a:rPr lang="en-US" altLang="zh-CN" sz="2400" baseline="-25000" dirty="0">
+                <a:solidFill>
+                  <a:srgbClr val="FFC000"/>
+                </a:solidFill>
+                <a:latin typeface="Times New Roman" panose="02020603050405020304" pitchFamily="18" charset="0"/>
+                <a:cs typeface="Times New Roman" panose="02020603050405020304" pitchFamily="18" charset="0"/>
+              </a:rPr>
+              <a:t>-</a:t>
+            </a:r>
+            <a:endParaRPr lang="zh-CN" altLang="en-US" sz="2400" baseline="-25000" dirty="0">
+              <a:solidFill>
+                <a:srgbClr val="FFC000"/>
+              </a:solidFill>
+              <a:latin typeface="Times New Roman" panose="02020603050405020304" pitchFamily="18" charset="0"/>
+              <a:cs typeface="Times New Roman" panose="02020603050405020304" pitchFamily="18" charset="0"/>
+            </a:endParaRPr>
+          </a:p>
+        </p:txBody>
+      </p:sp>
+    </p:spTree>
+    <p:extLst>
+      <p:ext uri="{BB962C8B-B14F-4D97-AF65-F5344CB8AC3E}">
+        <p14:creationId xmlns:p14="http://schemas.microsoft.com/office/powerpoint/2010/main" val="2771316598"/>
       </p:ext>
     </p:extLst>
   </p:cSld>
@@ -6081,7 +6696,7 @@
             <a:graphicData uri="http://schemas.openxmlformats.org/presentationml/2006/ole">
               <mc:AlternateContent xmlns:mc="http://schemas.openxmlformats.org/markup-compatibility/2006">
                 <mc:Choice xmlns:v="urn:schemas-microsoft-com:vml" Requires="v">
-                  <p:oleObj spid="_x0000_s2436" name="AxMath" r:id="rId3" imgW="409680" imgH="228600" progId="Equation.AxMath">
+                  <p:oleObj spid="_x0000_s2444" name="AxMath" r:id="rId3" imgW="409680" imgH="228600" progId="Equation.AxMath">
                     <p:embed/>
                   </p:oleObj>
                 </mc:Choice>
@@ -6144,7 +6759,7 @@
             <a:graphicData uri="http://schemas.openxmlformats.org/presentationml/2006/ole">
               <mc:AlternateContent xmlns:mc="http://schemas.openxmlformats.org/markup-compatibility/2006">
                 <mc:Choice xmlns:v="urn:schemas-microsoft-com:vml" Requires="v">
-                  <p:oleObj spid="_x0000_s2437" name="AxMath" r:id="rId5" imgW="325080" imgH="226440" progId="Equation.AxMath">
+                  <p:oleObj spid="_x0000_s2445" name="AxMath" r:id="rId5" imgW="325080" imgH="226440" progId="Equation.AxMath">
                     <p:embed/>
                   </p:oleObj>
                 </mc:Choice>
@@ -6612,7 +7227,7 @@
             <a:graphicData uri="http://schemas.openxmlformats.org/presentationml/2006/ole">
               <mc:AlternateContent xmlns:mc="http://schemas.openxmlformats.org/markup-compatibility/2006">
                 <mc:Choice xmlns:v="urn:schemas-microsoft-com:vml" Requires="v">
-                  <p:oleObj spid="_x0000_s2438" name="AxMath" r:id="rId7" imgW="831600" imgH="228600" progId="Equation.AxMath">
+                  <p:oleObj spid="_x0000_s2446" name="AxMath" r:id="rId7" imgW="831600" imgH="228600" progId="Equation.AxMath">
                     <p:embed/>
                   </p:oleObj>
                 </mc:Choice>
@@ -6675,7 +7290,7 @@
             <a:graphicData uri="http://schemas.openxmlformats.org/presentationml/2006/ole">
               <mc:AlternateContent xmlns:mc="http://schemas.openxmlformats.org/markup-compatibility/2006">
                 <mc:Choice xmlns:v="urn:schemas-microsoft-com:vml" Requires="v">
-                  <p:oleObj spid="_x0000_s2439" name="AxMath" r:id="rId9" imgW="480240" imgH="228600" progId="Equation.AxMath">
+                  <p:oleObj spid="_x0000_s2447" name="AxMath" r:id="rId9" imgW="480240" imgH="228600" progId="Equation.AxMath">
                     <p:embed/>
                   </p:oleObj>
                 </mc:Choice>
@@ -6857,7 +7472,7 @@
           <a:graphicData uri="http://schemas.openxmlformats.org/presentationml/2006/ole">
             <mc:AlternateContent xmlns:mc="http://schemas.openxmlformats.org/markup-compatibility/2006">
               <mc:Choice xmlns:v="urn:schemas-microsoft-com:vml" Requires="v">
-                <p:oleObj spid="_x0000_s3539" name="AxMath" r:id="rId3" imgW="214920" imgH="235800" progId="Equation.AxMath">
+                <p:oleObj spid="_x0000_s3549" name="AxMath" r:id="rId3" imgW="214920" imgH="235800" progId="Equation.AxMath">
                   <p:embed/>
                 </p:oleObj>
               </mc:Choice>
@@ -6920,7 +7535,7 @@
           <a:graphicData uri="http://schemas.openxmlformats.org/presentationml/2006/ole">
             <mc:AlternateContent xmlns:mc="http://schemas.openxmlformats.org/markup-compatibility/2006">
               <mc:Choice xmlns:v="urn:schemas-microsoft-com:vml" Requires="v">
-                <p:oleObj spid="_x0000_s3540" name="AxMath" r:id="rId5" imgW="242280" imgH="235800" progId="Equation.AxMath">
+                <p:oleObj spid="_x0000_s3550" name="AxMath" r:id="rId5" imgW="242280" imgH="235800" progId="Equation.AxMath">
                   <p:embed/>
                 </p:oleObj>
               </mc:Choice>
@@ -6983,7 +7598,7 @@
           <a:graphicData uri="http://schemas.openxmlformats.org/presentationml/2006/ole">
             <mc:AlternateContent xmlns:mc="http://schemas.openxmlformats.org/markup-compatibility/2006">
               <mc:Choice xmlns:v="urn:schemas-microsoft-com:vml" Requires="v">
-                <p:oleObj spid="_x0000_s3541" name="AxMath" r:id="rId7" imgW="822600" imgH="825840" progId="Equation.AxMath">
+                <p:oleObj spid="_x0000_s3551" name="AxMath" r:id="rId7" imgW="822600" imgH="825840" progId="Equation.AxMath">
                   <p:embed/>
                 </p:oleObj>
               </mc:Choice>
@@ -7224,7 +7839,7 @@
           <a:graphicData uri="http://schemas.openxmlformats.org/presentationml/2006/ole">
             <mc:AlternateContent xmlns:mc="http://schemas.openxmlformats.org/markup-compatibility/2006">
               <mc:Choice xmlns:v="urn:schemas-microsoft-com:vml" Requires="v">
-                <p:oleObj spid="_x0000_s3542" name="AxMath" r:id="rId9" imgW="214920" imgH="235800" progId="Equation.AxMath">
+                <p:oleObj spid="_x0000_s3552" name="AxMath" r:id="rId9" imgW="214920" imgH="235800" progId="Equation.AxMath">
                   <p:embed/>
                 </p:oleObj>
               </mc:Choice>
@@ -7293,7 +7908,7 @@
           <a:graphicData uri="http://schemas.openxmlformats.org/presentationml/2006/ole">
             <mc:AlternateContent xmlns:mc="http://schemas.openxmlformats.org/markup-compatibility/2006">
               <mc:Choice xmlns:v="urn:schemas-microsoft-com:vml" Requires="v">
-                <p:oleObj spid="_x0000_s3543" name="AxMath" r:id="rId10" imgW="242280" imgH="235800" progId="Equation.AxMath">
+                <p:oleObj spid="_x0000_s3553" name="AxMath" r:id="rId10" imgW="242280" imgH="235800" progId="Equation.AxMath">
                   <p:embed/>
                 </p:oleObj>
               </mc:Choice>
@@ -7585,7 +8200,7 @@
             <a:graphicData uri="http://schemas.openxmlformats.org/presentationml/2006/ole">
               <mc:AlternateContent xmlns:mc="http://schemas.openxmlformats.org/markup-compatibility/2006">
                 <mc:Choice xmlns:v="urn:schemas-microsoft-com:vml" Requires="v">
-                  <p:oleObj spid="_x0000_s9684" name="AxMath" r:id="rId3" imgW="214920" imgH="235800" progId="Equation.AxMath">
+                  <p:oleObj spid="_x0000_s9720" name="AxMath" r:id="rId3" imgW="214920" imgH="235800" progId="Equation.AxMath">
                     <p:embed/>
                   </p:oleObj>
                 </mc:Choice>
@@ -7654,7 +8269,7 @@
             <a:graphicData uri="http://schemas.openxmlformats.org/presentationml/2006/ole">
               <mc:AlternateContent xmlns:mc="http://schemas.openxmlformats.org/markup-compatibility/2006">
                 <mc:Choice xmlns:v="urn:schemas-microsoft-com:vml" Requires="v">
-                  <p:oleObj spid="_x0000_s9685" name="AxMath" r:id="rId5" imgW="242280" imgH="235800" progId="Equation.AxMath">
+                  <p:oleObj spid="_x0000_s9721" name="AxMath" r:id="rId5" imgW="242280" imgH="235800" progId="Equation.AxMath">
                     <p:embed/>
                   </p:oleObj>
                 </mc:Choice>
@@ -7818,7 +8433,7 @@
             <a:graphicData uri="http://schemas.openxmlformats.org/presentationml/2006/ole">
               <mc:AlternateContent xmlns:mc="http://schemas.openxmlformats.org/markup-compatibility/2006">
                 <mc:Choice xmlns:v="urn:schemas-microsoft-com:vml" Requires="v">
-                  <p:oleObj spid="_x0000_s9686" name="AxMath" r:id="rId7" imgW="282600" imgH="235800" progId="Equation.AxMath">
+                  <p:oleObj spid="_x0000_s9722" name="AxMath" r:id="rId7" imgW="282600" imgH="235800" progId="Equation.AxMath">
                     <p:embed/>
                   </p:oleObj>
                 </mc:Choice>
@@ -8059,7 +8674,7 @@
             <a:graphicData uri="http://schemas.openxmlformats.org/presentationml/2006/ole">
               <mc:AlternateContent xmlns:mc="http://schemas.openxmlformats.org/markup-compatibility/2006">
                 <mc:Choice xmlns:v="urn:schemas-microsoft-com:vml" Requires="v">
-                  <p:oleObj spid="_x0000_s9687" name="AxMath" r:id="rId9" imgW="191520" imgH="228600" progId="Equation.AxMath">
+                  <p:oleObj spid="_x0000_s9723" name="AxMath" r:id="rId9" imgW="191520" imgH="228600" progId="Equation.AxMath">
                     <p:embed/>
                   </p:oleObj>
                 </mc:Choice>
@@ -8122,7 +8737,7 @@
             <a:graphicData uri="http://schemas.openxmlformats.org/presentationml/2006/ole">
               <mc:AlternateContent xmlns:mc="http://schemas.openxmlformats.org/markup-compatibility/2006">
                 <mc:Choice xmlns:v="urn:schemas-microsoft-com:vml" Requires="v">
-                  <p:oleObj spid="_x0000_s9688" name="AxMath" r:id="rId11" imgW="207720" imgH="228600" progId="Equation.AxMath">
+                  <p:oleObj spid="_x0000_s9724" name="AxMath" r:id="rId11" imgW="207720" imgH="228600" progId="Equation.AxMath">
                     <p:embed/>
                   </p:oleObj>
                 </mc:Choice>
@@ -8185,7 +8800,7 @@
             <a:graphicData uri="http://schemas.openxmlformats.org/presentationml/2006/ole">
               <mc:AlternateContent xmlns:mc="http://schemas.openxmlformats.org/markup-compatibility/2006">
                 <mc:Choice xmlns:v="urn:schemas-microsoft-com:vml" Requires="v">
-                  <p:oleObj spid="_x0000_s9689" name="AxMath" r:id="rId13" imgW="1371960" imgH="228600" progId="Equation.AxMath">
+                  <p:oleObj spid="_x0000_s9725" name="AxMath" r:id="rId13" imgW="1371960" imgH="228600" progId="Equation.AxMath">
                     <p:embed/>
                   </p:oleObj>
                 </mc:Choice>
@@ -8248,7 +8863,7 @@
             <a:graphicData uri="http://schemas.openxmlformats.org/presentationml/2006/ole">
               <mc:AlternateContent xmlns:mc="http://schemas.openxmlformats.org/markup-compatibility/2006">
                 <mc:Choice xmlns:v="urn:schemas-microsoft-com:vml" Requires="v">
-                  <p:oleObj spid="_x0000_s9690" name="AxMath" r:id="rId15" imgW="1390320" imgH="228600" progId="Equation.AxMath">
+                  <p:oleObj spid="_x0000_s9726" name="AxMath" r:id="rId15" imgW="1390320" imgH="228600" progId="Equation.AxMath">
                     <p:embed/>
                   </p:oleObj>
                 </mc:Choice>
@@ -8317,7 +8932,7 @@
             <a:graphicData uri="http://schemas.openxmlformats.org/presentationml/2006/ole">
               <mc:AlternateContent xmlns:mc="http://schemas.openxmlformats.org/markup-compatibility/2006">
                 <mc:Choice xmlns:v="urn:schemas-microsoft-com:vml" Requires="v">
-                  <p:oleObj spid="_x0000_s9691" name="AxMath" r:id="rId17" imgW="1400040" imgH="664560" progId="Equation.AxMath">
+                  <p:oleObj spid="_x0000_s9727" name="AxMath" r:id="rId17" imgW="1400040" imgH="664560" progId="Equation.AxMath">
                     <p:embed/>
                   </p:oleObj>
                 </mc:Choice>
@@ -8380,7 +8995,7 @@
             <a:graphicData uri="http://schemas.openxmlformats.org/presentationml/2006/ole">
               <mc:AlternateContent xmlns:mc="http://schemas.openxmlformats.org/markup-compatibility/2006">
                 <mc:Choice xmlns:v="urn:schemas-microsoft-com:vml" Requires="v">
-                  <p:oleObj spid="_x0000_s9692" name="AxMath" r:id="rId19" imgW="889920" imgH="228600" progId="Equation.AxMath">
+                  <p:oleObj spid="_x0000_s9728" name="AxMath" r:id="rId19" imgW="889920" imgH="228600" progId="Equation.AxMath">
                     <p:embed/>
                   </p:oleObj>
                 </mc:Choice>
@@ -8694,7 +9309,7 @@
             <a:graphicData uri="http://schemas.openxmlformats.org/presentationml/2006/ole">
               <mc:AlternateContent xmlns:mc="http://schemas.openxmlformats.org/markup-compatibility/2006">
                 <mc:Choice xmlns:v="urn:schemas-microsoft-com:vml" Requires="v">
-                  <p:oleObj spid="_x0000_s9693" name="AxMath" r:id="rId21" imgW="887400" imgH="263520" progId="Equation.AxMath">
+                  <p:oleObj spid="_x0000_s9729" name="AxMath" r:id="rId21" imgW="887400" imgH="263520" progId="Equation.AxMath">
                     <p:embed/>
                   </p:oleObj>
                 </mc:Choice>
@@ -8757,7 +9372,7 @@
             <a:graphicData uri="http://schemas.openxmlformats.org/presentationml/2006/ole">
               <mc:AlternateContent xmlns:mc="http://schemas.openxmlformats.org/markup-compatibility/2006">
                 <mc:Choice xmlns:v="urn:schemas-microsoft-com:vml" Requires="v">
-                  <p:oleObj spid="_x0000_s9694" name="AxMath" r:id="rId23" imgW="286920" imgH="235800" progId="Equation.AxMath">
+                  <p:oleObj spid="_x0000_s9730" name="AxMath" r:id="rId23" imgW="286920" imgH="235800" progId="Equation.AxMath">
                     <p:embed/>
                   </p:oleObj>
                 </mc:Choice>
@@ -8988,7 +9603,7 @@
             <a:graphicData uri="http://schemas.openxmlformats.org/presentationml/2006/ole">
               <mc:AlternateContent xmlns:mc="http://schemas.openxmlformats.org/markup-compatibility/2006">
                 <mc:Choice xmlns:v="urn:schemas-microsoft-com:vml" Requires="v">
-                  <p:oleObj spid="_x0000_s9695" name="AxMath" r:id="rId25" imgW="214920" imgH="235800" progId="Equation.AxMath">
+                  <p:oleObj spid="_x0000_s9731" name="AxMath" r:id="rId25" imgW="214920" imgH="235800" progId="Equation.AxMath">
                     <p:embed/>
                   </p:oleObj>
                 </mc:Choice>
@@ -9057,7 +9672,7 @@
             <a:graphicData uri="http://schemas.openxmlformats.org/presentationml/2006/ole">
               <mc:AlternateContent xmlns:mc="http://schemas.openxmlformats.org/markup-compatibility/2006">
                 <mc:Choice xmlns:v="urn:schemas-microsoft-com:vml" Requires="v">
-                  <p:oleObj spid="_x0000_s9696" name="AxMath" r:id="rId26" imgW="242280" imgH="235800" progId="Equation.AxMath">
+                  <p:oleObj spid="_x0000_s9732" name="AxMath" r:id="rId26" imgW="242280" imgH="235800" progId="Equation.AxMath">
                     <p:embed/>
                   </p:oleObj>
                 </mc:Choice>
@@ -9126,7 +9741,7 @@
             <a:graphicData uri="http://schemas.openxmlformats.org/presentationml/2006/ole">
               <mc:AlternateContent xmlns:mc="http://schemas.openxmlformats.org/markup-compatibility/2006">
                 <mc:Choice xmlns:v="urn:schemas-microsoft-com:vml" Requires="v">
-                  <p:oleObj spid="_x0000_s9697" name="AxMath" r:id="rId27" imgW="980640" imgH="228600" progId="Equation.AxMath">
+                  <p:oleObj spid="_x0000_s9733" name="AxMath" r:id="rId27" imgW="980640" imgH="228600" progId="Equation.AxMath">
                     <p:embed/>
                   </p:oleObj>
                 </mc:Choice>
@@ -9189,7 +9804,7 @@
             <a:graphicData uri="http://schemas.openxmlformats.org/presentationml/2006/ole">
               <mc:AlternateContent xmlns:mc="http://schemas.openxmlformats.org/markup-compatibility/2006">
                 <mc:Choice xmlns:v="urn:schemas-microsoft-com:vml" Requires="v">
-                  <p:oleObj spid="_x0000_s9698" name="AxMath" r:id="rId29" imgW="980640" imgH="228600" progId="Equation.AxMath">
+                  <p:oleObj spid="_x0000_s9734" name="AxMath" r:id="rId29" imgW="980640" imgH="228600" progId="Equation.AxMath">
                     <p:embed/>
                   </p:oleObj>
                 </mc:Choice>
@@ -9311,7 +9926,7 @@
             <a:graphicData uri="http://schemas.openxmlformats.org/presentationml/2006/ole">
               <mc:AlternateContent xmlns:mc="http://schemas.openxmlformats.org/markup-compatibility/2006">
                 <mc:Choice xmlns:v="urn:schemas-microsoft-com:vml" Requires="v">
-                  <p:oleObj spid="_x0000_s9699" name="AxMath" r:id="rId31" imgW="286920" imgH="235800" progId="Equation.AxMath">
+                  <p:oleObj spid="_x0000_s9735" name="AxMath" r:id="rId31" imgW="286920" imgH="235800" progId="Equation.AxMath">
                     <p:embed/>
                   </p:oleObj>
                 </mc:Choice>
@@ -9380,7 +9995,7 @@
             <a:graphicData uri="http://schemas.openxmlformats.org/presentationml/2006/ole">
               <mc:AlternateContent xmlns:mc="http://schemas.openxmlformats.org/markup-compatibility/2006">
                 <mc:Choice xmlns:v="urn:schemas-microsoft-com:vml" Requires="v">
-                  <p:oleObj spid="_x0000_s9700" name="AxMath" r:id="rId32" imgW="891360" imgH="235800" progId="Equation.AxMath">
+                  <p:oleObj spid="_x0000_s9736" name="AxMath" r:id="rId32" imgW="891360" imgH="235800" progId="Equation.AxMath">
                     <p:embed/>
                   </p:oleObj>
                 </mc:Choice>
@@ -9443,7 +10058,7 @@
             <a:graphicData uri="http://schemas.openxmlformats.org/presentationml/2006/ole">
               <mc:AlternateContent xmlns:mc="http://schemas.openxmlformats.org/markup-compatibility/2006">
                 <mc:Choice xmlns:v="urn:schemas-microsoft-com:vml" Requires="v">
-                  <p:oleObj spid="_x0000_s9701" name="AxMath" r:id="rId34" imgW="969120" imgH="235800" progId="Equation.AxMath">
+                  <p:oleObj spid="_x0000_s9737" name="AxMath" r:id="rId34" imgW="969120" imgH="235800" progId="Equation.AxMath">
                     <p:embed/>
                   </p:oleObj>
                 </mc:Choice>
@@ -9694,7 +10309,7 @@
             <a:graphicData uri="http://schemas.openxmlformats.org/presentationml/2006/ole">
               <mc:AlternateContent xmlns:mc="http://schemas.openxmlformats.org/markup-compatibility/2006">
                 <mc:Choice xmlns:v="urn:schemas-microsoft-com:vml" Requires="v">
-                  <p:oleObj spid="_x0000_s5758" name="AxMath" r:id="rId3" imgW="826200" imgH="239400" progId="Equation.AxMath">
+                  <p:oleObj spid="_x0000_s5776" name="AxMath" r:id="rId3" imgW="826200" imgH="239400" progId="Equation.AxMath">
                     <p:embed/>
                   </p:oleObj>
                 </mc:Choice>
@@ -9757,7 +10372,7 @@
             <a:graphicData uri="http://schemas.openxmlformats.org/presentationml/2006/ole">
               <mc:AlternateContent xmlns:mc="http://schemas.openxmlformats.org/markup-compatibility/2006">
                 <mc:Choice xmlns:v="urn:schemas-microsoft-com:vml" Requires="v">
-                  <p:oleObj spid="_x0000_s5759" name="AxMath" r:id="rId5" imgW="354240" imgH="235800" progId="Equation.AxMath">
+                  <p:oleObj spid="_x0000_s5777" name="AxMath" r:id="rId5" imgW="354240" imgH="235800" progId="Equation.AxMath">
                     <p:embed/>
                   </p:oleObj>
                 </mc:Choice>
@@ -9970,7 +10585,7 @@
             <a:graphicData uri="http://schemas.openxmlformats.org/presentationml/2006/ole">
               <mc:AlternateContent xmlns:mc="http://schemas.openxmlformats.org/markup-compatibility/2006">
                 <mc:Choice xmlns:v="urn:schemas-microsoft-com:vml" Requires="v">
-                  <p:oleObj spid="_x0000_s5760" name="AxMath" r:id="rId7" imgW="396360" imgH="417600" progId="Equation.AxMath">
+                  <p:oleObj spid="_x0000_s5778" name="AxMath" r:id="rId7" imgW="396360" imgH="417600" progId="Equation.AxMath">
                     <p:embed/>
                   </p:oleObj>
                 </mc:Choice>
@@ -10033,7 +10648,7 @@
             <a:graphicData uri="http://schemas.openxmlformats.org/presentationml/2006/ole">
               <mc:AlternateContent xmlns:mc="http://schemas.openxmlformats.org/markup-compatibility/2006">
                 <mc:Choice xmlns:v="urn:schemas-microsoft-com:vml" Requires="v">
-                  <p:oleObj spid="_x0000_s5761" name="AxMath" r:id="rId9" imgW="438840" imgH="417600" progId="Equation.AxMath">
+                  <p:oleObj spid="_x0000_s5779" name="AxMath" r:id="rId9" imgW="438840" imgH="417600" progId="Equation.AxMath">
                     <p:embed/>
                   </p:oleObj>
                 </mc:Choice>
@@ -10102,7 +10717,7 @@
             <a:graphicData uri="http://schemas.openxmlformats.org/presentationml/2006/ole">
               <mc:AlternateContent xmlns:mc="http://schemas.openxmlformats.org/markup-compatibility/2006">
                 <mc:Choice xmlns:v="urn:schemas-microsoft-com:vml" Requires="v">
-                  <p:oleObj spid="_x0000_s5762" name="AxMath" r:id="rId11" imgW="149760" imgH="228600" progId="Equation.AxMath">
+                  <p:oleObj spid="_x0000_s5780" name="AxMath" r:id="rId11" imgW="149760" imgH="228600" progId="Equation.AxMath">
                     <p:embed/>
                   </p:oleObj>
                 </mc:Choice>
@@ -10165,7 +10780,7 @@
             <a:graphicData uri="http://schemas.openxmlformats.org/presentationml/2006/ole">
               <mc:AlternateContent xmlns:mc="http://schemas.openxmlformats.org/markup-compatibility/2006">
                 <mc:Choice xmlns:v="urn:schemas-microsoft-com:vml" Requires="v">
-                  <p:oleObj spid="_x0000_s5763" name="AxMath" r:id="rId13" imgW="427680" imgH="228600" progId="Equation.AxMath">
+                  <p:oleObj spid="_x0000_s5781" name="AxMath" r:id="rId13" imgW="427680" imgH="228600" progId="Equation.AxMath">
                     <p:embed/>
                   </p:oleObj>
                 </mc:Choice>
@@ -10316,7 +10931,7 @@
             <a:graphicData uri="http://schemas.openxmlformats.org/presentationml/2006/ole">
               <mc:AlternateContent xmlns:mc="http://schemas.openxmlformats.org/markup-compatibility/2006">
                 <mc:Choice xmlns:v="urn:schemas-microsoft-com:vml" Requires="v">
-                  <p:oleObj spid="_x0000_s5764" name="AxMath" r:id="rId15" imgW="558720" imgH="228600" progId="Equation.AxMath">
+                  <p:oleObj spid="_x0000_s5782" name="AxMath" r:id="rId15" imgW="558720" imgH="228600" progId="Equation.AxMath">
                     <p:embed/>
                   </p:oleObj>
                 </mc:Choice>
@@ -10379,7 +10994,7 @@
             <a:graphicData uri="http://schemas.openxmlformats.org/presentationml/2006/ole">
               <mc:AlternateContent xmlns:mc="http://schemas.openxmlformats.org/markup-compatibility/2006">
                 <mc:Choice xmlns:v="urn:schemas-microsoft-com:vml" Requires="v">
-                  <p:oleObj spid="_x0000_s5765" name="AxMath" r:id="rId17" imgW="2189520" imgH="420840" progId="Equation.AxMath">
+                  <p:oleObj spid="_x0000_s5783" name="AxMath" r:id="rId17" imgW="2189520" imgH="420840" progId="Equation.AxMath">
                     <p:embed/>
                   </p:oleObj>
                 </mc:Choice>
@@ -10442,7 +11057,7 @@
             <a:graphicData uri="http://schemas.openxmlformats.org/presentationml/2006/ole">
               <mc:AlternateContent xmlns:mc="http://schemas.openxmlformats.org/markup-compatibility/2006">
                 <mc:Choice xmlns:v="urn:schemas-microsoft-com:vml" Requires="v">
-                  <p:oleObj spid="_x0000_s5766" name="AxMath" r:id="rId19" imgW="1568880" imgH="415800" progId="Equation.AxMath">
+                  <p:oleObj spid="_x0000_s5784" name="AxMath" r:id="rId19" imgW="1568880" imgH="415800" progId="Equation.AxMath">
                     <p:embed/>
                   </p:oleObj>
                 </mc:Choice>
@@ -11029,7 +11644,7 @@
             <a:graphicData uri="http://schemas.openxmlformats.org/presentationml/2006/ole">
               <mc:AlternateContent xmlns:mc="http://schemas.openxmlformats.org/markup-compatibility/2006">
                 <mc:Choice xmlns:v="urn:schemas-microsoft-com:vml" Requires="v">
-                  <p:oleObj spid="_x0000_s6332" name="AxMath" r:id="rId3" imgW="826200" imgH="239400" progId="Equation.AxMath">
+                  <p:oleObj spid="_x0000_s6338" name="AxMath" r:id="rId3" imgW="826200" imgH="239400" progId="Equation.AxMath">
                     <p:embed/>
                   </p:oleObj>
                 </mc:Choice>
@@ -11098,7 +11713,7 @@
             <a:graphicData uri="http://schemas.openxmlformats.org/presentationml/2006/ole">
               <mc:AlternateContent xmlns:mc="http://schemas.openxmlformats.org/markup-compatibility/2006">
                 <mc:Choice xmlns:v="urn:schemas-microsoft-com:vml" Requires="v">
-                  <p:oleObj spid="_x0000_s6333" name="AxMath" r:id="rId5" imgW="354240" imgH="235800" progId="Equation.AxMath">
+                  <p:oleObj spid="_x0000_s6339" name="AxMath" r:id="rId5" imgW="354240" imgH="235800" progId="Equation.AxMath">
                     <p:embed/>
                   </p:oleObj>
                 </mc:Choice>
@@ -11317,7 +11932,7 @@
             <a:graphicData uri="http://schemas.openxmlformats.org/presentationml/2006/ole">
               <mc:AlternateContent xmlns:mc="http://schemas.openxmlformats.org/markup-compatibility/2006">
                 <mc:Choice xmlns:v="urn:schemas-microsoft-com:vml" Requires="v">
-                  <p:oleObj spid="_x0000_s6334" name="AxMath" r:id="rId7" imgW="149760" imgH="228600" progId="Equation.AxMath">
+                  <p:oleObj spid="_x0000_s6340" name="AxMath" r:id="rId7" imgW="149760" imgH="228600" progId="Equation.AxMath">
                     <p:embed/>
                   </p:oleObj>
                 </mc:Choice>
@@ -11527,7 +12142,7 @@
           <a:graphicData uri="http://schemas.openxmlformats.org/presentationml/2006/ole">
             <mc:AlternateContent xmlns:mc="http://schemas.openxmlformats.org/markup-compatibility/2006">
               <mc:Choice xmlns:v="urn:schemas-microsoft-com:vml" Requires="v">
-                <p:oleObj spid="_x0000_s7230" name="AxMath" r:id="rId3" imgW="2948040" imgH="946800" progId="Equation.AxMath">
+                <p:oleObj spid="_x0000_s7232" name="AxMath" r:id="rId3" imgW="2948040" imgH="946800" progId="Equation.AxMath">
                   <p:embed/>
                 </p:oleObj>
               </mc:Choice>
@@ -11769,7 +12384,7 @@
             <a:graphicData uri="http://schemas.openxmlformats.org/presentationml/2006/ole">
               <mc:AlternateContent xmlns:mc="http://schemas.openxmlformats.org/markup-compatibility/2006">
                 <mc:Choice xmlns:v="urn:schemas-microsoft-com:vml" Requires="v">
-                  <p:oleObj spid="_x0000_s12466" name="AxMath" r:id="rId3" imgW="419760" imgH="228600" progId="Equation.AxMath">
+                  <p:oleObj spid="_x0000_s12510" name="AxMath" r:id="rId3" imgW="419760" imgH="228600" progId="Equation.AxMath">
                     <p:embed/>
                   </p:oleObj>
                 </mc:Choice>
@@ -11832,7 +12447,7 @@
             <a:graphicData uri="http://schemas.openxmlformats.org/presentationml/2006/ole">
               <mc:AlternateContent xmlns:mc="http://schemas.openxmlformats.org/markup-compatibility/2006">
                 <mc:Choice xmlns:v="urn:schemas-microsoft-com:vml" Requires="v">
-                  <p:oleObj spid="_x0000_s12467" name="AxMath" r:id="rId5" imgW="159120" imgH="228600" progId="Equation.AxMath">
+                  <p:oleObj spid="_x0000_s12511" name="AxMath" r:id="rId5" imgW="159120" imgH="228600" progId="Equation.AxMath">
                     <p:embed/>
                   </p:oleObj>
                 </mc:Choice>
@@ -11895,7 +12510,7 @@
             <a:graphicData uri="http://schemas.openxmlformats.org/presentationml/2006/ole">
               <mc:AlternateContent xmlns:mc="http://schemas.openxmlformats.org/markup-compatibility/2006">
                 <mc:Choice xmlns:v="urn:schemas-microsoft-com:vml" Requires="v">
-                  <p:oleObj spid="_x0000_s12468" name="AxMath" r:id="rId7" imgW="113760" imgH="226440" progId="Equation.AxMath">
+                  <p:oleObj spid="_x0000_s12512" name="AxMath" r:id="rId7" imgW="113760" imgH="226440" progId="Equation.AxMath">
                     <p:embed/>
                   </p:oleObj>
                 </mc:Choice>
@@ -12001,7 +12616,7 @@
             <a:graphicData uri="http://schemas.openxmlformats.org/presentationml/2006/ole">
               <mc:AlternateContent xmlns:mc="http://schemas.openxmlformats.org/markup-compatibility/2006">
                 <mc:Choice xmlns:v="urn:schemas-microsoft-com:vml" Requires="v">
-                  <p:oleObj spid="_x0000_s12469" name="AxMath" r:id="rId9" imgW="344880" imgH="228600" progId="Equation.AxMath">
+                  <p:oleObj spid="_x0000_s12513" name="AxMath" r:id="rId9" imgW="344880" imgH="228600" progId="Equation.AxMath">
                     <p:embed/>
                   </p:oleObj>
                 </mc:Choice>
@@ -12064,7 +12679,7 @@
             <a:graphicData uri="http://schemas.openxmlformats.org/presentationml/2006/ole">
               <mc:AlternateContent xmlns:mc="http://schemas.openxmlformats.org/markup-compatibility/2006">
                 <mc:Choice xmlns:v="urn:schemas-microsoft-com:vml" Requires="v">
-                  <p:oleObj spid="_x0000_s12470" name="AxMath" r:id="rId11" imgW="712800" imgH="228600" progId="Equation.AxMath">
+                  <p:oleObj spid="_x0000_s12514" name="AxMath" r:id="rId11" imgW="712800" imgH="228600" progId="Equation.AxMath">
                     <p:embed/>
                   </p:oleObj>
                 </mc:Choice>
@@ -12235,7 +12850,7 @@
             <a:graphicData uri="http://schemas.openxmlformats.org/presentationml/2006/ole">
               <mc:AlternateContent xmlns:mc="http://schemas.openxmlformats.org/markup-compatibility/2006">
                 <mc:Choice xmlns:v="urn:schemas-microsoft-com:vml" Requires="v">
-                  <p:oleObj spid="_x0000_s12471" name="AxMath" r:id="rId13" imgW="296280" imgH="415800" progId="Equation.AxMath">
+                  <p:oleObj spid="_x0000_s12515" name="AxMath" r:id="rId13" imgW="296280" imgH="415800" progId="Equation.AxMath">
                     <p:embed/>
                   </p:oleObj>
                 </mc:Choice>
@@ -12738,7 +13353,7 @@
             <a:graphicData uri="http://schemas.openxmlformats.org/presentationml/2006/ole">
               <mc:AlternateContent xmlns:mc="http://schemas.openxmlformats.org/markup-compatibility/2006">
                 <mc:Choice xmlns:v="urn:schemas-microsoft-com:vml" Requires="v">
-                  <p:oleObj spid="_x0000_s12472" name="AxMath" r:id="rId15" imgW="153360" imgH="228600" progId="Equation.AxMath">
+                  <p:oleObj spid="_x0000_s12516" name="AxMath" r:id="rId15" imgW="153360" imgH="228600" progId="Equation.AxMath">
                     <p:embed/>
                   </p:oleObj>
                 </mc:Choice>
@@ -12801,7 +13416,7 @@
             <a:graphicData uri="http://schemas.openxmlformats.org/presentationml/2006/ole">
               <mc:AlternateContent xmlns:mc="http://schemas.openxmlformats.org/markup-compatibility/2006">
                 <mc:Choice xmlns:v="urn:schemas-microsoft-com:vml" Requires="v">
-                  <p:oleObj spid="_x0000_s12473" name="AxMath" r:id="rId17" imgW="178560" imgH="228600" progId="Equation.AxMath">
+                  <p:oleObj spid="_x0000_s12517" name="AxMath" r:id="rId17" imgW="178560" imgH="228600" progId="Equation.AxMath">
                     <p:embed/>
                   </p:oleObj>
                 </mc:Choice>
@@ -13133,7 +13748,7 @@
             <a:graphicData uri="http://schemas.openxmlformats.org/presentationml/2006/ole">
               <mc:AlternateContent xmlns:mc="http://schemas.openxmlformats.org/markup-compatibility/2006">
                 <mc:Choice xmlns:v="urn:schemas-microsoft-com:vml" Requires="v">
-                  <p:oleObj spid="_x0000_s12474" name="AxMath" r:id="rId19" imgW="419760" imgH="228600" progId="Equation.AxMath">
+                  <p:oleObj spid="_x0000_s12518" name="AxMath" r:id="rId19" imgW="419760" imgH="228600" progId="Equation.AxMath">
                     <p:embed/>
                   </p:oleObj>
                 </mc:Choice>
@@ -13310,7 +13925,7 @@
             <a:graphicData uri="http://schemas.openxmlformats.org/presentationml/2006/ole">
               <mc:AlternateContent xmlns:mc="http://schemas.openxmlformats.org/markup-compatibility/2006">
                 <mc:Choice xmlns:v="urn:schemas-microsoft-com:vml" Requires="v">
-                  <p:oleObj spid="_x0000_s12475" name="AxMath" r:id="rId21" imgW="186840" imgH="415800" progId="Equation.AxMath">
+                  <p:oleObj spid="_x0000_s12519" name="AxMath" r:id="rId21" imgW="186840" imgH="415800" progId="Equation.AxMath">
                     <p:embed/>
                   </p:oleObj>
                 </mc:Choice>
@@ -13650,7 +14265,7 @@
             <a:graphicData uri="http://schemas.openxmlformats.org/presentationml/2006/ole">
               <mc:AlternateContent xmlns:mc="http://schemas.openxmlformats.org/markup-compatibility/2006">
                 <mc:Choice xmlns:v="urn:schemas-microsoft-com:vml" Requires="v">
-                  <p:oleObj spid="_x0000_s12476" name="AxMath" r:id="rId23" imgW="724320" imgH="230400" progId="Equation.AxMath">
+                  <p:oleObj spid="_x0000_s12520" name="AxMath" r:id="rId23" imgW="724320" imgH="230400" progId="Equation.AxMath">
                     <p:embed/>
                   </p:oleObj>
                 </mc:Choice>
@@ -13800,7 +14415,7 @@
             <a:graphicData uri="http://schemas.openxmlformats.org/presentationml/2006/ole">
               <mc:AlternateContent xmlns:mc="http://schemas.openxmlformats.org/markup-compatibility/2006">
                 <mc:Choice xmlns:v="urn:schemas-microsoft-com:vml" Requires="v">
-                  <p:oleObj spid="_x0000_s12477" name="AxMath" r:id="rId25" imgW="451080" imgH="228600" progId="Equation.AxMath">
+                  <p:oleObj spid="_x0000_s12521" name="AxMath" r:id="rId25" imgW="451080" imgH="228600" progId="Equation.AxMath">
                     <p:embed/>
                   </p:oleObj>
                 </mc:Choice>
@@ -14239,7 +14854,7 @@
             <a:graphicData uri="http://schemas.openxmlformats.org/presentationml/2006/ole">
               <mc:AlternateContent xmlns:mc="http://schemas.openxmlformats.org/markup-compatibility/2006">
                 <mc:Choice xmlns:v="urn:schemas-microsoft-com:vml" Requires="v">
-                  <p:oleObj spid="_x0000_s12478" name="AxMath" r:id="rId27" imgW="474840" imgH="228600" progId="Equation.AxMath">
+                  <p:oleObj spid="_x0000_s12522" name="AxMath" r:id="rId27" imgW="474840" imgH="228600" progId="Equation.AxMath">
                     <p:embed/>
                   </p:oleObj>
                 </mc:Choice>
@@ -14474,7 +15089,7 @@
             <a:graphicData uri="http://schemas.openxmlformats.org/presentationml/2006/ole">
               <mc:AlternateContent xmlns:mc="http://schemas.openxmlformats.org/markup-compatibility/2006">
                 <mc:Choice xmlns:v="urn:schemas-microsoft-com:vml" Requires="v">
-                  <p:oleObj spid="_x0000_s12479" name="AxMath" r:id="rId29" imgW="354240" imgH="235800" progId="Equation.AxMath">
+                  <p:oleObj spid="_x0000_s12523" name="AxMath" r:id="rId29" imgW="354240" imgH="235800" progId="Equation.AxMath">
                     <p:embed/>
                   </p:oleObj>
                 </mc:Choice>
@@ -14537,7 +15152,7 @@
             <a:graphicData uri="http://schemas.openxmlformats.org/presentationml/2006/ole">
               <mc:AlternateContent xmlns:mc="http://schemas.openxmlformats.org/markup-compatibility/2006">
                 <mc:Choice xmlns:v="urn:schemas-microsoft-com:vml" Requires="v">
-                  <p:oleObj spid="_x0000_s12480" name="AxMath" r:id="rId31" imgW="110520" imgH="226440" progId="Equation.AxMath">
+                  <p:oleObj spid="_x0000_s12524" name="AxMath" r:id="rId31" imgW="110520" imgH="226440" progId="Equation.AxMath">
                     <p:embed/>
                   </p:oleObj>
                 </mc:Choice>
@@ -14600,7 +15215,7 @@
             <a:graphicData uri="http://schemas.openxmlformats.org/presentationml/2006/ole">
               <mc:AlternateContent xmlns:mc="http://schemas.openxmlformats.org/markup-compatibility/2006">
                 <mc:Choice xmlns:v="urn:schemas-microsoft-com:vml" Requires="v">
-                  <p:oleObj spid="_x0000_s12481" name="AxMath" r:id="rId33" imgW="149760" imgH="228600" progId="Equation.AxMath">
+                  <p:oleObj spid="_x0000_s12525" name="AxMath" r:id="rId33" imgW="149760" imgH="228600" progId="Equation.AxMath">
                     <p:embed/>
                   </p:oleObj>
                 </mc:Choice>
@@ -14705,7 +15320,7 @@
             <a:graphicData uri="http://schemas.openxmlformats.org/presentationml/2006/ole">
               <mc:AlternateContent xmlns:mc="http://schemas.openxmlformats.org/markup-compatibility/2006">
                 <mc:Choice xmlns:v="urn:schemas-microsoft-com:vml" Requires="v">
-                  <p:oleObj spid="_x0000_s12482" name="AxMath" r:id="rId35" imgW="178560" imgH="228600" progId="Equation.AxMath">
+                  <p:oleObj spid="_x0000_s12526" name="AxMath" r:id="rId35" imgW="178560" imgH="228600" progId="Equation.AxMath">
                     <p:embed/>
                   </p:oleObj>
                 </mc:Choice>
@@ -15993,7 +16608,7 @@
             <a:graphicData uri="http://schemas.openxmlformats.org/presentationml/2006/ole">
               <mc:AlternateContent xmlns:mc="http://schemas.openxmlformats.org/markup-compatibility/2006">
                 <mc:Choice xmlns:v="urn:schemas-microsoft-com:vml" Requires="v">
-                  <p:oleObj spid="_x0000_s12483" name="AxMath" r:id="rId36" imgW="332640" imgH="226440" progId="Equation.AxMath">
+                  <p:oleObj spid="_x0000_s12527" name="AxMath" r:id="rId36" imgW="332640" imgH="226440" progId="Equation.AxMath">
                     <p:embed/>
                   </p:oleObj>
                 </mc:Choice>
@@ -16808,7 +17423,7 @@
             <a:graphicData uri="http://schemas.openxmlformats.org/presentationml/2006/ole">
               <mc:AlternateContent xmlns:mc="http://schemas.openxmlformats.org/markup-compatibility/2006">
                 <mc:Choice xmlns:v="urn:schemas-microsoft-com:vml" Requires="v">
-                  <p:oleObj spid="_x0000_s12484" name="AxMath" r:id="rId38" imgW="110520" imgH="226440" progId="Equation.AxMath">
+                  <p:oleObj spid="_x0000_s12528" name="AxMath" r:id="rId38" imgW="110520" imgH="226440" progId="Equation.AxMath">
                     <p:embed/>
                   </p:oleObj>
                 </mc:Choice>
@@ -16877,7 +17492,7 @@
             <a:graphicData uri="http://schemas.openxmlformats.org/presentationml/2006/ole">
               <mc:AlternateContent xmlns:mc="http://schemas.openxmlformats.org/markup-compatibility/2006">
                 <mc:Choice xmlns:v="urn:schemas-microsoft-com:vml" Requires="v">
-                  <p:oleObj spid="_x0000_s12485" name="AxMath" r:id="rId39" imgW="150480" imgH="226440" progId="Equation.AxMath">
+                  <p:oleObj spid="_x0000_s12529" name="AxMath" r:id="rId39" imgW="150480" imgH="226440" progId="Equation.AxMath">
                     <p:embed/>
                   </p:oleObj>
                 </mc:Choice>
@@ -16946,7 +17561,7 @@
             <a:graphicData uri="http://schemas.openxmlformats.org/presentationml/2006/ole">
               <mc:AlternateContent xmlns:mc="http://schemas.openxmlformats.org/markup-compatibility/2006">
                 <mc:Choice xmlns:v="urn:schemas-microsoft-com:vml" Requires="v">
-                  <p:oleObj spid="_x0000_s12486" name="AxMath" r:id="rId41" imgW="799920" imgH="228600" progId="Equation.AxMath">
+                  <p:oleObj spid="_x0000_s12530" name="AxMath" r:id="rId41" imgW="799920" imgH="228600" progId="Equation.AxMath">
                     <p:embed/>
                   </p:oleObj>
                 </mc:Choice>
@@ -17015,7 +17630,7 @@
             <a:graphicData uri="http://schemas.openxmlformats.org/presentationml/2006/ole">
               <mc:AlternateContent xmlns:mc="http://schemas.openxmlformats.org/markup-compatibility/2006">
                 <mc:Choice xmlns:v="urn:schemas-microsoft-com:vml" Requires="v">
-                  <p:oleObj spid="_x0000_s12487" name="AxMath" r:id="rId43" imgW="652680" imgH="228600" progId="Equation.AxMath">
+                  <p:oleObj spid="_x0000_s12531" name="AxMath" r:id="rId43" imgW="652680" imgH="228600" progId="Equation.AxMath">
                     <p:embed/>
                   </p:oleObj>
                 </mc:Choice>
@@ -17477,7 +18092,7 @@
           <a:graphicData uri="http://schemas.openxmlformats.org/presentationml/2006/ole">
             <mc:AlternateContent xmlns:mc="http://schemas.openxmlformats.org/markup-compatibility/2006">
               <mc:Choice xmlns:v="urn:schemas-microsoft-com:vml" Requires="v">
-                <p:oleObj spid="_x0000_s10268" name="AxMath" r:id="rId4" imgW="110160" imgH="226440" progId="Equation.AxMath">
+                <p:oleObj spid="_x0000_s10270" name="AxMath" r:id="rId4" imgW="110160" imgH="226440" progId="Equation.AxMath">
                   <p:embed/>
                 </p:oleObj>
               </mc:Choice>

--- a/冷原子物理图片.pptx
+++ b/冷原子物理图片.pptx
@@ -3902,7 +3902,7 @@
             <a:graphicData uri="http://schemas.openxmlformats.org/presentationml/2006/ole">
               <mc:AlternateContent xmlns:mc="http://schemas.openxmlformats.org/markup-compatibility/2006">
                 <mc:Choice xmlns:v="urn:schemas-microsoft-com:vml" Requires="v">
-                  <p:oleObj spid="_x0000_s1762" name="AxMath" r:id="rId3" imgW="258840" imgH="235800" progId="Equation.AxMath">
+                  <p:oleObj spid="_x0000_s1776" name="AxMath" r:id="rId3" imgW="258840" imgH="235800" progId="Equation.AxMath">
                     <p:embed/>
                   </p:oleObj>
                 </mc:Choice>
@@ -3965,7 +3965,7 @@
             <a:graphicData uri="http://schemas.openxmlformats.org/presentationml/2006/ole">
               <mc:AlternateContent xmlns:mc="http://schemas.openxmlformats.org/markup-compatibility/2006">
                 <mc:Choice xmlns:v="urn:schemas-microsoft-com:vml" Requires="v">
-                  <p:oleObj spid="_x0000_s1763" name="AxMath" r:id="rId5" imgW="255960" imgH="235800" progId="Equation.AxMath">
+                  <p:oleObj spid="_x0000_s1777" name="AxMath" r:id="rId5" imgW="255960" imgH="235800" progId="Equation.AxMath">
                     <p:embed/>
                   </p:oleObj>
                 </mc:Choice>
@@ -4116,7 +4116,7 @@
             <a:graphicData uri="http://schemas.openxmlformats.org/presentationml/2006/ole">
               <mc:AlternateContent xmlns:mc="http://schemas.openxmlformats.org/markup-compatibility/2006">
                 <mc:Choice xmlns:v="urn:schemas-microsoft-com:vml" Requires="v">
-                  <p:oleObj spid="_x0000_s1764" name="AxMath" r:id="rId7" imgW="187200" imgH="228600" progId="Equation.AxMath">
+                  <p:oleObj spid="_x0000_s1778" name="AxMath" r:id="rId7" imgW="187200" imgH="228600" progId="Equation.AxMath">
                     <p:embed/>
                   </p:oleObj>
                 </mc:Choice>
@@ -4179,7 +4179,7 @@
             <a:graphicData uri="http://schemas.openxmlformats.org/presentationml/2006/ole">
               <mc:AlternateContent xmlns:mc="http://schemas.openxmlformats.org/markup-compatibility/2006">
                 <mc:Choice xmlns:v="urn:schemas-microsoft-com:vml" Requires="v">
-                  <p:oleObj spid="_x0000_s1765" name="AxMath" r:id="rId9" imgW="169920" imgH="228600" progId="Equation.AxMath">
+                  <p:oleObj spid="_x0000_s1779" name="AxMath" r:id="rId9" imgW="169920" imgH="228600" progId="Equation.AxMath">
                     <p:embed/>
                   </p:oleObj>
                 </mc:Choice>
@@ -4287,7 +4287,7 @@
             <a:graphicData uri="http://schemas.openxmlformats.org/presentationml/2006/ole">
               <mc:AlternateContent xmlns:mc="http://schemas.openxmlformats.org/markup-compatibility/2006">
                 <mc:Choice xmlns:v="urn:schemas-microsoft-com:vml" Requires="v">
-                  <p:oleObj spid="_x0000_s1766" name="AxMath" r:id="rId11" imgW="187200" imgH="228600" progId="Equation.AxMath">
+                  <p:oleObj spid="_x0000_s1780" name="AxMath" r:id="rId11" imgW="187200" imgH="228600" progId="Equation.AxMath">
                     <p:embed/>
                   </p:oleObj>
                 </mc:Choice>
@@ -4400,7 +4400,7 @@
             <a:graphicData uri="http://schemas.openxmlformats.org/presentationml/2006/ole">
               <mc:AlternateContent xmlns:mc="http://schemas.openxmlformats.org/markup-compatibility/2006">
                 <mc:Choice xmlns:v="urn:schemas-microsoft-com:vml" Requires="v">
-                  <p:oleObj spid="_x0000_s1767" name="AxMath" r:id="rId13" imgW="169920" imgH="228600" progId="Equation.AxMath">
+                  <p:oleObj spid="_x0000_s1781" name="AxMath" r:id="rId13" imgW="169920" imgH="228600" progId="Equation.AxMath">
                     <p:embed/>
                   </p:oleObj>
                 </mc:Choice>
@@ -4514,7 +4514,7 @@
             <a:graphicData uri="http://schemas.openxmlformats.org/presentationml/2006/ole">
               <mc:AlternateContent xmlns:mc="http://schemas.openxmlformats.org/markup-compatibility/2006">
                 <mc:Choice xmlns:v="urn:schemas-microsoft-com:vml" Requires="v">
-                  <p:oleObj spid="_x0000_s1768" name="AxMath" r:id="rId15" imgW="119160" imgH="226440" progId="Equation.AxMath">
+                  <p:oleObj spid="_x0000_s1782" name="AxMath" r:id="rId15" imgW="119160" imgH="226440" progId="Equation.AxMath">
                     <p:embed/>
                   </p:oleObj>
                 </mc:Choice>
@@ -4844,7 +4844,7 @@
             <a:graphicData uri="http://schemas.openxmlformats.org/presentationml/2006/ole">
               <mc:AlternateContent xmlns:mc="http://schemas.openxmlformats.org/markup-compatibility/2006">
                 <mc:Choice xmlns:v="urn:schemas-microsoft-com:vml" Requires="v">
-                  <p:oleObj spid="_x0000_s13458" name="AxMath" r:id="rId3" imgW="99000" imgH="226440" progId="Equation.AxMath">
+                  <p:oleObj spid="_x0000_s13482" name="AxMath" r:id="rId3" imgW="99000" imgH="226440" progId="Equation.AxMath">
                     <p:embed/>
                   </p:oleObj>
                 </mc:Choice>
@@ -4907,7 +4907,7 @@
             <a:graphicData uri="http://schemas.openxmlformats.org/presentationml/2006/ole">
               <mc:AlternateContent xmlns:mc="http://schemas.openxmlformats.org/markup-compatibility/2006">
                 <mc:Choice xmlns:v="urn:schemas-microsoft-com:vml" Requires="v">
-                  <p:oleObj spid="_x0000_s13459" name="AxMath" r:id="rId5" imgW="99000" imgH="226440" progId="Equation.AxMath">
+                  <p:oleObj spid="_x0000_s13483" name="AxMath" r:id="rId5" imgW="99000" imgH="226440" progId="Equation.AxMath">
                     <p:embed/>
                   </p:oleObj>
                 </mc:Choice>
@@ -4976,7 +4976,7 @@
             <a:graphicData uri="http://schemas.openxmlformats.org/presentationml/2006/ole">
               <mc:AlternateContent xmlns:mc="http://schemas.openxmlformats.org/markup-compatibility/2006">
                 <mc:Choice xmlns:v="urn:schemas-microsoft-com:vml" Requires="v">
-                  <p:oleObj spid="_x0000_s13460" name="AxMath" r:id="rId6" imgW="101520" imgH="226440" progId="Equation.AxMath">
+                  <p:oleObj spid="_x0000_s13484" name="AxMath" r:id="rId6" imgW="101520" imgH="226440" progId="Equation.AxMath">
                     <p:embed/>
                   </p:oleObj>
                 </mc:Choice>
@@ -5039,7 +5039,7 @@
             <a:graphicData uri="http://schemas.openxmlformats.org/presentationml/2006/ole">
               <mc:AlternateContent xmlns:mc="http://schemas.openxmlformats.org/markup-compatibility/2006">
                 <mc:Choice xmlns:v="urn:schemas-microsoft-com:vml" Requires="v">
-                  <p:oleObj spid="_x0000_s13461" name="AxMath" r:id="rId8" imgW="101520" imgH="226440" progId="Equation.AxMath">
+                  <p:oleObj spid="_x0000_s13485" name="AxMath" r:id="rId8" imgW="101520" imgH="226440" progId="Equation.AxMath">
                     <p:embed/>
                   </p:oleObj>
                 </mc:Choice>
@@ -5108,7 +5108,7 @@
             <a:graphicData uri="http://schemas.openxmlformats.org/presentationml/2006/ole">
               <mc:AlternateContent xmlns:mc="http://schemas.openxmlformats.org/markup-compatibility/2006">
                 <mc:Choice xmlns:v="urn:schemas-microsoft-com:vml" Requires="v">
-                  <p:oleObj spid="_x0000_s13462" name="AxMath" r:id="rId9" imgW="766800" imgH="283680" progId="Equation.AxMath">
+                  <p:oleObj spid="_x0000_s13486" name="AxMath" r:id="rId9" imgW="766800" imgH="283680" progId="Equation.AxMath">
                     <p:embed/>
                   </p:oleObj>
                 </mc:Choice>
@@ -5171,7 +5171,7 @@
             <a:graphicData uri="http://schemas.openxmlformats.org/presentationml/2006/ole">
               <mc:AlternateContent xmlns:mc="http://schemas.openxmlformats.org/markup-compatibility/2006">
                 <mc:Choice xmlns:v="urn:schemas-microsoft-com:vml" Requires="v">
-                  <p:oleObj spid="_x0000_s13463" name="AxMath" r:id="rId11" imgW="818640" imgH="283680" progId="Equation.AxMath">
+                  <p:oleObj spid="_x0000_s13487" name="AxMath" r:id="rId11" imgW="818640" imgH="283680" progId="Equation.AxMath">
                     <p:embed/>
                   </p:oleObj>
                 </mc:Choice>
@@ -5240,7 +5240,7 @@
             <a:graphicData uri="http://schemas.openxmlformats.org/presentationml/2006/ole">
               <mc:AlternateContent xmlns:mc="http://schemas.openxmlformats.org/markup-compatibility/2006">
                 <mc:Choice xmlns:v="urn:schemas-microsoft-com:vml" Requires="v">
-                  <p:oleObj spid="_x0000_s13464" name="AxMath" r:id="rId13" imgW="744120" imgH="239400" progId="Equation.AxMath">
+                  <p:oleObj spid="_x0000_s13488" name="AxMath" r:id="rId13" imgW="744120" imgH="239400" progId="Equation.AxMath">
                     <p:embed/>
                   </p:oleObj>
                 </mc:Choice>
@@ -5572,7 +5572,7 @@
             <a:graphicData uri="http://schemas.openxmlformats.org/presentationml/2006/ole">
               <mc:AlternateContent xmlns:mc="http://schemas.openxmlformats.org/markup-compatibility/2006">
                 <mc:Choice xmlns:v="urn:schemas-microsoft-com:vml" Requires="v">
-                  <p:oleObj spid="_x0000_s13465" name="AxMath" r:id="rId15" imgW="136800" imgH="228600" progId="Equation.AxMath">
+                  <p:oleObj spid="_x0000_s13489" name="AxMath" r:id="rId15" imgW="136800" imgH="228600" progId="Equation.AxMath">
                     <p:embed/>
                   </p:oleObj>
                 </mc:Choice>
@@ -5641,7 +5641,7 @@
             <a:graphicData uri="http://schemas.openxmlformats.org/presentationml/2006/ole">
               <mc:AlternateContent xmlns:mc="http://schemas.openxmlformats.org/markup-compatibility/2006">
                 <mc:Choice xmlns:v="urn:schemas-microsoft-com:vml" Requires="v">
-                  <p:oleObj spid="_x0000_s13466" name="AxMath" r:id="rId17" imgW="154440" imgH="228600" progId="Equation.AxMath">
+                  <p:oleObj spid="_x0000_s13490" name="AxMath" r:id="rId17" imgW="154440" imgH="228600" progId="Equation.AxMath">
                     <p:embed/>
                   </p:oleObj>
                 </mc:Choice>
@@ -5710,7 +5710,7 @@
             <a:graphicData uri="http://schemas.openxmlformats.org/presentationml/2006/ole">
               <mc:AlternateContent xmlns:mc="http://schemas.openxmlformats.org/markup-compatibility/2006">
                 <mc:Choice xmlns:v="urn:schemas-microsoft-com:vml" Requires="v">
-                  <p:oleObj spid="_x0000_s13467" name="AxMath" r:id="rId19" imgW="139680" imgH="228600" progId="Equation.AxMath">
+                  <p:oleObj spid="_x0000_s13491" name="AxMath" r:id="rId19" imgW="139680" imgH="228600" progId="Equation.AxMath">
                     <p:embed/>
                   </p:oleObj>
                 </mc:Choice>
@@ -5773,7 +5773,7 @@
             <a:graphicData uri="http://schemas.openxmlformats.org/presentationml/2006/ole">
               <mc:AlternateContent xmlns:mc="http://schemas.openxmlformats.org/markup-compatibility/2006">
                 <mc:Choice xmlns:v="urn:schemas-microsoft-com:vml" Requires="v">
-                  <p:oleObj spid="_x0000_s13468" name="AxMath" r:id="rId21" imgW="156960" imgH="228600" progId="Equation.AxMath">
+                  <p:oleObj spid="_x0000_s13492" name="AxMath" r:id="rId21" imgW="156960" imgH="228600" progId="Equation.AxMath">
                     <p:embed/>
                   </p:oleObj>
                 </mc:Choice>
@@ -5842,7 +5842,7 @@
             <a:graphicData uri="http://schemas.openxmlformats.org/presentationml/2006/ole">
               <mc:AlternateContent xmlns:mc="http://schemas.openxmlformats.org/markup-compatibility/2006">
                 <mc:Choice xmlns:v="urn:schemas-microsoft-com:vml" Requires="v">
-                  <p:oleObj spid="_x0000_s13469" name="AxMath" r:id="rId23" imgW="694440" imgH="228600" progId="Equation.AxMath">
+                  <p:oleObj spid="_x0000_s13493" name="AxMath" r:id="rId23" imgW="694440" imgH="228600" progId="Equation.AxMath">
                     <p:embed/>
                   </p:oleObj>
                 </mc:Choice>
@@ -5965,7 +5965,7 @@
           <p:nvPr>
             <p:extLst>
               <p:ext uri="{D42A27DB-BD31-4B8C-83A1-F6EECF244321}">
-                <p14:modId xmlns:p14="http://schemas.microsoft.com/office/powerpoint/2010/main" val="962549989"/>
+                <p14:modId xmlns:p14="http://schemas.microsoft.com/office/powerpoint/2010/main" val="17654698"/>
               </p:ext>
             </p:extLst>
           </p:nvPr>
@@ -5978,7 +5978,7 @@
           <a:graphicData uri="http://schemas.openxmlformats.org/presentationml/2006/ole">
             <mc:AlternateContent xmlns:mc="http://schemas.openxmlformats.org/markup-compatibility/2006">
               <mc:Choice xmlns:v="urn:schemas-microsoft-com:vml" Requires="v">
-                <p:oleObj spid="_x0000_s14338" name="AxMath" r:id="rId3" imgW="3411000" imgH="465840" progId="Equation.AxMath">
+                <p:oleObj spid="_x0000_s14342" name="AxMath" r:id="rId3" imgW="3411000" imgH="465840" progId="Equation.AxMath">
                   <p:embed/>
                 </p:oleObj>
               </mc:Choice>
@@ -6198,7 +6198,7 @@
           <p:nvPr>
             <p:extLst>
               <p:ext uri="{D42A27DB-BD31-4B8C-83A1-F6EECF244321}">
-                <p14:modId xmlns:p14="http://schemas.microsoft.com/office/powerpoint/2010/main" val="294085603"/>
+                <p14:modId xmlns:p14="http://schemas.microsoft.com/office/powerpoint/2010/main" val="4204578233"/>
               </p:ext>
             </p:extLst>
           </p:nvPr>
@@ -6211,7 +6211,7 @@
           <a:graphicData uri="http://schemas.openxmlformats.org/presentationml/2006/ole">
             <mc:AlternateContent xmlns:mc="http://schemas.openxmlformats.org/markup-compatibility/2006">
               <mc:Choice xmlns:v="urn:schemas-microsoft-com:vml" Requires="v">
-                <p:oleObj spid="_x0000_s14339" name="AxMath" r:id="rId5" imgW="149760" imgH="228600" progId="Equation.AxMath">
+                <p:oleObj spid="_x0000_s14343" name="AxMath" r:id="rId5" imgW="149760" imgH="228600" progId="Equation.AxMath">
                   <p:embed/>
                 </p:oleObj>
               </mc:Choice>
@@ -6696,7 +6696,7 @@
             <a:graphicData uri="http://schemas.openxmlformats.org/presentationml/2006/ole">
               <mc:AlternateContent xmlns:mc="http://schemas.openxmlformats.org/markup-compatibility/2006">
                 <mc:Choice xmlns:v="urn:schemas-microsoft-com:vml" Requires="v">
-                  <p:oleObj spid="_x0000_s2444" name="AxMath" r:id="rId3" imgW="409680" imgH="228600" progId="Equation.AxMath">
+                  <p:oleObj spid="_x0000_s2452" name="AxMath" r:id="rId3" imgW="409680" imgH="228600" progId="Equation.AxMath">
                     <p:embed/>
                   </p:oleObj>
                 </mc:Choice>
@@ -6759,7 +6759,7 @@
             <a:graphicData uri="http://schemas.openxmlformats.org/presentationml/2006/ole">
               <mc:AlternateContent xmlns:mc="http://schemas.openxmlformats.org/markup-compatibility/2006">
                 <mc:Choice xmlns:v="urn:schemas-microsoft-com:vml" Requires="v">
-                  <p:oleObj spid="_x0000_s2445" name="AxMath" r:id="rId5" imgW="325080" imgH="226440" progId="Equation.AxMath">
+                  <p:oleObj spid="_x0000_s2453" name="AxMath" r:id="rId5" imgW="325080" imgH="226440" progId="Equation.AxMath">
                     <p:embed/>
                   </p:oleObj>
                 </mc:Choice>
@@ -7227,7 +7227,7 @@
             <a:graphicData uri="http://schemas.openxmlformats.org/presentationml/2006/ole">
               <mc:AlternateContent xmlns:mc="http://schemas.openxmlformats.org/markup-compatibility/2006">
                 <mc:Choice xmlns:v="urn:schemas-microsoft-com:vml" Requires="v">
-                  <p:oleObj spid="_x0000_s2446" name="AxMath" r:id="rId7" imgW="831600" imgH="228600" progId="Equation.AxMath">
+                  <p:oleObj spid="_x0000_s2454" name="AxMath" r:id="rId7" imgW="831600" imgH="228600" progId="Equation.AxMath">
                     <p:embed/>
                   </p:oleObj>
                 </mc:Choice>
@@ -7290,7 +7290,7 @@
             <a:graphicData uri="http://schemas.openxmlformats.org/presentationml/2006/ole">
               <mc:AlternateContent xmlns:mc="http://schemas.openxmlformats.org/markup-compatibility/2006">
                 <mc:Choice xmlns:v="urn:schemas-microsoft-com:vml" Requires="v">
-                  <p:oleObj spid="_x0000_s2447" name="AxMath" r:id="rId9" imgW="480240" imgH="228600" progId="Equation.AxMath">
+                  <p:oleObj spid="_x0000_s2455" name="AxMath" r:id="rId9" imgW="480240" imgH="228600" progId="Equation.AxMath">
                     <p:embed/>
                   </p:oleObj>
                 </mc:Choice>
@@ -7472,7 +7472,7 @@
           <a:graphicData uri="http://schemas.openxmlformats.org/presentationml/2006/ole">
             <mc:AlternateContent xmlns:mc="http://schemas.openxmlformats.org/markup-compatibility/2006">
               <mc:Choice xmlns:v="urn:schemas-microsoft-com:vml" Requires="v">
-                <p:oleObj spid="_x0000_s3549" name="AxMath" r:id="rId3" imgW="214920" imgH="235800" progId="Equation.AxMath">
+                <p:oleObj spid="_x0000_s3559" name="AxMath" r:id="rId3" imgW="214920" imgH="235800" progId="Equation.AxMath">
                   <p:embed/>
                 </p:oleObj>
               </mc:Choice>
@@ -7535,7 +7535,7 @@
           <a:graphicData uri="http://schemas.openxmlformats.org/presentationml/2006/ole">
             <mc:AlternateContent xmlns:mc="http://schemas.openxmlformats.org/markup-compatibility/2006">
               <mc:Choice xmlns:v="urn:schemas-microsoft-com:vml" Requires="v">
-                <p:oleObj spid="_x0000_s3550" name="AxMath" r:id="rId5" imgW="242280" imgH="235800" progId="Equation.AxMath">
+                <p:oleObj spid="_x0000_s3560" name="AxMath" r:id="rId5" imgW="242280" imgH="235800" progId="Equation.AxMath">
                   <p:embed/>
                 </p:oleObj>
               </mc:Choice>
@@ -7598,7 +7598,7 @@
           <a:graphicData uri="http://schemas.openxmlformats.org/presentationml/2006/ole">
             <mc:AlternateContent xmlns:mc="http://schemas.openxmlformats.org/markup-compatibility/2006">
               <mc:Choice xmlns:v="urn:schemas-microsoft-com:vml" Requires="v">
-                <p:oleObj spid="_x0000_s3551" name="AxMath" r:id="rId7" imgW="822600" imgH="825840" progId="Equation.AxMath">
+                <p:oleObj spid="_x0000_s3561" name="AxMath" r:id="rId7" imgW="822600" imgH="825840" progId="Equation.AxMath">
                   <p:embed/>
                 </p:oleObj>
               </mc:Choice>
@@ -7839,7 +7839,7 @@
           <a:graphicData uri="http://schemas.openxmlformats.org/presentationml/2006/ole">
             <mc:AlternateContent xmlns:mc="http://schemas.openxmlformats.org/markup-compatibility/2006">
               <mc:Choice xmlns:v="urn:schemas-microsoft-com:vml" Requires="v">
-                <p:oleObj spid="_x0000_s3552" name="AxMath" r:id="rId9" imgW="214920" imgH="235800" progId="Equation.AxMath">
+                <p:oleObj spid="_x0000_s3562" name="AxMath" r:id="rId9" imgW="214920" imgH="235800" progId="Equation.AxMath">
                   <p:embed/>
                 </p:oleObj>
               </mc:Choice>
@@ -7908,7 +7908,7 @@
           <a:graphicData uri="http://schemas.openxmlformats.org/presentationml/2006/ole">
             <mc:AlternateContent xmlns:mc="http://schemas.openxmlformats.org/markup-compatibility/2006">
               <mc:Choice xmlns:v="urn:schemas-microsoft-com:vml" Requires="v">
-                <p:oleObj spid="_x0000_s3553" name="AxMath" r:id="rId10" imgW="242280" imgH="235800" progId="Equation.AxMath">
+                <p:oleObj spid="_x0000_s3563" name="AxMath" r:id="rId10" imgW="242280" imgH="235800" progId="Equation.AxMath">
                   <p:embed/>
                 </p:oleObj>
               </mc:Choice>
@@ -8200,7 +8200,7 @@
             <a:graphicData uri="http://schemas.openxmlformats.org/presentationml/2006/ole">
               <mc:AlternateContent xmlns:mc="http://schemas.openxmlformats.org/markup-compatibility/2006">
                 <mc:Choice xmlns:v="urn:schemas-microsoft-com:vml" Requires="v">
-                  <p:oleObj spid="_x0000_s9720" name="AxMath" r:id="rId3" imgW="214920" imgH="235800" progId="Equation.AxMath">
+                  <p:oleObj spid="_x0000_s9756" name="AxMath" r:id="rId3" imgW="214920" imgH="235800" progId="Equation.AxMath">
                     <p:embed/>
                   </p:oleObj>
                 </mc:Choice>
@@ -8269,7 +8269,7 @@
             <a:graphicData uri="http://schemas.openxmlformats.org/presentationml/2006/ole">
               <mc:AlternateContent xmlns:mc="http://schemas.openxmlformats.org/markup-compatibility/2006">
                 <mc:Choice xmlns:v="urn:schemas-microsoft-com:vml" Requires="v">
-                  <p:oleObj spid="_x0000_s9721" name="AxMath" r:id="rId5" imgW="242280" imgH="235800" progId="Equation.AxMath">
+                  <p:oleObj spid="_x0000_s9757" name="AxMath" r:id="rId5" imgW="242280" imgH="235800" progId="Equation.AxMath">
                     <p:embed/>
                   </p:oleObj>
                 </mc:Choice>
@@ -8433,7 +8433,7 @@
             <a:graphicData uri="http://schemas.openxmlformats.org/presentationml/2006/ole">
               <mc:AlternateContent xmlns:mc="http://schemas.openxmlformats.org/markup-compatibility/2006">
                 <mc:Choice xmlns:v="urn:schemas-microsoft-com:vml" Requires="v">
-                  <p:oleObj spid="_x0000_s9722" name="AxMath" r:id="rId7" imgW="282600" imgH="235800" progId="Equation.AxMath">
+                  <p:oleObj spid="_x0000_s9758" name="AxMath" r:id="rId7" imgW="282600" imgH="235800" progId="Equation.AxMath">
                     <p:embed/>
                   </p:oleObj>
                 </mc:Choice>
@@ -8674,7 +8674,7 @@
             <a:graphicData uri="http://schemas.openxmlformats.org/presentationml/2006/ole">
               <mc:AlternateContent xmlns:mc="http://schemas.openxmlformats.org/markup-compatibility/2006">
                 <mc:Choice xmlns:v="urn:schemas-microsoft-com:vml" Requires="v">
-                  <p:oleObj spid="_x0000_s9723" name="AxMath" r:id="rId9" imgW="191520" imgH="228600" progId="Equation.AxMath">
+                  <p:oleObj spid="_x0000_s9759" name="AxMath" r:id="rId9" imgW="191520" imgH="228600" progId="Equation.AxMath">
                     <p:embed/>
                   </p:oleObj>
                 </mc:Choice>
@@ -8737,7 +8737,7 @@
             <a:graphicData uri="http://schemas.openxmlformats.org/presentationml/2006/ole">
               <mc:AlternateContent xmlns:mc="http://schemas.openxmlformats.org/markup-compatibility/2006">
                 <mc:Choice xmlns:v="urn:schemas-microsoft-com:vml" Requires="v">
-                  <p:oleObj spid="_x0000_s9724" name="AxMath" r:id="rId11" imgW="207720" imgH="228600" progId="Equation.AxMath">
+                  <p:oleObj spid="_x0000_s9760" name="AxMath" r:id="rId11" imgW="207720" imgH="228600" progId="Equation.AxMath">
                     <p:embed/>
                   </p:oleObj>
                 </mc:Choice>
@@ -8800,7 +8800,7 @@
             <a:graphicData uri="http://schemas.openxmlformats.org/presentationml/2006/ole">
               <mc:AlternateContent xmlns:mc="http://schemas.openxmlformats.org/markup-compatibility/2006">
                 <mc:Choice xmlns:v="urn:schemas-microsoft-com:vml" Requires="v">
-                  <p:oleObj spid="_x0000_s9725" name="AxMath" r:id="rId13" imgW="1371960" imgH="228600" progId="Equation.AxMath">
+                  <p:oleObj spid="_x0000_s9761" name="AxMath" r:id="rId13" imgW="1371960" imgH="228600" progId="Equation.AxMath">
                     <p:embed/>
                   </p:oleObj>
                 </mc:Choice>
@@ -8863,7 +8863,7 @@
             <a:graphicData uri="http://schemas.openxmlformats.org/presentationml/2006/ole">
               <mc:AlternateContent xmlns:mc="http://schemas.openxmlformats.org/markup-compatibility/2006">
                 <mc:Choice xmlns:v="urn:schemas-microsoft-com:vml" Requires="v">
-                  <p:oleObj spid="_x0000_s9726" name="AxMath" r:id="rId15" imgW="1390320" imgH="228600" progId="Equation.AxMath">
+                  <p:oleObj spid="_x0000_s9762" name="AxMath" r:id="rId15" imgW="1390320" imgH="228600" progId="Equation.AxMath">
                     <p:embed/>
                   </p:oleObj>
                 </mc:Choice>
@@ -8932,7 +8932,7 @@
             <a:graphicData uri="http://schemas.openxmlformats.org/presentationml/2006/ole">
               <mc:AlternateContent xmlns:mc="http://schemas.openxmlformats.org/markup-compatibility/2006">
                 <mc:Choice xmlns:v="urn:schemas-microsoft-com:vml" Requires="v">
-                  <p:oleObj spid="_x0000_s9727" name="AxMath" r:id="rId17" imgW="1400040" imgH="664560" progId="Equation.AxMath">
+                  <p:oleObj spid="_x0000_s9763" name="AxMath" r:id="rId17" imgW="1400040" imgH="664560" progId="Equation.AxMath">
                     <p:embed/>
                   </p:oleObj>
                 </mc:Choice>
@@ -8995,7 +8995,7 @@
             <a:graphicData uri="http://schemas.openxmlformats.org/presentationml/2006/ole">
               <mc:AlternateContent xmlns:mc="http://schemas.openxmlformats.org/markup-compatibility/2006">
                 <mc:Choice xmlns:v="urn:schemas-microsoft-com:vml" Requires="v">
-                  <p:oleObj spid="_x0000_s9728" name="AxMath" r:id="rId19" imgW="889920" imgH="228600" progId="Equation.AxMath">
+                  <p:oleObj spid="_x0000_s9764" name="AxMath" r:id="rId19" imgW="889920" imgH="228600" progId="Equation.AxMath">
                     <p:embed/>
                   </p:oleObj>
                 </mc:Choice>
@@ -9309,7 +9309,7 @@
             <a:graphicData uri="http://schemas.openxmlformats.org/presentationml/2006/ole">
               <mc:AlternateContent xmlns:mc="http://schemas.openxmlformats.org/markup-compatibility/2006">
                 <mc:Choice xmlns:v="urn:schemas-microsoft-com:vml" Requires="v">
-                  <p:oleObj spid="_x0000_s9729" name="AxMath" r:id="rId21" imgW="887400" imgH="263520" progId="Equation.AxMath">
+                  <p:oleObj spid="_x0000_s9765" name="AxMath" r:id="rId21" imgW="887400" imgH="263520" progId="Equation.AxMath">
                     <p:embed/>
                   </p:oleObj>
                 </mc:Choice>
@@ -9372,7 +9372,7 @@
             <a:graphicData uri="http://schemas.openxmlformats.org/presentationml/2006/ole">
               <mc:AlternateContent xmlns:mc="http://schemas.openxmlformats.org/markup-compatibility/2006">
                 <mc:Choice xmlns:v="urn:schemas-microsoft-com:vml" Requires="v">
-                  <p:oleObj spid="_x0000_s9730" name="AxMath" r:id="rId23" imgW="286920" imgH="235800" progId="Equation.AxMath">
+                  <p:oleObj spid="_x0000_s9766" name="AxMath" r:id="rId23" imgW="286920" imgH="235800" progId="Equation.AxMath">
                     <p:embed/>
                   </p:oleObj>
                 </mc:Choice>
@@ -9603,7 +9603,7 @@
             <a:graphicData uri="http://schemas.openxmlformats.org/presentationml/2006/ole">
               <mc:AlternateContent xmlns:mc="http://schemas.openxmlformats.org/markup-compatibility/2006">
                 <mc:Choice xmlns:v="urn:schemas-microsoft-com:vml" Requires="v">
-                  <p:oleObj spid="_x0000_s9731" name="AxMath" r:id="rId25" imgW="214920" imgH="235800" progId="Equation.AxMath">
+                  <p:oleObj spid="_x0000_s9767" name="AxMath" r:id="rId25" imgW="214920" imgH="235800" progId="Equation.AxMath">
                     <p:embed/>
                   </p:oleObj>
                 </mc:Choice>
@@ -9672,7 +9672,7 @@
             <a:graphicData uri="http://schemas.openxmlformats.org/presentationml/2006/ole">
               <mc:AlternateContent xmlns:mc="http://schemas.openxmlformats.org/markup-compatibility/2006">
                 <mc:Choice xmlns:v="urn:schemas-microsoft-com:vml" Requires="v">
-                  <p:oleObj spid="_x0000_s9732" name="AxMath" r:id="rId26" imgW="242280" imgH="235800" progId="Equation.AxMath">
+                  <p:oleObj spid="_x0000_s9768" name="AxMath" r:id="rId26" imgW="242280" imgH="235800" progId="Equation.AxMath">
                     <p:embed/>
                   </p:oleObj>
                 </mc:Choice>
@@ -9741,7 +9741,7 @@
             <a:graphicData uri="http://schemas.openxmlformats.org/presentationml/2006/ole">
               <mc:AlternateContent xmlns:mc="http://schemas.openxmlformats.org/markup-compatibility/2006">
                 <mc:Choice xmlns:v="urn:schemas-microsoft-com:vml" Requires="v">
-                  <p:oleObj spid="_x0000_s9733" name="AxMath" r:id="rId27" imgW="980640" imgH="228600" progId="Equation.AxMath">
+                  <p:oleObj spid="_x0000_s9769" name="AxMath" r:id="rId27" imgW="980640" imgH="228600" progId="Equation.AxMath">
                     <p:embed/>
                   </p:oleObj>
                 </mc:Choice>
@@ -9804,7 +9804,7 @@
             <a:graphicData uri="http://schemas.openxmlformats.org/presentationml/2006/ole">
               <mc:AlternateContent xmlns:mc="http://schemas.openxmlformats.org/markup-compatibility/2006">
                 <mc:Choice xmlns:v="urn:schemas-microsoft-com:vml" Requires="v">
-                  <p:oleObj spid="_x0000_s9734" name="AxMath" r:id="rId29" imgW="980640" imgH="228600" progId="Equation.AxMath">
+                  <p:oleObj spid="_x0000_s9770" name="AxMath" r:id="rId29" imgW="980640" imgH="228600" progId="Equation.AxMath">
                     <p:embed/>
                   </p:oleObj>
                 </mc:Choice>
@@ -9926,7 +9926,7 @@
             <a:graphicData uri="http://schemas.openxmlformats.org/presentationml/2006/ole">
               <mc:AlternateContent xmlns:mc="http://schemas.openxmlformats.org/markup-compatibility/2006">
                 <mc:Choice xmlns:v="urn:schemas-microsoft-com:vml" Requires="v">
-                  <p:oleObj spid="_x0000_s9735" name="AxMath" r:id="rId31" imgW="286920" imgH="235800" progId="Equation.AxMath">
+                  <p:oleObj spid="_x0000_s9771" name="AxMath" r:id="rId31" imgW="286920" imgH="235800" progId="Equation.AxMath">
                     <p:embed/>
                   </p:oleObj>
                 </mc:Choice>
@@ -9995,7 +9995,7 @@
             <a:graphicData uri="http://schemas.openxmlformats.org/presentationml/2006/ole">
               <mc:AlternateContent xmlns:mc="http://schemas.openxmlformats.org/markup-compatibility/2006">
                 <mc:Choice xmlns:v="urn:schemas-microsoft-com:vml" Requires="v">
-                  <p:oleObj spid="_x0000_s9736" name="AxMath" r:id="rId32" imgW="891360" imgH="235800" progId="Equation.AxMath">
+                  <p:oleObj spid="_x0000_s9772" name="AxMath" r:id="rId32" imgW="891360" imgH="235800" progId="Equation.AxMath">
                     <p:embed/>
                   </p:oleObj>
                 </mc:Choice>
@@ -10058,7 +10058,7 @@
             <a:graphicData uri="http://schemas.openxmlformats.org/presentationml/2006/ole">
               <mc:AlternateContent xmlns:mc="http://schemas.openxmlformats.org/markup-compatibility/2006">
                 <mc:Choice xmlns:v="urn:schemas-microsoft-com:vml" Requires="v">
-                  <p:oleObj spid="_x0000_s9737" name="AxMath" r:id="rId34" imgW="969120" imgH="235800" progId="Equation.AxMath">
+                  <p:oleObj spid="_x0000_s9773" name="AxMath" r:id="rId34" imgW="969120" imgH="235800" progId="Equation.AxMath">
                     <p:embed/>
                   </p:oleObj>
                 </mc:Choice>
@@ -10309,7 +10309,7 @@
             <a:graphicData uri="http://schemas.openxmlformats.org/presentationml/2006/ole">
               <mc:AlternateContent xmlns:mc="http://schemas.openxmlformats.org/markup-compatibility/2006">
                 <mc:Choice xmlns:v="urn:schemas-microsoft-com:vml" Requires="v">
-                  <p:oleObj spid="_x0000_s5776" name="AxMath" r:id="rId3" imgW="826200" imgH="239400" progId="Equation.AxMath">
+                  <p:oleObj spid="_x0000_s5794" name="AxMath" r:id="rId3" imgW="826200" imgH="239400" progId="Equation.AxMath">
                     <p:embed/>
                   </p:oleObj>
                 </mc:Choice>
@@ -10372,7 +10372,7 @@
             <a:graphicData uri="http://schemas.openxmlformats.org/presentationml/2006/ole">
               <mc:AlternateContent xmlns:mc="http://schemas.openxmlformats.org/markup-compatibility/2006">
                 <mc:Choice xmlns:v="urn:schemas-microsoft-com:vml" Requires="v">
-                  <p:oleObj spid="_x0000_s5777" name="AxMath" r:id="rId5" imgW="354240" imgH="235800" progId="Equation.AxMath">
+                  <p:oleObj spid="_x0000_s5795" name="AxMath" r:id="rId5" imgW="354240" imgH="235800" progId="Equation.AxMath">
                     <p:embed/>
                   </p:oleObj>
                 </mc:Choice>
@@ -10585,7 +10585,7 @@
             <a:graphicData uri="http://schemas.openxmlformats.org/presentationml/2006/ole">
               <mc:AlternateContent xmlns:mc="http://schemas.openxmlformats.org/markup-compatibility/2006">
                 <mc:Choice xmlns:v="urn:schemas-microsoft-com:vml" Requires="v">
-                  <p:oleObj spid="_x0000_s5778" name="AxMath" r:id="rId7" imgW="396360" imgH="417600" progId="Equation.AxMath">
+                  <p:oleObj spid="_x0000_s5796" name="AxMath" r:id="rId7" imgW="396360" imgH="417600" progId="Equation.AxMath">
                     <p:embed/>
                   </p:oleObj>
                 </mc:Choice>
@@ -10648,7 +10648,7 @@
             <a:graphicData uri="http://schemas.openxmlformats.org/presentationml/2006/ole">
               <mc:AlternateContent xmlns:mc="http://schemas.openxmlformats.org/markup-compatibility/2006">
                 <mc:Choice xmlns:v="urn:schemas-microsoft-com:vml" Requires="v">
-                  <p:oleObj spid="_x0000_s5779" name="AxMath" r:id="rId9" imgW="438840" imgH="417600" progId="Equation.AxMath">
+                  <p:oleObj spid="_x0000_s5797" name="AxMath" r:id="rId9" imgW="438840" imgH="417600" progId="Equation.AxMath">
                     <p:embed/>
                   </p:oleObj>
                 </mc:Choice>
@@ -10717,7 +10717,7 @@
             <a:graphicData uri="http://schemas.openxmlformats.org/presentationml/2006/ole">
               <mc:AlternateContent xmlns:mc="http://schemas.openxmlformats.org/markup-compatibility/2006">
                 <mc:Choice xmlns:v="urn:schemas-microsoft-com:vml" Requires="v">
-                  <p:oleObj spid="_x0000_s5780" name="AxMath" r:id="rId11" imgW="149760" imgH="228600" progId="Equation.AxMath">
+                  <p:oleObj spid="_x0000_s5798" name="AxMath" r:id="rId11" imgW="149760" imgH="228600" progId="Equation.AxMath">
                     <p:embed/>
                   </p:oleObj>
                 </mc:Choice>
@@ -10780,7 +10780,7 @@
             <a:graphicData uri="http://schemas.openxmlformats.org/presentationml/2006/ole">
               <mc:AlternateContent xmlns:mc="http://schemas.openxmlformats.org/markup-compatibility/2006">
                 <mc:Choice xmlns:v="urn:schemas-microsoft-com:vml" Requires="v">
-                  <p:oleObj spid="_x0000_s5781" name="AxMath" r:id="rId13" imgW="427680" imgH="228600" progId="Equation.AxMath">
+                  <p:oleObj spid="_x0000_s5799" name="AxMath" r:id="rId13" imgW="427680" imgH="228600" progId="Equation.AxMath">
                     <p:embed/>
                   </p:oleObj>
                 </mc:Choice>
@@ -10931,7 +10931,7 @@
             <a:graphicData uri="http://schemas.openxmlformats.org/presentationml/2006/ole">
               <mc:AlternateContent xmlns:mc="http://schemas.openxmlformats.org/markup-compatibility/2006">
                 <mc:Choice xmlns:v="urn:schemas-microsoft-com:vml" Requires="v">
-                  <p:oleObj spid="_x0000_s5782" name="AxMath" r:id="rId15" imgW="558720" imgH="228600" progId="Equation.AxMath">
+                  <p:oleObj spid="_x0000_s5800" name="AxMath" r:id="rId15" imgW="558720" imgH="228600" progId="Equation.AxMath">
                     <p:embed/>
                   </p:oleObj>
                 </mc:Choice>
@@ -10994,7 +10994,7 @@
             <a:graphicData uri="http://schemas.openxmlformats.org/presentationml/2006/ole">
               <mc:AlternateContent xmlns:mc="http://schemas.openxmlformats.org/markup-compatibility/2006">
                 <mc:Choice xmlns:v="urn:schemas-microsoft-com:vml" Requires="v">
-                  <p:oleObj spid="_x0000_s5783" name="AxMath" r:id="rId17" imgW="2189520" imgH="420840" progId="Equation.AxMath">
+                  <p:oleObj spid="_x0000_s5801" name="AxMath" r:id="rId17" imgW="2189520" imgH="420840" progId="Equation.AxMath">
                     <p:embed/>
                   </p:oleObj>
                 </mc:Choice>
@@ -11057,7 +11057,7 @@
             <a:graphicData uri="http://schemas.openxmlformats.org/presentationml/2006/ole">
               <mc:AlternateContent xmlns:mc="http://schemas.openxmlformats.org/markup-compatibility/2006">
                 <mc:Choice xmlns:v="urn:schemas-microsoft-com:vml" Requires="v">
-                  <p:oleObj spid="_x0000_s5784" name="AxMath" r:id="rId19" imgW="1568880" imgH="415800" progId="Equation.AxMath">
+                  <p:oleObj spid="_x0000_s5802" name="AxMath" r:id="rId19" imgW="1568880" imgH="415800" progId="Equation.AxMath">
                     <p:embed/>
                   </p:oleObj>
                 </mc:Choice>
@@ -11644,7 +11644,7 @@
             <a:graphicData uri="http://schemas.openxmlformats.org/presentationml/2006/ole">
               <mc:AlternateContent xmlns:mc="http://schemas.openxmlformats.org/markup-compatibility/2006">
                 <mc:Choice xmlns:v="urn:schemas-microsoft-com:vml" Requires="v">
-                  <p:oleObj spid="_x0000_s6338" name="AxMath" r:id="rId3" imgW="826200" imgH="239400" progId="Equation.AxMath">
+                  <p:oleObj spid="_x0000_s6344" name="AxMath" r:id="rId3" imgW="826200" imgH="239400" progId="Equation.AxMath">
                     <p:embed/>
                   </p:oleObj>
                 </mc:Choice>
@@ -11713,7 +11713,7 @@
             <a:graphicData uri="http://schemas.openxmlformats.org/presentationml/2006/ole">
               <mc:AlternateContent xmlns:mc="http://schemas.openxmlformats.org/markup-compatibility/2006">
                 <mc:Choice xmlns:v="urn:schemas-microsoft-com:vml" Requires="v">
-                  <p:oleObj spid="_x0000_s6339" name="AxMath" r:id="rId5" imgW="354240" imgH="235800" progId="Equation.AxMath">
+                  <p:oleObj spid="_x0000_s6345" name="AxMath" r:id="rId5" imgW="354240" imgH="235800" progId="Equation.AxMath">
                     <p:embed/>
                   </p:oleObj>
                 </mc:Choice>
@@ -11932,7 +11932,7 @@
             <a:graphicData uri="http://schemas.openxmlformats.org/presentationml/2006/ole">
               <mc:AlternateContent xmlns:mc="http://schemas.openxmlformats.org/markup-compatibility/2006">
                 <mc:Choice xmlns:v="urn:schemas-microsoft-com:vml" Requires="v">
-                  <p:oleObj spid="_x0000_s6340" name="AxMath" r:id="rId7" imgW="149760" imgH="228600" progId="Equation.AxMath">
+                  <p:oleObj spid="_x0000_s6346" name="AxMath" r:id="rId7" imgW="149760" imgH="228600" progId="Equation.AxMath">
                     <p:embed/>
                   </p:oleObj>
                 </mc:Choice>
@@ -12142,7 +12142,7 @@
           <a:graphicData uri="http://schemas.openxmlformats.org/presentationml/2006/ole">
             <mc:AlternateContent xmlns:mc="http://schemas.openxmlformats.org/markup-compatibility/2006">
               <mc:Choice xmlns:v="urn:schemas-microsoft-com:vml" Requires="v">
-                <p:oleObj spid="_x0000_s7232" name="AxMath" r:id="rId3" imgW="2948040" imgH="946800" progId="Equation.AxMath">
+                <p:oleObj spid="_x0000_s7234" name="AxMath" r:id="rId3" imgW="2948040" imgH="946800" progId="Equation.AxMath">
                   <p:embed/>
                 </p:oleObj>
               </mc:Choice>
@@ -12384,7 +12384,7 @@
             <a:graphicData uri="http://schemas.openxmlformats.org/presentationml/2006/ole">
               <mc:AlternateContent xmlns:mc="http://schemas.openxmlformats.org/markup-compatibility/2006">
                 <mc:Choice xmlns:v="urn:schemas-microsoft-com:vml" Requires="v">
-                  <p:oleObj spid="_x0000_s12510" name="AxMath" r:id="rId3" imgW="419760" imgH="228600" progId="Equation.AxMath">
+                  <p:oleObj spid="_x0000_s12554" name="AxMath" r:id="rId3" imgW="419760" imgH="228600" progId="Equation.AxMath">
                     <p:embed/>
                   </p:oleObj>
                 </mc:Choice>
@@ -12447,7 +12447,7 @@
             <a:graphicData uri="http://schemas.openxmlformats.org/presentationml/2006/ole">
               <mc:AlternateContent xmlns:mc="http://schemas.openxmlformats.org/markup-compatibility/2006">
                 <mc:Choice xmlns:v="urn:schemas-microsoft-com:vml" Requires="v">
-                  <p:oleObj spid="_x0000_s12511" name="AxMath" r:id="rId5" imgW="159120" imgH="228600" progId="Equation.AxMath">
+                  <p:oleObj spid="_x0000_s12555" name="AxMath" r:id="rId5" imgW="159120" imgH="228600" progId="Equation.AxMath">
                     <p:embed/>
                   </p:oleObj>
                 </mc:Choice>
@@ -12510,7 +12510,7 @@
             <a:graphicData uri="http://schemas.openxmlformats.org/presentationml/2006/ole">
               <mc:AlternateContent xmlns:mc="http://schemas.openxmlformats.org/markup-compatibility/2006">
                 <mc:Choice xmlns:v="urn:schemas-microsoft-com:vml" Requires="v">
-                  <p:oleObj spid="_x0000_s12512" name="AxMath" r:id="rId7" imgW="113760" imgH="226440" progId="Equation.AxMath">
+                  <p:oleObj spid="_x0000_s12556" name="AxMath" r:id="rId7" imgW="113760" imgH="226440" progId="Equation.AxMath">
                     <p:embed/>
                   </p:oleObj>
                 </mc:Choice>
@@ -12616,7 +12616,7 @@
             <a:graphicData uri="http://schemas.openxmlformats.org/presentationml/2006/ole">
               <mc:AlternateContent xmlns:mc="http://schemas.openxmlformats.org/markup-compatibility/2006">
                 <mc:Choice xmlns:v="urn:schemas-microsoft-com:vml" Requires="v">
-                  <p:oleObj spid="_x0000_s12513" name="AxMath" r:id="rId9" imgW="344880" imgH="228600" progId="Equation.AxMath">
+                  <p:oleObj spid="_x0000_s12557" name="AxMath" r:id="rId9" imgW="344880" imgH="228600" progId="Equation.AxMath">
                     <p:embed/>
                   </p:oleObj>
                 </mc:Choice>
@@ -12679,7 +12679,7 @@
             <a:graphicData uri="http://schemas.openxmlformats.org/presentationml/2006/ole">
               <mc:AlternateContent xmlns:mc="http://schemas.openxmlformats.org/markup-compatibility/2006">
                 <mc:Choice xmlns:v="urn:schemas-microsoft-com:vml" Requires="v">
-                  <p:oleObj spid="_x0000_s12514" name="AxMath" r:id="rId11" imgW="712800" imgH="228600" progId="Equation.AxMath">
+                  <p:oleObj spid="_x0000_s12558" name="AxMath" r:id="rId11" imgW="712800" imgH="228600" progId="Equation.AxMath">
                     <p:embed/>
                   </p:oleObj>
                 </mc:Choice>
@@ -12850,7 +12850,7 @@
             <a:graphicData uri="http://schemas.openxmlformats.org/presentationml/2006/ole">
               <mc:AlternateContent xmlns:mc="http://schemas.openxmlformats.org/markup-compatibility/2006">
                 <mc:Choice xmlns:v="urn:schemas-microsoft-com:vml" Requires="v">
-                  <p:oleObj spid="_x0000_s12515" name="AxMath" r:id="rId13" imgW="296280" imgH="415800" progId="Equation.AxMath">
+                  <p:oleObj spid="_x0000_s12559" name="AxMath" r:id="rId13" imgW="296280" imgH="415800" progId="Equation.AxMath">
                     <p:embed/>
                   </p:oleObj>
                 </mc:Choice>
@@ -13353,7 +13353,7 @@
             <a:graphicData uri="http://schemas.openxmlformats.org/presentationml/2006/ole">
               <mc:AlternateContent xmlns:mc="http://schemas.openxmlformats.org/markup-compatibility/2006">
                 <mc:Choice xmlns:v="urn:schemas-microsoft-com:vml" Requires="v">
-                  <p:oleObj spid="_x0000_s12516" name="AxMath" r:id="rId15" imgW="153360" imgH="228600" progId="Equation.AxMath">
+                  <p:oleObj spid="_x0000_s12560" name="AxMath" r:id="rId15" imgW="153360" imgH="228600" progId="Equation.AxMath">
                     <p:embed/>
                   </p:oleObj>
                 </mc:Choice>
@@ -13416,7 +13416,7 @@
             <a:graphicData uri="http://schemas.openxmlformats.org/presentationml/2006/ole">
               <mc:AlternateContent xmlns:mc="http://schemas.openxmlformats.org/markup-compatibility/2006">
                 <mc:Choice xmlns:v="urn:schemas-microsoft-com:vml" Requires="v">
-                  <p:oleObj spid="_x0000_s12517" name="AxMath" r:id="rId17" imgW="178560" imgH="228600" progId="Equation.AxMath">
+                  <p:oleObj spid="_x0000_s12561" name="AxMath" r:id="rId17" imgW="178560" imgH="228600" progId="Equation.AxMath">
                     <p:embed/>
                   </p:oleObj>
                 </mc:Choice>
@@ -13748,7 +13748,7 @@
             <a:graphicData uri="http://schemas.openxmlformats.org/presentationml/2006/ole">
               <mc:AlternateContent xmlns:mc="http://schemas.openxmlformats.org/markup-compatibility/2006">
                 <mc:Choice xmlns:v="urn:schemas-microsoft-com:vml" Requires="v">
-                  <p:oleObj spid="_x0000_s12518" name="AxMath" r:id="rId19" imgW="419760" imgH="228600" progId="Equation.AxMath">
+                  <p:oleObj spid="_x0000_s12562" name="AxMath" r:id="rId19" imgW="419760" imgH="228600" progId="Equation.AxMath">
                     <p:embed/>
                   </p:oleObj>
                 </mc:Choice>
@@ -13925,7 +13925,7 @@
             <a:graphicData uri="http://schemas.openxmlformats.org/presentationml/2006/ole">
               <mc:AlternateContent xmlns:mc="http://schemas.openxmlformats.org/markup-compatibility/2006">
                 <mc:Choice xmlns:v="urn:schemas-microsoft-com:vml" Requires="v">
-                  <p:oleObj spid="_x0000_s12519" name="AxMath" r:id="rId21" imgW="186840" imgH="415800" progId="Equation.AxMath">
+                  <p:oleObj spid="_x0000_s12563" name="AxMath" r:id="rId21" imgW="186840" imgH="415800" progId="Equation.AxMath">
                     <p:embed/>
                   </p:oleObj>
                 </mc:Choice>
@@ -14265,7 +14265,7 @@
             <a:graphicData uri="http://schemas.openxmlformats.org/presentationml/2006/ole">
               <mc:AlternateContent xmlns:mc="http://schemas.openxmlformats.org/markup-compatibility/2006">
                 <mc:Choice xmlns:v="urn:schemas-microsoft-com:vml" Requires="v">
-                  <p:oleObj spid="_x0000_s12520" name="AxMath" r:id="rId23" imgW="724320" imgH="230400" progId="Equation.AxMath">
+                  <p:oleObj spid="_x0000_s12564" name="AxMath" r:id="rId23" imgW="724320" imgH="230400" progId="Equation.AxMath">
                     <p:embed/>
                   </p:oleObj>
                 </mc:Choice>
@@ -14415,7 +14415,7 @@
             <a:graphicData uri="http://schemas.openxmlformats.org/presentationml/2006/ole">
               <mc:AlternateContent xmlns:mc="http://schemas.openxmlformats.org/markup-compatibility/2006">
                 <mc:Choice xmlns:v="urn:schemas-microsoft-com:vml" Requires="v">
-                  <p:oleObj spid="_x0000_s12521" name="AxMath" r:id="rId25" imgW="451080" imgH="228600" progId="Equation.AxMath">
+                  <p:oleObj spid="_x0000_s12565" name="AxMath" r:id="rId25" imgW="451080" imgH="228600" progId="Equation.AxMath">
                     <p:embed/>
                   </p:oleObj>
                 </mc:Choice>
@@ -14854,7 +14854,7 @@
             <a:graphicData uri="http://schemas.openxmlformats.org/presentationml/2006/ole">
               <mc:AlternateContent xmlns:mc="http://schemas.openxmlformats.org/markup-compatibility/2006">
                 <mc:Choice xmlns:v="urn:schemas-microsoft-com:vml" Requires="v">
-                  <p:oleObj spid="_x0000_s12522" name="AxMath" r:id="rId27" imgW="474840" imgH="228600" progId="Equation.AxMath">
+                  <p:oleObj spid="_x0000_s12566" name="AxMath" r:id="rId27" imgW="474840" imgH="228600" progId="Equation.AxMath">
                     <p:embed/>
                   </p:oleObj>
                 </mc:Choice>
@@ -15089,7 +15089,7 @@
             <a:graphicData uri="http://schemas.openxmlformats.org/presentationml/2006/ole">
               <mc:AlternateContent xmlns:mc="http://schemas.openxmlformats.org/markup-compatibility/2006">
                 <mc:Choice xmlns:v="urn:schemas-microsoft-com:vml" Requires="v">
-                  <p:oleObj spid="_x0000_s12523" name="AxMath" r:id="rId29" imgW="354240" imgH="235800" progId="Equation.AxMath">
+                  <p:oleObj spid="_x0000_s12567" name="AxMath" r:id="rId29" imgW="354240" imgH="235800" progId="Equation.AxMath">
                     <p:embed/>
                   </p:oleObj>
                 </mc:Choice>
@@ -15152,7 +15152,7 @@
             <a:graphicData uri="http://schemas.openxmlformats.org/presentationml/2006/ole">
               <mc:AlternateContent xmlns:mc="http://schemas.openxmlformats.org/markup-compatibility/2006">
                 <mc:Choice xmlns:v="urn:schemas-microsoft-com:vml" Requires="v">
-                  <p:oleObj spid="_x0000_s12524" name="AxMath" r:id="rId31" imgW="110520" imgH="226440" progId="Equation.AxMath">
+                  <p:oleObj spid="_x0000_s12568" name="AxMath" r:id="rId31" imgW="110520" imgH="226440" progId="Equation.AxMath">
                     <p:embed/>
                   </p:oleObj>
                 </mc:Choice>
@@ -15215,7 +15215,7 @@
             <a:graphicData uri="http://schemas.openxmlformats.org/presentationml/2006/ole">
               <mc:AlternateContent xmlns:mc="http://schemas.openxmlformats.org/markup-compatibility/2006">
                 <mc:Choice xmlns:v="urn:schemas-microsoft-com:vml" Requires="v">
-                  <p:oleObj spid="_x0000_s12525" name="AxMath" r:id="rId33" imgW="149760" imgH="228600" progId="Equation.AxMath">
+                  <p:oleObj spid="_x0000_s12569" name="AxMath" r:id="rId33" imgW="149760" imgH="228600" progId="Equation.AxMath">
                     <p:embed/>
                   </p:oleObj>
                 </mc:Choice>
@@ -15320,7 +15320,7 @@
             <a:graphicData uri="http://schemas.openxmlformats.org/presentationml/2006/ole">
               <mc:AlternateContent xmlns:mc="http://schemas.openxmlformats.org/markup-compatibility/2006">
                 <mc:Choice xmlns:v="urn:schemas-microsoft-com:vml" Requires="v">
-                  <p:oleObj spid="_x0000_s12526" name="AxMath" r:id="rId35" imgW="178560" imgH="228600" progId="Equation.AxMath">
+                  <p:oleObj spid="_x0000_s12570" name="AxMath" r:id="rId35" imgW="178560" imgH="228600" progId="Equation.AxMath">
                     <p:embed/>
                   </p:oleObj>
                 </mc:Choice>
@@ -16608,7 +16608,7 @@
             <a:graphicData uri="http://schemas.openxmlformats.org/presentationml/2006/ole">
               <mc:AlternateContent xmlns:mc="http://schemas.openxmlformats.org/markup-compatibility/2006">
                 <mc:Choice xmlns:v="urn:schemas-microsoft-com:vml" Requires="v">
-                  <p:oleObj spid="_x0000_s12527" name="AxMath" r:id="rId36" imgW="332640" imgH="226440" progId="Equation.AxMath">
+                  <p:oleObj spid="_x0000_s12571" name="AxMath" r:id="rId36" imgW="332640" imgH="226440" progId="Equation.AxMath">
                     <p:embed/>
                   </p:oleObj>
                 </mc:Choice>
@@ -17423,7 +17423,7 @@
             <a:graphicData uri="http://schemas.openxmlformats.org/presentationml/2006/ole">
               <mc:AlternateContent xmlns:mc="http://schemas.openxmlformats.org/markup-compatibility/2006">
                 <mc:Choice xmlns:v="urn:schemas-microsoft-com:vml" Requires="v">
-                  <p:oleObj spid="_x0000_s12528" name="AxMath" r:id="rId38" imgW="110520" imgH="226440" progId="Equation.AxMath">
+                  <p:oleObj spid="_x0000_s12572" name="AxMath" r:id="rId38" imgW="110520" imgH="226440" progId="Equation.AxMath">
                     <p:embed/>
                   </p:oleObj>
                 </mc:Choice>
@@ -17492,7 +17492,7 @@
             <a:graphicData uri="http://schemas.openxmlformats.org/presentationml/2006/ole">
               <mc:AlternateContent xmlns:mc="http://schemas.openxmlformats.org/markup-compatibility/2006">
                 <mc:Choice xmlns:v="urn:schemas-microsoft-com:vml" Requires="v">
-                  <p:oleObj spid="_x0000_s12529" name="AxMath" r:id="rId39" imgW="150480" imgH="226440" progId="Equation.AxMath">
+                  <p:oleObj spid="_x0000_s12573" name="AxMath" r:id="rId39" imgW="150480" imgH="226440" progId="Equation.AxMath">
                     <p:embed/>
                   </p:oleObj>
                 </mc:Choice>
@@ -17561,7 +17561,7 @@
             <a:graphicData uri="http://schemas.openxmlformats.org/presentationml/2006/ole">
               <mc:AlternateContent xmlns:mc="http://schemas.openxmlformats.org/markup-compatibility/2006">
                 <mc:Choice xmlns:v="urn:schemas-microsoft-com:vml" Requires="v">
-                  <p:oleObj spid="_x0000_s12530" name="AxMath" r:id="rId41" imgW="799920" imgH="228600" progId="Equation.AxMath">
+                  <p:oleObj spid="_x0000_s12574" name="AxMath" r:id="rId41" imgW="799920" imgH="228600" progId="Equation.AxMath">
                     <p:embed/>
                   </p:oleObj>
                 </mc:Choice>
@@ -17630,7 +17630,7 @@
             <a:graphicData uri="http://schemas.openxmlformats.org/presentationml/2006/ole">
               <mc:AlternateContent xmlns:mc="http://schemas.openxmlformats.org/markup-compatibility/2006">
                 <mc:Choice xmlns:v="urn:schemas-microsoft-com:vml" Requires="v">
-                  <p:oleObj spid="_x0000_s12531" name="AxMath" r:id="rId43" imgW="652680" imgH="228600" progId="Equation.AxMath">
+                  <p:oleObj spid="_x0000_s12575" name="AxMath" r:id="rId43" imgW="652680" imgH="228600" progId="Equation.AxMath">
                     <p:embed/>
                   </p:oleObj>
                 </mc:Choice>
@@ -18092,7 +18092,7 @@
           <a:graphicData uri="http://schemas.openxmlformats.org/presentationml/2006/ole">
             <mc:AlternateContent xmlns:mc="http://schemas.openxmlformats.org/markup-compatibility/2006">
               <mc:Choice xmlns:v="urn:schemas-microsoft-com:vml" Requires="v">
-                <p:oleObj spid="_x0000_s10270" name="AxMath" r:id="rId4" imgW="110160" imgH="226440" progId="Equation.AxMath">
+                <p:oleObj spid="_x0000_s10272" name="AxMath" r:id="rId4" imgW="110160" imgH="226440" progId="Equation.AxMath">
                   <p:embed/>
                 </p:oleObj>
               </mc:Choice>

--- a/冷原子物理图片.pptx
+++ b/冷原子物理图片.pptx
@@ -207,7 +207,7 @@
           <a:p>
             <a:fld id="{13E984C5-265D-4B12-94E2-5039F96D2B20}" type="datetimeFigureOut">
               <a:rPr lang="zh-CN" altLang="en-US" smtClean="0"/>
-              <a:t>2025/11/22</a:t>
+              <a:t>2025/11/23</a:t>
             </a:fld>
             <a:endParaRPr lang="zh-CN" altLang="en-US"/>
           </a:p>
@@ -705,7 +705,7 @@
           <a:p>
             <a:fld id="{4E881B28-E9AF-4079-A117-83858D6A027B}" type="datetimeFigureOut">
               <a:rPr lang="zh-CN" altLang="en-US" smtClean="0"/>
-              <a:t>2025/11/22</a:t>
+              <a:t>2025/11/23</a:t>
             </a:fld>
             <a:endParaRPr lang="zh-CN" altLang="en-US"/>
           </a:p>
@@ -903,7 +903,7 @@
           <a:p>
             <a:fld id="{4E881B28-E9AF-4079-A117-83858D6A027B}" type="datetimeFigureOut">
               <a:rPr lang="zh-CN" altLang="en-US" smtClean="0"/>
-              <a:t>2025/11/22</a:t>
+              <a:t>2025/11/23</a:t>
             </a:fld>
             <a:endParaRPr lang="zh-CN" altLang="en-US"/>
           </a:p>
@@ -1111,7 +1111,7 @@
           <a:p>
             <a:fld id="{4E881B28-E9AF-4079-A117-83858D6A027B}" type="datetimeFigureOut">
               <a:rPr lang="zh-CN" altLang="en-US" smtClean="0"/>
-              <a:t>2025/11/22</a:t>
+              <a:t>2025/11/23</a:t>
             </a:fld>
             <a:endParaRPr lang="zh-CN" altLang="en-US"/>
           </a:p>
@@ -1309,7 +1309,7 @@
           <a:p>
             <a:fld id="{4E881B28-E9AF-4079-A117-83858D6A027B}" type="datetimeFigureOut">
               <a:rPr lang="zh-CN" altLang="en-US" smtClean="0"/>
-              <a:t>2025/11/22</a:t>
+              <a:t>2025/11/23</a:t>
             </a:fld>
             <a:endParaRPr lang="zh-CN" altLang="en-US"/>
           </a:p>
@@ -1584,7 +1584,7 @@
           <a:p>
             <a:fld id="{4E881B28-E9AF-4079-A117-83858D6A027B}" type="datetimeFigureOut">
               <a:rPr lang="zh-CN" altLang="en-US" smtClean="0"/>
-              <a:t>2025/11/22</a:t>
+              <a:t>2025/11/23</a:t>
             </a:fld>
             <a:endParaRPr lang="zh-CN" altLang="en-US"/>
           </a:p>
@@ -1849,7 +1849,7 @@
           <a:p>
             <a:fld id="{4E881B28-E9AF-4079-A117-83858D6A027B}" type="datetimeFigureOut">
               <a:rPr lang="zh-CN" altLang="en-US" smtClean="0"/>
-              <a:t>2025/11/22</a:t>
+              <a:t>2025/11/23</a:t>
             </a:fld>
             <a:endParaRPr lang="zh-CN" altLang="en-US"/>
           </a:p>
@@ -2261,7 +2261,7 @@
           <a:p>
             <a:fld id="{4E881B28-E9AF-4079-A117-83858D6A027B}" type="datetimeFigureOut">
               <a:rPr lang="zh-CN" altLang="en-US" smtClean="0"/>
-              <a:t>2025/11/22</a:t>
+              <a:t>2025/11/23</a:t>
             </a:fld>
             <a:endParaRPr lang="zh-CN" altLang="en-US"/>
           </a:p>
@@ -2402,7 +2402,7 @@
           <a:p>
             <a:fld id="{4E881B28-E9AF-4079-A117-83858D6A027B}" type="datetimeFigureOut">
               <a:rPr lang="zh-CN" altLang="en-US" smtClean="0"/>
-              <a:t>2025/11/22</a:t>
+              <a:t>2025/11/23</a:t>
             </a:fld>
             <a:endParaRPr lang="zh-CN" altLang="en-US"/>
           </a:p>
@@ -2515,7 +2515,7 @@
           <a:p>
             <a:fld id="{4E881B28-E9AF-4079-A117-83858D6A027B}" type="datetimeFigureOut">
               <a:rPr lang="zh-CN" altLang="en-US" smtClean="0"/>
-              <a:t>2025/11/22</a:t>
+              <a:t>2025/11/23</a:t>
             </a:fld>
             <a:endParaRPr lang="zh-CN" altLang="en-US"/>
           </a:p>
@@ -2826,7 +2826,7 @@
           <a:p>
             <a:fld id="{4E881B28-E9AF-4079-A117-83858D6A027B}" type="datetimeFigureOut">
               <a:rPr lang="zh-CN" altLang="en-US" smtClean="0"/>
-              <a:t>2025/11/22</a:t>
+              <a:t>2025/11/23</a:t>
             </a:fld>
             <a:endParaRPr lang="zh-CN" altLang="en-US"/>
           </a:p>
@@ -3114,7 +3114,7 @@
           <a:p>
             <a:fld id="{4E881B28-E9AF-4079-A117-83858D6A027B}" type="datetimeFigureOut">
               <a:rPr lang="zh-CN" altLang="en-US" smtClean="0"/>
-              <a:t>2025/11/22</a:t>
+              <a:t>2025/11/23</a:t>
             </a:fld>
             <a:endParaRPr lang="zh-CN" altLang="en-US"/>
           </a:p>
@@ -3355,7 +3355,7 @@
           <a:p>
             <a:fld id="{4E881B28-E9AF-4079-A117-83858D6A027B}" type="datetimeFigureOut">
               <a:rPr lang="zh-CN" altLang="en-US" smtClean="0"/>
-              <a:t>2025/11/22</a:t>
+              <a:t>2025/11/23</a:t>
             </a:fld>
             <a:endParaRPr lang="zh-CN" altLang="en-US"/>
           </a:p>
@@ -3902,7 +3902,7 @@
             <a:graphicData uri="http://schemas.openxmlformats.org/presentationml/2006/ole">
               <mc:AlternateContent xmlns:mc="http://schemas.openxmlformats.org/markup-compatibility/2006">
                 <mc:Choice xmlns:v="urn:schemas-microsoft-com:vml" Requires="v">
-                  <p:oleObj spid="_x0000_s1776" name="AxMath" r:id="rId3" imgW="258840" imgH="235800" progId="Equation.AxMath">
+                  <p:oleObj spid="_x0000_s1783" name="AxMath" r:id="rId3" imgW="258840" imgH="235800" progId="Equation.AxMath">
                     <p:embed/>
                   </p:oleObj>
                 </mc:Choice>
@@ -3965,7 +3965,7 @@
             <a:graphicData uri="http://schemas.openxmlformats.org/presentationml/2006/ole">
               <mc:AlternateContent xmlns:mc="http://schemas.openxmlformats.org/markup-compatibility/2006">
                 <mc:Choice xmlns:v="urn:schemas-microsoft-com:vml" Requires="v">
-                  <p:oleObj spid="_x0000_s1777" name="AxMath" r:id="rId5" imgW="255960" imgH="235800" progId="Equation.AxMath">
+                  <p:oleObj spid="_x0000_s1784" name="AxMath" r:id="rId5" imgW="255960" imgH="235800" progId="Equation.AxMath">
                     <p:embed/>
                   </p:oleObj>
                 </mc:Choice>
@@ -4116,7 +4116,7 @@
             <a:graphicData uri="http://schemas.openxmlformats.org/presentationml/2006/ole">
               <mc:AlternateContent xmlns:mc="http://schemas.openxmlformats.org/markup-compatibility/2006">
                 <mc:Choice xmlns:v="urn:schemas-microsoft-com:vml" Requires="v">
-                  <p:oleObj spid="_x0000_s1778" name="AxMath" r:id="rId7" imgW="187200" imgH="228600" progId="Equation.AxMath">
+                  <p:oleObj spid="_x0000_s1785" name="AxMath" r:id="rId7" imgW="187200" imgH="228600" progId="Equation.AxMath">
                     <p:embed/>
                   </p:oleObj>
                 </mc:Choice>
@@ -4179,7 +4179,7 @@
             <a:graphicData uri="http://schemas.openxmlformats.org/presentationml/2006/ole">
               <mc:AlternateContent xmlns:mc="http://schemas.openxmlformats.org/markup-compatibility/2006">
                 <mc:Choice xmlns:v="urn:schemas-microsoft-com:vml" Requires="v">
-                  <p:oleObj spid="_x0000_s1779" name="AxMath" r:id="rId9" imgW="169920" imgH="228600" progId="Equation.AxMath">
+                  <p:oleObj spid="_x0000_s1786" name="AxMath" r:id="rId9" imgW="169920" imgH="228600" progId="Equation.AxMath">
                     <p:embed/>
                   </p:oleObj>
                 </mc:Choice>
@@ -4287,7 +4287,7 @@
             <a:graphicData uri="http://schemas.openxmlformats.org/presentationml/2006/ole">
               <mc:AlternateContent xmlns:mc="http://schemas.openxmlformats.org/markup-compatibility/2006">
                 <mc:Choice xmlns:v="urn:schemas-microsoft-com:vml" Requires="v">
-                  <p:oleObj spid="_x0000_s1780" name="AxMath" r:id="rId11" imgW="187200" imgH="228600" progId="Equation.AxMath">
+                  <p:oleObj spid="_x0000_s1787" name="AxMath" r:id="rId11" imgW="187200" imgH="228600" progId="Equation.AxMath">
                     <p:embed/>
                   </p:oleObj>
                 </mc:Choice>
@@ -4400,7 +4400,7 @@
             <a:graphicData uri="http://schemas.openxmlformats.org/presentationml/2006/ole">
               <mc:AlternateContent xmlns:mc="http://schemas.openxmlformats.org/markup-compatibility/2006">
                 <mc:Choice xmlns:v="urn:schemas-microsoft-com:vml" Requires="v">
-                  <p:oleObj spid="_x0000_s1781" name="AxMath" r:id="rId13" imgW="169920" imgH="228600" progId="Equation.AxMath">
+                  <p:oleObj spid="_x0000_s1788" name="AxMath" r:id="rId13" imgW="169920" imgH="228600" progId="Equation.AxMath">
                     <p:embed/>
                   </p:oleObj>
                 </mc:Choice>
@@ -4514,7 +4514,7 @@
             <a:graphicData uri="http://schemas.openxmlformats.org/presentationml/2006/ole">
               <mc:AlternateContent xmlns:mc="http://schemas.openxmlformats.org/markup-compatibility/2006">
                 <mc:Choice xmlns:v="urn:schemas-microsoft-com:vml" Requires="v">
-                  <p:oleObj spid="_x0000_s1782" name="AxMath" r:id="rId15" imgW="119160" imgH="226440" progId="Equation.AxMath">
+                  <p:oleObj spid="_x0000_s1789" name="AxMath" r:id="rId15" imgW="119160" imgH="226440" progId="Equation.AxMath">
                     <p:embed/>
                   </p:oleObj>
                 </mc:Choice>
@@ -4844,7 +4844,7 @@
             <a:graphicData uri="http://schemas.openxmlformats.org/presentationml/2006/ole">
               <mc:AlternateContent xmlns:mc="http://schemas.openxmlformats.org/markup-compatibility/2006">
                 <mc:Choice xmlns:v="urn:schemas-microsoft-com:vml" Requires="v">
-                  <p:oleObj spid="_x0000_s13482" name="AxMath" r:id="rId3" imgW="99000" imgH="226440" progId="Equation.AxMath">
+                  <p:oleObj spid="_x0000_s13494" name="AxMath" r:id="rId3" imgW="99000" imgH="226440" progId="Equation.AxMath">
                     <p:embed/>
                   </p:oleObj>
                 </mc:Choice>
@@ -4907,7 +4907,7 @@
             <a:graphicData uri="http://schemas.openxmlformats.org/presentationml/2006/ole">
               <mc:AlternateContent xmlns:mc="http://schemas.openxmlformats.org/markup-compatibility/2006">
                 <mc:Choice xmlns:v="urn:schemas-microsoft-com:vml" Requires="v">
-                  <p:oleObj spid="_x0000_s13483" name="AxMath" r:id="rId5" imgW="99000" imgH="226440" progId="Equation.AxMath">
+                  <p:oleObj spid="_x0000_s13495" name="AxMath" r:id="rId5" imgW="99000" imgH="226440" progId="Equation.AxMath">
                     <p:embed/>
                   </p:oleObj>
                 </mc:Choice>
@@ -4976,7 +4976,7 @@
             <a:graphicData uri="http://schemas.openxmlformats.org/presentationml/2006/ole">
               <mc:AlternateContent xmlns:mc="http://schemas.openxmlformats.org/markup-compatibility/2006">
                 <mc:Choice xmlns:v="urn:schemas-microsoft-com:vml" Requires="v">
-                  <p:oleObj spid="_x0000_s13484" name="AxMath" r:id="rId6" imgW="101520" imgH="226440" progId="Equation.AxMath">
+                  <p:oleObj spid="_x0000_s13496" name="AxMath" r:id="rId6" imgW="101520" imgH="226440" progId="Equation.AxMath">
                     <p:embed/>
                   </p:oleObj>
                 </mc:Choice>
@@ -5039,7 +5039,7 @@
             <a:graphicData uri="http://schemas.openxmlformats.org/presentationml/2006/ole">
               <mc:AlternateContent xmlns:mc="http://schemas.openxmlformats.org/markup-compatibility/2006">
                 <mc:Choice xmlns:v="urn:schemas-microsoft-com:vml" Requires="v">
-                  <p:oleObj spid="_x0000_s13485" name="AxMath" r:id="rId8" imgW="101520" imgH="226440" progId="Equation.AxMath">
+                  <p:oleObj spid="_x0000_s13497" name="AxMath" r:id="rId8" imgW="101520" imgH="226440" progId="Equation.AxMath">
                     <p:embed/>
                   </p:oleObj>
                 </mc:Choice>
@@ -5108,7 +5108,7 @@
             <a:graphicData uri="http://schemas.openxmlformats.org/presentationml/2006/ole">
               <mc:AlternateContent xmlns:mc="http://schemas.openxmlformats.org/markup-compatibility/2006">
                 <mc:Choice xmlns:v="urn:schemas-microsoft-com:vml" Requires="v">
-                  <p:oleObj spid="_x0000_s13486" name="AxMath" r:id="rId9" imgW="766800" imgH="283680" progId="Equation.AxMath">
+                  <p:oleObj spid="_x0000_s13498" name="AxMath" r:id="rId9" imgW="766800" imgH="283680" progId="Equation.AxMath">
                     <p:embed/>
                   </p:oleObj>
                 </mc:Choice>
@@ -5171,7 +5171,7 @@
             <a:graphicData uri="http://schemas.openxmlformats.org/presentationml/2006/ole">
               <mc:AlternateContent xmlns:mc="http://schemas.openxmlformats.org/markup-compatibility/2006">
                 <mc:Choice xmlns:v="urn:schemas-microsoft-com:vml" Requires="v">
-                  <p:oleObj spid="_x0000_s13487" name="AxMath" r:id="rId11" imgW="818640" imgH="283680" progId="Equation.AxMath">
+                  <p:oleObj spid="_x0000_s13499" name="AxMath" r:id="rId11" imgW="818640" imgH="283680" progId="Equation.AxMath">
                     <p:embed/>
                   </p:oleObj>
                 </mc:Choice>
@@ -5240,7 +5240,7 @@
             <a:graphicData uri="http://schemas.openxmlformats.org/presentationml/2006/ole">
               <mc:AlternateContent xmlns:mc="http://schemas.openxmlformats.org/markup-compatibility/2006">
                 <mc:Choice xmlns:v="urn:schemas-microsoft-com:vml" Requires="v">
-                  <p:oleObj spid="_x0000_s13488" name="AxMath" r:id="rId13" imgW="744120" imgH="239400" progId="Equation.AxMath">
+                  <p:oleObj spid="_x0000_s13500" name="AxMath" r:id="rId13" imgW="744120" imgH="239400" progId="Equation.AxMath">
                     <p:embed/>
                   </p:oleObj>
                 </mc:Choice>
@@ -5572,7 +5572,7 @@
             <a:graphicData uri="http://schemas.openxmlformats.org/presentationml/2006/ole">
               <mc:AlternateContent xmlns:mc="http://schemas.openxmlformats.org/markup-compatibility/2006">
                 <mc:Choice xmlns:v="urn:schemas-microsoft-com:vml" Requires="v">
-                  <p:oleObj spid="_x0000_s13489" name="AxMath" r:id="rId15" imgW="136800" imgH="228600" progId="Equation.AxMath">
+                  <p:oleObj spid="_x0000_s13501" name="AxMath" r:id="rId15" imgW="136800" imgH="228600" progId="Equation.AxMath">
                     <p:embed/>
                   </p:oleObj>
                 </mc:Choice>
@@ -5641,7 +5641,7 @@
             <a:graphicData uri="http://schemas.openxmlformats.org/presentationml/2006/ole">
               <mc:AlternateContent xmlns:mc="http://schemas.openxmlformats.org/markup-compatibility/2006">
                 <mc:Choice xmlns:v="urn:schemas-microsoft-com:vml" Requires="v">
-                  <p:oleObj spid="_x0000_s13490" name="AxMath" r:id="rId17" imgW="154440" imgH="228600" progId="Equation.AxMath">
+                  <p:oleObj spid="_x0000_s13502" name="AxMath" r:id="rId17" imgW="154440" imgH="228600" progId="Equation.AxMath">
                     <p:embed/>
                   </p:oleObj>
                 </mc:Choice>
@@ -5710,7 +5710,7 @@
             <a:graphicData uri="http://schemas.openxmlformats.org/presentationml/2006/ole">
               <mc:AlternateContent xmlns:mc="http://schemas.openxmlformats.org/markup-compatibility/2006">
                 <mc:Choice xmlns:v="urn:schemas-microsoft-com:vml" Requires="v">
-                  <p:oleObj spid="_x0000_s13491" name="AxMath" r:id="rId19" imgW="139680" imgH="228600" progId="Equation.AxMath">
+                  <p:oleObj spid="_x0000_s13503" name="AxMath" r:id="rId19" imgW="139680" imgH="228600" progId="Equation.AxMath">
                     <p:embed/>
                   </p:oleObj>
                 </mc:Choice>
@@ -5773,7 +5773,7 @@
             <a:graphicData uri="http://schemas.openxmlformats.org/presentationml/2006/ole">
               <mc:AlternateContent xmlns:mc="http://schemas.openxmlformats.org/markup-compatibility/2006">
                 <mc:Choice xmlns:v="urn:schemas-microsoft-com:vml" Requires="v">
-                  <p:oleObj spid="_x0000_s13492" name="AxMath" r:id="rId21" imgW="156960" imgH="228600" progId="Equation.AxMath">
+                  <p:oleObj spid="_x0000_s13504" name="AxMath" r:id="rId21" imgW="156960" imgH="228600" progId="Equation.AxMath">
                     <p:embed/>
                   </p:oleObj>
                 </mc:Choice>
@@ -5842,7 +5842,7 @@
             <a:graphicData uri="http://schemas.openxmlformats.org/presentationml/2006/ole">
               <mc:AlternateContent xmlns:mc="http://schemas.openxmlformats.org/markup-compatibility/2006">
                 <mc:Choice xmlns:v="urn:schemas-microsoft-com:vml" Requires="v">
-                  <p:oleObj spid="_x0000_s13493" name="AxMath" r:id="rId23" imgW="694440" imgH="228600" progId="Equation.AxMath">
+                  <p:oleObj spid="_x0000_s13505" name="AxMath" r:id="rId23" imgW="694440" imgH="228600" progId="Equation.AxMath">
                     <p:embed/>
                   </p:oleObj>
                 </mc:Choice>
@@ -5978,7 +5978,7 @@
           <a:graphicData uri="http://schemas.openxmlformats.org/presentationml/2006/ole">
             <mc:AlternateContent xmlns:mc="http://schemas.openxmlformats.org/markup-compatibility/2006">
               <mc:Choice xmlns:v="urn:schemas-microsoft-com:vml" Requires="v">
-                <p:oleObj spid="_x0000_s14342" name="AxMath" r:id="rId3" imgW="3411000" imgH="465840" progId="Equation.AxMath">
+                <p:oleObj spid="_x0000_s14344" name="AxMath" r:id="rId3" imgW="3411000" imgH="465840" progId="Equation.AxMath">
                   <p:embed/>
                 </p:oleObj>
               </mc:Choice>
@@ -6211,7 +6211,7 @@
           <a:graphicData uri="http://schemas.openxmlformats.org/presentationml/2006/ole">
             <mc:AlternateContent xmlns:mc="http://schemas.openxmlformats.org/markup-compatibility/2006">
               <mc:Choice xmlns:v="urn:schemas-microsoft-com:vml" Requires="v">
-                <p:oleObj spid="_x0000_s14343" name="AxMath" r:id="rId5" imgW="149760" imgH="228600" progId="Equation.AxMath">
+                <p:oleObj spid="_x0000_s14345" name="AxMath" r:id="rId5" imgW="149760" imgH="228600" progId="Equation.AxMath">
                   <p:embed/>
                 </p:oleObj>
               </mc:Choice>
@@ -6696,7 +6696,7 @@
             <a:graphicData uri="http://schemas.openxmlformats.org/presentationml/2006/ole">
               <mc:AlternateContent xmlns:mc="http://schemas.openxmlformats.org/markup-compatibility/2006">
                 <mc:Choice xmlns:v="urn:schemas-microsoft-com:vml" Requires="v">
-                  <p:oleObj spid="_x0000_s2452" name="AxMath" r:id="rId3" imgW="409680" imgH="228600" progId="Equation.AxMath">
+                  <p:oleObj spid="_x0000_s2456" name="AxMath" r:id="rId3" imgW="409680" imgH="228600" progId="Equation.AxMath">
                     <p:embed/>
                   </p:oleObj>
                 </mc:Choice>
@@ -6759,7 +6759,7 @@
             <a:graphicData uri="http://schemas.openxmlformats.org/presentationml/2006/ole">
               <mc:AlternateContent xmlns:mc="http://schemas.openxmlformats.org/markup-compatibility/2006">
                 <mc:Choice xmlns:v="urn:schemas-microsoft-com:vml" Requires="v">
-                  <p:oleObj spid="_x0000_s2453" name="AxMath" r:id="rId5" imgW="325080" imgH="226440" progId="Equation.AxMath">
+                  <p:oleObj spid="_x0000_s2457" name="AxMath" r:id="rId5" imgW="325080" imgH="226440" progId="Equation.AxMath">
                     <p:embed/>
                   </p:oleObj>
                 </mc:Choice>
@@ -7227,7 +7227,7 @@
             <a:graphicData uri="http://schemas.openxmlformats.org/presentationml/2006/ole">
               <mc:AlternateContent xmlns:mc="http://schemas.openxmlformats.org/markup-compatibility/2006">
                 <mc:Choice xmlns:v="urn:schemas-microsoft-com:vml" Requires="v">
-                  <p:oleObj spid="_x0000_s2454" name="AxMath" r:id="rId7" imgW="831600" imgH="228600" progId="Equation.AxMath">
+                  <p:oleObj spid="_x0000_s2458" name="AxMath" r:id="rId7" imgW="831600" imgH="228600" progId="Equation.AxMath">
                     <p:embed/>
                   </p:oleObj>
                 </mc:Choice>
@@ -7290,7 +7290,7 @@
             <a:graphicData uri="http://schemas.openxmlformats.org/presentationml/2006/ole">
               <mc:AlternateContent xmlns:mc="http://schemas.openxmlformats.org/markup-compatibility/2006">
                 <mc:Choice xmlns:v="urn:schemas-microsoft-com:vml" Requires="v">
-                  <p:oleObj spid="_x0000_s2455" name="AxMath" r:id="rId9" imgW="480240" imgH="228600" progId="Equation.AxMath">
+                  <p:oleObj spid="_x0000_s2459" name="AxMath" r:id="rId9" imgW="480240" imgH="228600" progId="Equation.AxMath">
                     <p:embed/>
                   </p:oleObj>
                 </mc:Choice>
@@ -7472,7 +7472,7 @@
           <a:graphicData uri="http://schemas.openxmlformats.org/presentationml/2006/ole">
             <mc:AlternateContent xmlns:mc="http://schemas.openxmlformats.org/markup-compatibility/2006">
               <mc:Choice xmlns:v="urn:schemas-microsoft-com:vml" Requires="v">
-                <p:oleObj spid="_x0000_s3559" name="AxMath" r:id="rId3" imgW="214920" imgH="235800" progId="Equation.AxMath">
+                <p:oleObj spid="_x0000_s3564" name="AxMath" r:id="rId3" imgW="214920" imgH="235800" progId="Equation.AxMath">
                   <p:embed/>
                 </p:oleObj>
               </mc:Choice>
@@ -7535,7 +7535,7 @@
           <a:graphicData uri="http://schemas.openxmlformats.org/presentationml/2006/ole">
             <mc:AlternateContent xmlns:mc="http://schemas.openxmlformats.org/markup-compatibility/2006">
               <mc:Choice xmlns:v="urn:schemas-microsoft-com:vml" Requires="v">
-                <p:oleObj spid="_x0000_s3560" name="AxMath" r:id="rId5" imgW="242280" imgH="235800" progId="Equation.AxMath">
+                <p:oleObj spid="_x0000_s3565" name="AxMath" r:id="rId5" imgW="242280" imgH="235800" progId="Equation.AxMath">
                   <p:embed/>
                 </p:oleObj>
               </mc:Choice>
@@ -7598,7 +7598,7 @@
           <a:graphicData uri="http://schemas.openxmlformats.org/presentationml/2006/ole">
             <mc:AlternateContent xmlns:mc="http://schemas.openxmlformats.org/markup-compatibility/2006">
               <mc:Choice xmlns:v="urn:schemas-microsoft-com:vml" Requires="v">
-                <p:oleObj spid="_x0000_s3561" name="AxMath" r:id="rId7" imgW="822600" imgH="825840" progId="Equation.AxMath">
+                <p:oleObj spid="_x0000_s3566" name="AxMath" r:id="rId7" imgW="822600" imgH="825840" progId="Equation.AxMath">
                   <p:embed/>
                 </p:oleObj>
               </mc:Choice>
@@ -7839,7 +7839,7 @@
           <a:graphicData uri="http://schemas.openxmlformats.org/presentationml/2006/ole">
             <mc:AlternateContent xmlns:mc="http://schemas.openxmlformats.org/markup-compatibility/2006">
               <mc:Choice xmlns:v="urn:schemas-microsoft-com:vml" Requires="v">
-                <p:oleObj spid="_x0000_s3562" name="AxMath" r:id="rId9" imgW="214920" imgH="235800" progId="Equation.AxMath">
+                <p:oleObj spid="_x0000_s3567" name="AxMath" r:id="rId9" imgW="214920" imgH="235800" progId="Equation.AxMath">
                   <p:embed/>
                 </p:oleObj>
               </mc:Choice>
@@ -7908,7 +7908,7 @@
           <a:graphicData uri="http://schemas.openxmlformats.org/presentationml/2006/ole">
             <mc:AlternateContent xmlns:mc="http://schemas.openxmlformats.org/markup-compatibility/2006">
               <mc:Choice xmlns:v="urn:schemas-microsoft-com:vml" Requires="v">
-                <p:oleObj spid="_x0000_s3563" name="AxMath" r:id="rId10" imgW="242280" imgH="235800" progId="Equation.AxMath">
+                <p:oleObj spid="_x0000_s3568" name="AxMath" r:id="rId10" imgW="242280" imgH="235800" progId="Equation.AxMath">
                   <p:embed/>
                 </p:oleObj>
               </mc:Choice>
@@ -8200,7 +8200,7 @@
             <a:graphicData uri="http://schemas.openxmlformats.org/presentationml/2006/ole">
               <mc:AlternateContent xmlns:mc="http://schemas.openxmlformats.org/markup-compatibility/2006">
                 <mc:Choice xmlns:v="urn:schemas-microsoft-com:vml" Requires="v">
-                  <p:oleObj spid="_x0000_s9756" name="AxMath" r:id="rId3" imgW="214920" imgH="235800" progId="Equation.AxMath">
+                  <p:oleObj spid="_x0000_s9774" name="AxMath" r:id="rId3" imgW="214920" imgH="235800" progId="Equation.AxMath">
                     <p:embed/>
                   </p:oleObj>
                 </mc:Choice>
@@ -8269,7 +8269,7 @@
             <a:graphicData uri="http://schemas.openxmlformats.org/presentationml/2006/ole">
               <mc:AlternateContent xmlns:mc="http://schemas.openxmlformats.org/markup-compatibility/2006">
                 <mc:Choice xmlns:v="urn:schemas-microsoft-com:vml" Requires="v">
-                  <p:oleObj spid="_x0000_s9757" name="AxMath" r:id="rId5" imgW="242280" imgH="235800" progId="Equation.AxMath">
+                  <p:oleObj spid="_x0000_s9775" name="AxMath" r:id="rId5" imgW="242280" imgH="235800" progId="Equation.AxMath">
                     <p:embed/>
                   </p:oleObj>
                 </mc:Choice>
@@ -8433,7 +8433,7 @@
             <a:graphicData uri="http://schemas.openxmlformats.org/presentationml/2006/ole">
               <mc:AlternateContent xmlns:mc="http://schemas.openxmlformats.org/markup-compatibility/2006">
                 <mc:Choice xmlns:v="urn:schemas-microsoft-com:vml" Requires="v">
-                  <p:oleObj spid="_x0000_s9758" name="AxMath" r:id="rId7" imgW="282600" imgH="235800" progId="Equation.AxMath">
+                  <p:oleObj spid="_x0000_s9776" name="AxMath" r:id="rId7" imgW="282600" imgH="235800" progId="Equation.AxMath">
                     <p:embed/>
                   </p:oleObj>
                 </mc:Choice>
@@ -8674,7 +8674,7 @@
             <a:graphicData uri="http://schemas.openxmlformats.org/presentationml/2006/ole">
               <mc:AlternateContent xmlns:mc="http://schemas.openxmlformats.org/markup-compatibility/2006">
                 <mc:Choice xmlns:v="urn:schemas-microsoft-com:vml" Requires="v">
-                  <p:oleObj spid="_x0000_s9759" name="AxMath" r:id="rId9" imgW="191520" imgH="228600" progId="Equation.AxMath">
+                  <p:oleObj spid="_x0000_s9777" name="AxMath" r:id="rId9" imgW="191520" imgH="228600" progId="Equation.AxMath">
                     <p:embed/>
                   </p:oleObj>
                 </mc:Choice>
@@ -8737,7 +8737,7 @@
             <a:graphicData uri="http://schemas.openxmlformats.org/presentationml/2006/ole">
               <mc:AlternateContent xmlns:mc="http://schemas.openxmlformats.org/markup-compatibility/2006">
                 <mc:Choice xmlns:v="urn:schemas-microsoft-com:vml" Requires="v">
-                  <p:oleObj spid="_x0000_s9760" name="AxMath" r:id="rId11" imgW="207720" imgH="228600" progId="Equation.AxMath">
+                  <p:oleObj spid="_x0000_s9778" name="AxMath" r:id="rId11" imgW="207720" imgH="228600" progId="Equation.AxMath">
                     <p:embed/>
                   </p:oleObj>
                 </mc:Choice>
@@ -8800,7 +8800,7 @@
             <a:graphicData uri="http://schemas.openxmlformats.org/presentationml/2006/ole">
               <mc:AlternateContent xmlns:mc="http://schemas.openxmlformats.org/markup-compatibility/2006">
                 <mc:Choice xmlns:v="urn:schemas-microsoft-com:vml" Requires="v">
-                  <p:oleObj spid="_x0000_s9761" name="AxMath" r:id="rId13" imgW="1371960" imgH="228600" progId="Equation.AxMath">
+                  <p:oleObj spid="_x0000_s9779" name="AxMath" r:id="rId13" imgW="1371960" imgH="228600" progId="Equation.AxMath">
                     <p:embed/>
                   </p:oleObj>
                 </mc:Choice>
@@ -8863,7 +8863,7 @@
             <a:graphicData uri="http://schemas.openxmlformats.org/presentationml/2006/ole">
               <mc:AlternateContent xmlns:mc="http://schemas.openxmlformats.org/markup-compatibility/2006">
                 <mc:Choice xmlns:v="urn:schemas-microsoft-com:vml" Requires="v">
-                  <p:oleObj spid="_x0000_s9762" name="AxMath" r:id="rId15" imgW="1390320" imgH="228600" progId="Equation.AxMath">
+                  <p:oleObj spid="_x0000_s9780" name="AxMath" r:id="rId15" imgW="1390320" imgH="228600" progId="Equation.AxMath">
                     <p:embed/>
                   </p:oleObj>
                 </mc:Choice>
@@ -8932,7 +8932,7 @@
             <a:graphicData uri="http://schemas.openxmlformats.org/presentationml/2006/ole">
               <mc:AlternateContent xmlns:mc="http://schemas.openxmlformats.org/markup-compatibility/2006">
                 <mc:Choice xmlns:v="urn:schemas-microsoft-com:vml" Requires="v">
-                  <p:oleObj spid="_x0000_s9763" name="AxMath" r:id="rId17" imgW="1400040" imgH="664560" progId="Equation.AxMath">
+                  <p:oleObj spid="_x0000_s9781" name="AxMath" r:id="rId17" imgW="1400040" imgH="664560" progId="Equation.AxMath">
                     <p:embed/>
                   </p:oleObj>
                 </mc:Choice>
@@ -8995,7 +8995,7 @@
             <a:graphicData uri="http://schemas.openxmlformats.org/presentationml/2006/ole">
               <mc:AlternateContent xmlns:mc="http://schemas.openxmlformats.org/markup-compatibility/2006">
                 <mc:Choice xmlns:v="urn:schemas-microsoft-com:vml" Requires="v">
-                  <p:oleObj spid="_x0000_s9764" name="AxMath" r:id="rId19" imgW="889920" imgH="228600" progId="Equation.AxMath">
+                  <p:oleObj spid="_x0000_s9782" name="AxMath" r:id="rId19" imgW="889920" imgH="228600" progId="Equation.AxMath">
                     <p:embed/>
                   </p:oleObj>
                 </mc:Choice>
@@ -9309,7 +9309,7 @@
             <a:graphicData uri="http://schemas.openxmlformats.org/presentationml/2006/ole">
               <mc:AlternateContent xmlns:mc="http://schemas.openxmlformats.org/markup-compatibility/2006">
                 <mc:Choice xmlns:v="urn:schemas-microsoft-com:vml" Requires="v">
-                  <p:oleObj spid="_x0000_s9765" name="AxMath" r:id="rId21" imgW="887400" imgH="263520" progId="Equation.AxMath">
+                  <p:oleObj spid="_x0000_s9783" name="AxMath" r:id="rId21" imgW="887400" imgH="263520" progId="Equation.AxMath">
                     <p:embed/>
                   </p:oleObj>
                 </mc:Choice>
@@ -9372,7 +9372,7 @@
             <a:graphicData uri="http://schemas.openxmlformats.org/presentationml/2006/ole">
               <mc:AlternateContent xmlns:mc="http://schemas.openxmlformats.org/markup-compatibility/2006">
                 <mc:Choice xmlns:v="urn:schemas-microsoft-com:vml" Requires="v">
-                  <p:oleObj spid="_x0000_s9766" name="AxMath" r:id="rId23" imgW="286920" imgH="235800" progId="Equation.AxMath">
+                  <p:oleObj spid="_x0000_s9784" name="AxMath" r:id="rId23" imgW="286920" imgH="235800" progId="Equation.AxMath">
                     <p:embed/>
                   </p:oleObj>
                 </mc:Choice>
@@ -9603,7 +9603,7 @@
             <a:graphicData uri="http://schemas.openxmlformats.org/presentationml/2006/ole">
               <mc:AlternateContent xmlns:mc="http://schemas.openxmlformats.org/markup-compatibility/2006">
                 <mc:Choice xmlns:v="urn:schemas-microsoft-com:vml" Requires="v">
-                  <p:oleObj spid="_x0000_s9767" name="AxMath" r:id="rId25" imgW="214920" imgH="235800" progId="Equation.AxMath">
+                  <p:oleObj spid="_x0000_s9785" name="AxMath" r:id="rId25" imgW="214920" imgH="235800" progId="Equation.AxMath">
                     <p:embed/>
                   </p:oleObj>
                 </mc:Choice>
@@ -9672,7 +9672,7 @@
             <a:graphicData uri="http://schemas.openxmlformats.org/presentationml/2006/ole">
               <mc:AlternateContent xmlns:mc="http://schemas.openxmlformats.org/markup-compatibility/2006">
                 <mc:Choice xmlns:v="urn:schemas-microsoft-com:vml" Requires="v">
-                  <p:oleObj spid="_x0000_s9768" name="AxMath" r:id="rId26" imgW="242280" imgH="235800" progId="Equation.AxMath">
+                  <p:oleObj spid="_x0000_s9786" name="AxMath" r:id="rId26" imgW="242280" imgH="235800" progId="Equation.AxMath">
                     <p:embed/>
                   </p:oleObj>
                 </mc:Choice>
@@ -9741,7 +9741,7 @@
             <a:graphicData uri="http://schemas.openxmlformats.org/presentationml/2006/ole">
               <mc:AlternateContent xmlns:mc="http://schemas.openxmlformats.org/markup-compatibility/2006">
                 <mc:Choice xmlns:v="urn:schemas-microsoft-com:vml" Requires="v">
-                  <p:oleObj spid="_x0000_s9769" name="AxMath" r:id="rId27" imgW="980640" imgH="228600" progId="Equation.AxMath">
+                  <p:oleObj spid="_x0000_s9787" name="AxMath" r:id="rId27" imgW="980640" imgH="228600" progId="Equation.AxMath">
                     <p:embed/>
                   </p:oleObj>
                 </mc:Choice>
@@ -9804,7 +9804,7 @@
             <a:graphicData uri="http://schemas.openxmlformats.org/presentationml/2006/ole">
               <mc:AlternateContent xmlns:mc="http://schemas.openxmlformats.org/markup-compatibility/2006">
                 <mc:Choice xmlns:v="urn:schemas-microsoft-com:vml" Requires="v">
-                  <p:oleObj spid="_x0000_s9770" name="AxMath" r:id="rId29" imgW="980640" imgH="228600" progId="Equation.AxMath">
+                  <p:oleObj spid="_x0000_s9788" name="AxMath" r:id="rId29" imgW="980640" imgH="228600" progId="Equation.AxMath">
                     <p:embed/>
                   </p:oleObj>
                 </mc:Choice>
@@ -9926,7 +9926,7 @@
             <a:graphicData uri="http://schemas.openxmlformats.org/presentationml/2006/ole">
               <mc:AlternateContent xmlns:mc="http://schemas.openxmlformats.org/markup-compatibility/2006">
                 <mc:Choice xmlns:v="urn:schemas-microsoft-com:vml" Requires="v">
-                  <p:oleObj spid="_x0000_s9771" name="AxMath" r:id="rId31" imgW="286920" imgH="235800" progId="Equation.AxMath">
+                  <p:oleObj spid="_x0000_s9789" name="AxMath" r:id="rId31" imgW="286920" imgH="235800" progId="Equation.AxMath">
                     <p:embed/>
                   </p:oleObj>
                 </mc:Choice>
@@ -9995,7 +9995,7 @@
             <a:graphicData uri="http://schemas.openxmlformats.org/presentationml/2006/ole">
               <mc:AlternateContent xmlns:mc="http://schemas.openxmlformats.org/markup-compatibility/2006">
                 <mc:Choice xmlns:v="urn:schemas-microsoft-com:vml" Requires="v">
-                  <p:oleObj spid="_x0000_s9772" name="AxMath" r:id="rId32" imgW="891360" imgH="235800" progId="Equation.AxMath">
+                  <p:oleObj spid="_x0000_s9790" name="AxMath" r:id="rId32" imgW="891360" imgH="235800" progId="Equation.AxMath">
                     <p:embed/>
                   </p:oleObj>
                 </mc:Choice>
@@ -10058,7 +10058,7 @@
             <a:graphicData uri="http://schemas.openxmlformats.org/presentationml/2006/ole">
               <mc:AlternateContent xmlns:mc="http://schemas.openxmlformats.org/markup-compatibility/2006">
                 <mc:Choice xmlns:v="urn:schemas-microsoft-com:vml" Requires="v">
-                  <p:oleObj spid="_x0000_s9773" name="AxMath" r:id="rId34" imgW="969120" imgH="235800" progId="Equation.AxMath">
+                  <p:oleObj spid="_x0000_s9791" name="AxMath" r:id="rId34" imgW="969120" imgH="235800" progId="Equation.AxMath">
                     <p:embed/>
                   </p:oleObj>
                 </mc:Choice>
@@ -10309,7 +10309,7 @@
             <a:graphicData uri="http://schemas.openxmlformats.org/presentationml/2006/ole">
               <mc:AlternateContent xmlns:mc="http://schemas.openxmlformats.org/markup-compatibility/2006">
                 <mc:Choice xmlns:v="urn:schemas-microsoft-com:vml" Requires="v">
-                  <p:oleObj spid="_x0000_s5794" name="AxMath" r:id="rId3" imgW="826200" imgH="239400" progId="Equation.AxMath">
+                  <p:oleObj spid="_x0000_s5803" name="AxMath" r:id="rId3" imgW="826200" imgH="239400" progId="Equation.AxMath">
                     <p:embed/>
                   </p:oleObj>
                 </mc:Choice>
@@ -10372,7 +10372,7 @@
             <a:graphicData uri="http://schemas.openxmlformats.org/presentationml/2006/ole">
               <mc:AlternateContent xmlns:mc="http://schemas.openxmlformats.org/markup-compatibility/2006">
                 <mc:Choice xmlns:v="urn:schemas-microsoft-com:vml" Requires="v">
-                  <p:oleObj spid="_x0000_s5795" name="AxMath" r:id="rId5" imgW="354240" imgH="235800" progId="Equation.AxMath">
+                  <p:oleObj spid="_x0000_s5804" name="AxMath" r:id="rId5" imgW="354240" imgH="235800" progId="Equation.AxMath">
                     <p:embed/>
                   </p:oleObj>
                 </mc:Choice>
@@ -10585,7 +10585,7 @@
             <a:graphicData uri="http://schemas.openxmlformats.org/presentationml/2006/ole">
               <mc:AlternateContent xmlns:mc="http://schemas.openxmlformats.org/markup-compatibility/2006">
                 <mc:Choice xmlns:v="urn:schemas-microsoft-com:vml" Requires="v">
-                  <p:oleObj spid="_x0000_s5796" name="AxMath" r:id="rId7" imgW="396360" imgH="417600" progId="Equation.AxMath">
+                  <p:oleObj spid="_x0000_s5805" name="AxMath" r:id="rId7" imgW="396360" imgH="417600" progId="Equation.AxMath">
                     <p:embed/>
                   </p:oleObj>
                 </mc:Choice>
@@ -10648,7 +10648,7 @@
             <a:graphicData uri="http://schemas.openxmlformats.org/presentationml/2006/ole">
               <mc:AlternateContent xmlns:mc="http://schemas.openxmlformats.org/markup-compatibility/2006">
                 <mc:Choice xmlns:v="urn:schemas-microsoft-com:vml" Requires="v">
-                  <p:oleObj spid="_x0000_s5797" name="AxMath" r:id="rId9" imgW="438840" imgH="417600" progId="Equation.AxMath">
+                  <p:oleObj spid="_x0000_s5806" name="AxMath" r:id="rId9" imgW="438840" imgH="417600" progId="Equation.AxMath">
                     <p:embed/>
                   </p:oleObj>
                 </mc:Choice>
@@ -10717,7 +10717,7 @@
             <a:graphicData uri="http://schemas.openxmlformats.org/presentationml/2006/ole">
               <mc:AlternateContent xmlns:mc="http://schemas.openxmlformats.org/markup-compatibility/2006">
                 <mc:Choice xmlns:v="urn:schemas-microsoft-com:vml" Requires="v">
-                  <p:oleObj spid="_x0000_s5798" name="AxMath" r:id="rId11" imgW="149760" imgH="228600" progId="Equation.AxMath">
+                  <p:oleObj spid="_x0000_s5807" name="AxMath" r:id="rId11" imgW="149760" imgH="228600" progId="Equation.AxMath">
                     <p:embed/>
                   </p:oleObj>
                 </mc:Choice>
@@ -10780,7 +10780,7 @@
             <a:graphicData uri="http://schemas.openxmlformats.org/presentationml/2006/ole">
               <mc:AlternateContent xmlns:mc="http://schemas.openxmlformats.org/markup-compatibility/2006">
                 <mc:Choice xmlns:v="urn:schemas-microsoft-com:vml" Requires="v">
-                  <p:oleObj spid="_x0000_s5799" name="AxMath" r:id="rId13" imgW="427680" imgH="228600" progId="Equation.AxMath">
+                  <p:oleObj spid="_x0000_s5808" name="AxMath" r:id="rId13" imgW="427680" imgH="228600" progId="Equation.AxMath">
                     <p:embed/>
                   </p:oleObj>
                 </mc:Choice>
@@ -10931,7 +10931,7 @@
             <a:graphicData uri="http://schemas.openxmlformats.org/presentationml/2006/ole">
               <mc:AlternateContent xmlns:mc="http://schemas.openxmlformats.org/markup-compatibility/2006">
                 <mc:Choice xmlns:v="urn:schemas-microsoft-com:vml" Requires="v">
-                  <p:oleObj spid="_x0000_s5800" name="AxMath" r:id="rId15" imgW="558720" imgH="228600" progId="Equation.AxMath">
+                  <p:oleObj spid="_x0000_s5809" name="AxMath" r:id="rId15" imgW="558720" imgH="228600" progId="Equation.AxMath">
                     <p:embed/>
                   </p:oleObj>
                 </mc:Choice>
@@ -10994,7 +10994,7 @@
             <a:graphicData uri="http://schemas.openxmlformats.org/presentationml/2006/ole">
               <mc:AlternateContent xmlns:mc="http://schemas.openxmlformats.org/markup-compatibility/2006">
                 <mc:Choice xmlns:v="urn:schemas-microsoft-com:vml" Requires="v">
-                  <p:oleObj spid="_x0000_s5801" name="AxMath" r:id="rId17" imgW="2189520" imgH="420840" progId="Equation.AxMath">
+                  <p:oleObj spid="_x0000_s5810" name="AxMath" r:id="rId17" imgW="2189520" imgH="420840" progId="Equation.AxMath">
                     <p:embed/>
                   </p:oleObj>
                 </mc:Choice>
@@ -11057,7 +11057,7 @@
             <a:graphicData uri="http://schemas.openxmlformats.org/presentationml/2006/ole">
               <mc:AlternateContent xmlns:mc="http://schemas.openxmlformats.org/markup-compatibility/2006">
                 <mc:Choice xmlns:v="urn:schemas-microsoft-com:vml" Requires="v">
-                  <p:oleObj spid="_x0000_s5802" name="AxMath" r:id="rId19" imgW="1568880" imgH="415800" progId="Equation.AxMath">
+                  <p:oleObj spid="_x0000_s5811" name="AxMath" r:id="rId19" imgW="1568880" imgH="415800" progId="Equation.AxMath">
                     <p:embed/>
                   </p:oleObj>
                 </mc:Choice>
@@ -11644,7 +11644,7 @@
             <a:graphicData uri="http://schemas.openxmlformats.org/presentationml/2006/ole">
               <mc:AlternateContent xmlns:mc="http://schemas.openxmlformats.org/markup-compatibility/2006">
                 <mc:Choice xmlns:v="urn:schemas-microsoft-com:vml" Requires="v">
-                  <p:oleObj spid="_x0000_s6344" name="AxMath" r:id="rId3" imgW="826200" imgH="239400" progId="Equation.AxMath">
+                  <p:oleObj spid="_x0000_s6347" name="AxMath" r:id="rId3" imgW="826200" imgH="239400" progId="Equation.AxMath">
                     <p:embed/>
                   </p:oleObj>
                 </mc:Choice>
@@ -11713,7 +11713,7 @@
             <a:graphicData uri="http://schemas.openxmlformats.org/presentationml/2006/ole">
               <mc:AlternateContent xmlns:mc="http://schemas.openxmlformats.org/markup-compatibility/2006">
                 <mc:Choice xmlns:v="urn:schemas-microsoft-com:vml" Requires="v">
-                  <p:oleObj spid="_x0000_s6345" name="AxMath" r:id="rId5" imgW="354240" imgH="235800" progId="Equation.AxMath">
+                  <p:oleObj spid="_x0000_s6348" name="AxMath" r:id="rId5" imgW="354240" imgH="235800" progId="Equation.AxMath">
                     <p:embed/>
                   </p:oleObj>
                 </mc:Choice>
@@ -11932,7 +11932,7 @@
             <a:graphicData uri="http://schemas.openxmlformats.org/presentationml/2006/ole">
               <mc:AlternateContent xmlns:mc="http://schemas.openxmlformats.org/markup-compatibility/2006">
                 <mc:Choice xmlns:v="urn:schemas-microsoft-com:vml" Requires="v">
-                  <p:oleObj spid="_x0000_s6346" name="AxMath" r:id="rId7" imgW="149760" imgH="228600" progId="Equation.AxMath">
+                  <p:oleObj spid="_x0000_s6349" name="AxMath" r:id="rId7" imgW="149760" imgH="228600" progId="Equation.AxMath">
                     <p:embed/>
                   </p:oleObj>
                 </mc:Choice>
@@ -12142,7 +12142,7 @@
           <a:graphicData uri="http://schemas.openxmlformats.org/presentationml/2006/ole">
             <mc:AlternateContent xmlns:mc="http://schemas.openxmlformats.org/markup-compatibility/2006">
               <mc:Choice xmlns:v="urn:schemas-microsoft-com:vml" Requires="v">
-                <p:oleObj spid="_x0000_s7234" name="AxMath" r:id="rId3" imgW="2948040" imgH="946800" progId="Equation.AxMath">
+                <p:oleObj spid="_x0000_s7235" name="AxMath" r:id="rId3" imgW="2948040" imgH="946800" progId="Equation.AxMath">
                   <p:embed/>
                 </p:oleObj>
               </mc:Choice>
@@ -12384,7 +12384,7 @@
             <a:graphicData uri="http://schemas.openxmlformats.org/presentationml/2006/ole">
               <mc:AlternateContent xmlns:mc="http://schemas.openxmlformats.org/markup-compatibility/2006">
                 <mc:Choice xmlns:v="urn:schemas-microsoft-com:vml" Requires="v">
-                  <p:oleObj spid="_x0000_s12554" name="AxMath" r:id="rId3" imgW="419760" imgH="228600" progId="Equation.AxMath">
+                  <p:oleObj spid="_x0000_s12576" name="AxMath" r:id="rId3" imgW="419760" imgH="228600" progId="Equation.AxMath">
                     <p:embed/>
                   </p:oleObj>
                 </mc:Choice>
@@ -12447,7 +12447,7 @@
             <a:graphicData uri="http://schemas.openxmlformats.org/presentationml/2006/ole">
               <mc:AlternateContent xmlns:mc="http://schemas.openxmlformats.org/markup-compatibility/2006">
                 <mc:Choice xmlns:v="urn:schemas-microsoft-com:vml" Requires="v">
-                  <p:oleObj spid="_x0000_s12555" name="AxMath" r:id="rId5" imgW="159120" imgH="228600" progId="Equation.AxMath">
+                  <p:oleObj spid="_x0000_s12577" name="AxMath" r:id="rId5" imgW="159120" imgH="228600" progId="Equation.AxMath">
                     <p:embed/>
                   </p:oleObj>
                 </mc:Choice>
@@ -12510,7 +12510,7 @@
             <a:graphicData uri="http://schemas.openxmlformats.org/presentationml/2006/ole">
               <mc:AlternateContent xmlns:mc="http://schemas.openxmlformats.org/markup-compatibility/2006">
                 <mc:Choice xmlns:v="urn:schemas-microsoft-com:vml" Requires="v">
-                  <p:oleObj spid="_x0000_s12556" name="AxMath" r:id="rId7" imgW="113760" imgH="226440" progId="Equation.AxMath">
+                  <p:oleObj spid="_x0000_s12578" name="AxMath" r:id="rId7" imgW="113760" imgH="226440" progId="Equation.AxMath">
                     <p:embed/>
                   </p:oleObj>
                 </mc:Choice>
@@ -12616,7 +12616,7 @@
             <a:graphicData uri="http://schemas.openxmlformats.org/presentationml/2006/ole">
               <mc:AlternateContent xmlns:mc="http://schemas.openxmlformats.org/markup-compatibility/2006">
                 <mc:Choice xmlns:v="urn:schemas-microsoft-com:vml" Requires="v">
-                  <p:oleObj spid="_x0000_s12557" name="AxMath" r:id="rId9" imgW="344880" imgH="228600" progId="Equation.AxMath">
+                  <p:oleObj spid="_x0000_s12579" name="AxMath" r:id="rId9" imgW="344880" imgH="228600" progId="Equation.AxMath">
                     <p:embed/>
                   </p:oleObj>
                 </mc:Choice>
@@ -12679,7 +12679,7 @@
             <a:graphicData uri="http://schemas.openxmlformats.org/presentationml/2006/ole">
               <mc:AlternateContent xmlns:mc="http://schemas.openxmlformats.org/markup-compatibility/2006">
                 <mc:Choice xmlns:v="urn:schemas-microsoft-com:vml" Requires="v">
-                  <p:oleObj spid="_x0000_s12558" name="AxMath" r:id="rId11" imgW="712800" imgH="228600" progId="Equation.AxMath">
+                  <p:oleObj spid="_x0000_s12580" name="AxMath" r:id="rId11" imgW="712800" imgH="228600" progId="Equation.AxMath">
                     <p:embed/>
                   </p:oleObj>
                 </mc:Choice>
@@ -12850,7 +12850,7 @@
             <a:graphicData uri="http://schemas.openxmlformats.org/presentationml/2006/ole">
               <mc:AlternateContent xmlns:mc="http://schemas.openxmlformats.org/markup-compatibility/2006">
                 <mc:Choice xmlns:v="urn:schemas-microsoft-com:vml" Requires="v">
-                  <p:oleObj spid="_x0000_s12559" name="AxMath" r:id="rId13" imgW="296280" imgH="415800" progId="Equation.AxMath">
+                  <p:oleObj spid="_x0000_s12581" name="AxMath" r:id="rId13" imgW="296280" imgH="415800" progId="Equation.AxMath">
                     <p:embed/>
                   </p:oleObj>
                 </mc:Choice>
@@ -13353,7 +13353,7 @@
             <a:graphicData uri="http://schemas.openxmlformats.org/presentationml/2006/ole">
               <mc:AlternateContent xmlns:mc="http://schemas.openxmlformats.org/markup-compatibility/2006">
                 <mc:Choice xmlns:v="urn:schemas-microsoft-com:vml" Requires="v">
-                  <p:oleObj spid="_x0000_s12560" name="AxMath" r:id="rId15" imgW="153360" imgH="228600" progId="Equation.AxMath">
+                  <p:oleObj spid="_x0000_s12582" name="AxMath" r:id="rId15" imgW="153360" imgH="228600" progId="Equation.AxMath">
                     <p:embed/>
                   </p:oleObj>
                 </mc:Choice>
@@ -13416,7 +13416,7 @@
             <a:graphicData uri="http://schemas.openxmlformats.org/presentationml/2006/ole">
               <mc:AlternateContent xmlns:mc="http://schemas.openxmlformats.org/markup-compatibility/2006">
                 <mc:Choice xmlns:v="urn:schemas-microsoft-com:vml" Requires="v">
-                  <p:oleObj spid="_x0000_s12561" name="AxMath" r:id="rId17" imgW="178560" imgH="228600" progId="Equation.AxMath">
+                  <p:oleObj spid="_x0000_s12583" name="AxMath" r:id="rId17" imgW="178560" imgH="228600" progId="Equation.AxMath">
                     <p:embed/>
                   </p:oleObj>
                 </mc:Choice>
@@ -13748,7 +13748,7 @@
             <a:graphicData uri="http://schemas.openxmlformats.org/presentationml/2006/ole">
               <mc:AlternateContent xmlns:mc="http://schemas.openxmlformats.org/markup-compatibility/2006">
                 <mc:Choice xmlns:v="urn:schemas-microsoft-com:vml" Requires="v">
-                  <p:oleObj spid="_x0000_s12562" name="AxMath" r:id="rId19" imgW="419760" imgH="228600" progId="Equation.AxMath">
+                  <p:oleObj spid="_x0000_s12584" name="AxMath" r:id="rId19" imgW="419760" imgH="228600" progId="Equation.AxMath">
                     <p:embed/>
                   </p:oleObj>
                 </mc:Choice>
@@ -13925,7 +13925,7 @@
             <a:graphicData uri="http://schemas.openxmlformats.org/presentationml/2006/ole">
               <mc:AlternateContent xmlns:mc="http://schemas.openxmlformats.org/markup-compatibility/2006">
                 <mc:Choice xmlns:v="urn:schemas-microsoft-com:vml" Requires="v">
-                  <p:oleObj spid="_x0000_s12563" name="AxMath" r:id="rId21" imgW="186840" imgH="415800" progId="Equation.AxMath">
+                  <p:oleObj spid="_x0000_s12585" name="AxMath" r:id="rId21" imgW="186840" imgH="415800" progId="Equation.AxMath">
                     <p:embed/>
                   </p:oleObj>
                 </mc:Choice>
@@ -14265,7 +14265,7 @@
             <a:graphicData uri="http://schemas.openxmlformats.org/presentationml/2006/ole">
               <mc:AlternateContent xmlns:mc="http://schemas.openxmlformats.org/markup-compatibility/2006">
                 <mc:Choice xmlns:v="urn:schemas-microsoft-com:vml" Requires="v">
-                  <p:oleObj spid="_x0000_s12564" name="AxMath" r:id="rId23" imgW="724320" imgH="230400" progId="Equation.AxMath">
+                  <p:oleObj spid="_x0000_s12586" name="AxMath" r:id="rId23" imgW="724320" imgH="230400" progId="Equation.AxMath">
                     <p:embed/>
                   </p:oleObj>
                 </mc:Choice>
@@ -14415,7 +14415,7 @@
             <a:graphicData uri="http://schemas.openxmlformats.org/presentationml/2006/ole">
               <mc:AlternateContent xmlns:mc="http://schemas.openxmlformats.org/markup-compatibility/2006">
                 <mc:Choice xmlns:v="urn:schemas-microsoft-com:vml" Requires="v">
-                  <p:oleObj spid="_x0000_s12565" name="AxMath" r:id="rId25" imgW="451080" imgH="228600" progId="Equation.AxMath">
+                  <p:oleObj spid="_x0000_s12587" name="AxMath" r:id="rId25" imgW="451080" imgH="228600" progId="Equation.AxMath">
                     <p:embed/>
                   </p:oleObj>
                 </mc:Choice>
@@ -14854,7 +14854,7 @@
             <a:graphicData uri="http://schemas.openxmlformats.org/presentationml/2006/ole">
               <mc:AlternateContent xmlns:mc="http://schemas.openxmlformats.org/markup-compatibility/2006">
                 <mc:Choice xmlns:v="urn:schemas-microsoft-com:vml" Requires="v">
-                  <p:oleObj spid="_x0000_s12566" name="AxMath" r:id="rId27" imgW="474840" imgH="228600" progId="Equation.AxMath">
+                  <p:oleObj spid="_x0000_s12588" name="AxMath" r:id="rId27" imgW="474840" imgH="228600" progId="Equation.AxMath">
                     <p:embed/>
                   </p:oleObj>
                 </mc:Choice>
@@ -15089,7 +15089,7 @@
             <a:graphicData uri="http://schemas.openxmlformats.org/presentationml/2006/ole">
               <mc:AlternateContent xmlns:mc="http://schemas.openxmlformats.org/markup-compatibility/2006">
                 <mc:Choice xmlns:v="urn:schemas-microsoft-com:vml" Requires="v">
-                  <p:oleObj spid="_x0000_s12567" name="AxMath" r:id="rId29" imgW="354240" imgH="235800" progId="Equation.AxMath">
+                  <p:oleObj spid="_x0000_s12589" name="AxMath" r:id="rId29" imgW="354240" imgH="235800" progId="Equation.AxMath">
                     <p:embed/>
                   </p:oleObj>
                 </mc:Choice>
@@ -15152,7 +15152,7 @@
             <a:graphicData uri="http://schemas.openxmlformats.org/presentationml/2006/ole">
               <mc:AlternateContent xmlns:mc="http://schemas.openxmlformats.org/markup-compatibility/2006">
                 <mc:Choice xmlns:v="urn:schemas-microsoft-com:vml" Requires="v">
-                  <p:oleObj spid="_x0000_s12568" name="AxMath" r:id="rId31" imgW="110520" imgH="226440" progId="Equation.AxMath">
+                  <p:oleObj spid="_x0000_s12590" name="AxMath" r:id="rId31" imgW="110520" imgH="226440" progId="Equation.AxMath">
                     <p:embed/>
                   </p:oleObj>
                 </mc:Choice>
@@ -15215,7 +15215,7 @@
             <a:graphicData uri="http://schemas.openxmlformats.org/presentationml/2006/ole">
               <mc:AlternateContent xmlns:mc="http://schemas.openxmlformats.org/markup-compatibility/2006">
                 <mc:Choice xmlns:v="urn:schemas-microsoft-com:vml" Requires="v">
-                  <p:oleObj spid="_x0000_s12569" name="AxMath" r:id="rId33" imgW="149760" imgH="228600" progId="Equation.AxMath">
+                  <p:oleObj spid="_x0000_s12591" name="AxMath" r:id="rId33" imgW="149760" imgH="228600" progId="Equation.AxMath">
                     <p:embed/>
                   </p:oleObj>
                 </mc:Choice>
@@ -15320,7 +15320,7 @@
             <a:graphicData uri="http://schemas.openxmlformats.org/presentationml/2006/ole">
               <mc:AlternateContent xmlns:mc="http://schemas.openxmlformats.org/markup-compatibility/2006">
                 <mc:Choice xmlns:v="urn:schemas-microsoft-com:vml" Requires="v">
-                  <p:oleObj spid="_x0000_s12570" name="AxMath" r:id="rId35" imgW="178560" imgH="228600" progId="Equation.AxMath">
+                  <p:oleObj spid="_x0000_s12592" name="AxMath" r:id="rId35" imgW="178560" imgH="228600" progId="Equation.AxMath">
                     <p:embed/>
                   </p:oleObj>
                 </mc:Choice>
@@ -16608,7 +16608,7 @@
             <a:graphicData uri="http://schemas.openxmlformats.org/presentationml/2006/ole">
               <mc:AlternateContent xmlns:mc="http://schemas.openxmlformats.org/markup-compatibility/2006">
                 <mc:Choice xmlns:v="urn:schemas-microsoft-com:vml" Requires="v">
-                  <p:oleObj spid="_x0000_s12571" name="AxMath" r:id="rId36" imgW="332640" imgH="226440" progId="Equation.AxMath">
+                  <p:oleObj spid="_x0000_s12593" name="AxMath" r:id="rId36" imgW="332640" imgH="226440" progId="Equation.AxMath">
                     <p:embed/>
                   </p:oleObj>
                 </mc:Choice>
@@ -17423,7 +17423,7 @@
             <a:graphicData uri="http://schemas.openxmlformats.org/presentationml/2006/ole">
               <mc:AlternateContent xmlns:mc="http://schemas.openxmlformats.org/markup-compatibility/2006">
                 <mc:Choice xmlns:v="urn:schemas-microsoft-com:vml" Requires="v">
-                  <p:oleObj spid="_x0000_s12572" name="AxMath" r:id="rId38" imgW="110520" imgH="226440" progId="Equation.AxMath">
+                  <p:oleObj spid="_x0000_s12594" name="AxMath" r:id="rId38" imgW="110520" imgH="226440" progId="Equation.AxMath">
                     <p:embed/>
                   </p:oleObj>
                 </mc:Choice>
@@ -17492,7 +17492,7 @@
             <a:graphicData uri="http://schemas.openxmlformats.org/presentationml/2006/ole">
               <mc:AlternateContent xmlns:mc="http://schemas.openxmlformats.org/markup-compatibility/2006">
                 <mc:Choice xmlns:v="urn:schemas-microsoft-com:vml" Requires="v">
-                  <p:oleObj spid="_x0000_s12573" name="AxMath" r:id="rId39" imgW="150480" imgH="226440" progId="Equation.AxMath">
+                  <p:oleObj spid="_x0000_s12595" name="AxMath" r:id="rId39" imgW="150480" imgH="226440" progId="Equation.AxMath">
                     <p:embed/>
                   </p:oleObj>
                 </mc:Choice>
@@ -17561,7 +17561,7 @@
             <a:graphicData uri="http://schemas.openxmlformats.org/presentationml/2006/ole">
               <mc:AlternateContent xmlns:mc="http://schemas.openxmlformats.org/markup-compatibility/2006">
                 <mc:Choice xmlns:v="urn:schemas-microsoft-com:vml" Requires="v">
-                  <p:oleObj spid="_x0000_s12574" name="AxMath" r:id="rId41" imgW="799920" imgH="228600" progId="Equation.AxMath">
+                  <p:oleObj spid="_x0000_s12596" name="AxMath" r:id="rId41" imgW="799920" imgH="228600" progId="Equation.AxMath">
                     <p:embed/>
                   </p:oleObj>
                 </mc:Choice>
@@ -17630,7 +17630,7 @@
             <a:graphicData uri="http://schemas.openxmlformats.org/presentationml/2006/ole">
               <mc:AlternateContent xmlns:mc="http://schemas.openxmlformats.org/markup-compatibility/2006">
                 <mc:Choice xmlns:v="urn:schemas-microsoft-com:vml" Requires="v">
-                  <p:oleObj spid="_x0000_s12575" name="AxMath" r:id="rId43" imgW="652680" imgH="228600" progId="Equation.AxMath">
+                  <p:oleObj spid="_x0000_s12597" name="AxMath" r:id="rId43" imgW="652680" imgH="228600" progId="Equation.AxMath">
                     <p:embed/>
                   </p:oleObj>
                 </mc:Choice>
@@ -18092,7 +18092,7 @@
           <a:graphicData uri="http://schemas.openxmlformats.org/presentationml/2006/ole">
             <mc:AlternateContent xmlns:mc="http://schemas.openxmlformats.org/markup-compatibility/2006">
               <mc:Choice xmlns:v="urn:schemas-microsoft-com:vml" Requires="v">
-                <p:oleObj spid="_x0000_s10272" name="AxMath" r:id="rId4" imgW="110160" imgH="226440" progId="Equation.AxMath">
+                <p:oleObj spid="_x0000_s10273" name="AxMath" r:id="rId4" imgW="110160" imgH="226440" progId="Equation.AxMath">
                   <p:embed/>
                 </p:oleObj>
               </mc:Choice>

--- a/冷原子物理图片.pptx
+++ b/冷原子物理图片.pptx
@@ -5,7 +5,7 @@
     <p:sldMasterId id="2147483648" r:id="rId1"/>
   </p:sldMasterIdLst>
   <p:notesMasterIdLst>
-    <p:notesMasterId r:id="rId13"/>
+    <p:notesMasterId r:id="rId14"/>
   </p:notesMasterIdLst>
   <p:sldIdLst>
     <p:sldId id="256" r:id="rId2"/>
@@ -19,6 +19,7 @@
     <p:sldId id="264" r:id="rId10"/>
     <p:sldId id="265" r:id="rId11"/>
     <p:sldId id="266" r:id="rId12"/>
+    <p:sldId id="267" r:id="rId13"/>
   </p:sldIdLst>
   <p:sldSz cx="12192000" cy="6858000"/>
   <p:notesSz cx="6858000" cy="9144000"/>
@@ -3902,7 +3903,7 @@
             <a:graphicData uri="http://schemas.openxmlformats.org/presentationml/2006/ole">
               <mc:AlternateContent xmlns:mc="http://schemas.openxmlformats.org/markup-compatibility/2006">
                 <mc:Choice xmlns:v="urn:schemas-microsoft-com:vml" Requires="v">
-                  <p:oleObj spid="_x0000_s1783" name="AxMath" r:id="rId3" imgW="258840" imgH="235800" progId="Equation.AxMath">
+                  <p:oleObj spid="_x0000_s1818" name="AxMath" r:id="rId3" imgW="258840" imgH="235800" progId="Equation.AxMath">
                     <p:embed/>
                   </p:oleObj>
                 </mc:Choice>
@@ -3965,7 +3966,7 @@
             <a:graphicData uri="http://schemas.openxmlformats.org/presentationml/2006/ole">
               <mc:AlternateContent xmlns:mc="http://schemas.openxmlformats.org/markup-compatibility/2006">
                 <mc:Choice xmlns:v="urn:schemas-microsoft-com:vml" Requires="v">
-                  <p:oleObj spid="_x0000_s1784" name="AxMath" r:id="rId5" imgW="255960" imgH="235800" progId="Equation.AxMath">
+                  <p:oleObj spid="_x0000_s1819" name="AxMath" r:id="rId5" imgW="255960" imgH="235800" progId="Equation.AxMath">
                     <p:embed/>
                   </p:oleObj>
                 </mc:Choice>
@@ -4116,7 +4117,7 @@
             <a:graphicData uri="http://schemas.openxmlformats.org/presentationml/2006/ole">
               <mc:AlternateContent xmlns:mc="http://schemas.openxmlformats.org/markup-compatibility/2006">
                 <mc:Choice xmlns:v="urn:schemas-microsoft-com:vml" Requires="v">
-                  <p:oleObj spid="_x0000_s1785" name="AxMath" r:id="rId7" imgW="187200" imgH="228600" progId="Equation.AxMath">
+                  <p:oleObj spid="_x0000_s1820" name="AxMath" r:id="rId7" imgW="187200" imgH="228600" progId="Equation.AxMath">
                     <p:embed/>
                   </p:oleObj>
                 </mc:Choice>
@@ -4179,7 +4180,7 @@
             <a:graphicData uri="http://schemas.openxmlformats.org/presentationml/2006/ole">
               <mc:AlternateContent xmlns:mc="http://schemas.openxmlformats.org/markup-compatibility/2006">
                 <mc:Choice xmlns:v="urn:schemas-microsoft-com:vml" Requires="v">
-                  <p:oleObj spid="_x0000_s1786" name="AxMath" r:id="rId9" imgW="169920" imgH="228600" progId="Equation.AxMath">
+                  <p:oleObj spid="_x0000_s1821" name="AxMath" r:id="rId9" imgW="169920" imgH="228600" progId="Equation.AxMath">
                     <p:embed/>
                   </p:oleObj>
                 </mc:Choice>
@@ -4287,7 +4288,7 @@
             <a:graphicData uri="http://schemas.openxmlformats.org/presentationml/2006/ole">
               <mc:AlternateContent xmlns:mc="http://schemas.openxmlformats.org/markup-compatibility/2006">
                 <mc:Choice xmlns:v="urn:schemas-microsoft-com:vml" Requires="v">
-                  <p:oleObj spid="_x0000_s1787" name="AxMath" r:id="rId11" imgW="187200" imgH="228600" progId="Equation.AxMath">
+                  <p:oleObj spid="_x0000_s1822" name="AxMath" r:id="rId11" imgW="187200" imgH="228600" progId="Equation.AxMath">
                     <p:embed/>
                   </p:oleObj>
                 </mc:Choice>
@@ -4400,7 +4401,7 @@
             <a:graphicData uri="http://schemas.openxmlformats.org/presentationml/2006/ole">
               <mc:AlternateContent xmlns:mc="http://schemas.openxmlformats.org/markup-compatibility/2006">
                 <mc:Choice xmlns:v="urn:schemas-microsoft-com:vml" Requires="v">
-                  <p:oleObj spid="_x0000_s1788" name="AxMath" r:id="rId13" imgW="169920" imgH="228600" progId="Equation.AxMath">
+                  <p:oleObj spid="_x0000_s1823" name="AxMath" r:id="rId13" imgW="169920" imgH="228600" progId="Equation.AxMath">
                     <p:embed/>
                   </p:oleObj>
                 </mc:Choice>
@@ -4514,7 +4515,7 @@
             <a:graphicData uri="http://schemas.openxmlformats.org/presentationml/2006/ole">
               <mc:AlternateContent xmlns:mc="http://schemas.openxmlformats.org/markup-compatibility/2006">
                 <mc:Choice xmlns:v="urn:schemas-microsoft-com:vml" Requires="v">
-                  <p:oleObj spid="_x0000_s1789" name="AxMath" r:id="rId15" imgW="119160" imgH="226440" progId="Equation.AxMath">
+                  <p:oleObj spid="_x0000_s1824" name="AxMath" r:id="rId15" imgW="119160" imgH="226440" progId="Equation.AxMath">
                     <p:embed/>
                   </p:oleObj>
                 </mc:Choice>
@@ -4844,7 +4845,7 @@
             <a:graphicData uri="http://schemas.openxmlformats.org/presentationml/2006/ole">
               <mc:AlternateContent xmlns:mc="http://schemas.openxmlformats.org/markup-compatibility/2006">
                 <mc:Choice xmlns:v="urn:schemas-microsoft-com:vml" Requires="v">
-                  <p:oleObj spid="_x0000_s13494" name="AxMath" r:id="rId3" imgW="99000" imgH="226440" progId="Equation.AxMath">
+                  <p:oleObj spid="_x0000_s13554" name="AxMath" r:id="rId3" imgW="99000" imgH="226440" progId="Equation.AxMath">
                     <p:embed/>
                   </p:oleObj>
                 </mc:Choice>
@@ -4907,7 +4908,7 @@
             <a:graphicData uri="http://schemas.openxmlformats.org/presentationml/2006/ole">
               <mc:AlternateContent xmlns:mc="http://schemas.openxmlformats.org/markup-compatibility/2006">
                 <mc:Choice xmlns:v="urn:schemas-microsoft-com:vml" Requires="v">
-                  <p:oleObj spid="_x0000_s13495" name="AxMath" r:id="rId5" imgW="99000" imgH="226440" progId="Equation.AxMath">
+                  <p:oleObj spid="_x0000_s13555" name="AxMath" r:id="rId5" imgW="99000" imgH="226440" progId="Equation.AxMath">
                     <p:embed/>
                   </p:oleObj>
                 </mc:Choice>
@@ -4976,7 +4977,7 @@
             <a:graphicData uri="http://schemas.openxmlformats.org/presentationml/2006/ole">
               <mc:AlternateContent xmlns:mc="http://schemas.openxmlformats.org/markup-compatibility/2006">
                 <mc:Choice xmlns:v="urn:schemas-microsoft-com:vml" Requires="v">
-                  <p:oleObj spid="_x0000_s13496" name="AxMath" r:id="rId6" imgW="101520" imgH="226440" progId="Equation.AxMath">
+                  <p:oleObj spid="_x0000_s13556" name="AxMath" r:id="rId6" imgW="101520" imgH="226440" progId="Equation.AxMath">
                     <p:embed/>
                   </p:oleObj>
                 </mc:Choice>
@@ -5039,7 +5040,7 @@
             <a:graphicData uri="http://schemas.openxmlformats.org/presentationml/2006/ole">
               <mc:AlternateContent xmlns:mc="http://schemas.openxmlformats.org/markup-compatibility/2006">
                 <mc:Choice xmlns:v="urn:schemas-microsoft-com:vml" Requires="v">
-                  <p:oleObj spid="_x0000_s13497" name="AxMath" r:id="rId8" imgW="101520" imgH="226440" progId="Equation.AxMath">
+                  <p:oleObj spid="_x0000_s13557" name="AxMath" r:id="rId8" imgW="101520" imgH="226440" progId="Equation.AxMath">
                     <p:embed/>
                   </p:oleObj>
                 </mc:Choice>
@@ -5108,7 +5109,7 @@
             <a:graphicData uri="http://schemas.openxmlformats.org/presentationml/2006/ole">
               <mc:AlternateContent xmlns:mc="http://schemas.openxmlformats.org/markup-compatibility/2006">
                 <mc:Choice xmlns:v="urn:schemas-microsoft-com:vml" Requires="v">
-                  <p:oleObj spid="_x0000_s13498" name="AxMath" r:id="rId9" imgW="766800" imgH="283680" progId="Equation.AxMath">
+                  <p:oleObj spid="_x0000_s13558" name="AxMath" r:id="rId9" imgW="766800" imgH="283680" progId="Equation.AxMath">
                     <p:embed/>
                   </p:oleObj>
                 </mc:Choice>
@@ -5171,7 +5172,7 @@
             <a:graphicData uri="http://schemas.openxmlformats.org/presentationml/2006/ole">
               <mc:AlternateContent xmlns:mc="http://schemas.openxmlformats.org/markup-compatibility/2006">
                 <mc:Choice xmlns:v="urn:schemas-microsoft-com:vml" Requires="v">
-                  <p:oleObj spid="_x0000_s13499" name="AxMath" r:id="rId11" imgW="818640" imgH="283680" progId="Equation.AxMath">
+                  <p:oleObj spid="_x0000_s13559" name="AxMath" r:id="rId11" imgW="818640" imgH="283680" progId="Equation.AxMath">
                     <p:embed/>
                   </p:oleObj>
                 </mc:Choice>
@@ -5240,7 +5241,7 @@
             <a:graphicData uri="http://schemas.openxmlformats.org/presentationml/2006/ole">
               <mc:AlternateContent xmlns:mc="http://schemas.openxmlformats.org/markup-compatibility/2006">
                 <mc:Choice xmlns:v="urn:schemas-microsoft-com:vml" Requires="v">
-                  <p:oleObj spid="_x0000_s13500" name="AxMath" r:id="rId13" imgW="744120" imgH="239400" progId="Equation.AxMath">
+                  <p:oleObj spid="_x0000_s13560" name="AxMath" r:id="rId13" imgW="744120" imgH="239400" progId="Equation.AxMath">
                     <p:embed/>
                   </p:oleObj>
                 </mc:Choice>
@@ -5572,7 +5573,7 @@
             <a:graphicData uri="http://schemas.openxmlformats.org/presentationml/2006/ole">
               <mc:AlternateContent xmlns:mc="http://schemas.openxmlformats.org/markup-compatibility/2006">
                 <mc:Choice xmlns:v="urn:schemas-microsoft-com:vml" Requires="v">
-                  <p:oleObj spid="_x0000_s13501" name="AxMath" r:id="rId15" imgW="136800" imgH="228600" progId="Equation.AxMath">
+                  <p:oleObj spid="_x0000_s13561" name="AxMath" r:id="rId15" imgW="136800" imgH="228600" progId="Equation.AxMath">
                     <p:embed/>
                   </p:oleObj>
                 </mc:Choice>
@@ -5641,7 +5642,7 @@
             <a:graphicData uri="http://schemas.openxmlformats.org/presentationml/2006/ole">
               <mc:AlternateContent xmlns:mc="http://schemas.openxmlformats.org/markup-compatibility/2006">
                 <mc:Choice xmlns:v="urn:schemas-microsoft-com:vml" Requires="v">
-                  <p:oleObj spid="_x0000_s13502" name="AxMath" r:id="rId17" imgW="154440" imgH="228600" progId="Equation.AxMath">
+                  <p:oleObj spid="_x0000_s13562" name="AxMath" r:id="rId17" imgW="154440" imgH="228600" progId="Equation.AxMath">
                     <p:embed/>
                   </p:oleObj>
                 </mc:Choice>
@@ -5710,7 +5711,7 @@
             <a:graphicData uri="http://schemas.openxmlformats.org/presentationml/2006/ole">
               <mc:AlternateContent xmlns:mc="http://schemas.openxmlformats.org/markup-compatibility/2006">
                 <mc:Choice xmlns:v="urn:schemas-microsoft-com:vml" Requires="v">
-                  <p:oleObj spid="_x0000_s13503" name="AxMath" r:id="rId19" imgW="139680" imgH="228600" progId="Equation.AxMath">
+                  <p:oleObj spid="_x0000_s13563" name="AxMath" r:id="rId19" imgW="139680" imgH="228600" progId="Equation.AxMath">
                     <p:embed/>
                   </p:oleObj>
                 </mc:Choice>
@@ -5773,7 +5774,7 @@
             <a:graphicData uri="http://schemas.openxmlformats.org/presentationml/2006/ole">
               <mc:AlternateContent xmlns:mc="http://schemas.openxmlformats.org/markup-compatibility/2006">
                 <mc:Choice xmlns:v="urn:schemas-microsoft-com:vml" Requires="v">
-                  <p:oleObj spid="_x0000_s13504" name="AxMath" r:id="rId21" imgW="156960" imgH="228600" progId="Equation.AxMath">
+                  <p:oleObj spid="_x0000_s13564" name="AxMath" r:id="rId21" imgW="156960" imgH="228600" progId="Equation.AxMath">
                     <p:embed/>
                   </p:oleObj>
                 </mc:Choice>
@@ -5842,7 +5843,7 @@
             <a:graphicData uri="http://schemas.openxmlformats.org/presentationml/2006/ole">
               <mc:AlternateContent xmlns:mc="http://schemas.openxmlformats.org/markup-compatibility/2006">
                 <mc:Choice xmlns:v="urn:schemas-microsoft-com:vml" Requires="v">
-                  <p:oleObj spid="_x0000_s13505" name="AxMath" r:id="rId23" imgW="694440" imgH="228600" progId="Equation.AxMath">
+                  <p:oleObj spid="_x0000_s13565" name="AxMath" r:id="rId23" imgW="694440" imgH="228600" progId="Equation.AxMath">
                     <p:embed/>
                   </p:oleObj>
                 </mc:Choice>
@@ -5978,7 +5979,7 @@
           <a:graphicData uri="http://schemas.openxmlformats.org/presentationml/2006/ole">
             <mc:AlternateContent xmlns:mc="http://schemas.openxmlformats.org/markup-compatibility/2006">
               <mc:Choice xmlns:v="urn:schemas-microsoft-com:vml" Requires="v">
-                <p:oleObj spid="_x0000_s14344" name="AxMath" r:id="rId3" imgW="3411000" imgH="465840" progId="Equation.AxMath">
+                <p:oleObj spid="_x0000_s14354" name="AxMath" r:id="rId3" imgW="3411000" imgH="465840" progId="Equation.AxMath">
                   <p:embed/>
                 </p:oleObj>
               </mc:Choice>
@@ -6211,7 +6212,7 @@
           <a:graphicData uri="http://schemas.openxmlformats.org/presentationml/2006/ole">
             <mc:AlternateContent xmlns:mc="http://schemas.openxmlformats.org/markup-compatibility/2006">
               <mc:Choice xmlns:v="urn:schemas-microsoft-com:vml" Requires="v">
-                <p:oleObj spid="_x0000_s14345" name="AxMath" r:id="rId5" imgW="149760" imgH="228600" progId="Equation.AxMath">
+                <p:oleObj spid="_x0000_s14355" name="AxMath" r:id="rId5" imgW="149760" imgH="228600" progId="Equation.AxMath">
                   <p:embed/>
                 </p:oleObj>
               </mc:Choice>
@@ -6547,6 +6548,1069 @@
 </p:sld>
 </file>
 
+<file path=ppt/slides/slide12.xml><?xml version="1.0" encoding="utf-8"?>
+<p:sld xmlns:a="http://schemas.openxmlformats.org/drawingml/2006/main" xmlns:r="http://schemas.openxmlformats.org/officeDocument/2006/relationships" xmlns:p="http://schemas.openxmlformats.org/presentationml/2006/main">
+  <p:cSld>
+    <p:spTree>
+      <p:nvGrpSpPr>
+        <p:cNvPr id="1" name=""/>
+        <p:cNvGrpSpPr/>
+        <p:nvPr/>
+      </p:nvGrpSpPr>
+      <p:grpSpPr>
+        <a:xfrm>
+          <a:off x="0" y="0"/>
+          <a:ext cx="0" cy="0"/>
+          <a:chOff x="0" y="0"/>
+          <a:chExt cx="0" cy="0"/>
+        </a:xfrm>
+      </p:grpSpPr>
+      <p:cxnSp>
+        <p:nvCxnSpPr>
+          <p:cNvPr id="4" name="直接连接符 3">
+            <a:extLst>
+              <a:ext uri="{FF2B5EF4-FFF2-40B4-BE49-F238E27FC236}">
+                <a16:creationId xmlns:a16="http://schemas.microsoft.com/office/drawing/2014/main" id="{FF2C71E7-E11F-4018-8F32-A1B830B3FF9B}"/>
+              </a:ext>
+            </a:extLst>
+          </p:cNvPr>
+          <p:cNvCxnSpPr>
+            <a:cxnSpLocks/>
+          </p:cNvCxnSpPr>
+          <p:nvPr/>
+        </p:nvCxnSpPr>
+        <p:spPr>
+          <a:xfrm>
+            <a:off x="5728997" y="933061"/>
+            <a:ext cx="0" cy="5200261"/>
+          </a:xfrm>
+          <a:prstGeom prst="line">
+            <a:avLst/>
+          </a:prstGeom>
+          <a:ln w="19050">
+            <a:solidFill>
+              <a:schemeClr val="tx1"/>
+            </a:solidFill>
+            <a:headEnd type="triangle" w="lg" len="med"/>
+            <a:tailEnd type="none"/>
+          </a:ln>
+        </p:spPr>
+        <p:style>
+          <a:lnRef idx="1">
+            <a:schemeClr val="accent1"/>
+          </a:lnRef>
+          <a:fillRef idx="0">
+            <a:schemeClr val="accent1"/>
+          </a:fillRef>
+          <a:effectRef idx="0">
+            <a:schemeClr val="accent1"/>
+          </a:effectRef>
+          <a:fontRef idx="minor">
+            <a:schemeClr val="tx1"/>
+          </a:fontRef>
+        </p:style>
+      </p:cxnSp>
+      <p:cxnSp>
+        <p:nvCxnSpPr>
+          <p:cNvPr id="11" name="直接连接符 10">
+            <a:extLst>
+              <a:ext uri="{FF2B5EF4-FFF2-40B4-BE49-F238E27FC236}">
+                <a16:creationId xmlns:a16="http://schemas.microsoft.com/office/drawing/2014/main" id="{449EEEFB-CB35-4D0E-93CB-BB096A398523}"/>
+              </a:ext>
+            </a:extLst>
+          </p:cNvPr>
+          <p:cNvCxnSpPr/>
+          <p:nvPr/>
+        </p:nvCxnSpPr>
+        <p:spPr>
+          <a:xfrm>
+            <a:off x="2127380" y="4127124"/>
+            <a:ext cx="7259216" cy="0"/>
+          </a:xfrm>
+          <a:prstGeom prst="line">
+            <a:avLst/>
+          </a:prstGeom>
+          <a:ln w="19050">
+            <a:solidFill>
+              <a:schemeClr val="tx1"/>
+            </a:solidFill>
+            <a:tailEnd type="triangle" w="lg" len="med"/>
+          </a:ln>
+        </p:spPr>
+        <p:style>
+          <a:lnRef idx="1">
+            <a:schemeClr val="accent1"/>
+          </a:lnRef>
+          <a:fillRef idx="0">
+            <a:schemeClr val="accent1"/>
+          </a:fillRef>
+          <a:effectRef idx="0">
+            <a:schemeClr val="accent1"/>
+          </a:effectRef>
+          <a:fontRef idx="minor">
+            <a:schemeClr val="tx1"/>
+          </a:fontRef>
+        </p:style>
+      </p:cxnSp>
+      <p:cxnSp>
+        <p:nvCxnSpPr>
+          <p:cNvPr id="16" name="直接连接符 15">
+            <a:extLst>
+              <a:ext uri="{FF2B5EF4-FFF2-40B4-BE49-F238E27FC236}">
+                <a16:creationId xmlns:a16="http://schemas.microsoft.com/office/drawing/2014/main" id="{3E527AC0-DE14-4590-A55B-F3864FD74F24}"/>
+              </a:ext>
+            </a:extLst>
+          </p:cNvPr>
+          <p:cNvCxnSpPr/>
+          <p:nvPr/>
+        </p:nvCxnSpPr>
+        <p:spPr>
+          <a:xfrm>
+            <a:off x="2127380" y="3309257"/>
+            <a:ext cx="7147249" cy="0"/>
+          </a:xfrm>
+          <a:prstGeom prst="line">
+            <a:avLst/>
+          </a:prstGeom>
+          <a:ln w="12700">
+            <a:solidFill>
+              <a:srgbClr val="00B050"/>
+            </a:solidFill>
+            <a:prstDash val="lgDash"/>
+          </a:ln>
+        </p:spPr>
+        <p:style>
+          <a:lnRef idx="1">
+            <a:schemeClr val="accent1"/>
+          </a:lnRef>
+          <a:fillRef idx="0">
+            <a:schemeClr val="accent1"/>
+          </a:fillRef>
+          <a:effectRef idx="0">
+            <a:schemeClr val="accent1"/>
+          </a:effectRef>
+          <a:fontRef idx="minor">
+            <a:schemeClr val="tx1"/>
+          </a:fontRef>
+        </p:style>
+      </p:cxnSp>
+      <p:graphicFrame>
+        <p:nvGraphicFramePr>
+          <p:cNvPr id="17" name="对象 16">
+            <a:extLst>
+              <a:ext uri="{FF2B5EF4-FFF2-40B4-BE49-F238E27FC236}">
+                <a16:creationId xmlns:a16="http://schemas.microsoft.com/office/drawing/2014/main" id="{2F4EB9BB-9242-4A34-AA85-DE29CD4C96A2}"/>
+              </a:ext>
+            </a:extLst>
+          </p:cNvPr>
+          <p:cNvGraphicFramePr>
+            <a:graphicFrameLocks noChangeAspect="1"/>
+          </p:cNvGraphicFramePr>
+          <p:nvPr>
+            <p:extLst>
+              <p:ext uri="{D42A27DB-BD31-4B8C-83A1-F6EECF244321}">
+                <p14:modId xmlns:p14="http://schemas.microsoft.com/office/powerpoint/2010/main" val="3998894097"/>
+              </p:ext>
+            </p:extLst>
+          </p:nvPr>
+        </p:nvGraphicFramePr>
+        <p:xfrm>
+          <a:off x="9331618" y="3068190"/>
+          <a:ext cx="965200" cy="457200"/>
+        </p:xfrm>
+        <a:graphic>
+          <a:graphicData uri="http://schemas.openxmlformats.org/presentationml/2006/ole">
+            <mc:AlternateContent xmlns:mc="http://schemas.openxmlformats.org/markup-compatibility/2006">
+              <mc:Choice xmlns:v="urn:schemas-microsoft-com:vml" Requires="v">
+                <p:oleObj spid="_x0000_s15381" name="AxMath" r:id="rId3" imgW="482400" imgH="228600" progId="Equation.AxMath">
+                  <p:embed/>
+                </p:oleObj>
+              </mc:Choice>
+              <mc:Fallback>
+                <p:oleObj name="AxMath" r:id="rId3" imgW="482400" imgH="228600" progId="Equation.AxMath">
+                  <p:embed/>
+                  <p:pic>
+                    <p:nvPicPr>
+                      <p:cNvPr id="0" name=""/>
+                      <p:cNvPicPr/>
+                      <p:nvPr/>
+                    </p:nvPicPr>
+                    <p:blipFill>
+                      <a:blip r:embed="rId4"/>
+                      <a:stretch>
+                        <a:fillRect/>
+                      </a:stretch>
+                    </p:blipFill>
+                    <p:spPr>
+                      <a:xfrm>
+                        <a:off x="9331618" y="3068190"/>
+                        <a:ext cx="965200" cy="457200"/>
+                      </a:xfrm>
+                      <a:prstGeom prst="rect">
+                        <a:avLst/>
+                      </a:prstGeom>
+                    </p:spPr>
+                  </p:pic>
+                </p:oleObj>
+              </mc:Fallback>
+            </mc:AlternateContent>
+          </a:graphicData>
+        </a:graphic>
+      </p:graphicFrame>
+      <p:graphicFrame>
+        <p:nvGraphicFramePr>
+          <p:cNvPr id="18" name="对象 17">
+            <a:extLst>
+              <a:ext uri="{FF2B5EF4-FFF2-40B4-BE49-F238E27FC236}">
+                <a16:creationId xmlns:a16="http://schemas.microsoft.com/office/drawing/2014/main" id="{F89FD506-8A30-477E-A406-BBBD27A76D68}"/>
+              </a:ext>
+            </a:extLst>
+          </p:cNvPr>
+          <p:cNvGraphicFramePr>
+            <a:graphicFrameLocks noChangeAspect="1"/>
+          </p:cNvGraphicFramePr>
+          <p:nvPr>
+            <p:extLst>
+              <p:ext uri="{D42A27DB-BD31-4B8C-83A1-F6EECF244321}">
+                <p14:modId xmlns:p14="http://schemas.microsoft.com/office/powerpoint/2010/main" val="3245621925"/>
+              </p:ext>
+            </p:extLst>
+          </p:nvPr>
+        </p:nvGraphicFramePr>
+        <p:xfrm>
+          <a:off x="5606175" y="496078"/>
+          <a:ext cx="301625" cy="457200"/>
+        </p:xfrm>
+        <a:graphic>
+          <a:graphicData uri="http://schemas.openxmlformats.org/presentationml/2006/ole">
+            <mc:AlternateContent xmlns:mc="http://schemas.openxmlformats.org/markup-compatibility/2006">
+              <mc:Choice xmlns:v="urn:schemas-microsoft-com:vml" Requires="v">
+                <p:oleObj spid="_x0000_s15382" name="AxMath" r:id="rId5" imgW="151560" imgH="228600" progId="Equation.AxMath">
+                  <p:embed/>
+                </p:oleObj>
+              </mc:Choice>
+              <mc:Fallback>
+                <p:oleObj name="AxMath" r:id="rId5" imgW="151560" imgH="228600" progId="Equation.AxMath">
+                  <p:embed/>
+                  <p:pic>
+                    <p:nvPicPr>
+                      <p:cNvPr id="0" name=""/>
+                      <p:cNvPicPr/>
+                      <p:nvPr/>
+                    </p:nvPicPr>
+                    <p:blipFill>
+                      <a:blip r:embed="rId6"/>
+                      <a:stretch>
+                        <a:fillRect/>
+                      </a:stretch>
+                    </p:blipFill>
+                    <p:spPr>
+                      <a:xfrm>
+                        <a:off x="5606175" y="496078"/>
+                        <a:ext cx="301625" cy="457200"/>
+                      </a:xfrm>
+                      <a:prstGeom prst="rect">
+                        <a:avLst/>
+                      </a:prstGeom>
+                    </p:spPr>
+                  </p:pic>
+                </p:oleObj>
+              </mc:Fallback>
+            </mc:AlternateContent>
+          </a:graphicData>
+        </a:graphic>
+      </p:graphicFrame>
+      <p:graphicFrame>
+        <p:nvGraphicFramePr>
+          <p:cNvPr id="19" name="对象 18">
+            <a:extLst>
+              <a:ext uri="{FF2B5EF4-FFF2-40B4-BE49-F238E27FC236}">
+                <a16:creationId xmlns:a16="http://schemas.microsoft.com/office/drawing/2014/main" id="{BECB2437-1099-4FF5-AEC5-F653A86DBFFF}"/>
+              </a:ext>
+            </a:extLst>
+          </p:cNvPr>
+          <p:cNvGraphicFramePr>
+            <a:graphicFrameLocks noChangeAspect="1"/>
+          </p:cNvGraphicFramePr>
+          <p:nvPr>
+            <p:extLst>
+              <p:ext uri="{D42A27DB-BD31-4B8C-83A1-F6EECF244321}">
+                <p14:modId xmlns:p14="http://schemas.microsoft.com/office/powerpoint/2010/main" val="79366497"/>
+              </p:ext>
+            </p:extLst>
+          </p:nvPr>
+        </p:nvGraphicFramePr>
+        <p:xfrm>
+          <a:off x="9509418" y="3900111"/>
+          <a:ext cx="304800" cy="454025"/>
+        </p:xfrm>
+        <a:graphic>
+          <a:graphicData uri="http://schemas.openxmlformats.org/presentationml/2006/ole">
+            <mc:AlternateContent xmlns:mc="http://schemas.openxmlformats.org/markup-compatibility/2006">
+              <mc:Choice xmlns:v="urn:schemas-microsoft-com:vml" Requires="v">
+                <p:oleObj spid="_x0000_s15383" name="AxMath" r:id="rId7" imgW="151920" imgH="226440" progId="Equation.AxMath">
+                  <p:embed/>
+                </p:oleObj>
+              </mc:Choice>
+              <mc:Fallback>
+                <p:oleObj name="AxMath" r:id="rId7" imgW="151920" imgH="226440" progId="Equation.AxMath">
+                  <p:embed/>
+                  <p:pic>
+                    <p:nvPicPr>
+                      <p:cNvPr id="0" name=""/>
+                      <p:cNvPicPr/>
+                      <p:nvPr/>
+                    </p:nvPicPr>
+                    <p:blipFill>
+                      <a:blip r:embed="rId8"/>
+                      <a:stretch>
+                        <a:fillRect/>
+                      </a:stretch>
+                    </p:blipFill>
+                    <p:spPr>
+                      <a:xfrm>
+                        <a:off x="9509418" y="3900111"/>
+                        <a:ext cx="304800" cy="454025"/>
+                      </a:xfrm>
+                      <a:prstGeom prst="rect">
+                        <a:avLst/>
+                      </a:prstGeom>
+                    </p:spPr>
+                  </p:pic>
+                </p:oleObj>
+              </mc:Fallback>
+            </mc:AlternateContent>
+          </a:graphicData>
+        </a:graphic>
+      </p:graphicFrame>
+      <p:sp>
+        <p:nvSpPr>
+          <p:cNvPr id="25" name="任意多边形: 形状 24">
+            <a:extLst>
+              <a:ext uri="{FF2B5EF4-FFF2-40B4-BE49-F238E27FC236}">
+                <a16:creationId xmlns:a16="http://schemas.microsoft.com/office/drawing/2014/main" id="{876D882F-435F-4400-AD93-13D353B02867}"/>
+              </a:ext>
+            </a:extLst>
+          </p:cNvPr>
+          <p:cNvSpPr/>
+          <p:nvPr/>
+        </p:nvSpPr>
+        <p:spPr>
+          <a:xfrm>
+            <a:off x="2385527" y="1065304"/>
+            <a:ext cx="3085323" cy="2164702"/>
+          </a:xfrm>
+          <a:custGeom>
+            <a:avLst/>
+            <a:gdLst>
+              <a:gd name="connsiteX0" fmla="*/ 3085323 w 3085323"/>
+              <a:gd name="connsiteY0" fmla="*/ 0 h 2164702"/>
+              <a:gd name="connsiteX1" fmla="*/ 3066661 w 3085323"/>
+              <a:gd name="connsiteY1" fmla="*/ 472751 h 2164702"/>
+              <a:gd name="connsiteX2" fmla="*/ 3010678 w 3085323"/>
+              <a:gd name="connsiteY2" fmla="*/ 957943 h 2164702"/>
+              <a:gd name="connsiteX3" fmla="*/ 2904931 w 3085323"/>
+              <a:gd name="connsiteY3" fmla="*/ 1287625 h 2164702"/>
+              <a:gd name="connsiteX4" fmla="*/ 2643674 w 3085323"/>
+              <a:gd name="connsiteY4" fmla="*/ 1635968 h 2164702"/>
+              <a:gd name="connsiteX5" fmla="*/ 2282890 w 3085323"/>
+              <a:gd name="connsiteY5" fmla="*/ 1928327 h 2164702"/>
+              <a:gd name="connsiteX6" fmla="*/ 1847461 w 3085323"/>
+              <a:gd name="connsiteY6" fmla="*/ 2040294 h 2164702"/>
+              <a:gd name="connsiteX7" fmla="*/ 1412033 w 3085323"/>
+              <a:gd name="connsiteY7" fmla="*/ 2102498 h 2164702"/>
+              <a:gd name="connsiteX8" fmla="*/ 945502 w 3085323"/>
+              <a:gd name="connsiteY8" fmla="*/ 2133600 h 2164702"/>
+              <a:gd name="connsiteX9" fmla="*/ 0 w 3085323"/>
+              <a:gd name="connsiteY9" fmla="*/ 2164702 h 2164702"/>
+            </a:gdLst>
+            <a:ahLst/>
+            <a:cxnLst>
+              <a:cxn ang="0">
+                <a:pos x="connsiteX0" y="connsiteY0"/>
+              </a:cxn>
+              <a:cxn ang="0">
+                <a:pos x="connsiteX1" y="connsiteY1"/>
+              </a:cxn>
+              <a:cxn ang="0">
+                <a:pos x="connsiteX2" y="connsiteY2"/>
+              </a:cxn>
+              <a:cxn ang="0">
+                <a:pos x="connsiteX3" y="connsiteY3"/>
+              </a:cxn>
+              <a:cxn ang="0">
+                <a:pos x="connsiteX4" y="connsiteY4"/>
+              </a:cxn>
+              <a:cxn ang="0">
+                <a:pos x="connsiteX5" y="connsiteY5"/>
+              </a:cxn>
+              <a:cxn ang="0">
+                <a:pos x="connsiteX6" y="connsiteY6"/>
+              </a:cxn>
+              <a:cxn ang="0">
+                <a:pos x="connsiteX7" y="connsiteY7"/>
+              </a:cxn>
+              <a:cxn ang="0">
+                <a:pos x="connsiteX8" y="connsiteY8"/>
+              </a:cxn>
+              <a:cxn ang="0">
+                <a:pos x="connsiteX9" y="connsiteY9"/>
+              </a:cxn>
+            </a:cxnLst>
+            <a:rect l="l" t="t" r="r" b="b"/>
+            <a:pathLst>
+              <a:path w="3085323" h="2164702">
+                <a:moveTo>
+                  <a:pt x="3085323" y="0"/>
+                </a:moveTo>
+                <a:cubicBezTo>
+                  <a:pt x="3082212" y="156547"/>
+                  <a:pt x="3079102" y="313094"/>
+                  <a:pt x="3066661" y="472751"/>
+                </a:cubicBezTo>
+                <a:cubicBezTo>
+                  <a:pt x="3054220" y="632408"/>
+                  <a:pt x="3037633" y="822131"/>
+                  <a:pt x="3010678" y="957943"/>
+                </a:cubicBezTo>
+                <a:cubicBezTo>
+                  <a:pt x="2983723" y="1093755"/>
+                  <a:pt x="2966098" y="1174621"/>
+                  <a:pt x="2904931" y="1287625"/>
+                </a:cubicBezTo>
+                <a:cubicBezTo>
+                  <a:pt x="2843764" y="1400629"/>
+                  <a:pt x="2747347" y="1529184"/>
+                  <a:pt x="2643674" y="1635968"/>
+                </a:cubicBezTo>
+                <a:cubicBezTo>
+                  <a:pt x="2540000" y="1742752"/>
+                  <a:pt x="2415592" y="1860939"/>
+                  <a:pt x="2282890" y="1928327"/>
+                </a:cubicBezTo>
+                <a:cubicBezTo>
+                  <a:pt x="2150188" y="1995715"/>
+                  <a:pt x="1992604" y="2011266"/>
+                  <a:pt x="1847461" y="2040294"/>
+                </a:cubicBezTo>
+                <a:cubicBezTo>
+                  <a:pt x="1702318" y="2069322"/>
+                  <a:pt x="1562359" y="2086947"/>
+                  <a:pt x="1412033" y="2102498"/>
+                </a:cubicBezTo>
+                <a:cubicBezTo>
+                  <a:pt x="1261706" y="2118049"/>
+                  <a:pt x="1180841" y="2123233"/>
+                  <a:pt x="945502" y="2133600"/>
+                </a:cubicBezTo>
+                <a:cubicBezTo>
+                  <a:pt x="710163" y="2143967"/>
+                  <a:pt x="355081" y="2154334"/>
+                  <a:pt x="0" y="2164702"/>
+                </a:cubicBezTo>
+              </a:path>
+            </a:pathLst>
+          </a:custGeom>
+          <a:noFill/>
+          <a:ln>
+            <a:solidFill>
+              <a:srgbClr val="FF0000"/>
+            </a:solidFill>
+          </a:ln>
+        </p:spPr>
+        <p:style>
+          <a:lnRef idx="2">
+            <a:schemeClr val="accent1">
+              <a:shade val="50000"/>
+            </a:schemeClr>
+          </a:lnRef>
+          <a:fillRef idx="1">
+            <a:schemeClr val="accent1"/>
+          </a:fillRef>
+          <a:effectRef idx="0">
+            <a:schemeClr val="accent1"/>
+          </a:effectRef>
+          <a:fontRef idx="minor">
+            <a:schemeClr val="lt1"/>
+          </a:fontRef>
+        </p:style>
+        <p:txBody>
+          <a:bodyPr rtlCol="0" anchor="ctr"/>
+          <a:lstStyle/>
+          <a:p>
+            <a:pPr algn="ctr"/>
+            <a:endParaRPr lang="zh-CN" altLang="en-US"/>
+          </a:p>
+        </p:txBody>
+      </p:sp>
+      <p:sp>
+        <p:nvSpPr>
+          <p:cNvPr id="26" name="任意多边形: 形状 25">
+            <a:extLst>
+              <a:ext uri="{FF2B5EF4-FFF2-40B4-BE49-F238E27FC236}">
+                <a16:creationId xmlns:a16="http://schemas.microsoft.com/office/drawing/2014/main" id="{C397D43D-E83E-4B52-A744-3DAEE7E76F6E}"/>
+              </a:ext>
+            </a:extLst>
+          </p:cNvPr>
+          <p:cNvSpPr/>
+          <p:nvPr/>
+        </p:nvSpPr>
+        <p:spPr>
+          <a:xfrm>
+            <a:off x="6077339" y="3375983"/>
+            <a:ext cx="2600130" cy="2183363"/>
+          </a:xfrm>
+          <a:custGeom>
+            <a:avLst/>
+            <a:gdLst>
+              <a:gd name="connsiteX0" fmla="*/ 0 w 2600130"/>
+              <a:gd name="connsiteY0" fmla="*/ 2183363 h 2183363"/>
+              <a:gd name="connsiteX1" fmla="*/ 68424 w 2600130"/>
+              <a:gd name="connsiteY1" fmla="*/ 1555102 h 2183363"/>
+              <a:gd name="connsiteX2" fmla="*/ 205273 w 2600130"/>
+              <a:gd name="connsiteY2" fmla="*/ 1082351 h 2183363"/>
+              <a:gd name="connsiteX3" fmla="*/ 503853 w 2600130"/>
+              <a:gd name="connsiteY3" fmla="*/ 590938 h 2183363"/>
+              <a:gd name="connsiteX4" fmla="*/ 845975 w 2600130"/>
+              <a:gd name="connsiteY4" fmla="*/ 323461 h 2183363"/>
+              <a:gd name="connsiteX5" fmla="*/ 1281404 w 2600130"/>
+              <a:gd name="connsiteY5" fmla="*/ 161730 h 2183363"/>
+              <a:gd name="connsiteX6" fmla="*/ 1878563 w 2600130"/>
+              <a:gd name="connsiteY6" fmla="*/ 49763 h 2183363"/>
+              <a:gd name="connsiteX7" fmla="*/ 2600130 w 2600130"/>
+              <a:gd name="connsiteY7" fmla="*/ 0 h 2183363"/>
+            </a:gdLst>
+            <a:ahLst/>
+            <a:cxnLst>
+              <a:cxn ang="0">
+                <a:pos x="connsiteX0" y="connsiteY0"/>
+              </a:cxn>
+              <a:cxn ang="0">
+                <a:pos x="connsiteX1" y="connsiteY1"/>
+              </a:cxn>
+              <a:cxn ang="0">
+                <a:pos x="connsiteX2" y="connsiteY2"/>
+              </a:cxn>
+              <a:cxn ang="0">
+                <a:pos x="connsiteX3" y="connsiteY3"/>
+              </a:cxn>
+              <a:cxn ang="0">
+                <a:pos x="connsiteX4" y="connsiteY4"/>
+              </a:cxn>
+              <a:cxn ang="0">
+                <a:pos x="connsiteX5" y="connsiteY5"/>
+              </a:cxn>
+              <a:cxn ang="0">
+                <a:pos x="connsiteX6" y="connsiteY6"/>
+              </a:cxn>
+              <a:cxn ang="0">
+                <a:pos x="connsiteX7" y="connsiteY7"/>
+              </a:cxn>
+            </a:cxnLst>
+            <a:rect l="l" t="t" r="r" b="b"/>
+            <a:pathLst>
+              <a:path w="2600130" h="2183363">
+                <a:moveTo>
+                  <a:pt x="0" y="2183363"/>
+                </a:moveTo>
+                <a:cubicBezTo>
+                  <a:pt x="17106" y="1960983"/>
+                  <a:pt x="34212" y="1738604"/>
+                  <a:pt x="68424" y="1555102"/>
+                </a:cubicBezTo>
+                <a:cubicBezTo>
+                  <a:pt x="102636" y="1371600"/>
+                  <a:pt x="132702" y="1243045"/>
+                  <a:pt x="205273" y="1082351"/>
+                </a:cubicBezTo>
+                <a:cubicBezTo>
+                  <a:pt x="277845" y="921657"/>
+                  <a:pt x="397069" y="717420"/>
+                  <a:pt x="503853" y="590938"/>
+                </a:cubicBezTo>
+                <a:cubicBezTo>
+                  <a:pt x="610637" y="464456"/>
+                  <a:pt x="716383" y="394996"/>
+                  <a:pt x="845975" y="323461"/>
+                </a:cubicBezTo>
+                <a:cubicBezTo>
+                  <a:pt x="975567" y="251926"/>
+                  <a:pt x="1109306" y="207346"/>
+                  <a:pt x="1281404" y="161730"/>
+                </a:cubicBezTo>
+                <a:cubicBezTo>
+                  <a:pt x="1453502" y="116114"/>
+                  <a:pt x="1658775" y="76718"/>
+                  <a:pt x="1878563" y="49763"/>
+                </a:cubicBezTo>
+                <a:cubicBezTo>
+                  <a:pt x="2098351" y="22808"/>
+                  <a:pt x="2349240" y="11404"/>
+                  <a:pt x="2600130" y="0"/>
+                </a:cubicBezTo>
+              </a:path>
+            </a:pathLst>
+          </a:custGeom>
+          <a:noFill/>
+          <a:ln>
+            <a:solidFill>
+              <a:srgbClr val="FF0000"/>
+            </a:solidFill>
+          </a:ln>
+        </p:spPr>
+        <p:style>
+          <a:lnRef idx="2">
+            <a:schemeClr val="accent1">
+              <a:shade val="50000"/>
+            </a:schemeClr>
+          </a:lnRef>
+          <a:fillRef idx="1">
+            <a:schemeClr val="accent1"/>
+          </a:fillRef>
+          <a:effectRef idx="0">
+            <a:schemeClr val="accent1"/>
+          </a:effectRef>
+          <a:fontRef idx="minor">
+            <a:schemeClr val="lt1"/>
+          </a:fontRef>
+        </p:style>
+        <p:txBody>
+          <a:bodyPr rtlCol="0" anchor="ctr"/>
+          <a:lstStyle/>
+          <a:p>
+            <a:pPr algn="ctr"/>
+            <a:endParaRPr lang="zh-CN" altLang="en-US"/>
+          </a:p>
+        </p:txBody>
+      </p:sp>
+      <p:sp>
+        <p:nvSpPr>
+          <p:cNvPr id="30" name="任意多边形: 形状 29">
+            <a:extLst>
+              <a:ext uri="{FF2B5EF4-FFF2-40B4-BE49-F238E27FC236}">
+                <a16:creationId xmlns:a16="http://schemas.microsoft.com/office/drawing/2014/main" id="{12B3168D-53A0-4243-B9C1-DD4A411F929A}"/>
+              </a:ext>
+            </a:extLst>
+          </p:cNvPr>
+          <p:cNvSpPr/>
+          <p:nvPr/>
+        </p:nvSpPr>
+        <p:spPr>
+          <a:xfrm>
+            <a:off x="5765527" y="4195549"/>
+            <a:ext cx="914400" cy="1013927"/>
+          </a:xfrm>
+          <a:custGeom>
+            <a:avLst/>
+            <a:gdLst>
+              <a:gd name="connsiteX0" fmla="*/ 0 w 914400"/>
+              <a:gd name="connsiteY0" fmla="*/ 0 h 1013927"/>
+              <a:gd name="connsiteX1" fmla="*/ 155511 w 914400"/>
+              <a:gd name="connsiteY1" fmla="*/ 143070 h 1013927"/>
+              <a:gd name="connsiteX2" fmla="*/ 323462 w 914400"/>
+              <a:gd name="connsiteY2" fmla="*/ 174172 h 1013927"/>
+              <a:gd name="connsiteX3" fmla="*/ 211494 w 914400"/>
+              <a:gd name="connsiteY3" fmla="*/ 342123 h 1013927"/>
+              <a:gd name="connsiteX4" fmla="*/ 429209 w 914400"/>
+              <a:gd name="connsiteY4" fmla="*/ 422988 h 1013927"/>
+              <a:gd name="connsiteX5" fmla="*/ 435429 w 914400"/>
+              <a:gd name="connsiteY5" fmla="*/ 646923 h 1013927"/>
+              <a:gd name="connsiteX6" fmla="*/ 634482 w 914400"/>
+              <a:gd name="connsiteY6" fmla="*/ 696686 h 1013927"/>
+              <a:gd name="connsiteX7" fmla="*/ 914400 w 914400"/>
+              <a:gd name="connsiteY7" fmla="*/ 1013927 h 1013927"/>
+            </a:gdLst>
+            <a:ahLst/>
+            <a:cxnLst>
+              <a:cxn ang="0">
+                <a:pos x="connsiteX0" y="connsiteY0"/>
+              </a:cxn>
+              <a:cxn ang="0">
+                <a:pos x="connsiteX1" y="connsiteY1"/>
+              </a:cxn>
+              <a:cxn ang="0">
+                <a:pos x="connsiteX2" y="connsiteY2"/>
+              </a:cxn>
+              <a:cxn ang="0">
+                <a:pos x="connsiteX3" y="connsiteY3"/>
+              </a:cxn>
+              <a:cxn ang="0">
+                <a:pos x="connsiteX4" y="connsiteY4"/>
+              </a:cxn>
+              <a:cxn ang="0">
+                <a:pos x="connsiteX5" y="connsiteY5"/>
+              </a:cxn>
+              <a:cxn ang="0">
+                <a:pos x="connsiteX6" y="connsiteY6"/>
+              </a:cxn>
+              <a:cxn ang="0">
+                <a:pos x="connsiteX7" y="connsiteY7"/>
+              </a:cxn>
+            </a:cxnLst>
+            <a:rect l="l" t="t" r="r" b="b"/>
+            <a:pathLst>
+              <a:path w="914400" h="1013927">
+                <a:moveTo>
+                  <a:pt x="0" y="0"/>
+                </a:moveTo>
+                <a:cubicBezTo>
+                  <a:pt x="50800" y="57020"/>
+                  <a:pt x="101601" y="114041"/>
+                  <a:pt x="155511" y="143070"/>
+                </a:cubicBezTo>
+                <a:cubicBezTo>
+                  <a:pt x="209421" y="172099"/>
+                  <a:pt x="314132" y="140997"/>
+                  <a:pt x="323462" y="174172"/>
+                </a:cubicBezTo>
+                <a:cubicBezTo>
+                  <a:pt x="332792" y="207347"/>
+                  <a:pt x="193870" y="300654"/>
+                  <a:pt x="211494" y="342123"/>
+                </a:cubicBezTo>
+                <a:cubicBezTo>
+                  <a:pt x="229118" y="383592"/>
+                  <a:pt x="391887" y="372188"/>
+                  <a:pt x="429209" y="422988"/>
+                </a:cubicBezTo>
+                <a:cubicBezTo>
+                  <a:pt x="466531" y="473788"/>
+                  <a:pt x="401217" y="601307"/>
+                  <a:pt x="435429" y="646923"/>
+                </a:cubicBezTo>
+                <a:cubicBezTo>
+                  <a:pt x="469641" y="692539"/>
+                  <a:pt x="554654" y="635519"/>
+                  <a:pt x="634482" y="696686"/>
+                </a:cubicBezTo>
+                <a:cubicBezTo>
+                  <a:pt x="714310" y="757853"/>
+                  <a:pt x="870857" y="970384"/>
+                  <a:pt x="914400" y="1013927"/>
+                </a:cubicBezTo>
+              </a:path>
+            </a:pathLst>
+          </a:custGeom>
+          <a:noFill/>
+          <a:ln>
+            <a:solidFill>
+              <a:srgbClr val="00B0F0"/>
+            </a:solidFill>
+            <a:headEnd type="triangle" w="lg" len="med"/>
+          </a:ln>
+        </p:spPr>
+        <p:style>
+          <a:lnRef idx="2">
+            <a:schemeClr val="accent1">
+              <a:shade val="50000"/>
+            </a:schemeClr>
+          </a:lnRef>
+          <a:fillRef idx="1">
+            <a:schemeClr val="accent1"/>
+          </a:fillRef>
+          <a:effectRef idx="0">
+            <a:schemeClr val="accent1"/>
+          </a:effectRef>
+          <a:fontRef idx="minor">
+            <a:schemeClr val="lt1"/>
+          </a:fontRef>
+        </p:style>
+        <p:txBody>
+          <a:bodyPr rtlCol="0" anchor="ctr"/>
+          <a:lstStyle/>
+          <a:p>
+            <a:pPr algn="ctr"/>
+            <a:endParaRPr lang="zh-CN" altLang="en-US"/>
+          </a:p>
+        </p:txBody>
+      </p:sp>
+      <p:graphicFrame>
+        <p:nvGraphicFramePr>
+          <p:cNvPr id="31" name="对象 30">
+            <a:extLst>
+              <a:ext uri="{FF2B5EF4-FFF2-40B4-BE49-F238E27FC236}">
+                <a16:creationId xmlns:a16="http://schemas.microsoft.com/office/drawing/2014/main" id="{C6A2C6B0-6E41-4A03-99CB-9C8F85F2BFB3}"/>
+              </a:ext>
+            </a:extLst>
+          </p:cNvPr>
+          <p:cNvGraphicFramePr>
+            <a:graphicFrameLocks noChangeAspect="1"/>
+          </p:cNvGraphicFramePr>
+          <p:nvPr>
+            <p:extLst>
+              <p:ext uri="{D42A27DB-BD31-4B8C-83A1-F6EECF244321}">
+                <p14:modId xmlns:p14="http://schemas.microsoft.com/office/powerpoint/2010/main" val="2766316834"/>
+              </p:ext>
+            </p:extLst>
+          </p:nvPr>
+        </p:nvGraphicFramePr>
+        <p:xfrm>
+          <a:off x="6633906" y="5103845"/>
+          <a:ext cx="539750" cy="457200"/>
+        </p:xfrm>
+        <a:graphic>
+          <a:graphicData uri="http://schemas.openxmlformats.org/presentationml/2006/ole">
+            <mc:AlternateContent xmlns:mc="http://schemas.openxmlformats.org/markup-compatibility/2006">
+              <mc:Choice xmlns:v="urn:schemas-microsoft-com:vml" Requires="v">
+                <p:oleObj spid="_x0000_s15384" name="AxMath" r:id="rId9" imgW="270360" imgH="228600" progId="Equation.AxMath">
+                  <p:embed/>
+                </p:oleObj>
+              </mc:Choice>
+              <mc:Fallback>
+                <p:oleObj name="AxMath" r:id="rId9" imgW="270360" imgH="228600" progId="Equation.AxMath">
+                  <p:embed/>
+                  <p:pic>
+                    <p:nvPicPr>
+                      <p:cNvPr id="0" name=""/>
+                      <p:cNvPicPr/>
+                      <p:nvPr/>
+                    </p:nvPicPr>
+                    <p:blipFill>
+                      <a:blip r:embed="rId10"/>
+                      <a:stretch>
+                        <a:fillRect/>
+                      </a:stretch>
+                    </p:blipFill>
+                    <p:spPr>
+                      <a:xfrm>
+                        <a:off x="6633906" y="5103845"/>
+                        <a:ext cx="539750" cy="457200"/>
+                      </a:xfrm>
+                      <a:prstGeom prst="rect">
+                        <a:avLst/>
+                      </a:prstGeom>
+                    </p:spPr>
+                  </p:pic>
+                </p:oleObj>
+              </mc:Fallback>
+            </mc:AlternateContent>
+          </a:graphicData>
+        </a:graphic>
+      </p:graphicFrame>
+      <p:cxnSp>
+        <p:nvCxnSpPr>
+          <p:cNvPr id="33" name="直接箭头连接符 32">
+            <a:extLst>
+              <a:ext uri="{FF2B5EF4-FFF2-40B4-BE49-F238E27FC236}">
+                <a16:creationId xmlns:a16="http://schemas.microsoft.com/office/drawing/2014/main" id="{259790DD-60FD-4BBD-9DFA-83A1A87E1BFE}"/>
+              </a:ext>
+            </a:extLst>
+          </p:cNvPr>
+          <p:cNvCxnSpPr>
+            <a:cxnSpLocks/>
+          </p:cNvCxnSpPr>
+          <p:nvPr/>
+        </p:nvCxnSpPr>
+        <p:spPr>
+          <a:xfrm>
+            <a:off x="5756987" y="4032380"/>
+            <a:ext cx="722359" cy="0"/>
+          </a:xfrm>
+          <a:prstGeom prst="straightConnector1">
+            <a:avLst/>
+          </a:prstGeom>
+          <a:ln w="12700">
+            <a:solidFill>
+              <a:srgbClr val="7030A0"/>
+            </a:solidFill>
+            <a:headEnd type="triangle"/>
+            <a:tailEnd type="triangle"/>
+          </a:ln>
+        </p:spPr>
+        <p:style>
+          <a:lnRef idx="1">
+            <a:schemeClr val="accent1"/>
+          </a:lnRef>
+          <a:fillRef idx="0">
+            <a:schemeClr val="accent1"/>
+          </a:fillRef>
+          <a:effectRef idx="0">
+            <a:schemeClr val="accent1"/>
+          </a:effectRef>
+          <a:fontRef idx="minor">
+            <a:schemeClr val="tx1"/>
+          </a:fontRef>
+        </p:style>
+      </p:cxnSp>
+      <p:sp>
+        <p:nvSpPr>
+          <p:cNvPr id="37" name="椭圆 36">
+            <a:extLst>
+              <a:ext uri="{FF2B5EF4-FFF2-40B4-BE49-F238E27FC236}">
+                <a16:creationId xmlns:a16="http://schemas.microsoft.com/office/drawing/2014/main" id="{8D7FD3A2-CDB5-46FF-B1E7-535BE1B2E8B9}"/>
+              </a:ext>
+            </a:extLst>
+          </p:cNvPr>
+          <p:cNvSpPr/>
+          <p:nvPr/>
+        </p:nvSpPr>
+        <p:spPr>
+          <a:xfrm>
+            <a:off x="6425346" y="4085850"/>
+            <a:ext cx="108000" cy="108000"/>
+          </a:xfrm>
+          <a:prstGeom prst="ellipse">
+            <a:avLst/>
+          </a:prstGeom>
+          <a:solidFill>
+            <a:srgbClr val="7030A0"/>
+          </a:solidFill>
+          <a:ln>
+            <a:solidFill>
+              <a:srgbClr val="7030A0"/>
+            </a:solidFill>
+          </a:ln>
+        </p:spPr>
+        <p:style>
+          <a:lnRef idx="2">
+            <a:schemeClr val="accent1">
+              <a:shade val="50000"/>
+            </a:schemeClr>
+          </a:lnRef>
+          <a:fillRef idx="1">
+            <a:schemeClr val="accent1"/>
+          </a:fillRef>
+          <a:effectRef idx="0">
+            <a:schemeClr val="accent1"/>
+          </a:effectRef>
+          <a:fontRef idx="minor">
+            <a:schemeClr val="lt1"/>
+          </a:fontRef>
+        </p:style>
+        <p:txBody>
+          <a:bodyPr rtlCol="0" anchor="ctr"/>
+          <a:lstStyle/>
+          <a:p>
+            <a:pPr algn="ctr"/>
+            <a:endParaRPr lang="zh-CN" altLang="en-US"/>
+          </a:p>
+        </p:txBody>
+      </p:sp>
+      <p:graphicFrame>
+        <p:nvGraphicFramePr>
+          <p:cNvPr id="38" name="对象 37">
+            <a:extLst>
+              <a:ext uri="{FF2B5EF4-FFF2-40B4-BE49-F238E27FC236}">
+                <a16:creationId xmlns:a16="http://schemas.microsoft.com/office/drawing/2014/main" id="{239C076D-3FFB-48C0-9523-67F3F72B0F7A}"/>
+              </a:ext>
+            </a:extLst>
+          </p:cNvPr>
+          <p:cNvGraphicFramePr>
+            <a:graphicFrameLocks noChangeAspect="1"/>
+          </p:cNvGraphicFramePr>
+          <p:nvPr>
+            <p:extLst>
+              <p:ext uri="{D42A27DB-BD31-4B8C-83A1-F6EECF244321}">
+                <p14:modId xmlns:p14="http://schemas.microsoft.com/office/powerpoint/2010/main" val="1231722102"/>
+              </p:ext>
+            </p:extLst>
+          </p:nvPr>
+        </p:nvGraphicFramePr>
+        <p:xfrm>
+          <a:off x="6404364" y="4158285"/>
+          <a:ext cx="1174750" cy="457200"/>
+        </p:xfrm>
+        <a:graphic>
+          <a:graphicData uri="http://schemas.openxmlformats.org/presentationml/2006/ole">
+            <mc:AlternateContent xmlns:mc="http://schemas.openxmlformats.org/markup-compatibility/2006">
+              <mc:Choice xmlns:v="urn:schemas-microsoft-com:vml" Requires="v">
+                <p:oleObj spid="_x0000_s15385" name="AxMath" r:id="rId11" imgW="587160" imgH="228600" progId="Equation.AxMath">
+                  <p:embed/>
+                </p:oleObj>
+              </mc:Choice>
+              <mc:Fallback>
+                <p:oleObj name="AxMath" r:id="rId11" imgW="587160" imgH="228600" progId="Equation.AxMath">
+                  <p:embed/>
+                  <p:pic>
+                    <p:nvPicPr>
+                      <p:cNvPr id="31" name="对象 30">
+                        <a:extLst>
+                          <a:ext uri="{FF2B5EF4-FFF2-40B4-BE49-F238E27FC236}">
+                            <a16:creationId xmlns:a16="http://schemas.microsoft.com/office/drawing/2014/main" id="{C6A2C6B0-6E41-4A03-99CB-9C8F85F2BFB3}"/>
+                          </a:ext>
+                        </a:extLst>
+                      </p:cNvPr>
+                      <p:cNvPicPr/>
+                      <p:nvPr/>
+                    </p:nvPicPr>
+                    <p:blipFill>
+                      <a:blip r:embed="rId12"/>
+                      <a:stretch>
+                        <a:fillRect/>
+                      </a:stretch>
+                    </p:blipFill>
+                    <p:spPr>
+                      <a:xfrm>
+                        <a:off x="6404364" y="4158285"/>
+                        <a:ext cx="1174750" cy="457200"/>
+                      </a:xfrm>
+                      <a:prstGeom prst="rect">
+                        <a:avLst/>
+                      </a:prstGeom>
+                    </p:spPr>
+                  </p:pic>
+                </p:oleObj>
+              </mc:Fallback>
+            </mc:AlternateContent>
+          </a:graphicData>
+        </a:graphic>
+      </p:graphicFrame>
+      <p:cxnSp>
+        <p:nvCxnSpPr>
+          <p:cNvPr id="40" name="直接连接符 39">
+            <a:extLst>
+              <a:ext uri="{FF2B5EF4-FFF2-40B4-BE49-F238E27FC236}">
+                <a16:creationId xmlns:a16="http://schemas.microsoft.com/office/drawing/2014/main" id="{DC7B7669-B86A-4104-960A-8D023A0F089C}"/>
+              </a:ext>
+            </a:extLst>
+          </p:cNvPr>
+          <p:cNvCxnSpPr>
+            <a:cxnSpLocks/>
+          </p:cNvCxnSpPr>
+          <p:nvPr/>
+        </p:nvCxnSpPr>
+        <p:spPr>
+          <a:xfrm flipV="1">
+            <a:off x="4186335" y="1344416"/>
+            <a:ext cx="4320881" cy="4320881"/>
+          </a:xfrm>
+          <a:prstGeom prst="line">
+            <a:avLst/>
+          </a:prstGeom>
+          <a:ln w="12700">
+            <a:solidFill>
+              <a:schemeClr val="accent1"/>
+            </a:solidFill>
+          </a:ln>
+        </p:spPr>
+        <p:style>
+          <a:lnRef idx="1">
+            <a:schemeClr val="accent1"/>
+          </a:lnRef>
+          <a:fillRef idx="0">
+            <a:schemeClr val="accent1"/>
+          </a:fillRef>
+          <a:effectRef idx="0">
+            <a:schemeClr val="accent1"/>
+          </a:effectRef>
+          <a:fontRef idx="minor">
+            <a:schemeClr val="tx1"/>
+          </a:fontRef>
+        </p:style>
+      </p:cxnSp>
+    </p:spTree>
+    <p:extLst>
+      <p:ext uri="{BB962C8B-B14F-4D97-AF65-F5344CB8AC3E}">
+        <p14:creationId xmlns:p14="http://schemas.microsoft.com/office/powerpoint/2010/main" val="3134970550"/>
+      </p:ext>
+    </p:extLst>
+  </p:cSld>
+  <p:clrMapOvr>
+    <a:masterClrMapping/>
+  </p:clrMapOvr>
+</p:sld>
+</file>
+
 <file path=ppt/slides/slide2.xml><?xml version="1.0" encoding="utf-8"?>
 <p:sld xmlns:a="http://schemas.openxmlformats.org/drawingml/2006/main" xmlns:r="http://schemas.openxmlformats.org/officeDocument/2006/relationships" xmlns:p="http://schemas.openxmlformats.org/presentationml/2006/main">
   <p:cSld>
@@ -6696,7 +7760,7 @@
             <a:graphicData uri="http://schemas.openxmlformats.org/presentationml/2006/ole">
               <mc:AlternateContent xmlns:mc="http://schemas.openxmlformats.org/markup-compatibility/2006">
                 <mc:Choice xmlns:v="urn:schemas-microsoft-com:vml" Requires="v">
-                  <p:oleObj spid="_x0000_s2456" name="AxMath" r:id="rId3" imgW="409680" imgH="228600" progId="Equation.AxMath">
+                  <p:oleObj spid="_x0000_s2476" name="AxMath" r:id="rId3" imgW="409680" imgH="228600" progId="Equation.AxMath">
                     <p:embed/>
                   </p:oleObj>
                 </mc:Choice>
@@ -6759,7 +7823,7 @@
             <a:graphicData uri="http://schemas.openxmlformats.org/presentationml/2006/ole">
               <mc:AlternateContent xmlns:mc="http://schemas.openxmlformats.org/markup-compatibility/2006">
                 <mc:Choice xmlns:v="urn:schemas-microsoft-com:vml" Requires="v">
-                  <p:oleObj spid="_x0000_s2457" name="AxMath" r:id="rId5" imgW="325080" imgH="226440" progId="Equation.AxMath">
+                  <p:oleObj spid="_x0000_s2477" name="AxMath" r:id="rId5" imgW="325080" imgH="226440" progId="Equation.AxMath">
                     <p:embed/>
                   </p:oleObj>
                 </mc:Choice>
@@ -7227,7 +8291,7 @@
             <a:graphicData uri="http://schemas.openxmlformats.org/presentationml/2006/ole">
               <mc:AlternateContent xmlns:mc="http://schemas.openxmlformats.org/markup-compatibility/2006">
                 <mc:Choice xmlns:v="urn:schemas-microsoft-com:vml" Requires="v">
-                  <p:oleObj spid="_x0000_s2458" name="AxMath" r:id="rId7" imgW="831600" imgH="228600" progId="Equation.AxMath">
+                  <p:oleObj spid="_x0000_s2478" name="AxMath" r:id="rId7" imgW="831600" imgH="228600" progId="Equation.AxMath">
                     <p:embed/>
                   </p:oleObj>
                 </mc:Choice>
@@ -7290,7 +8354,7 @@
             <a:graphicData uri="http://schemas.openxmlformats.org/presentationml/2006/ole">
               <mc:AlternateContent xmlns:mc="http://schemas.openxmlformats.org/markup-compatibility/2006">
                 <mc:Choice xmlns:v="urn:schemas-microsoft-com:vml" Requires="v">
-                  <p:oleObj spid="_x0000_s2459" name="AxMath" r:id="rId9" imgW="480240" imgH="228600" progId="Equation.AxMath">
+                  <p:oleObj spid="_x0000_s2479" name="AxMath" r:id="rId9" imgW="480240" imgH="228600" progId="Equation.AxMath">
                     <p:embed/>
                   </p:oleObj>
                 </mc:Choice>
@@ -7472,7 +8536,7 @@
           <a:graphicData uri="http://schemas.openxmlformats.org/presentationml/2006/ole">
             <mc:AlternateContent xmlns:mc="http://schemas.openxmlformats.org/markup-compatibility/2006">
               <mc:Choice xmlns:v="urn:schemas-microsoft-com:vml" Requires="v">
-                <p:oleObj spid="_x0000_s3564" name="AxMath" r:id="rId3" imgW="214920" imgH="235800" progId="Equation.AxMath">
+                <p:oleObj spid="_x0000_s3589" name="AxMath" r:id="rId3" imgW="214920" imgH="235800" progId="Equation.AxMath">
                   <p:embed/>
                 </p:oleObj>
               </mc:Choice>
@@ -7535,7 +8599,7 @@
           <a:graphicData uri="http://schemas.openxmlformats.org/presentationml/2006/ole">
             <mc:AlternateContent xmlns:mc="http://schemas.openxmlformats.org/markup-compatibility/2006">
               <mc:Choice xmlns:v="urn:schemas-microsoft-com:vml" Requires="v">
-                <p:oleObj spid="_x0000_s3565" name="AxMath" r:id="rId5" imgW="242280" imgH="235800" progId="Equation.AxMath">
+                <p:oleObj spid="_x0000_s3590" name="AxMath" r:id="rId5" imgW="242280" imgH="235800" progId="Equation.AxMath">
                   <p:embed/>
                 </p:oleObj>
               </mc:Choice>
@@ -7598,7 +8662,7 @@
           <a:graphicData uri="http://schemas.openxmlformats.org/presentationml/2006/ole">
             <mc:AlternateContent xmlns:mc="http://schemas.openxmlformats.org/markup-compatibility/2006">
               <mc:Choice xmlns:v="urn:schemas-microsoft-com:vml" Requires="v">
-                <p:oleObj spid="_x0000_s3566" name="AxMath" r:id="rId7" imgW="822600" imgH="825840" progId="Equation.AxMath">
+                <p:oleObj spid="_x0000_s3591" name="AxMath" r:id="rId7" imgW="822600" imgH="825840" progId="Equation.AxMath">
                   <p:embed/>
                 </p:oleObj>
               </mc:Choice>
@@ -7839,7 +8903,7 @@
           <a:graphicData uri="http://schemas.openxmlformats.org/presentationml/2006/ole">
             <mc:AlternateContent xmlns:mc="http://schemas.openxmlformats.org/markup-compatibility/2006">
               <mc:Choice xmlns:v="urn:schemas-microsoft-com:vml" Requires="v">
-                <p:oleObj spid="_x0000_s3567" name="AxMath" r:id="rId9" imgW="214920" imgH="235800" progId="Equation.AxMath">
+                <p:oleObj spid="_x0000_s3592" name="AxMath" r:id="rId9" imgW="214920" imgH="235800" progId="Equation.AxMath">
                   <p:embed/>
                 </p:oleObj>
               </mc:Choice>
@@ -7908,7 +8972,7 @@
           <a:graphicData uri="http://schemas.openxmlformats.org/presentationml/2006/ole">
             <mc:AlternateContent xmlns:mc="http://schemas.openxmlformats.org/markup-compatibility/2006">
               <mc:Choice xmlns:v="urn:schemas-microsoft-com:vml" Requires="v">
-                <p:oleObj spid="_x0000_s3568" name="AxMath" r:id="rId10" imgW="242280" imgH="235800" progId="Equation.AxMath">
+                <p:oleObj spid="_x0000_s3593" name="AxMath" r:id="rId10" imgW="242280" imgH="235800" progId="Equation.AxMath">
                   <p:embed/>
                 </p:oleObj>
               </mc:Choice>
@@ -8200,7 +9264,7 @@
             <a:graphicData uri="http://schemas.openxmlformats.org/presentationml/2006/ole">
               <mc:AlternateContent xmlns:mc="http://schemas.openxmlformats.org/markup-compatibility/2006">
                 <mc:Choice xmlns:v="urn:schemas-microsoft-com:vml" Requires="v">
-                  <p:oleObj spid="_x0000_s9774" name="AxMath" r:id="rId3" imgW="214920" imgH="235800" progId="Equation.AxMath">
+                  <p:oleObj spid="_x0000_s9864" name="AxMath" r:id="rId3" imgW="214920" imgH="235800" progId="Equation.AxMath">
                     <p:embed/>
                   </p:oleObj>
                 </mc:Choice>
@@ -8269,7 +9333,7 @@
             <a:graphicData uri="http://schemas.openxmlformats.org/presentationml/2006/ole">
               <mc:AlternateContent xmlns:mc="http://schemas.openxmlformats.org/markup-compatibility/2006">
                 <mc:Choice xmlns:v="urn:schemas-microsoft-com:vml" Requires="v">
-                  <p:oleObj spid="_x0000_s9775" name="AxMath" r:id="rId5" imgW="242280" imgH="235800" progId="Equation.AxMath">
+                  <p:oleObj spid="_x0000_s9865" name="AxMath" r:id="rId5" imgW="242280" imgH="235800" progId="Equation.AxMath">
                     <p:embed/>
                   </p:oleObj>
                 </mc:Choice>
@@ -8433,7 +9497,7 @@
             <a:graphicData uri="http://schemas.openxmlformats.org/presentationml/2006/ole">
               <mc:AlternateContent xmlns:mc="http://schemas.openxmlformats.org/markup-compatibility/2006">
                 <mc:Choice xmlns:v="urn:schemas-microsoft-com:vml" Requires="v">
-                  <p:oleObj spid="_x0000_s9776" name="AxMath" r:id="rId7" imgW="282600" imgH="235800" progId="Equation.AxMath">
+                  <p:oleObj spid="_x0000_s9866" name="AxMath" r:id="rId7" imgW="282600" imgH="235800" progId="Equation.AxMath">
                     <p:embed/>
                   </p:oleObj>
                 </mc:Choice>
@@ -8674,7 +9738,7 @@
             <a:graphicData uri="http://schemas.openxmlformats.org/presentationml/2006/ole">
               <mc:AlternateContent xmlns:mc="http://schemas.openxmlformats.org/markup-compatibility/2006">
                 <mc:Choice xmlns:v="urn:schemas-microsoft-com:vml" Requires="v">
-                  <p:oleObj spid="_x0000_s9777" name="AxMath" r:id="rId9" imgW="191520" imgH="228600" progId="Equation.AxMath">
+                  <p:oleObj spid="_x0000_s9867" name="AxMath" r:id="rId9" imgW="191520" imgH="228600" progId="Equation.AxMath">
                     <p:embed/>
                   </p:oleObj>
                 </mc:Choice>
@@ -8737,7 +9801,7 @@
             <a:graphicData uri="http://schemas.openxmlformats.org/presentationml/2006/ole">
               <mc:AlternateContent xmlns:mc="http://schemas.openxmlformats.org/markup-compatibility/2006">
                 <mc:Choice xmlns:v="urn:schemas-microsoft-com:vml" Requires="v">
-                  <p:oleObj spid="_x0000_s9778" name="AxMath" r:id="rId11" imgW="207720" imgH="228600" progId="Equation.AxMath">
+                  <p:oleObj spid="_x0000_s9868" name="AxMath" r:id="rId11" imgW="207720" imgH="228600" progId="Equation.AxMath">
                     <p:embed/>
                   </p:oleObj>
                 </mc:Choice>
@@ -8800,7 +9864,7 @@
             <a:graphicData uri="http://schemas.openxmlformats.org/presentationml/2006/ole">
               <mc:AlternateContent xmlns:mc="http://schemas.openxmlformats.org/markup-compatibility/2006">
                 <mc:Choice xmlns:v="urn:schemas-microsoft-com:vml" Requires="v">
-                  <p:oleObj spid="_x0000_s9779" name="AxMath" r:id="rId13" imgW="1371960" imgH="228600" progId="Equation.AxMath">
+                  <p:oleObj spid="_x0000_s9869" name="AxMath" r:id="rId13" imgW="1371960" imgH="228600" progId="Equation.AxMath">
                     <p:embed/>
                   </p:oleObj>
                 </mc:Choice>
@@ -8863,7 +9927,7 @@
             <a:graphicData uri="http://schemas.openxmlformats.org/presentationml/2006/ole">
               <mc:AlternateContent xmlns:mc="http://schemas.openxmlformats.org/markup-compatibility/2006">
                 <mc:Choice xmlns:v="urn:schemas-microsoft-com:vml" Requires="v">
-                  <p:oleObj spid="_x0000_s9780" name="AxMath" r:id="rId15" imgW="1390320" imgH="228600" progId="Equation.AxMath">
+                  <p:oleObj spid="_x0000_s9870" name="AxMath" r:id="rId15" imgW="1390320" imgH="228600" progId="Equation.AxMath">
                     <p:embed/>
                   </p:oleObj>
                 </mc:Choice>
@@ -8932,7 +9996,7 @@
             <a:graphicData uri="http://schemas.openxmlformats.org/presentationml/2006/ole">
               <mc:AlternateContent xmlns:mc="http://schemas.openxmlformats.org/markup-compatibility/2006">
                 <mc:Choice xmlns:v="urn:schemas-microsoft-com:vml" Requires="v">
-                  <p:oleObj spid="_x0000_s9781" name="AxMath" r:id="rId17" imgW="1400040" imgH="664560" progId="Equation.AxMath">
+                  <p:oleObj spid="_x0000_s9871" name="AxMath" r:id="rId17" imgW="1400040" imgH="664560" progId="Equation.AxMath">
                     <p:embed/>
                   </p:oleObj>
                 </mc:Choice>
@@ -8995,7 +10059,7 @@
             <a:graphicData uri="http://schemas.openxmlformats.org/presentationml/2006/ole">
               <mc:AlternateContent xmlns:mc="http://schemas.openxmlformats.org/markup-compatibility/2006">
                 <mc:Choice xmlns:v="urn:schemas-microsoft-com:vml" Requires="v">
-                  <p:oleObj spid="_x0000_s9782" name="AxMath" r:id="rId19" imgW="889920" imgH="228600" progId="Equation.AxMath">
+                  <p:oleObj spid="_x0000_s9872" name="AxMath" r:id="rId19" imgW="889920" imgH="228600" progId="Equation.AxMath">
                     <p:embed/>
                   </p:oleObj>
                 </mc:Choice>
@@ -9309,7 +10373,7 @@
             <a:graphicData uri="http://schemas.openxmlformats.org/presentationml/2006/ole">
               <mc:AlternateContent xmlns:mc="http://schemas.openxmlformats.org/markup-compatibility/2006">
                 <mc:Choice xmlns:v="urn:schemas-microsoft-com:vml" Requires="v">
-                  <p:oleObj spid="_x0000_s9783" name="AxMath" r:id="rId21" imgW="887400" imgH="263520" progId="Equation.AxMath">
+                  <p:oleObj spid="_x0000_s9873" name="AxMath" r:id="rId21" imgW="887400" imgH="263520" progId="Equation.AxMath">
                     <p:embed/>
                   </p:oleObj>
                 </mc:Choice>
@@ -9372,7 +10436,7 @@
             <a:graphicData uri="http://schemas.openxmlformats.org/presentationml/2006/ole">
               <mc:AlternateContent xmlns:mc="http://schemas.openxmlformats.org/markup-compatibility/2006">
                 <mc:Choice xmlns:v="urn:schemas-microsoft-com:vml" Requires="v">
-                  <p:oleObj spid="_x0000_s9784" name="AxMath" r:id="rId23" imgW="286920" imgH="235800" progId="Equation.AxMath">
+                  <p:oleObj spid="_x0000_s9874" name="AxMath" r:id="rId23" imgW="286920" imgH="235800" progId="Equation.AxMath">
                     <p:embed/>
                   </p:oleObj>
                 </mc:Choice>
@@ -9603,7 +10667,7 @@
             <a:graphicData uri="http://schemas.openxmlformats.org/presentationml/2006/ole">
               <mc:AlternateContent xmlns:mc="http://schemas.openxmlformats.org/markup-compatibility/2006">
                 <mc:Choice xmlns:v="urn:schemas-microsoft-com:vml" Requires="v">
-                  <p:oleObj spid="_x0000_s9785" name="AxMath" r:id="rId25" imgW="214920" imgH="235800" progId="Equation.AxMath">
+                  <p:oleObj spid="_x0000_s9875" name="AxMath" r:id="rId25" imgW="214920" imgH="235800" progId="Equation.AxMath">
                     <p:embed/>
                   </p:oleObj>
                 </mc:Choice>
@@ -9672,7 +10736,7 @@
             <a:graphicData uri="http://schemas.openxmlformats.org/presentationml/2006/ole">
               <mc:AlternateContent xmlns:mc="http://schemas.openxmlformats.org/markup-compatibility/2006">
                 <mc:Choice xmlns:v="urn:schemas-microsoft-com:vml" Requires="v">
-                  <p:oleObj spid="_x0000_s9786" name="AxMath" r:id="rId26" imgW="242280" imgH="235800" progId="Equation.AxMath">
+                  <p:oleObj spid="_x0000_s9876" name="AxMath" r:id="rId26" imgW="242280" imgH="235800" progId="Equation.AxMath">
                     <p:embed/>
                   </p:oleObj>
                 </mc:Choice>
@@ -9741,7 +10805,7 @@
             <a:graphicData uri="http://schemas.openxmlformats.org/presentationml/2006/ole">
               <mc:AlternateContent xmlns:mc="http://schemas.openxmlformats.org/markup-compatibility/2006">
                 <mc:Choice xmlns:v="urn:schemas-microsoft-com:vml" Requires="v">
-                  <p:oleObj spid="_x0000_s9787" name="AxMath" r:id="rId27" imgW="980640" imgH="228600" progId="Equation.AxMath">
+                  <p:oleObj spid="_x0000_s9877" name="AxMath" r:id="rId27" imgW="980640" imgH="228600" progId="Equation.AxMath">
                     <p:embed/>
                   </p:oleObj>
                 </mc:Choice>
@@ -9804,7 +10868,7 @@
             <a:graphicData uri="http://schemas.openxmlformats.org/presentationml/2006/ole">
               <mc:AlternateContent xmlns:mc="http://schemas.openxmlformats.org/markup-compatibility/2006">
                 <mc:Choice xmlns:v="urn:schemas-microsoft-com:vml" Requires="v">
-                  <p:oleObj spid="_x0000_s9788" name="AxMath" r:id="rId29" imgW="980640" imgH="228600" progId="Equation.AxMath">
+                  <p:oleObj spid="_x0000_s9878" name="AxMath" r:id="rId29" imgW="980640" imgH="228600" progId="Equation.AxMath">
                     <p:embed/>
                   </p:oleObj>
                 </mc:Choice>
@@ -9926,7 +10990,7 @@
             <a:graphicData uri="http://schemas.openxmlformats.org/presentationml/2006/ole">
               <mc:AlternateContent xmlns:mc="http://schemas.openxmlformats.org/markup-compatibility/2006">
                 <mc:Choice xmlns:v="urn:schemas-microsoft-com:vml" Requires="v">
-                  <p:oleObj spid="_x0000_s9789" name="AxMath" r:id="rId31" imgW="286920" imgH="235800" progId="Equation.AxMath">
+                  <p:oleObj spid="_x0000_s9879" name="AxMath" r:id="rId31" imgW="286920" imgH="235800" progId="Equation.AxMath">
                     <p:embed/>
                   </p:oleObj>
                 </mc:Choice>
@@ -9995,7 +11059,7 @@
             <a:graphicData uri="http://schemas.openxmlformats.org/presentationml/2006/ole">
               <mc:AlternateContent xmlns:mc="http://schemas.openxmlformats.org/markup-compatibility/2006">
                 <mc:Choice xmlns:v="urn:schemas-microsoft-com:vml" Requires="v">
-                  <p:oleObj spid="_x0000_s9790" name="AxMath" r:id="rId32" imgW="891360" imgH="235800" progId="Equation.AxMath">
+                  <p:oleObj spid="_x0000_s9880" name="AxMath" r:id="rId32" imgW="891360" imgH="235800" progId="Equation.AxMath">
                     <p:embed/>
                   </p:oleObj>
                 </mc:Choice>
@@ -10058,7 +11122,7 @@
             <a:graphicData uri="http://schemas.openxmlformats.org/presentationml/2006/ole">
               <mc:AlternateContent xmlns:mc="http://schemas.openxmlformats.org/markup-compatibility/2006">
                 <mc:Choice xmlns:v="urn:schemas-microsoft-com:vml" Requires="v">
-                  <p:oleObj spid="_x0000_s9791" name="AxMath" r:id="rId34" imgW="969120" imgH="235800" progId="Equation.AxMath">
+                  <p:oleObj spid="_x0000_s9881" name="AxMath" r:id="rId34" imgW="969120" imgH="235800" progId="Equation.AxMath">
                     <p:embed/>
                   </p:oleObj>
                 </mc:Choice>
@@ -10309,7 +11373,7 @@
             <a:graphicData uri="http://schemas.openxmlformats.org/presentationml/2006/ole">
               <mc:AlternateContent xmlns:mc="http://schemas.openxmlformats.org/markup-compatibility/2006">
                 <mc:Choice xmlns:v="urn:schemas-microsoft-com:vml" Requires="v">
-                  <p:oleObj spid="_x0000_s5803" name="AxMath" r:id="rId3" imgW="826200" imgH="239400" progId="Equation.AxMath">
+                  <p:oleObj spid="_x0000_s5848" name="AxMath" r:id="rId3" imgW="826200" imgH="239400" progId="Equation.AxMath">
                     <p:embed/>
                   </p:oleObj>
                 </mc:Choice>
@@ -10372,7 +11436,7 @@
             <a:graphicData uri="http://schemas.openxmlformats.org/presentationml/2006/ole">
               <mc:AlternateContent xmlns:mc="http://schemas.openxmlformats.org/markup-compatibility/2006">
                 <mc:Choice xmlns:v="urn:schemas-microsoft-com:vml" Requires="v">
-                  <p:oleObj spid="_x0000_s5804" name="AxMath" r:id="rId5" imgW="354240" imgH="235800" progId="Equation.AxMath">
+                  <p:oleObj spid="_x0000_s5849" name="AxMath" r:id="rId5" imgW="354240" imgH="235800" progId="Equation.AxMath">
                     <p:embed/>
                   </p:oleObj>
                 </mc:Choice>
@@ -10585,7 +11649,7 @@
             <a:graphicData uri="http://schemas.openxmlformats.org/presentationml/2006/ole">
               <mc:AlternateContent xmlns:mc="http://schemas.openxmlformats.org/markup-compatibility/2006">
                 <mc:Choice xmlns:v="urn:schemas-microsoft-com:vml" Requires="v">
-                  <p:oleObj spid="_x0000_s5805" name="AxMath" r:id="rId7" imgW="396360" imgH="417600" progId="Equation.AxMath">
+                  <p:oleObj spid="_x0000_s5850" name="AxMath" r:id="rId7" imgW="396360" imgH="417600" progId="Equation.AxMath">
                     <p:embed/>
                   </p:oleObj>
                 </mc:Choice>
@@ -10648,7 +11712,7 @@
             <a:graphicData uri="http://schemas.openxmlformats.org/presentationml/2006/ole">
               <mc:AlternateContent xmlns:mc="http://schemas.openxmlformats.org/markup-compatibility/2006">
                 <mc:Choice xmlns:v="urn:schemas-microsoft-com:vml" Requires="v">
-                  <p:oleObj spid="_x0000_s5806" name="AxMath" r:id="rId9" imgW="438840" imgH="417600" progId="Equation.AxMath">
+                  <p:oleObj spid="_x0000_s5851" name="AxMath" r:id="rId9" imgW="438840" imgH="417600" progId="Equation.AxMath">
                     <p:embed/>
                   </p:oleObj>
                 </mc:Choice>
@@ -10717,7 +11781,7 @@
             <a:graphicData uri="http://schemas.openxmlformats.org/presentationml/2006/ole">
               <mc:AlternateContent xmlns:mc="http://schemas.openxmlformats.org/markup-compatibility/2006">
                 <mc:Choice xmlns:v="urn:schemas-microsoft-com:vml" Requires="v">
-                  <p:oleObj spid="_x0000_s5807" name="AxMath" r:id="rId11" imgW="149760" imgH="228600" progId="Equation.AxMath">
+                  <p:oleObj spid="_x0000_s5852" name="AxMath" r:id="rId11" imgW="149760" imgH="228600" progId="Equation.AxMath">
                     <p:embed/>
                   </p:oleObj>
                 </mc:Choice>
@@ -10780,7 +11844,7 @@
             <a:graphicData uri="http://schemas.openxmlformats.org/presentationml/2006/ole">
               <mc:AlternateContent xmlns:mc="http://schemas.openxmlformats.org/markup-compatibility/2006">
                 <mc:Choice xmlns:v="urn:schemas-microsoft-com:vml" Requires="v">
-                  <p:oleObj spid="_x0000_s5808" name="AxMath" r:id="rId13" imgW="427680" imgH="228600" progId="Equation.AxMath">
+                  <p:oleObj spid="_x0000_s5853" name="AxMath" r:id="rId13" imgW="427680" imgH="228600" progId="Equation.AxMath">
                     <p:embed/>
                   </p:oleObj>
                 </mc:Choice>
@@ -10931,7 +11995,7 @@
             <a:graphicData uri="http://schemas.openxmlformats.org/presentationml/2006/ole">
               <mc:AlternateContent xmlns:mc="http://schemas.openxmlformats.org/markup-compatibility/2006">
                 <mc:Choice xmlns:v="urn:schemas-microsoft-com:vml" Requires="v">
-                  <p:oleObj spid="_x0000_s5809" name="AxMath" r:id="rId15" imgW="558720" imgH="228600" progId="Equation.AxMath">
+                  <p:oleObj spid="_x0000_s5854" name="AxMath" r:id="rId15" imgW="558720" imgH="228600" progId="Equation.AxMath">
                     <p:embed/>
                   </p:oleObj>
                 </mc:Choice>
@@ -10994,7 +12058,7 @@
             <a:graphicData uri="http://schemas.openxmlformats.org/presentationml/2006/ole">
               <mc:AlternateContent xmlns:mc="http://schemas.openxmlformats.org/markup-compatibility/2006">
                 <mc:Choice xmlns:v="urn:schemas-microsoft-com:vml" Requires="v">
-                  <p:oleObj spid="_x0000_s5810" name="AxMath" r:id="rId17" imgW="2189520" imgH="420840" progId="Equation.AxMath">
+                  <p:oleObj spid="_x0000_s5855" name="AxMath" r:id="rId17" imgW="2189520" imgH="420840" progId="Equation.AxMath">
                     <p:embed/>
                   </p:oleObj>
                 </mc:Choice>
@@ -11057,7 +12121,7 @@
             <a:graphicData uri="http://schemas.openxmlformats.org/presentationml/2006/ole">
               <mc:AlternateContent xmlns:mc="http://schemas.openxmlformats.org/markup-compatibility/2006">
                 <mc:Choice xmlns:v="urn:schemas-microsoft-com:vml" Requires="v">
-                  <p:oleObj spid="_x0000_s5811" name="AxMath" r:id="rId19" imgW="1568880" imgH="415800" progId="Equation.AxMath">
+                  <p:oleObj spid="_x0000_s5856" name="AxMath" r:id="rId19" imgW="1568880" imgH="415800" progId="Equation.AxMath">
                     <p:embed/>
                   </p:oleObj>
                 </mc:Choice>
@@ -11644,7 +12708,7 @@
             <a:graphicData uri="http://schemas.openxmlformats.org/presentationml/2006/ole">
               <mc:AlternateContent xmlns:mc="http://schemas.openxmlformats.org/markup-compatibility/2006">
                 <mc:Choice xmlns:v="urn:schemas-microsoft-com:vml" Requires="v">
-                  <p:oleObj spid="_x0000_s6347" name="AxMath" r:id="rId3" imgW="826200" imgH="239400" progId="Equation.AxMath">
+                  <p:oleObj spid="_x0000_s6362" name="AxMath" r:id="rId3" imgW="826200" imgH="239400" progId="Equation.AxMath">
                     <p:embed/>
                   </p:oleObj>
                 </mc:Choice>
@@ -11713,7 +12777,7 @@
             <a:graphicData uri="http://schemas.openxmlformats.org/presentationml/2006/ole">
               <mc:AlternateContent xmlns:mc="http://schemas.openxmlformats.org/markup-compatibility/2006">
                 <mc:Choice xmlns:v="urn:schemas-microsoft-com:vml" Requires="v">
-                  <p:oleObj spid="_x0000_s6348" name="AxMath" r:id="rId5" imgW="354240" imgH="235800" progId="Equation.AxMath">
+                  <p:oleObj spid="_x0000_s6363" name="AxMath" r:id="rId5" imgW="354240" imgH="235800" progId="Equation.AxMath">
                     <p:embed/>
                   </p:oleObj>
                 </mc:Choice>
@@ -11932,7 +12996,7 @@
             <a:graphicData uri="http://schemas.openxmlformats.org/presentationml/2006/ole">
               <mc:AlternateContent xmlns:mc="http://schemas.openxmlformats.org/markup-compatibility/2006">
                 <mc:Choice xmlns:v="urn:schemas-microsoft-com:vml" Requires="v">
-                  <p:oleObj spid="_x0000_s6349" name="AxMath" r:id="rId7" imgW="149760" imgH="228600" progId="Equation.AxMath">
+                  <p:oleObj spid="_x0000_s6364" name="AxMath" r:id="rId7" imgW="149760" imgH="228600" progId="Equation.AxMath">
                     <p:embed/>
                   </p:oleObj>
                 </mc:Choice>
@@ -12142,7 +13206,7 @@
           <a:graphicData uri="http://schemas.openxmlformats.org/presentationml/2006/ole">
             <mc:AlternateContent xmlns:mc="http://schemas.openxmlformats.org/markup-compatibility/2006">
               <mc:Choice xmlns:v="urn:schemas-microsoft-com:vml" Requires="v">
-                <p:oleObj spid="_x0000_s7235" name="AxMath" r:id="rId3" imgW="2948040" imgH="946800" progId="Equation.AxMath">
+                <p:oleObj spid="_x0000_s7240" name="AxMath" r:id="rId3" imgW="2948040" imgH="946800" progId="Equation.AxMath">
                   <p:embed/>
                 </p:oleObj>
               </mc:Choice>
@@ -12384,7 +13448,7 @@
             <a:graphicData uri="http://schemas.openxmlformats.org/presentationml/2006/ole">
               <mc:AlternateContent xmlns:mc="http://schemas.openxmlformats.org/markup-compatibility/2006">
                 <mc:Choice xmlns:v="urn:schemas-microsoft-com:vml" Requires="v">
-                  <p:oleObj spid="_x0000_s12576" name="AxMath" r:id="rId3" imgW="419760" imgH="228600" progId="Equation.AxMath">
+                  <p:oleObj spid="_x0000_s12686" name="AxMath" r:id="rId3" imgW="419760" imgH="228600" progId="Equation.AxMath">
                     <p:embed/>
                   </p:oleObj>
                 </mc:Choice>
@@ -12447,7 +13511,7 @@
             <a:graphicData uri="http://schemas.openxmlformats.org/presentationml/2006/ole">
               <mc:AlternateContent xmlns:mc="http://schemas.openxmlformats.org/markup-compatibility/2006">
                 <mc:Choice xmlns:v="urn:schemas-microsoft-com:vml" Requires="v">
-                  <p:oleObj spid="_x0000_s12577" name="AxMath" r:id="rId5" imgW="159120" imgH="228600" progId="Equation.AxMath">
+                  <p:oleObj spid="_x0000_s12687" name="AxMath" r:id="rId5" imgW="159120" imgH="228600" progId="Equation.AxMath">
                     <p:embed/>
                   </p:oleObj>
                 </mc:Choice>
@@ -12510,7 +13574,7 @@
             <a:graphicData uri="http://schemas.openxmlformats.org/presentationml/2006/ole">
               <mc:AlternateContent xmlns:mc="http://schemas.openxmlformats.org/markup-compatibility/2006">
                 <mc:Choice xmlns:v="urn:schemas-microsoft-com:vml" Requires="v">
-                  <p:oleObj spid="_x0000_s12578" name="AxMath" r:id="rId7" imgW="113760" imgH="226440" progId="Equation.AxMath">
+                  <p:oleObj spid="_x0000_s12688" name="AxMath" r:id="rId7" imgW="113760" imgH="226440" progId="Equation.AxMath">
                     <p:embed/>
                   </p:oleObj>
                 </mc:Choice>
@@ -12616,7 +13680,7 @@
             <a:graphicData uri="http://schemas.openxmlformats.org/presentationml/2006/ole">
               <mc:AlternateContent xmlns:mc="http://schemas.openxmlformats.org/markup-compatibility/2006">
                 <mc:Choice xmlns:v="urn:schemas-microsoft-com:vml" Requires="v">
-                  <p:oleObj spid="_x0000_s12579" name="AxMath" r:id="rId9" imgW="344880" imgH="228600" progId="Equation.AxMath">
+                  <p:oleObj spid="_x0000_s12689" name="AxMath" r:id="rId9" imgW="344880" imgH="228600" progId="Equation.AxMath">
                     <p:embed/>
                   </p:oleObj>
                 </mc:Choice>
@@ -12679,7 +13743,7 @@
             <a:graphicData uri="http://schemas.openxmlformats.org/presentationml/2006/ole">
               <mc:AlternateContent xmlns:mc="http://schemas.openxmlformats.org/markup-compatibility/2006">
                 <mc:Choice xmlns:v="urn:schemas-microsoft-com:vml" Requires="v">
-                  <p:oleObj spid="_x0000_s12580" name="AxMath" r:id="rId11" imgW="712800" imgH="228600" progId="Equation.AxMath">
+                  <p:oleObj spid="_x0000_s12690" name="AxMath" r:id="rId11" imgW="712800" imgH="228600" progId="Equation.AxMath">
                     <p:embed/>
                   </p:oleObj>
                 </mc:Choice>
@@ -12850,7 +13914,7 @@
             <a:graphicData uri="http://schemas.openxmlformats.org/presentationml/2006/ole">
               <mc:AlternateContent xmlns:mc="http://schemas.openxmlformats.org/markup-compatibility/2006">
                 <mc:Choice xmlns:v="urn:schemas-microsoft-com:vml" Requires="v">
-                  <p:oleObj spid="_x0000_s12581" name="AxMath" r:id="rId13" imgW="296280" imgH="415800" progId="Equation.AxMath">
+                  <p:oleObj spid="_x0000_s12691" name="AxMath" r:id="rId13" imgW="296280" imgH="415800" progId="Equation.AxMath">
                     <p:embed/>
                   </p:oleObj>
                 </mc:Choice>
@@ -13353,7 +14417,7 @@
             <a:graphicData uri="http://schemas.openxmlformats.org/presentationml/2006/ole">
               <mc:AlternateContent xmlns:mc="http://schemas.openxmlformats.org/markup-compatibility/2006">
                 <mc:Choice xmlns:v="urn:schemas-microsoft-com:vml" Requires="v">
-                  <p:oleObj spid="_x0000_s12582" name="AxMath" r:id="rId15" imgW="153360" imgH="228600" progId="Equation.AxMath">
+                  <p:oleObj spid="_x0000_s12692" name="AxMath" r:id="rId15" imgW="153360" imgH="228600" progId="Equation.AxMath">
                     <p:embed/>
                   </p:oleObj>
                 </mc:Choice>
@@ -13416,7 +14480,7 @@
             <a:graphicData uri="http://schemas.openxmlformats.org/presentationml/2006/ole">
               <mc:AlternateContent xmlns:mc="http://schemas.openxmlformats.org/markup-compatibility/2006">
                 <mc:Choice xmlns:v="urn:schemas-microsoft-com:vml" Requires="v">
-                  <p:oleObj spid="_x0000_s12583" name="AxMath" r:id="rId17" imgW="178560" imgH="228600" progId="Equation.AxMath">
+                  <p:oleObj spid="_x0000_s12693" name="AxMath" r:id="rId17" imgW="178560" imgH="228600" progId="Equation.AxMath">
                     <p:embed/>
                   </p:oleObj>
                 </mc:Choice>
@@ -13748,7 +14812,7 @@
             <a:graphicData uri="http://schemas.openxmlformats.org/presentationml/2006/ole">
               <mc:AlternateContent xmlns:mc="http://schemas.openxmlformats.org/markup-compatibility/2006">
                 <mc:Choice xmlns:v="urn:schemas-microsoft-com:vml" Requires="v">
-                  <p:oleObj spid="_x0000_s12584" name="AxMath" r:id="rId19" imgW="419760" imgH="228600" progId="Equation.AxMath">
+                  <p:oleObj spid="_x0000_s12694" name="AxMath" r:id="rId19" imgW="419760" imgH="228600" progId="Equation.AxMath">
                     <p:embed/>
                   </p:oleObj>
                 </mc:Choice>
@@ -13925,7 +14989,7 @@
             <a:graphicData uri="http://schemas.openxmlformats.org/presentationml/2006/ole">
               <mc:AlternateContent xmlns:mc="http://schemas.openxmlformats.org/markup-compatibility/2006">
                 <mc:Choice xmlns:v="urn:schemas-microsoft-com:vml" Requires="v">
-                  <p:oleObj spid="_x0000_s12585" name="AxMath" r:id="rId21" imgW="186840" imgH="415800" progId="Equation.AxMath">
+                  <p:oleObj spid="_x0000_s12695" name="AxMath" r:id="rId21" imgW="186840" imgH="415800" progId="Equation.AxMath">
                     <p:embed/>
                   </p:oleObj>
                 </mc:Choice>
@@ -14265,7 +15329,7 @@
             <a:graphicData uri="http://schemas.openxmlformats.org/presentationml/2006/ole">
               <mc:AlternateContent xmlns:mc="http://schemas.openxmlformats.org/markup-compatibility/2006">
                 <mc:Choice xmlns:v="urn:schemas-microsoft-com:vml" Requires="v">
-                  <p:oleObj spid="_x0000_s12586" name="AxMath" r:id="rId23" imgW="724320" imgH="230400" progId="Equation.AxMath">
+                  <p:oleObj spid="_x0000_s12696" name="AxMath" r:id="rId23" imgW="724320" imgH="230400" progId="Equation.AxMath">
                     <p:embed/>
                   </p:oleObj>
                 </mc:Choice>
@@ -14415,7 +15479,7 @@
             <a:graphicData uri="http://schemas.openxmlformats.org/presentationml/2006/ole">
               <mc:AlternateContent xmlns:mc="http://schemas.openxmlformats.org/markup-compatibility/2006">
                 <mc:Choice xmlns:v="urn:schemas-microsoft-com:vml" Requires="v">
-                  <p:oleObj spid="_x0000_s12587" name="AxMath" r:id="rId25" imgW="451080" imgH="228600" progId="Equation.AxMath">
+                  <p:oleObj spid="_x0000_s12697" name="AxMath" r:id="rId25" imgW="451080" imgH="228600" progId="Equation.AxMath">
                     <p:embed/>
                   </p:oleObj>
                 </mc:Choice>
@@ -14854,7 +15918,7 @@
             <a:graphicData uri="http://schemas.openxmlformats.org/presentationml/2006/ole">
               <mc:AlternateContent xmlns:mc="http://schemas.openxmlformats.org/markup-compatibility/2006">
                 <mc:Choice xmlns:v="urn:schemas-microsoft-com:vml" Requires="v">
-                  <p:oleObj spid="_x0000_s12588" name="AxMath" r:id="rId27" imgW="474840" imgH="228600" progId="Equation.AxMath">
+                  <p:oleObj spid="_x0000_s12698" name="AxMath" r:id="rId27" imgW="474840" imgH="228600" progId="Equation.AxMath">
                     <p:embed/>
                   </p:oleObj>
                 </mc:Choice>
@@ -15089,7 +16153,7 @@
             <a:graphicData uri="http://schemas.openxmlformats.org/presentationml/2006/ole">
               <mc:AlternateContent xmlns:mc="http://schemas.openxmlformats.org/markup-compatibility/2006">
                 <mc:Choice xmlns:v="urn:schemas-microsoft-com:vml" Requires="v">
-                  <p:oleObj spid="_x0000_s12589" name="AxMath" r:id="rId29" imgW="354240" imgH="235800" progId="Equation.AxMath">
+                  <p:oleObj spid="_x0000_s12699" name="AxMath" r:id="rId29" imgW="354240" imgH="235800" progId="Equation.AxMath">
                     <p:embed/>
                   </p:oleObj>
                 </mc:Choice>
@@ -15152,7 +16216,7 @@
             <a:graphicData uri="http://schemas.openxmlformats.org/presentationml/2006/ole">
               <mc:AlternateContent xmlns:mc="http://schemas.openxmlformats.org/markup-compatibility/2006">
                 <mc:Choice xmlns:v="urn:schemas-microsoft-com:vml" Requires="v">
-                  <p:oleObj spid="_x0000_s12590" name="AxMath" r:id="rId31" imgW="110520" imgH="226440" progId="Equation.AxMath">
+                  <p:oleObj spid="_x0000_s12700" name="AxMath" r:id="rId31" imgW="110520" imgH="226440" progId="Equation.AxMath">
                     <p:embed/>
                   </p:oleObj>
                 </mc:Choice>
@@ -15215,7 +16279,7 @@
             <a:graphicData uri="http://schemas.openxmlformats.org/presentationml/2006/ole">
               <mc:AlternateContent xmlns:mc="http://schemas.openxmlformats.org/markup-compatibility/2006">
                 <mc:Choice xmlns:v="urn:schemas-microsoft-com:vml" Requires="v">
-                  <p:oleObj spid="_x0000_s12591" name="AxMath" r:id="rId33" imgW="149760" imgH="228600" progId="Equation.AxMath">
+                  <p:oleObj spid="_x0000_s12701" name="AxMath" r:id="rId33" imgW="149760" imgH="228600" progId="Equation.AxMath">
                     <p:embed/>
                   </p:oleObj>
                 </mc:Choice>
@@ -15320,7 +16384,7 @@
             <a:graphicData uri="http://schemas.openxmlformats.org/presentationml/2006/ole">
               <mc:AlternateContent xmlns:mc="http://schemas.openxmlformats.org/markup-compatibility/2006">
                 <mc:Choice xmlns:v="urn:schemas-microsoft-com:vml" Requires="v">
-                  <p:oleObj spid="_x0000_s12592" name="AxMath" r:id="rId35" imgW="178560" imgH="228600" progId="Equation.AxMath">
+                  <p:oleObj spid="_x0000_s12702" name="AxMath" r:id="rId35" imgW="178560" imgH="228600" progId="Equation.AxMath">
                     <p:embed/>
                   </p:oleObj>
                 </mc:Choice>
@@ -16608,7 +17672,7 @@
             <a:graphicData uri="http://schemas.openxmlformats.org/presentationml/2006/ole">
               <mc:AlternateContent xmlns:mc="http://schemas.openxmlformats.org/markup-compatibility/2006">
                 <mc:Choice xmlns:v="urn:schemas-microsoft-com:vml" Requires="v">
-                  <p:oleObj spid="_x0000_s12593" name="AxMath" r:id="rId36" imgW="332640" imgH="226440" progId="Equation.AxMath">
+                  <p:oleObj spid="_x0000_s12703" name="AxMath" r:id="rId36" imgW="332640" imgH="226440" progId="Equation.AxMath">
                     <p:embed/>
                   </p:oleObj>
                 </mc:Choice>
@@ -17423,7 +18487,7 @@
             <a:graphicData uri="http://schemas.openxmlformats.org/presentationml/2006/ole">
               <mc:AlternateContent xmlns:mc="http://schemas.openxmlformats.org/markup-compatibility/2006">
                 <mc:Choice xmlns:v="urn:schemas-microsoft-com:vml" Requires="v">
-                  <p:oleObj spid="_x0000_s12594" name="AxMath" r:id="rId38" imgW="110520" imgH="226440" progId="Equation.AxMath">
+                  <p:oleObj spid="_x0000_s12704" name="AxMath" r:id="rId38" imgW="110520" imgH="226440" progId="Equation.AxMath">
                     <p:embed/>
                   </p:oleObj>
                 </mc:Choice>
@@ -17492,7 +18556,7 @@
             <a:graphicData uri="http://schemas.openxmlformats.org/presentationml/2006/ole">
               <mc:AlternateContent xmlns:mc="http://schemas.openxmlformats.org/markup-compatibility/2006">
                 <mc:Choice xmlns:v="urn:schemas-microsoft-com:vml" Requires="v">
-                  <p:oleObj spid="_x0000_s12595" name="AxMath" r:id="rId39" imgW="150480" imgH="226440" progId="Equation.AxMath">
+                  <p:oleObj spid="_x0000_s12705" name="AxMath" r:id="rId39" imgW="150480" imgH="226440" progId="Equation.AxMath">
                     <p:embed/>
                   </p:oleObj>
                 </mc:Choice>
@@ -17561,7 +18625,7 @@
             <a:graphicData uri="http://schemas.openxmlformats.org/presentationml/2006/ole">
               <mc:AlternateContent xmlns:mc="http://schemas.openxmlformats.org/markup-compatibility/2006">
                 <mc:Choice xmlns:v="urn:schemas-microsoft-com:vml" Requires="v">
-                  <p:oleObj spid="_x0000_s12596" name="AxMath" r:id="rId41" imgW="799920" imgH="228600" progId="Equation.AxMath">
+                  <p:oleObj spid="_x0000_s12706" name="AxMath" r:id="rId41" imgW="799920" imgH="228600" progId="Equation.AxMath">
                     <p:embed/>
                   </p:oleObj>
                 </mc:Choice>
@@ -17630,7 +18694,7 @@
             <a:graphicData uri="http://schemas.openxmlformats.org/presentationml/2006/ole">
               <mc:AlternateContent xmlns:mc="http://schemas.openxmlformats.org/markup-compatibility/2006">
                 <mc:Choice xmlns:v="urn:schemas-microsoft-com:vml" Requires="v">
-                  <p:oleObj spid="_x0000_s12597" name="AxMath" r:id="rId43" imgW="652680" imgH="228600" progId="Equation.AxMath">
+                  <p:oleObj spid="_x0000_s12707" name="AxMath" r:id="rId43" imgW="652680" imgH="228600" progId="Equation.AxMath">
                     <p:embed/>
                   </p:oleObj>
                 </mc:Choice>
@@ -18092,7 +19156,7 @@
           <a:graphicData uri="http://schemas.openxmlformats.org/presentationml/2006/ole">
             <mc:AlternateContent xmlns:mc="http://schemas.openxmlformats.org/markup-compatibility/2006">
               <mc:Choice xmlns:v="urn:schemas-microsoft-com:vml" Requires="v">
-                <p:oleObj spid="_x0000_s10273" name="AxMath" r:id="rId4" imgW="110160" imgH="226440" progId="Equation.AxMath">
+                <p:oleObj spid="_x0000_s10278" name="AxMath" r:id="rId4" imgW="110160" imgH="226440" progId="Equation.AxMath">
                   <p:embed/>
                 </p:oleObj>
               </mc:Choice>
